--- a/oop final project.pptx
+++ b/oop final project.pptx
@@ -22418,8 +22418,8 @@
         </p:nvSpPr>
         <p:spPr bwMode="auto">
           <a:xfrm>
-            <a:off x="610848" y="1290199"/>
-            <a:ext cx="10201409" cy="5013039"/>
+            <a:off x="377018" y="1288549"/>
+            <a:ext cx="11591170" cy="5013039"/>
           </a:xfrm>
           <a:prstGeom prst="rect">
             <a:avLst/>
@@ -22487,7 +22487,28 @@
                 <a:latin typeface="微软雅黑" pitchFamily="34" charset="-122"/>
                 <a:ea typeface="微软雅黑" pitchFamily="34" charset="-122"/>
               </a:rPr>
-              <a:t>()</a:t>
+              <a:t>(</a:t>
+            </a:r>
+            <a:r>
+              <a:rPr lang="en-US" altLang="zh-TW" sz="2400" dirty="0">
+                <a:solidFill>
+                  <a:srgbClr val="3B3B3B"/>
+                </a:solidFill>
+                <a:latin typeface="微软雅黑" pitchFamily="34" charset="-122"/>
+                <a:ea typeface="微软雅黑" pitchFamily="34" charset="-122"/>
+                <a:hlinkClick r:id="rId2"/>
+              </a:rPr>
+              <a:t>https://github.com/wszqkzqk/pypvz</a:t>
+            </a:r>
+            <a:r>
+              <a:rPr lang="en-US" altLang="zh-TW" sz="2400" dirty="0">
+                <a:solidFill>
+                  <a:srgbClr val="3B3B3B"/>
+                </a:solidFill>
+                <a:latin typeface="微软雅黑" pitchFamily="34" charset="-122"/>
+                <a:ea typeface="微软雅黑" pitchFamily="34" charset="-122"/>
+              </a:rPr>
+              <a:t>)</a:t>
             </a:r>
             <a:r>
               <a:rPr lang="zh-TW" altLang="en-US" sz="2400" dirty="0">

--- a/oop final project.pptx
+++ b/oop final project.pptx
@@ -10,15 +10,16 @@
     <p:sldId id="291" r:id="rId4"/>
     <p:sldId id="289" r:id="rId5"/>
     <p:sldId id="284" r:id="rId6"/>
-    <p:sldId id="286" r:id="rId7"/>
-    <p:sldId id="290" r:id="rId8"/>
-    <p:sldId id="293" r:id="rId9"/>
-    <p:sldId id="276" r:id="rId10"/>
-    <p:sldId id="288" r:id="rId11"/>
-    <p:sldId id="280" r:id="rId12"/>
-    <p:sldId id="292" r:id="rId13"/>
-    <p:sldId id="294" r:id="rId14"/>
-    <p:sldId id="287" r:id="rId15"/>
+    <p:sldId id="295" r:id="rId7"/>
+    <p:sldId id="286" r:id="rId8"/>
+    <p:sldId id="290" r:id="rId9"/>
+    <p:sldId id="293" r:id="rId10"/>
+    <p:sldId id="276" r:id="rId11"/>
+    <p:sldId id="288" r:id="rId12"/>
+    <p:sldId id="280" r:id="rId13"/>
+    <p:sldId id="292" r:id="rId14"/>
+    <p:sldId id="294" r:id="rId15"/>
+    <p:sldId id="287" r:id="rId16"/>
   </p:sldIdLst>
   <p:sldSz cx="12192000" cy="6858000"/>
   <p:notesSz cx="6858000" cy="9144000"/>
@@ -3797,6 +3798,2236 @@
   <p:cSld>
     <p:spTree>
       <p:nvGrpSpPr>
+        <p:cNvPr id="1" name=""/>
+        <p:cNvGrpSpPr/>
+        <p:nvPr/>
+      </p:nvGrpSpPr>
+      <p:grpSpPr>
+        <a:xfrm>
+          <a:off x="0" y="0"/>
+          <a:ext cx="0" cy="0"/>
+          <a:chOff x="0" y="0"/>
+          <a:chExt cx="0" cy="0"/>
+        </a:xfrm>
+      </p:grpSpPr>
+      <p:sp>
+        <p:nvSpPr>
+          <p:cNvPr id="42" name="Text Box 42"/>
+          <p:cNvSpPr txBox="1">
+            <a:spLocks noChangeArrowheads="1"/>
+          </p:cNvSpPr>
+          <p:nvPr/>
+        </p:nvSpPr>
+        <p:spPr bwMode="auto">
+          <a:xfrm>
+            <a:off x="1103445" y="429616"/>
+            <a:ext cx="1261884" cy="523220"/>
+          </a:xfrm>
+          <a:prstGeom prst="rect">
+            <a:avLst/>
+          </a:prstGeom>
+          <a:noFill/>
+          <a:ln>
+            <a:noFill/>
+          </a:ln>
+          <a:effectLst/>
+          <a:extLst>
+            <a:ext uri="{909E8E84-426E-40DD-AFC4-6F175D3DCCD1}">
+              <a14:hiddenFill xmlns:a14="http://schemas.microsoft.com/office/drawing/2010/main">
+                <a:solidFill>
+                  <a:schemeClr val="accent1"/>
+                </a:solidFill>
+              </a14:hiddenFill>
+            </a:ext>
+            <a:ext uri="{91240B29-F687-4F45-9708-019B960494DF}">
+              <a14:hiddenLine xmlns:a14="http://schemas.microsoft.com/office/drawing/2010/main" w="9525">
+                <a:solidFill>
+                  <a:srgbClr val="000000"/>
+                </a:solidFill>
+                <a:miter lim="800000"/>
+                <a:headEnd/>
+                <a:tailEnd/>
+              </a14:hiddenLine>
+            </a:ext>
+            <a:ext uri="{AF507438-7753-43E0-B8FC-AC1667EBCBE1}">
+              <a14:hiddenEffects xmlns:a14="http://schemas.microsoft.com/office/drawing/2010/main">
+                <a:effectLst>
+                  <a:outerShdw dist="35921" dir="2700000" algn="ctr" rotWithShape="0">
+                    <a:schemeClr val="bg2"/>
+                  </a:outerShdw>
+                </a:effectLst>
+              </a14:hiddenEffects>
+            </a:ext>
+          </a:extLst>
+        </p:spPr>
+        <p:txBody>
+          <a:bodyPr wrap="none">
+            <a:spAutoFit/>
+          </a:bodyPr>
+          <a:lstStyle/>
+          <a:p>
+            <a:pPr>
+              <a:buFont typeface="Arial" charset="0"/>
+              <a:buNone/>
+            </a:pPr>
+            <a:r>
+              <a:rPr lang="zh-TW" altLang="en-US" sz="2800" b="1" dirty="0">
+                <a:solidFill>
+                  <a:srgbClr val="E54B81"/>
+                </a:solidFill>
+                <a:ea typeface="微软雅黑" pitchFamily="34" charset="-122"/>
+              </a:rPr>
+              <a:t>困難處</a:t>
+            </a:r>
+            <a:endParaRPr lang="zh-CN" altLang="en-US" sz="2800" b="1" dirty="0">
+              <a:solidFill>
+                <a:srgbClr val="E54B81"/>
+              </a:solidFill>
+              <a:ea typeface="微软雅黑" pitchFamily="34" charset="-122"/>
+            </a:endParaRPr>
+          </a:p>
+        </p:txBody>
+      </p:sp>
+      <p:grpSp>
+        <p:nvGrpSpPr>
+          <p:cNvPr id="44" name="组合 43"/>
+          <p:cNvGrpSpPr/>
+          <p:nvPr/>
+        </p:nvGrpSpPr>
+        <p:grpSpPr>
+          <a:xfrm>
+            <a:off x="377018" y="-11911"/>
+            <a:ext cx="629517" cy="1073043"/>
+            <a:chOff x="1775252" y="2062276"/>
+            <a:chExt cx="1045160" cy="1781528"/>
+          </a:xfrm>
+        </p:grpSpPr>
+        <p:grpSp>
+          <p:nvGrpSpPr>
+            <p:cNvPr id="45" name="组合 44"/>
+            <p:cNvGrpSpPr/>
+            <p:nvPr/>
+          </p:nvGrpSpPr>
+          <p:grpSpPr>
+            <a:xfrm>
+              <a:off x="1775252" y="2763988"/>
+              <a:ext cx="1045160" cy="1079816"/>
+              <a:chOff x="-4061568" y="1901032"/>
+              <a:chExt cx="1819276" cy="1879600"/>
+            </a:xfrm>
+          </p:grpSpPr>
+          <p:sp>
+            <p:nvSpPr>
+              <p:cNvPr id="47" name="Freeform 273"/>
+              <p:cNvSpPr/>
+              <p:nvPr/>
+            </p:nvSpPr>
+            <p:spPr bwMode="auto">
+              <a:xfrm>
+                <a:off x="-3661518" y="1901032"/>
+                <a:ext cx="1041400" cy="1509713"/>
+              </a:xfrm>
+              <a:custGeom>
+                <a:avLst/>
+                <a:gdLst>
+                  <a:gd name="T0" fmla="*/ 301 w 328"/>
+                  <a:gd name="T1" fmla="*/ 222 h 475"/>
+                  <a:gd name="T2" fmla="*/ 240 w 328"/>
+                  <a:gd name="T3" fmla="*/ 166 h 475"/>
+                  <a:gd name="T4" fmla="*/ 239 w 328"/>
+                  <a:gd name="T5" fmla="*/ 37 h 475"/>
+                  <a:gd name="T6" fmla="*/ 237 w 328"/>
+                  <a:gd name="T7" fmla="*/ 30 h 475"/>
+                  <a:gd name="T8" fmla="*/ 165 w 328"/>
+                  <a:gd name="T9" fmla="*/ 0 h 475"/>
+                  <a:gd name="T10" fmla="*/ 88 w 328"/>
+                  <a:gd name="T11" fmla="*/ 30 h 475"/>
+                  <a:gd name="T12" fmla="*/ 85 w 328"/>
+                  <a:gd name="T13" fmla="*/ 37 h 475"/>
+                  <a:gd name="T14" fmla="*/ 85 w 328"/>
+                  <a:gd name="T15" fmla="*/ 168 h 475"/>
+                  <a:gd name="T16" fmla="*/ 26 w 328"/>
+                  <a:gd name="T17" fmla="*/ 223 h 475"/>
+                  <a:gd name="T18" fmla="*/ 0 w 328"/>
+                  <a:gd name="T19" fmla="*/ 311 h 475"/>
+                  <a:gd name="T20" fmla="*/ 164 w 328"/>
+                  <a:gd name="T21" fmla="*/ 475 h 475"/>
+                  <a:gd name="T22" fmla="*/ 328 w 328"/>
+                  <a:gd name="T23" fmla="*/ 311 h 475"/>
+                  <a:gd name="T24" fmla="*/ 301 w 328"/>
+                  <a:gd name="T25" fmla="*/ 222 h 475"/>
+                </a:gdLst>
+                <a:ahLst/>
+                <a:cxnLst>
+                  <a:cxn ang="0">
+                    <a:pos x="T0" y="T1"/>
+                  </a:cxn>
+                  <a:cxn ang="0">
+                    <a:pos x="T2" y="T3"/>
+                  </a:cxn>
+                  <a:cxn ang="0">
+                    <a:pos x="T4" y="T5"/>
+                  </a:cxn>
+                  <a:cxn ang="0">
+                    <a:pos x="T6" y="T7"/>
+                  </a:cxn>
+                  <a:cxn ang="0">
+                    <a:pos x="T8" y="T9"/>
+                  </a:cxn>
+                  <a:cxn ang="0">
+                    <a:pos x="T10" y="T11"/>
+                  </a:cxn>
+                  <a:cxn ang="0">
+                    <a:pos x="T12" y="T13"/>
+                  </a:cxn>
+                  <a:cxn ang="0">
+                    <a:pos x="T14" y="T15"/>
+                  </a:cxn>
+                  <a:cxn ang="0">
+                    <a:pos x="T16" y="T17"/>
+                  </a:cxn>
+                  <a:cxn ang="0">
+                    <a:pos x="T18" y="T19"/>
+                  </a:cxn>
+                  <a:cxn ang="0">
+                    <a:pos x="T20" y="T21"/>
+                  </a:cxn>
+                  <a:cxn ang="0">
+                    <a:pos x="T22" y="T23"/>
+                  </a:cxn>
+                  <a:cxn ang="0">
+                    <a:pos x="T24" y="T25"/>
+                  </a:cxn>
+                </a:cxnLst>
+                <a:rect l="0" t="0" r="r" b="b"/>
+                <a:pathLst>
+                  <a:path w="328" h="475">
+                    <a:moveTo>
+                      <a:pt x="301" y="222"/>
+                    </a:moveTo>
+                    <a:cubicBezTo>
+                      <a:pt x="286" y="198"/>
+                      <a:pt x="265" y="179"/>
+                      <a:pt x="240" y="166"/>
+                    </a:cubicBezTo>
+                    <a:cubicBezTo>
+                      <a:pt x="239" y="165"/>
+                      <a:pt x="239" y="37"/>
+                      <a:pt x="239" y="37"/>
+                    </a:cubicBezTo>
+                    <a:cubicBezTo>
+                      <a:pt x="239" y="35"/>
+                      <a:pt x="238" y="32"/>
+                      <a:pt x="237" y="30"/>
+                    </a:cubicBezTo>
+                    <a:cubicBezTo>
+                      <a:pt x="236" y="29"/>
+                      <a:pt x="210" y="0"/>
+                      <a:pt x="165" y="0"/>
+                    </a:cubicBezTo>
+                    <a:cubicBezTo>
+                      <a:pt x="121" y="0"/>
+                      <a:pt x="90" y="28"/>
+                      <a:pt x="88" y="30"/>
+                    </a:cubicBezTo>
+                    <a:cubicBezTo>
+                      <a:pt x="86" y="32"/>
+                      <a:pt x="85" y="34"/>
+                      <a:pt x="85" y="37"/>
+                    </a:cubicBezTo>
+                    <a:cubicBezTo>
+                      <a:pt x="85" y="37"/>
+                      <a:pt x="85" y="166"/>
+                      <a:pt x="85" y="168"/>
+                    </a:cubicBezTo>
+                    <a:cubicBezTo>
+                      <a:pt x="61" y="181"/>
+                      <a:pt x="40" y="200"/>
+                      <a:pt x="26" y="223"/>
+                    </a:cubicBezTo>
+                    <a:cubicBezTo>
+                      <a:pt x="9" y="250"/>
+                      <a:pt x="0" y="280"/>
+                      <a:pt x="0" y="311"/>
+                    </a:cubicBezTo>
+                    <a:cubicBezTo>
+                      <a:pt x="0" y="402"/>
+                      <a:pt x="73" y="475"/>
+                      <a:pt x="164" y="475"/>
+                    </a:cubicBezTo>
+                    <a:cubicBezTo>
+                      <a:pt x="254" y="475"/>
+                      <a:pt x="328" y="402"/>
+                      <a:pt x="328" y="311"/>
+                    </a:cubicBezTo>
+                    <a:cubicBezTo>
+                      <a:pt x="328" y="279"/>
+                      <a:pt x="318" y="249"/>
+                      <a:pt x="301" y="222"/>
+                    </a:cubicBezTo>
+                    <a:close/>
+                  </a:path>
+                </a:pathLst>
+              </a:custGeom>
+              <a:solidFill>
+                <a:srgbClr val="E54B81"/>
+              </a:solidFill>
+              <a:ln>
+                <a:noFill/>
+              </a:ln>
+              <a:extLst>
+                <a:ext uri="{91240B29-F687-4F45-9708-019B960494DF}">
+                  <a14:hiddenLine xmlns:a14="http://schemas.microsoft.com/office/drawing/2010/main" w="9525">
+                    <a:solidFill>
+                      <a:srgbClr val="000000"/>
+                    </a:solidFill>
+                    <a:round/>
+                  </a14:hiddenLine>
+                </a:ext>
+              </a:extLst>
+            </p:spPr>
+            <p:txBody>
+              <a:bodyPr vert="horz" wrap="square" lIns="121920" tIns="60960" rIns="121920" bIns="60960" numCol="1" anchor="t" anchorCtr="0" compatLnSpc="1"/>
+              <a:lstStyle/>
+              <a:p>
+                <a:endParaRPr lang="zh-CN" altLang="en-US" sz="2400"/>
+              </a:p>
+            </p:txBody>
+          </p:sp>
+          <p:sp>
+            <p:nvSpPr>
+              <p:cNvPr id="48" name="Freeform 274"/>
+              <p:cNvSpPr>
+                <a:spLocks noEditPoints="1"/>
+              </p:cNvSpPr>
+              <p:nvPr/>
+            </p:nvSpPr>
+            <p:spPr bwMode="auto">
+              <a:xfrm>
+                <a:off x="-3664693" y="1901032"/>
+                <a:ext cx="1041400" cy="1509713"/>
+              </a:xfrm>
+              <a:custGeom>
+                <a:avLst/>
+                <a:gdLst>
+                  <a:gd name="T0" fmla="*/ 328 w 328"/>
+                  <a:gd name="T1" fmla="*/ 311 h 475"/>
+                  <a:gd name="T2" fmla="*/ 240 w 328"/>
+                  <a:gd name="T3" fmla="*/ 166 h 475"/>
+                  <a:gd name="T4" fmla="*/ 237 w 328"/>
+                  <a:gd name="T5" fmla="*/ 30 h 475"/>
+                  <a:gd name="T6" fmla="*/ 88 w 328"/>
+                  <a:gd name="T7" fmla="*/ 30 h 475"/>
+                  <a:gd name="T8" fmla="*/ 85 w 328"/>
+                  <a:gd name="T9" fmla="*/ 168 h 475"/>
+                  <a:gd name="T10" fmla="*/ 0 w 328"/>
+                  <a:gd name="T11" fmla="*/ 311 h 475"/>
+                  <a:gd name="T12" fmla="*/ 106 w 328"/>
+                  <a:gd name="T13" fmla="*/ 56 h 475"/>
+                  <a:gd name="T14" fmla="*/ 218 w 328"/>
+                  <a:gd name="T15" fmla="*/ 99 h 475"/>
+                  <a:gd name="T16" fmla="*/ 106 w 328"/>
+                  <a:gd name="T17" fmla="*/ 56 h 475"/>
+                  <a:gd name="T18" fmla="*/ 218 w 328"/>
+                  <a:gd name="T19" fmla="*/ 120 h 475"/>
+                  <a:gd name="T20" fmla="*/ 218 w 328"/>
+                  <a:gd name="T21" fmla="*/ 140 h 475"/>
+                  <a:gd name="T22" fmla="*/ 106 w 328"/>
+                  <a:gd name="T23" fmla="*/ 100 h 475"/>
+                  <a:gd name="T24" fmla="*/ 158 w 328"/>
+                  <a:gd name="T25" fmla="*/ 306 h 475"/>
+                  <a:gd name="T26" fmla="*/ 137 w 328"/>
+                  <a:gd name="T27" fmla="*/ 298 h 475"/>
+                  <a:gd name="T28" fmla="*/ 145 w 328"/>
+                  <a:gd name="T29" fmla="*/ 149 h 475"/>
+                  <a:gd name="T30" fmla="*/ 171 w 328"/>
+                  <a:gd name="T31" fmla="*/ 169 h 475"/>
+                  <a:gd name="T32" fmla="*/ 162 w 328"/>
+                  <a:gd name="T33" fmla="*/ 304 h 475"/>
+                  <a:gd name="T34" fmla="*/ 158 w 328"/>
+                  <a:gd name="T35" fmla="*/ 341 h 475"/>
+                  <a:gd name="T36" fmla="*/ 158 w 328"/>
+                  <a:gd name="T37" fmla="*/ 324 h 475"/>
+                  <a:gd name="T38" fmla="*/ 101 w 328"/>
+                  <a:gd name="T39" fmla="*/ 183 h 475"/>
+                  <a:gd name="T40" fmla="*/ 107 w 328"/>
+                  <a:gd name="T41" fmla="*/ 142 h 475"/>
+                  <a:gd name="T42" fmla="*/ 136 w 328"/>
+                  <a:gd name="T43" fmla="*/ 169 h 475"/>
+                  <a:gd name="T44" fmla="*/ 108 w 328"/>
+                  <a:gd name="T45" fmla="*/ 306 h 475"/>
+                  <a:gd name="T46" fmla="*/ 103 w 328"/>
+                  <a:gd name="T47" fmla="*/ 350 h 475"/>
+                  <a:gd name="T48" fmla="*/ 134 w 328"/>
+                  <a:gd name="T49" fmla="*/ 313 h 475"/>
+                  <a:gd name="T50" fmla="*/ 140 w 328"/>
+                  <a:gd name="T51" fmla="*/ 335 h 475"/>
+                  <a:gd name="T52" fmla="*/ 176 w 328"/>
+                  <a:gd name="T53" fmla="*/ 335 h 475"/>
+                  <a:gd name="T54" fmla="*/ 182 w 328"/>
+                  <a:gd name="T55" fmla="*/ 313 h 475"/>
+                  <a:gd name="T56" fmla="*/ 213 w 328"/>
+                  <a:gd name="T57" fmla="*/ 350 h 475"/>
+                  <a:gd name="T58" fmla="*/ 208 w 328"/>
+                  <a:gd name="T59" fmla="*/ 306 h 475"/>
+                  <a:gd name="T60" fmla="*/ 180 w 328"/>
+                  <a:gd name="T61" fmla="*/ 169 h 475"/>
+                  <a:gd name="T62" fmla="*/ 218 w 328"/>
+                  <a:gd name="T63" fmla="*/ 161 h 475"/>
+                  <a:gd name="T64" fmla="*/ 224 w 328"/>
+                  <a:gd name="T65" fmla="*/ 181 h 475"/>
+                  <a:gd name="T66" fmla="*/ 164 w 328"/>
+                  <a:gd name="T67" fmla="*/ 454 h 475"/>
+                  <a:gd name="T68" fmla="*/ 101 w 328"/>
+                  <a:gd name="T69" fmla="*/ 183 h 475"/>
+                  <a:gd name="T70" fmla="*/ 119 w 328"/>
+                  <a:gd name="T71" fmla="*/ 330 h 475"/>
+                  <a:gd name="T72" fmla="*/ 106 w 328"/>
+                  <a:gd name="T73" fmla="*/ 333 h 475"/>
+                  <a:gd name="T74" fmla="*/ 124 w 328"/>
+                  <a:gd name="T75" fmla="*/ 314 h 475"/>
+                  <a:gd name="T76" fmla="*/ 203 w 328"/>
+                  <a:gd name="T77" fmla="*/ 319 h 475"/>
+                  <a:gd name="T78" fmla="*/ 208 w 328"/>
+                  <a:gd name="T79" fmla="*/ 336 h 475"/>
+                  <a:gd name="T80" fmla="*/ 192 w 328"/>
+                  <a:gd name="T81" fmla="*/ 314 h 475"/>
+                </a:gdLst>
+                <a:ahLst/>
+                <a:cxnLst>
+                  <a:cxn ang="0">
+                    <a:pos x="T0" y="T1"/>
+                  </a:cxn>
+                  <a:cxn ang="0">
+                    <a:pos x="T2" y="T3"/>
+                  </a:cxn>
+                  <a:cxn ang="0">
+                    <a:pos x="T4" y="T5"/>
+                  </a:cxn>
+                  <a:cxn ang="0">
+                    <a:pos x="T6" y="T7"/>
+                  </a:cxn>
+                  <a:cxn ang="0">
+                    <a:pos x="T8" y="T9"/>
+                  </a:cxn>
+                  <a:cxn ang="0">
+                    <a:pos x="T10" y="T11"/>
+                  </a:cxn>
+                  <a:cxn ang="0">
+                    <a:pos x="T12" y="T13"/>
+                  </a:cxn>
+                  <a:cxn ang="0">
+                    <a:pos x="T14" y="T15"/>
+                  </a:cxn>
+                  <a:cxn ang="0">
+                    <a:pos x="T16" y="T17"/>
+                  </a:cxn>
+                  <a:cxn ang="0">
+                    <a:pos x="T18" y="T19"/>
+                  </a:cxn>
+                  <a:cxn ang="0">
+                    <a:pos x="T20" y="T21"/>
+                  </a:cxn>
+                  <a:cxn ang="0">
+                    <a:pos x="T22" y="T23"/>
+                  </a:cxn>
+                  <a:cxn ang="0">
+                    <a:pos x="T24" y="T25"/>
+                  </a:cxn>
+                  <a:cxn ang="0">
+                    <a:pos x="T26" y="T27"/>
+                  </a:cxn>
+                  <a:cxn ang="0">
+                    <a:pos x="T28" y="T29"/>
+                  </a:cxn>
+                  <a:cxn ang="0">
+                    <a:pos x="T30" y="T31"/>
+                  </a:cxn>
+                  <a:cxn ang="0">
+                    <a:pos x="T32" y="T33"/>
+                  </a:cxn>
+                  <a:cxn ang="0">
+                    <a:pos x="T34" y="T35"/>
+                  </a:cxn>
+                  <a:cxn ang="0">
+                    <a:pos x="T36" y="T37"/>
+                  </a:cxn>
+                  <a:cxn ang="0">
+                    <a:pos x="T38" y="T39"/>
+                  </a:cxn>
+                  <a:cxn ang="0">
+                    <a:pos x="T40" y="T41"/>
+                  </a:cxn>
+                  <a:cxn ang="0">
+                    <a:pos x="T42" y="T43"/>
+                  </a:cxn>
+                  <a:cxn ang="0">
+                    <a:pos x="T44" y="T45"/>
+                  </a:cxn>
+                  <a:cxn ang="0">
+                    <a:pos x="T46" y="T47"/>
+                  </a:cxn>
+                  <a:cxn ang="0">
+                    <a:pos x="T48" y="T49"/>
+                  </a:cxn>
+                  <a:cxn ang="0">
+                    <a:pos x="T50" y="T51"/>
+                  </a:cxn>
+                  <a:cxn ang="0">
+                    <a:pos x="T52" y="T53"/>
+                  </a:cxn>
+                  <a:cxn ang="0">
+                    <a:pos x="T54" y="T55"/>
+                  </a:cxn>
+                  <a:cxn ang="0">
+                    <a:pos x="T56" y="T57"/>
+                  </a:cxn>
+                  <a:cxn ang="0">
+                    <a:pos x="T58" y="T59"/>
+                  </a:cxn>
+                  <a:cxn ang="0">
+                    <a:pos x="T60" y="T61"/>
+                  </a:cxn>
+                  <a:cxn ang="0">
+                    <a:pos x="T62" y="T63"/>
+                  </a:cxn>
+                  <a:cxn ang="0">
+                    <a:pos x="T64" y="T65"/>
+                  </a:cxn>
+                  <a:cxn ang="0">
+                    <a:pos x="T66" y="T67"/>
+                  </a:cxn>
+                  <a:cxn ang="0">
+                    <a:pos x="T68" y="T69"/>
+                  </a:cxn>
+                  <a:cxn ang="0">
+                    <a:pos x="T70" y="T71"/>
+                  </a:cxn>
+                  <a:cxn ang="0">
+                    <a:pos x="T72" y="T73"/>
+                  </a:cxn>
+                  <a:cxn ang="0">
+                    <a:pos x="T74" y="T75"/>
+                  </a:cxn>
+                  <a:cxn ang="0">
+                    <a:pos x="T76" y="T77"/>
+                  </a:cxn>
+                  <a:cxn ang="0">
+                    <a:pos x="T78" y="T79"/>
+                  </a:cxn>
+                  <a:cxn ang="0">
+                    <a:pos x="T80" y="T81"/>
+                  </a:cxn>
+                </a:cxnLst>
+                <a:rect l="0" t="0" r="r" b="b"/>
+                <a:pathLst>
+                  <a:path w="328" h="475">
+                    <a:moveTo>
+                      <a:pt x="164" y="475"/>
+                    </a:moveTo>
+                    <a:cubicBezTo>
+                      <a:pt x="254" y="475"/>
+                      <a:pt x="328" y="402"/>
+                      <a:pt x="328" y="311"/>
+                    </a:cubicBezTo>
+                    <a:cubicBezTo>
+                      <a:pt x="328" y="279"/>
+                      <a:pt x="319" y="249"/>
+                      <a:pt x="301" y="222"/>
+                    </a:cubicBezTo>
+                    <a:cubicBezTo>
+                      <a:pt x="286" y="198"/>
+                      <a:pt x="265" y="179"/>
+                      <a:pt x="240" y="166"/>
+                    </a:cubicBezTo>
+                    <a:cubicBezTo>
+                      <a:pt x="239" y="165"/>
+                      <a:pt x="239" y="37"/>
+                      <a:pt x="239" y="37"/>
+                    </a:cubicBezTo>
+                    <a:cubicBezTo>
+                      <a:pt x="239" y="35"/>
+                      <a:pt x="239" y="32"/>
+                      <a:pt x="237" y="30"/>
+                    </a:cubicBezTo>
+                    <a:cubicBezTo>
+                      <a:pt x="236" y="29"/>
+                      <a:pt x="210" y="0"/>
+                      <a:pt x="165" y="0"/>
+                    </a:cubicBezTo>
+                    <a:cubicBezTo>
+                      <a:pt x="121" y="0"/>
+                      <a:pt x="90" y="28"/>
+                      <a:pt x="88" y="30"/>
+                    </a:cubicBezTo>
+                    <a:cubicBezTo>
+                      <a:pt x="86" y="32"/>
+                      <a:pt x="85" y="34"/>
+                      <a:pt x="85" y="37"/>
+                    </a:cubicBezTo>
+                    <a:cubicBezTo>
+                      <a:pt x="85" y="37"/>
+                      <a:pt x="85" y="166"/>
+                      <a:pt x="85" y="168"/>
+                    </a:cubicBezTo>
+                    <a:cubicBezTo>
+                      <a:pt x="61" y="181"/>
+                      <a:pt x="40" y="200"/>
+                      <a:pt x="26" y="223"/>
+                    </a:cubicBezTo>
+                    <a:cubicBezTo>
+                      <a:pt x="9" y="250"/>
+                      <a:pt x="0" y="280"/>
+                      <a:pt x="0" y="311"/>
+                    </a:cubicBezTo>
+                    <a:cubicBezTo>
+                      <a:pt x="0" y="402"/>
+                      <a:pt x="74" y="475"/>
+                      <a:pt x="164" y="475"/>
+                    </a:cubicBezTo>
+                    <a:close/>
+                    <a:moveTo>
+                      <a:pt x="106" y="56"/>
+                    </a:moveTo>
+                    <a:cubicBezTo>
+                      <a:pt x="218" y="76"/>
+                      <a:pt x="218" y="76"/>
+                      <a:pt x="218" y="76"/>
+                    </a:cubicBezTo>
+                    <a:cubicBezTo>
+                      <a:pt x="218" y="99"/>
+                      <a:pt x="218" y="99"/>
+                      <a:pt x="218" y="99"/>
+                    </a:cubicBezTo>
+                    <a:cubicBezTo>
+                      <a:pt x="106" y="79"/>
+                      <a:pt x="106" y="79"/>
+                      <a:pt x="106" y="79"/>
+                    </a:cubicBezTo>
+                    <a:lnTo>
+                      <a:pt x="106" y="56"/>
+                    </a:lnTo>
+                    <a:close/>
+                    <a:moveTo>
+                      <a:pt x="106" y="100"/>
+                    </a:moveTo>
+                    <a:cubicBezTo>
+                      <a:pt x="218" y="120"/>
+                      <a:pt x="218" y="120"/>
+                      <a:pt x="218" y="120"/>
+                    </a:cubicBezTo>
+                    <a:cubicBezTo>
+                      <a:pt x="218" y="134"/>
+                      <a:pt x="218" y="134"/>
+                      <a:pt x="218" y="134"/>
+                    </a:cubicBezTo>
+                    <a:cubicBezTo>
+                      <a:pt x="218" y="140"/>
+                      <a:pt x="218" y="140"/>
+                      <a:pt x="218" y="140"/>
+                    </a:cubicBezTo>
+                    <a:cubicBezTo>
+                      <a:pt x="106" y="121"/>
+                      <a:pt x="106" y="121"/>
+                      <a:pt x="106" y="121"/>
+                    </a:cubicBezTo>
+                    <a:lnTo>
+                      <a:pt x="106" y="100"/>
+                    </a:lnTo>
+                    <a:close/>
+                    <a:moveTo>
+                      <a:pt x="162" y="304"/>
+                    </a:moveTo>
+                    <a:cubicBezTo>
+                      <a:pt x="161" y="304"/>
+                      <a:pt x="159" y="305"/>
+                      <a:pt x="158" y="306"/>
+                    </a:cubicBezTo>
+                    <a:cubicBezTo>
+                      <a:pt x="157" y="305"/>
+                      <a:pt x="155" y="304"/>
+                      <a:pt x="154" y="304"/>
+                    </a:cubicBezTo>
+                    <a:cubicBezTo>
+                      <a:pt x="149" y="301"/>
+                      <a:pt x="143" y="299"/>
+                      <a:pt x="137" y="298"/>
+                    </a:cubicBezTo>
+                    <a:cubicBezTo>
+                      <a:pt x="142" y="263"/>
+                      <a:pt x="144" y="203"/>
+                      <a:pt x="145" y="169"/>
+                    </a:cubicBezTo>
+                    <a:cubicBezTo>
+                      <a:pt x="145" y="160"/>
+                      <a:pt x="145" y="152"/>
+                      <a:pt x="145" y="149"/>
+                    </a:cubicBezTo>
+                    <a:cubicBezTo>
+                      <a:pt x="171" y="153"/>
+                      <a:pt x="171" y="153"/>
+                      <a:pt x="171" y="153"/>
+                    </a:cubicBezTo>
+                    <a:cubicBezTo>
+                      <a:pt x="171" y="157"/>
+                      <a:pt x="171" y="163"/>
+                      <a:pt x="171" y="169"/>
+                    </a:cubicBezTo>
+                    <a:cubicBezTo>
+                      <a:pt x="172" y="203"/>
+                      <a:pt x="174" y="263"/>
+                      <a:pt x="179" y="298"/>
+                    </a:cubicBezTo>
+                    <a:cubicBezTo>
+                      <a:pt x="173" y="299"/>
+                      <a:pt x="167" y="301"/>
+                      <a:pt x="162" y="304"/>
+                    </a:cubicBezTo>
+                    <a:close/>
+                    <a:moveTo>
+                      <a:pt x="167" y="334"/>
+                    </a:moveTo>
+                    <a:cubicBezTo>
+                      <a:pt x="167" y="336"/>
+                      <a:pt x="162" y="341"/>
+                      <a:pt x="158" y="341"/>
+                    </a:cubicBezTo>
+                    <a:cubicBezTo>
+                      <a:pt x="154" y="341"/>
+                      <a:pt x="149" y="336"/>
+                      <a:pt x="149" y="334"/>
+                    </a:cubicBezTo>
+                    <a:cubicBezTo>
+                      <a:pt x="149" y="332"/>
+                      <a:pt x="152" y="327"/>
+                      <a:pt x="158" y="324"/>
+                    </a:cubicBezTo>
+                    <a:cubicBezTo>
+                      <a:pt x="165" y="327"/>
+                      <a:pt x="167" y="332"/>
+                      <a:pt x="167" y="334"/>
+                    </a:cubicBezTo>
+                    <a:close/>
+                    <a:moveTo>
+                      <a:pt x="101" y="183"/>
+                    </a:moveTo>
+                    <a:cubicBezTo>
+                      <a:pt x="107" y="180"/>
+                      <a:pt x="107" y="180"/>
+                      <a:pt x="107" y="180"/>
+                    </a:cubicBezTo>
+                    <a:cubicBezTo>
+                      <a:pt x="107" y="142"/>
+                      <a:pt x="107" y="142"/>
+                      <a:pt x="107" y="142"/>
+                    </a:cubicBezTo>
+                    <a:cubicBezTo>
+                      <a:pt x="136" y="147"/>
+                      <a:pt x="136" y="147"/>
+                      <a:pt x="136" y="147"/>
+                    </a:cubicBezTo>
+                    <a:cubicBezTo>
+                      <a:pt x="136" y="152"/>
+                      <a:pt x="136" y="160"/>
+                      <a:pt x="136" y="169"/>
+                    </a:cubicBezTo>
+                    <a:cubicBezTo>
+                      <a:pt x="135" y="206"/>
+                      <a:pt x="132" y="268"/>
+                      <a:pt x="127" y="298"/>
+                    </a:cubicBezTo>
+                    <a:cubicBezTo>
+                      <a:pt x="121" y="298"/>
+                      <a:pt x="114" y="301"/>
+                      <a:pt x="108" y="306"/>
+                    </a:cubicBezTo>
+                    <a:cubicBezTo>
+                      <a:pt x="103" y="311"/>
+                      <a:pt x="99" y="319"/>
+                      <a:pt x="97" y="329"/>
+                    </a:cubicBezTo>
+                    <a:cubicBezTo>
+                      <a:pt x="96" y="337"/>
+                      <a:pt x="98" y="345"/>
+                      <a:pt x="103" y="350"/>
+                    </a:cubicBezTo>
+                    <a:cubicBezTo>
+                      <a:pt x="109" y="355"/>
+                      <a:pt x="118" y="355"/>
+                      <a:pt x="126" y="340"/>
+                    </a:cubicBezTo>
+                    <a:cubicBezTo>
+                      <a:pt x="129" y="334"/>
+                      <a:pt x="132" y="325"/>
+                      <a:pt x="134" y="313"/>
+                    </a:cubicBezTo>
+                    <a:cubicBezTo>
+                      <a:pt x="138" y="314"/>
+                      <a:pt x="142" y="315"/>
+                      <a:pt x="146" y="316"/>
+                    </a:cubicBezTo>
+                    <a:cubicBezTo>
+                      <a:pt x="140" y="323"/>
+                      <a:pt x="140" y="331"/>
+                      <a:pt x="140" y="335"/>
+                    </a:cubicBezTo>
+                    <a:cubicBezTo>
+                      <a:pt x="140" y="346"/>
+                      <a:pt x="149" y="357"/>
+                      <a:pt x="158" y="357"/>
+                    </a:cubicBezTo>
+                    <a:cubicBezTo>
+                      <a:pt x="167" y="357"/>
+                      <a:pt x="176" y="346"/>
+                      <a:pt x="176" y="335"/>
+                    </a:cubicBezTo>
+                    <a:cubicBezTo>
+                      <a:pt x="176" y="331"/>
+                      <a:pt x="176" y="323"/>
+                      <a:pt x="170" y="316"/>
+                    </a:cubicBezTo>
+                    <a:cubicBezTo>
+                      <a:pt x="174" y="315"/>
+                      <a:pt x="178" y="314"/>
+                      <a:pt x="182" y="313"/>
+                    </a:cubicBezTo>
+                    <a:cubicBezTo>
+                      <a:pt x="184" y="325"/>
+                      <a:pt x="187" y="334"/>
+                      <a:pt x="190" y="340"/>
+                    </a:cubicBezTo>
+                    <a:cubicBezTo>
+                      <a:pt x="198" y="355"/>
+                      <a:pt x="208" y="355"/>
+                      <a:pt x="213" y="350"/>
+                    </a:cubicBezTo>
+                    <a:cubicBezTo>
+                      <a:pt x="218" y="345"/>
+                      <a:pt x="220" y="337"/>
+                      <a:pt x="219" y="329"/>
+                    </a:cubicBezTo>
+                    <a:cubicBezTo>
+                      <a:pt x="217" y="319"/>
+                      <a:pt x="213" y="311"/>
+                      <a:pt x="208" y="306"/>
+                    </a:cubicBezTo>
+                    <a:cubicBezTo>
+                      <a:pt x="202" y="301"/>
+                      <a:pt x="196" y="298"/>
+                      <a:pt x="189" y="298"/>
+                    </a:cubicBezTo>
+                    <a:cubicBezTo>
+                      <a:pt x="184" y="268"/>
+                      <a:pt x="182" y="206"/>
+                      <a:pt x="180" y="169"/>
+                    </a:cubicBezTo>
+                    <a:cubicBezTo>
+                      <a:pt x="180" y="164"/>
+                      <a:pt x="180" y="159"/>
+                      <a:pt x="180" y="155"/>
+                    </a:cubicBezTo>
+                    <a:cubicBezTo>
+                      <a:pt x="218" y="161"/>
+                      <a:pt x="218" y="161"/>
+                      <a:pt x="218" y="161"/>
+                    </a:cubicBezTo>
+                    <a:cubicBezTo>
+                      <a:pt x="218" y="179"/>
+                      <a:pt x="218" y="179"/>
+                      <a:pt x="218" y="179"/>
+                    </a:cubicBezTo>
+                    <a:cubicBezTo>
+                      <a:pt x="224" y="181"/>
+                      <a:pt x="224" y="181"/>
+                      <a:pt x="224" y="181"/>
+                    </a:cubicBezTo>
+                    <a:cubicBezTo>
+                      <a:pt x="275" y="205"/>
+                      <a:pt x="307" y="256"/>
+                      <a:pt x="307" y="311"/>
+                    </a:cubicBezTo>
+                    <a:cubicBezTo>
+                      <a:pt x="307" y="390"/>
+                      <a:pt x="243" y="454"/>
+                      <a:pt x="164" y="454"/>
+                    </a:cubicBezTo>
+                    <a:cubicBezTo>
+                      <a:pt x="85" y="454"/>
+                      <a:pt x="21" y="390"/>
+                      <a:pt x="21" y="311"/>
+                    </a:cubicBezTo>
+                    <a:cubicBezTo>
+                      <a:pt x="21" y="256"/>
+                      <a:pt x="52" y="207"/>
+                      <a:pt x="101" y="183"/>
+                    </a:cubicBezTo>
+                    <a:close/>
+                    <a:moveTo>
+                      <a:pt x="124" y="314"/>
+                    </a:moveTo>
+                    <a:cubicBezTo>
+                      <a:pt x="123" y="321"/>
+                      <a:pt x="121" y="326"/>
+                      <a:pt x="119" y="330"/>
+                    </a:cubicBezTo>
+                    <a:cubicBezTo>
+                      <a:pt x="114" y="338"/>
+                      <a:pt x="110" y="339"/>
+                      <a:pt x="108" y="336"/>
+                    </a:cubicBezTo>
+                    <a:cubicBezTo>
+                      <a:pt x="107" y="335"/>
+                      <a:pt x="106" y="334"/>
+                      <a:pt x="106" y="333"/>
+                    </a:cubicBezTo>
+                    <a:cubicBezTo>
+                      <a:pt x="107" y="327"/>
+                      <a:pt x="109" y="323"/>
+                      <a:pt x="113" y="319"/>
+                    </a:cubicBezTo>
+                    <a:cubicBezTo>
+                      <a:pt x="116" y="316"/>
+                      <a:pt x="120" y="315"/>
+                      <a:pt x="124" y="314"/>
+                    </a:cubicBezTo>
+                    <a:close/>
+                    <a:moveTo>
+                      <a:pt x="192" y="314"/>
+                    </a:moveTo>
+                    <a:cubicBezTo>
+                      <a:pt x="196" y="315"/>
+                      <a:pt x="200" y="316"/>
+                      <a:pt x="203" y="319"/>
+                    </a:cubicBezTo>
+                    <a:cubicBezTo>
+                      <a:pt x="207" y="323"/>
+                      <a:pt x="209" y="327"/>
+                      <a:pt x="210" y="333"/>
+                    </a:cubicBezTo>
+                    <a:cubicBezTo>
+                      <a:pt x="210" y="334"/>
+                      <a:pt x="209" y="335"/>
+                      <a:pt x="208" y="336"/>
+                    </a:cubicBezTo>
+                    <a:cubicBezTo>
+                      <a:pt x="206" y="339"/>
+                      <a:pt x="202" y="338"/>
+                      <a:pt x="197" y="330"/>
+                    </a:cubicBezTo>
+                    <a:cubicBezTo>
+                      <a:pt x="195" y="326"/>
+                      <a:pt x="193" y="321"/>
+                      <a:pt x="192" y="314"/>
+                    </a:cubicBezTo>
+                    <a:close/>
+                  </a:path>
+                </a:pathLst>
+              </a:custGeom>
+              <a:solidFill>
+                <a:srgbClr val="3B3B3B"/>
+              </a:solidFill>
+              <a:ln>
+                <a:noFill/>
+              </a:ln>
+              <a:extLst>
+                <a:ext uri="{91240B29-F687-4F45-9708-019B960494DF}">
+                  <a14:hiddenLine xmlns:a14="http://schemas.microsoft.com/office/drawing/2010/main" w="9525">
+                    <a:solidFill>
+                      <a:srgbClr val="000000"/>
+                    </a:solidFill>
+                    <a:round/>
+                  </a14:hiddenLine>
+                </a:ext>
+              </a:extLst>
+            </p:spPr>
+            <p:txBody>
+              <a:bodyPr vert="horz" wrap="square" lIns="121920" tIns="60960" rIns="121920" bIns="60960" numCol="1" anchor="t" anchorCtr="0" compatLnSpc="1"/>
+              <a:lstStyle/>
+              <a:p>
+                <a:endParaRPr lang="zh-CN" altLang="en-US" sz="2400"/>
+              </a:p>
+            </p:txBody>
+          </p:sp>
+          <p:sp>
+            <p:nvSpPr>
+              <p:cNvPr id="49" name="Freeform 275"/>
+              <p:cNvSpPr/>
+              <p:nvPr/>
+            </p:nvSpPr>
+            <p:spPr bwMode="auto">
+              <a:xfrm>
+                <a:off x="-2540742" y="2934495"/>
+                <a:ext cx="298450" cy="79375"/>
+              </a:xfrm>
+              <a:custGeom>
+                <a:avLst/>
+                <a:gdLst>
+                  <a:gd name="T0" fmla="*/ 0 w 94"/>
+                  <a:gd name="T1" fmla="*/ 12 h 25"/>
+                  <a:gd name="T2" fmla="*/ 13 w 94"/>
+                  <a:gd name="T3" fmla="*/ 25 h 25"/>
+                  <a:gd name="T4" fmla="*/ 81 w 94"/>
+                  <a:gd name="T5" fmla="*/ 25 h 25"/>
+                  <a:gd name="T6" fmla="*/ 94 w 94"/>
+                  <a:gd name="T7" fmla="*/ 12 h 25"/>
+                  <a:gd name="T8" fmla="*/ 81 w 94"/>
+                  <a:gd name="T9" fmla="*/ 0 h 25"/>
+                  <a:gd name="T10" fmla="*/ 13 w 94"/>
+                  <a:gd name="T11" fmla="*/ 0 h 25"/>
+                  <a:gd name="T12" fmla="*/ 0 w 94"/>
+                  <a:gd name="T13" fmla="*/ 12 h 25"/>
+                </a:gdLst>
+                <a:ahLst/>
+                <a:cxnLst>
+                  <a:cxn ang="0">
+                    <a:pos x="T0" y="T1"/>
+                  </a:cxn>
+                  <a:cxn ang="0">
+                    <a:pos x="T2" y="T3"/>
+                  </a:cxn>
+                  <a:cxn ang="0">
+                    <a:pos x="T4" y="T5"/>
+                  </a:cxn>
+                  <a:cxn ang="0">
+                    <a:pos x="T6" y="T7"/>
+                  </a:cxn>
+                  <a:cxn ang="0">
+                    <a:pos x="T8" y="T9"/>
+                  </a:cxn>
+                  <a:cxn ang="0">
+                    <a:pos x="T10" y="T11"/>
+                  </a:cxn>
+                  <a:cxn ang="0">
+                    <a:pos x="T12" y="T13"/>
+                  </a:cxn>
+                </a:cxnLst>
+                <a:rect l="0" t="0" r="r" b="b"/>
+                <a:pathLst>
+                  <a:path w="94" h="25">
+                    <a:moveTo>
+                      <a:pt x="0" y="12"/>
+                    </a:moveTo>
+                    <a:cubicBezTo>
+                      <a:pt x="0" y="19"/>
+                      <a:pt x="6" y="25"/>
+                      <a:pt x="13" y="25"/>
+                    </a:cubicBezTo>
+                    <a:cubicBezTo>
+                      <a:pt x="81" y="25"/>
+                      <a:pt x="81" y="25"/>
+                      <a:pt x="81" y="25"/>
+                    </a:cubicBezTo>
+                    <a:cubicBezTo>
+                      <a:pt x="88" y="25"/>
+                      <a:pt x="94" y="19"/>
+                      <a:pt x="94" y="12"/>
+                    </a:cubicBezTo>
+                    <a:cubicBezTo>
+                      <a:pt x="94" y="6"/>
+                      <a:pt x="88" y="0"/>
+                      <a:pt x="81" y="0"/>
+                    </a:cubicBezTo>
+                    <a:cubicBezTo>
+                      <a:pt x="13" y="0"/>
+                      <a:pt x="13" y="0"/>
+                      <a:pt x="13" y="0"/>
+                    </a:cubicBezTo>
+                    <a:cubicBezTo>
+                      <a:pt x="6" y="0"/>
+                      <a:pt x="0" y="6"/>
+                      <a:pt x="0" y="12"/>
+                    </a:cubicBezTo>
+                    <a:close/>
+                  </a:path>
+                </a:pathLst>
+              </a:custGeom>
+              <a:solidFill>
+                <a:srgbClr val="3B3B3B"/>
+              </a:solidFill>
+              <a:ln>
+                <a:noFill/>
+              </a:ln>
+              <a:extLst>
+                <a:ext uri="{91240B29-F687-4F45-9708-019B960494DF}">
+                  <a14:hiddenLine xmlns:a14="http://schemas.microsoft.com/office/drawing/2010/main" w="9525">
+                    <a:solidFill>
+                      <a:srgbClr val="000000"/>
+                    </a:solidFill>
+                    <a:round/>
+                  </a14:hiddenLine>
+                </a:ext>
+              </a:extLst>
+            </p:spPr>
+            <p:txBody>
+              <a:bodyPr vert="horz" wrap="square" lIns="121920" tIns="60960" rIns="121920" bIns="60960" numCol="1" anchor="t" anchorCtr="0" compatLnSpc="1"/>
+              <a:lstStyle/>
+              <a:p>
+                <a:endParaRPr lang="zh-CN" altLang="en-US" sz="2400"/>
+              </a:p>
+            </p:txBody>
+          </p:sp>
+          <p:sp>
+            <p:nvSpPr>
+              <p:cNvPr id="50" name="Freeform 276"/>
+              <p:cNvSpPr/>
+              <p:nvPr/>
+            </p:nvSpPr>
+            <p:spPr bwMode="auto">
+              <a:xfrm>
+                <a:off x="-3236068" y="3488532"/>
+                <a:ext cx="79375" cy="292100"/>
+              </a:xfrm>
+              <a:custGeom>
+                <a:avLst/>
+                <a:gdLst>
+                  <a:gd name="T0" fmla="*/ 13 w 25"/>
+                  <a:gd name="T1" fmla="*/ 0 h 92"/>
+                  <a:gd name="T2" fmla="*/ 0 w 25"/>
+                  <a:gd name="T3" fmla="*/ 13 h 92"/>
+                  <a:gd name="T4" fmla="*/ 0 w 25"/>
+                  <a:gd name="T5" fmla="*/ 79 h 92"/>
+                  <a:gd name="T6" fmla="*/ 13 w 25"/>
+                  <a:gd name="T7" fmla="*/ 92 h 92"/>
+                  <a:gd name="T8" fmla="*/ 25 w 25"/>
+                  <a:gd name="T9" fmla="*/ 79 h 92"/>
+                  <a:gd name="T10" fmla="*/ 25 w 25"/>
+                  <a:gd name="T11" fmla="*/ 13 h 92"/>
+                  <a:gd name="T12" fmla="*/ 13 w 25"/>
+                  <a:gd name="T13" fmla="*/ 0 h 92"/>
+                </a:gdLst>
+                <a:ahLst/>
+                <a:cxnLst>
+                  <a:cxn ang="0">
+                    <a:pos x="T0" y="T1"/>
+                  </a:cxn>
+                  <a:cxn ang="0">
+                    <a:pos x="T2" y="T3"/>
+                  </a:cxn>
+                  <a:cxn ang="0">
+                    <a:pos x="T4" y="T5"/>
+                  </a:cxn>
+                  <a:cxn ang="0">
+                    <a:pos x="T6" y="T7"/>
+                  </a:cxn>
+                  <a:cxn ang="0">
+                    <a:pos x="T8" y="T9"/>
+                  </a:cxn>
+                  <a:cxn ang="0">
+                    <a:pos x="T10" y="T11"/>
+                  </a:cxn>
+                  <a:cxn ang="0">
+                    <a:pos x="T12" y="T13"/>
+                  </a:cxn>
+                </a:cxnLst>
+                <a:rect l="0" t="0" r="r" b="b"/>
+                <a:pathLst>
+                  <a:path w="25" h="92">
+                    <a:moveTo>
+                      <a:pt x="13" y="0"/>
+                    </a:moveTo>
+                    <a:cubicBezTo>
+                      <a:pt x="6" y="0"/>
+                      <a:pt x="0" y="6"/>
+                      <a:pt x="0" y="13"/>
+                    </a:cubicBezTo>
+                    <a:cubicBezTo>
+                      <a:pt x="0" y="79"/>
+                      <a:pt x="0" y="79"/>
+                      <a:pt x="0" y="79"/>
+                    </a:cubicBezTo>
+                    <a:cubicBezTo>
+                      <a:pt x="0" y="86"/>
+                      <a:pt x="6" y="92"/>
+                      <a:pt x="13" y="92"/>
+                    </a:cubicBezTo>
+                    <a:cubicBezTo>
+                      <a:pt x="20" y="92"/>
+                      <a:pt x="25" y="86"/>
+                      <a:pt x="25" y="79"/>
+                    </a:cubicBezTo>
+                    <a:cubicBezTo>
+                      <a:pt x="25" y="13"/>
+                      <a:pt x="25" y="13"/>
+                      <a:pt x="25" y="13"/>
+                    </a:cubicBezTo>
+                    <a:cubicBezTo>
+                      <a:pt x="25" y="6"/>
+                      <a:pt x="20" y="0"/>
+                      <a:pt x="13" y="0"/>
+                    </a:cubicBezTo>
+                    <a:close/>
+                  </a:path>
+                </a:pathLst>
+              </a:custGeom>
+              <a:solidFill>
+                <a:srgbClr val="3B3B3B"/>
+              </a:solidFill>
+              <a:ln>
+                <a:noFill/>
+              </a:ln>
+              <a:extLst>
+                <a:ext uri="{91240B29-F687-4F45-9708-019B960494DF}">
+                  <a14:hiddenLine xmlns:a14="http://schemas.microsoft.com/office/drawing/2010/main" w="9525">
+                    <a:solidFill>
+                      <a:srgbClr val="000000"/>
+                    </a:solidFill>
+                    <a:round/>
+                  </a14:hiddenLine>
+                </a:ext>
+              </a:extLst>
+            </p:spPr>
+            <p:txBody>
+              <a:bodyPr vert="horz" wrap="square" lIns="121920" tIns="60960" rIns="121920" bIns="60960" numCol="1" anchor="t" anchorCtr="0" compatLnSpc="1"/>
+              <a:lstStyle/>
+              <a:p>
+                <a:endParaRPr lang="zh-CN" altLang="en-US" sz="2400"/>
+              </a:p>
+            </p:txBody>
+          </p:sp>
+          <p:sp>
+            <p:nvSpPr>
+              <p:cNvPr id="51" name="Freeform 277"/>
+              <p:cNvSpPr/>
+              <p:nvPr/>
+            </p:nvSpPr>
+            <p:spPr bwMode="auto">
+              <a:xfrm>
+                <a:off x="-4061568" y="2899570"/>
+                <a:ext cx="298450" cy="76200"/>
+              </a:xfrm>
+              <a:custGeom>
+                <a:avLst/>
+                <a:gdLst>
+                  <a:gd name="T0" fmla="*/ 13 w 94"/>
+                  <a:gd name="T1" fmla="*/ 24 h 24"/>
+                  <a:gd name="T2" fmla="*/ 81 w 94"/>
+                  <a:gd name="T3" fmla="*/ 24 h 24"/>
+                  <a:gd name="T4" fmla="*/ 94 w 94"/>
+                  <a:gd name="T5" fmla="*/ 12 h 24"/>
+                  <a:gd name="T6" fmla="*/ 81 w 94"/>
+                  <a:gd name="T7" fmla="*/ 0 h 24"/>
+                  <a:gd name="T8" fmla="*/ 13 w 94"/>
+                  <a:gd name="T9" fmla="*/ 0 h 24"/>
+                  <a:gd name="T10" fmla="*/ 0 w 94"/>
+                  <a:gd name="T11" fmla="*/ 12 h 24"/>
+                  <a:gd name="T12" fmla="*/ 13 w 94"/>
+                  <a:gd name="T13" fmla="*/ 24 h 24"/>
+                </a:gdLst>
+                <a:ahLst/>
+                <a:cxnLst>
+                  <a:cxn ang="0">
+                    <a:pos x="T0" y="T1"/>
+                  </a:cxn>
+                  <a:cxn ang="0">
+                    <a:pos x="T2" y="T3"/>
+                  </a:cxn>
+                  <a:cxn ang="0">
+                    <a:pos x="T4" y="T5"/>
+                  </a:cxn>
+                  <a:cxn ang="0">
+                    <a:pos x="T6" y="T7"/>
+                  </a:cxn>
+                  <a:cxn ang="0">
+                    <a:pos x="T8" y="T9"/>
+                  </a:cxn>
+                  <a:cxn ang="0">
+                    <a:pos x="T10" y="T11"/>
+                  </a:cxn>
+                  <a:cxn ang="0">
+                    <a:pos x="T12" y="T13"/>
+                  </a:cxn>
+                </a:cxnLst>
+                <a:rect l="0" t="0" r="r" b="b"/>
+                <a:pathLst>
+                  <a:path w="94" h="24">
+                    <a:moveTo>
+                      <a:pt x="13" y="24"/>
+                    </a:moveTo>
+                    <a:cubicBezTo>
+                      <a:pt x="81" y="24"/>
+                      <a:pt x="81" y="24"/>
+                      <a:pt x="81" y="24"/>
+                    </a:cubicBezTo>
+                    <a:cubicBezTo>
+                      <a:pt x="88" y="24"/>
+                      <a:pt x="94" y="19"/>
+                      <a:pt x="94" y="12"/>
+                    </a:cubicBezTo>
+                    <a:cubicBezTo>
+                      <a:pt x="94" y="5"/>
+                      <a:pt x="88" y="0"/>
+                      <a:pt x="81" y="0"/>
+                    </a:cubicBezTo>
+                    <a:cubicBezTo>
+                      <a:pt x="13" y="0"/>
+                      <a:pt x="13" y="0"/>
+                      <a:pt x="13" y="0"/>
+                    </a:cubicBezTo>
+                    <a:cubicBezTo>
+                      <a:pt x="6" y="0"/>
+                      <a:pt x="0" y="5"/>
+                      <a:pt x="0" y="12"/>
+                    </a:cubicBezTo>
+                    <a:cubicBezTo>
+                      <a:pt x="0" y="19"/>
+                      <a:pt x="6" y="24"/>
+                      <a:pt x="13" y="24"/>
+                    </a:cubicBezTo>
+                    <a:close/>
+                  </a:path>
+                </a:pathLst>
+              </a:custGeom>
+              <a:solidFill>
+                <a:srgbClr val="3B3B3B"/>
+              </a:solidFill>
+              <a:ln>
+                <a:noFill/>
+              </a:ln>
+              <a:extLst>
+                <a:ext uri="{91240B29-F687-4F45-9708-019B960494DF}">
+                  <a14:hiddenLine xmlns:a14="http://schemas.microsoft.com/office/drawing/2010/main" w="9525">
+                    <a:solidFill>
+                      <a:srgbClr val="000000"/>
+                    </a:solidFill>
+                    <a:round/>
+                  </a14:hiddenLine>
+                </a:ext>
+              </a:extLst>
+            </p:spPr>
+            <p:txBody>
+              <a:bodyPr vert="horz" wrap="square" lIns="121920" tIns="60960" rIns="121920" bIns="60960" numCol="1" anchor="t" anchorCtr="0" compatLnSpc="1"/>
+              <a:lstStyle/>
+              <a:p>
+                <a:endParaRPr lang="zh-CN" altLang="en-US" sz="2400"/>
+              </a:p>
+            </p:txBody>
+          </p:sp>
+          <p:sp>
+            <p:nvSpPr>
+              <p:cNvPr id="52" name="Freeform 278"/>
+              <p:cNvSpPr/>
+              <p:nvPr/>
+            </p:nvSpPr>
+            <p:spPr bwMode="auto">
+              <a:xfrm>
+                <a:off x="-3890118" y="2304257"/>
+                <a:ext cx="266700" cy="212725"/>
+              </a:xfrm>
+              <a:custGeom>
+                <a:avLst/>
+                <a:gdLst>
+                  <a:gd name="T0" fmla="*/ 7 w 84"/>
+                  <a:gd name="T1" fmla="*/ 22 h 67"/>
+                  <a:gd name="T2" fmla="*/ 62 w 84"/>
+                  <a:gd name="T3" fmla="*/ 63 h 67"/>
+                  <a:gd name="T4" fmla="*/ 79 w 84"/>
+                  <a:gd name="T5" fmla="*/ 60 h 67"/>
+                  <a:gd name="T6" fmla="*/ 77 w 84"/>
+                  <a:gd name="T7" fmla="*/ 43 h 67"/>
+                  <a:gd name="T8" fmla="*/ 22 w 84"/>
+                  <a:gd name="T9" fmla="*/ 3 h 67"/>
+                  <a:gd name="T10" fmla="*/ 15 w 84"/>
+                  <a:gd name="T11" fmla="*/ 0 h 67"/>
+                  <a:gd name="T12" fmla="*/ 4 w 84"/>
+                  <a:gd name="T13" fmla="*/ 5 h 67"/>
+                  <a:gd name="T14" fmla="*/ 7 w 84"/>
+                  <a:gd name="T15" fmla="*/ 22 h 67"/>
+                </a:gdLst>
+                <a:ahLst/>
+                <a:cxnLst>
+                  <a:cxn ang="0">
+                    <a:pos x="T0" y="T1"/>
+                  </a:cxn>
+                  <a:cxn ang="0">
+                    <a:pos x="T2" y="T3"/>
+                  </a:cxn>
+                  <a:cxn ang="0">
+                    <a:pos x="T4" y="T5"/>
+                  </a:cxn>
+                  <a:cxn ang="0">
+                    <a:pos x="T6" y="T7"/>
+                  </a:cxn>
+                  <a:cxn ang="0">
+                    <a:pos x="T8" y="T9"/>
+                  </a:cxn>
+                  <a:cxn ang="0">
+                    <a:pos x="T10" y="T11"/>
+                  </a:cxn>
+                  <a:cxn ang="0">
+                    <a:pos x="T12" y="T13"/>
+                  </a:cxn>
+                  <a:cxn ang="0">
+                    <a:pos x="T14" y="T15"/>
+                  </a:cxn>
+                </a:cxnLst>
+                <a:rect l="0" t="0" r="r" b="b"/>
+                <a:pathLst>
+                  <a:path w="84" h="67">
+                    <a:moveTo>
+                      <a:pt x="7" y="22"/>
+                    </a:moveTo>
+                    <a:cubicBezTo>
+                      <a:pt x="62" y="63"/>
+                      <a:pt x="62" y="63"/>
+                      <a:pt x="62" y="63"/>
+                    </a:cubicBezTo>
+                    <a:cubicBezTo>
+                      <a:pt x="67" y="67"/>
+                      <a:pt x="75" y="66"/>
+                      <a:pt x="79" y="60"/>
+                    </a:cubicBezTo>
+                    <a:cubicBezTo>
+                      <a:pt x="84" y="55"/>
+                      <a:pt x="82" y="47"/>
+                      <a:pt x="77" y="43"/>
+                    </a:cubicBezTo>
+                    <a:cubicBezTo>
+                      <a:pt x="22" y="3"/>
+                      <a:pt x="22" y="3"/>
+                      <a:pt x="22" y="3"/>
+                    </a:cubicBezTo>
+                    <a:cubicBezTo>
+                      <a:pt x="20" y="1"/>
+                      <a:pt x="17" y="0"/>
+                      <a:pt x="15" y="0"/>
+                    </a:cubicBezTo>
+                    <a:cubicBezTo>
+                      <a:pt x="11" y="0"/>
+                      <a:pt x="7" y="2"/>
+                      <a:pt x="4" y="5"/>
+                    </a:cubicBezTo>
+                    <a:cubicBezTo>
+                      <a:pt x="0" y="11"/>
+                      <a:pt x="1" y="18"/>
+                      <a:pt x="7" y="22"/>
+                    </a:cubicBezTo>
+                    <a:close/>
+                  </a:path>
+                </a:pathLst>
+              </a:custGeom>
+              <a:solidFill>
+                <a:srgbClr val="3B3B3B"/>
+              </a:solidFill>
+              <a:ln>
+                <a:noFill/>
+              </a:ln>
+              <a:extLst>
+                <a:ext uri="{91240B29-F687-4F45-9708-019B960494DF}">
+                  <a14:hiddenLine xmlns:a14="http://schemas.microsoft.com/office/drawing/2010/main" w="9525">
+                    <a:solidFill>
+                      <a:srgbClr val="000000"/>
+                    </a:solidFill>
+                    <a:round/>
+                  </a14:hiddenLine>
+                </a:ext>
+              </a:extLst>
+            </p:spPr>
+            <p:txBody>
+              <a:bodyPr vert="horz" wrap="square" lIns="121920" tIns="60960" rIns="121920" bIns="60960" numCol="1" anchor="t" anchorCtr="0" compatLnSpc="1"/>
+              <a:lstStyle/>
+              <a:p>
+                <a:endParaRPr lang="zh-CN" altLang="en-US" sz="2400"/>
+              </a:p>
+            </p:txBody>
+          </p:sp>
+          <p:sp>
+            <p:nvSpPr>
+              <p:cNvPr id="53" name="Freeform 279"/>
+              <p:cNvSpPr/>
+              <p:nvPr/>
+            </p:nvSpPr>
+            <p:spPr bwMode="auto">
+              <a:xfrm>
+                <a:off x="-2674092" y="2304257"/>
+                <a:ext cx="266700" cy="212725"/>
+              </a:xfrm>
+              <a:custGeom>
+                <a:avLst/>
+                <a:gdLst>
+                  <a:gd name="T0" fmla="*/ 22 w 84"/>
+                  <a:gd name="T1" fmla="*/ 63 h 67"/>
+                  <a:gd name="T2" fmla="*/ 77 w 84"/>
+                  <a:gd name="T3" fmla="*/ 22 h 67"/>
+                  <a:gd name="T4" fmla="*/ 79 w 84"/>
+                  <a:gd name="T5" fmla="*/ 5 h 67"/>
+                  <a:gd name="T6" fmla="*/ 69 w 84"/>
+                  <a:gd name="T7" fmla="*/ 0 h 67"/>
+                  <a:gd name="T8" fmla="*/ 62 w 84"/>
+                  <a:gd name="T9" fmla="*/ 3 h 67"/>
+                  <a:gd name="T10" fmla="*/ 7 w 84"/>
+                  <a:gd name="T11" fmla="*/ 43 h 67"/>
+                  <a:gd name="T12" fmla="*/ 5 w 84"/>
+                  <a:gd name="T13" fmla="*/ 60 h 67"/>
+                  <a:gd name="T14" fmla="*/ 22 w 84"/>
+                  <a:gd name="T15" fmla="*/ 63 h 67"/>
+                </a:gdLst>
+                <a:ahLst/>
+                <a:cxnLst>
+                  <a:cxn ang="0">
+                    <a:pos x="T0" y="T1"/>
+                  </a:cxn>
+                  <a:cxn ang="0">
+                    <a:pos x="T2" y="T3"/>
+                  </a:cxn>
+                  <a:cxn ang="0">
+                    <a:pos x="T4" y="T5"/>
+                  </a:cxn>
+                  <a:cxn ang="0">
+                    <a:pos x="T6" y="T7"/>
+                  </a:cxn>
+                  <a:cxn ang="0">
+                    <a:pos x="T8" y="T9"/>
+                  </a:cxn>
+                  <a:cxn ang="0">
+                    <a:pos x="T10" y="T11"/>
+                  </a:cxn>
+                  <a:cxn ang="0">
+                    <a:pos x="T12" y="T13"/>
+                  </a:cxn>
+                  <a:cxn ang="0">
+                    <a:pos x="T14" y="T15"/>
+                  </a:cxn>
+                </a:cxnLst>
+                <a:rect l="0" t="0" r="r" b="b"/>
+                <a:pathLst>
+                  <a:path w="84" h="67">
+                    <a:moveTo>
+                      <a:pt x="22" y="63"/>
+                    </a:moveTo>
+                    <a:cubicBezTo>
+                      <a:pt x="77" y="22"/>
+                      <a:pt x="77" y="22"/>
+                      <a:pt x="77" y="22"/>
+                    </a:cubicBezTo>
+                    <a:cubicBezTo>
+                      <a:pt x="83" y="18"/>
+                      <a:pt x="84" y="11"/>
+                      <a:pt x="79" y="5"/>
+                    </a:cubicBezTo>
+                    <a:cubicBezTo>
+                      <a:pt x="77" y="2"/>
+                      <a:pt x="73" y="0"/>
+                      <a:pt x="69" y="0"/>
+                    </a:cubicBezTo>
+                    <a:cubicBezTo>
+                      <a:pt x="67" y="0"/>
+                      <a:pt x="64" y="1"/>
+                      <a:pt x="62" y="3"/>
+                    </a:cubicBezTo>
+                    <a:cubicBezTo>
+                      <a:pt x="7" y="43"/>
+                      <a:pt x="7" y="43"/>
+                      <a:pt x="7" y="43"/>
+                    </a:cubicBezTo>
+                    <a:cubicBezTo>
+                      <a:pt x="1" y="47"/>
+                      <a:pt x="0" y="55"/>
+                      <a:pt x="5" y="60"/>
+                    </a:cubicBezTo>
+                    <a:cubicBezTo>
+                      <a:pt x="9" y="66"/>
+                      <a:pt x="17" y="67"/>
+                      <a:pt x="22" y="63"/>
+                    </a:cubicBezTo>
+                    <a:close/>
+                  </a:path>
+                </a:pathLst>
+              </a:custGeom>
+              <a:solidFill>
+                <a:srgbClr val="3B3B3B"/>
+              </a:solidFill>
+              <a:ln>
+                <a:noFill/>
+              </a:ln>
+              <a:extLst>
+                <a:ext uri="{91240B29-F687-4F45-9708-019B960494DF}">
+                  <a14:hiddenLine xmlns:a14="http://schemas.microsoft.com/office/drawing/2010/main" w="9525">
+                    <a:solidFill>
+                      <a:srgbClr val="000000"/>
+                    </a:solidFill>
+                    <a:round/>
+                  </a14:hiddenLine>
+                </a:ext>
+              </a:extLst>
+            </p:spPr>
+            <p:txBody>
+              <a:bodyPr vert="horz" wrap="square" lIns="121920" tIns="60960" rIns="121920" bIns="60960" numCol="1" anchor="t" anchorCtr="0" compatLnSpc="1"/>
+              <a:lstStyle/>
+              <a:p>
+                <a:endParaRPr lang="zh-CN" altLang="en-US" sz="2400"/>
+              </a:p>
+            </p:txBody>
+          </p:sp>
+          <p:sp>
+            <p:nvSpPr>
+              <p:cNvPr id="54" name="Freeform 280"/>
+              <p:cNvSpPr/>
+              <p:nvPr/>
+            </p:nvSpPr>
+            <p:spPr bwMode="auto">
+              <a:xfrm>
+                <a:off x="-3839318" y="3363120"/>
+                <a:ext cx="244475" cy="233363"/>
+              </a:xfrm>
+              <a:custGeom>
+                <a:avLst/>
+                <a:gdLst>
+                  <a:gd name="T0" fmla="*/ 63 w 77"/>
+                  <a:gd name="T1" fmla="*/ 0 h 73"/>
+                  <a:gd name="T2" fmla="*/ 54 w 77"/>
+                  <a:gd name="T3" fmla="*/ 3 h 73"/>
+                  <a:gd name="T4" fmla="*/ 5 w 77"/>
+                  <a:gd name="T5" fmla="*/ 51 h 73"/>
+                  <a:gd name="T6" fmla="*/ 5 w 77"/>
+                  <a:gd name="T7" fmla="*/ 68 h 73"/>
+                  <a:gd name="T8" fmla="*/ 23 w 77"/>
+                  <a:gd name="T9" fmla="*/ 68 h 73"/>
+                  <a:gd name="T10" fmla="*/ 72 w 77"/>
+                  <a:gd name="T11" fmla="*/ 21 h 73"/>
+                  <a:gd name="T12" fmla="*/ 72 w 77"/>
+                  <a:gd name="T13" fmla="*/ 3 h 73"/>
+                  <a:gd name="T14" fmla="*/ 63 w 77"/>
+                  <a:gd name="T15" fmla="*/ 0 h 73"/>
+                </a:gdLst>
+                <a:ahLst/>
+                <a:cxnLst>
+                  <a:cxn ang="0">
+                    <a:pos x="T0" y="T1"/>
+                  </a:cxn>
+                  <a:cxn ang="0">
+                    <a:pos x="T2" y="T3"/>
+                  </a:cxn>
+                  <a:cxn ang="0">
+                    <a:pos x="T4" y="T5"/>
+                  </a:cxn>
+                  <a:cxn ang="0">
+                    <a:pos x="T6" y="T7"/>
+                  </a:cxn>
+                  <a:cxn ang="0">
+                    <a:pos x="T8" y="T9"/>
+                  </a:cxn>
+                  <a:cxn ang="0">
+                    <a:pos x="T10" y="T11"/>
+                  </a:cxn>
+                  <a:cxn ang="0">
+                    <a:pos x="T12" y="T13"/>
+                  </a:cxn>
+                  <a:cxn ang="0">
+                    <a:pos x="T14" y="T15"/>
+                  </a:cxn>
+                </a:cxnLst>
+                <a:rect l="0" t="0" r="r" b="b"/>
+                <a:pathLst>
+                  <a:path w="77" h="73">
+                    <a:moveTo>
+                      <a:pt x="63" y="0"/>
+                    </a:moveTo>
+                    <a:cubicBezTo>
+                      <a:pt x="60" y="0"/>
+                      <a:pt x="56" y="1"/>
+                      <a:pt x="54" y="3"/>
+                    </a:cubicBezTo>
+                    <a:cubicBezTo>
+                      <a:pt x="5" y="51"/>
+                      <a:pt x="5" y="51"/>
+                      <a:pt x="5" y="51"/>
+                    </a:cubicBezTo>
+                    <a:cubicBezTo>
+                      <a:pt x="0" y="55"/>
+                      <a:pt x="0" y="63"/>
+                      <a:pt x="5" y="68"/>
+                    </a:cubicBezTo>
+                    <a:cubicBezTo>
+                      <a:pt x="10" y="73"/>
+                      <a:pt x="18" y="73"/>
+                      <a:pt x="23" y="68"/>
+                    </a:cubicBezTo>
+                    <a:cubicBezTo>
+                      <a:pt x="72" y="21"/>
+                      <a:pt x="72" y="21"/>
+                      <a:pt x="72" y="21"/>
+                    </a:cubicBezTo>
+                    <a:cubicBezTo>
+                      <a:pt x="77" y="16"/>
+                      <a:pt x="77" y="8"/>
+                      <a:pt x="72" y="3"/>
+                    </a:cubicBezTo>
+                    <a:cubicBezTo>
+                      <a:pt x="69" y="1"/>
+                      <a:pt x="66" y="0"/>
+                      <a:pt x="63" y="0"/>
+                    </a:cubicBezTo>
+                    <a:close/>
+                  </a:path>
+                </a:pathLst>
+              </a:custGeom>
+              <a:solidFill>
+                <a:srgbClr val="3B3B3B"/>
+              </a:solidFill>
+              <a:ln>
+                <a:noFill/>
+              </a:ln>
+              <a:extLst>
+                <a:ext uri="{91240B29-F687-4F45-9708-019B960494DF}">
+                  <a14:hiddenLine xmlns:a14="http://schemas.microsoft.com/office/drawing/2010/main" w="9525">
+                    <a:solidFill>
+                      <a:srgbClr val="000000"/>
+                    </a:solidFill>
+                    <a:round/>
+                  </a14:hiddenLine>
+                </a:ext>
+              </a:extLst>
+            </p:spPr>
+            <p:txBody>
+              <a:bodyPr vert="horz" wrap="square" lIns="121920" tIns="60960" rIns="121920" bIns="60960" numCol="1" anchor="t" anchorCtr="0" compatLnSpc="1"/>
+              <a:lstStyle/>
+              <a:p>
+                <a:endParaRPr lang="zh-CN" altLang="en-US" sz="2400"/>
+              </a:p>
+            </p:txBody>
+          </p:sp>
+          <p:sp>
+            <p:nvSpPr>
+              <p:cNvPr id="55" name="Freeform 281"/>
+              <p:cNvSpPr/>
+              <p:nvPr/>
+            </p:nvSpPr>
+            <p:spPr bwMode="auto">
+              <a:xfrm>
+                <a:off x="-2728067" y="3363120"/>
+                <a:ext cx="244475" cy="233363"/>
+              </a:xfrm>
+              <a:custGeom>
+                <a:avLst/>
+                <a:gdLst>
+                  <a:gd name="T0" fmla="*/ 23 w 77"/>
+                  <a:gd name="T1" fmla="*/ 3 h 73"/>
+                  <a:gd name="T2" fmla="*/ 14 w 77"/>
+                  <a:gd name="T3" fmla="*/ 0 h 73"/>
+                  <a:gd name="T4" fmla="*/ 5 w 77"/>
+                  <a:gd name="T5" fmla="*/ 3 h 73"/>
+                  <a:gd name="T6" fmla="*/ 5 w 77"/>
+                  <a:gd name="T7" fmla="*/ 21 h 73"/>
+                  <a:gd name="T8" fmla="*/ 54 w 77"/>
+                  <a:gd name="T9" fmla="*/ 68 h 73"/>
+                  <a:gd name="T10" fmla="*/ 72 w 77"/>
+                  <a:gd name="T11" fmla="*/ 68 h 73"/>
+                  <a:gd name="T12" fmla="*/ 72 w 77"/>
+                  <a:gd name="T13" fmla="*/ 51 h 73"/>
+                  <a:gd name="T14" fmla="*/ 23 w 77"/>
+                  <a:gd name="T15" fmla="*/ 3 h 73"/>
+                </a:gdLst>
+                <a:ahLst/>
+                <a:cxnLst>
+                  <a:cxn ang="0">
+                    <a:pos x="T0" y="T1"/>
+                  </a:cxn>
+                  <a:cxn ang="0">
+                    <a:pos x="T2" y="T3"/>
+                  </a:cxn>
+                  <a:cxn ang="0">
+                    <a:pos x="T4" y="T5"/>
+                  </a:cxn>
+                  <a:cxn ang="0">
+                    <a:pos x="T6" y="T7"/>
+                  </a:cxn>
+                  <a:cxn ang="0">
+                    <a:pos x="T8" y="T9"/>
+                  </a:cxn>
+                  <a:cxn ang="0">
+                    <a:pos x="T10" y="T11"/>
+                  </a:cxn>
+                  <a:cxn ang="0">
+                    <a:pos x="T12" y="T13"/>
+                  </a:cxn>
+                  <a:cxn ang="0">
+                    <a:pos x="T14" y="T15"/>
+                  </a:cxn>
+                </a:cxnLst>
+                <a:rect l="0" t="0" r="r" b="b"/>
+                <a:pathLst>
+                  <a:path w="77" h="73">
+                    <a:moveTo>
+                      <a:pt x="23" y="3"/>
+                    </a:moveTo>
+                    <a:cubicBezTo>
+                      <a:pt x="21" y="1"/>
+                      <a:pt x="17" y="0"/>
+                      <a:pt x="14" y="0"/>
+                    </a:cubicBezTo>
+                    <a:cubicBezTo>
+                      <a:pt x="11" y="0"/>
+                      <a:pt x="8" y="1"/>
+                      <a:pt x="5" y="3"/>
+                    </a:cubicBezTo>
+                    <a:cubicBezTo>
+                      <a:pt x="0" y="8"/>
+                      <a:pt x="0" y="16"/>
+                      <a:pt x="5" y="21"/>
+                    </a:cubicBezTo>
+                    <a:cubicBezTo>
+                      <a:pt x="54" y="68"/>
+                      <a:pt x="54" y="68"/>
+                      <a:pt x="54" y="68"/>
+                    </a:cubicBezTo>
+                    <a:cubicBezTo>
+                      <a:pt x="59" y="73"/>
+                      <a:pt x="67" y="73"/>
+                      <a:pt x="72" y="68"/>
+                    </a:cubicBezTo>
+                    <a:cubicBezTo>
+                      <a:pt x="77" y="63"/>
+                      <a:pt x="77" y="55"/>
+                      <a:pt x="72" y="51"/>
+                    </a:cubicBezTo>
+                    <a:lnTo>
+                      <a:pt x="23" y="3"/>
+                    </a:lnTo>
+                    <a:close/>
+                  </a:path>
+                </a:pathLst>
+              </a:custGeom>
+              <a:solidFill>
+                <a:srgbClr val="3B3B3B"/>
+              </a:solidFill>
+              <a:ln>
+                <a:noFill/>
+              </a:ln>
+              <a:extLst>
+                <a:ext uri="{91240B29-F687-4F45-9708-019B960494DF}">
+                  <a14:hiddenLine xmlns:a14="http://schemas.microsoft.com/office/drawing/2010/main" w="9525">
+                    <a:solidFill>
+                      <a:srgbClr val="000000"/>
+                    </a:solidFill>
+                    <a:round/>
+                  </a14:hiddenLine>
+                </a:ext>
+              </a:extLst>
+            </p:spPr>
+            <p:txBody>
+              <a:bodyPr vert="horz" wrap="square" lIns="121920" tIns="60960" rIns="121920" bIns="60960" numCol="1" anchor="t" anchorCtr="0" compatLnSpc="1"/>
+              <a:lstStyle/>
+              <a:p>
+                <a:endParaRPr lang="zh-CN" altLang="en-US" sz="2400"/>
+              </a:p>
+            </p:txBody>
+          </p:sp>
+        </p:grpSp>
+        <p:cxnSp>
+          <p:nvCxnSpPr>
+            <p:cNvPr id="46" name="直接连接符 45"/>
+            <p:cNvCxnSpPr/>
+            <p:nvPr/>
+          </p:nvCxnSpPr>
+          <p:spPr>
+            <a:xfrm flipV="1">
+              <a:off x="2295727" y="2062276"/>
+              <a:ext cx="0" cy="765534"/>
+            </a:xfrm>
+            <a:prstGeom prst="line">
+              <a:avLst/>
+            </a:prstGeom>
+            <a:ln w="12700">
+              <a:solidFill>
+                <a:srgbClr val="3B3B3B"/>
+              </a:solidFill>
+            </a:ln>
+          </p:spPr>
+          <p:style>
+            <a:lnRef idx="1">
+              <a:schemeClr val="accent1"/>
+            </a:lnRef>
+            <a:fillRef idx="0">
+              <a:schemeClr val="accent1"/>
+            </a:fillRef>
+            <a:effectRef idx="0">
+              <a:schemeClr val="accent1"/>
+            </a:effectRef>
+            <a:fontRef idx="minor">
+              <a:schemeClr val="tx1"/>
+            </a:fontRef>
+          </p:style>
+        </p:cxnSp>
+      </p:grpSp>
+      <p:sp>
+        <p:nvSpPr>
+          <p:cNvPr id="2" name="Text Box 67">
+            <a:extLst>
+              <a:ext uri="{FF2B5EF4-FFF2-40B4-BE49-F238E27FC236}">
+                <a16:creationId xmlns:a16="http://schemas.microsoft.com/office/drawing/2014/main" id="{2852FF80-59BF-E8C2-8D10-73FE402B7D5A}"/>
+              </a:ext>
+            </a:extLst>
+          </p:cNvPr>
+          <p:cNvSpPr txBox="1">
+            <a:spLocks noChangeArrowheads="1"/>
+          </p:cNvSpPr>
+          <p:nvPr/>
+        </p:nvSpPr>
+        <p:spPr bwMode="auto">
+          <a:xfrm>
+            <a:off x="281876" y="1558217"/>
+            <a:ext cx="513282" cy="523220"/>
+          </a:xfrm>
+          <a:prstGeom prst="rect">
+            <a:avLst/>
+          </a:prstGeom>
+          <a:noFill/>
+          <a:ln>
+            <a:noFill/>
+          </a:ln>
+          <a:effectLst/>
+          <a:extLst>
+            <a:ext uri="{909E8E84-426E-40DD-AFC4-6F175D3DCCD1}">
+              <a14:hiddenFill xmlns:a14="http://schemas.microsoft.com/office/drawing/2010/main">
+                <a:solidFill>
+                  <a:schemeClr val="accent1"/>
+                </a:solidFill>
+              </a14:hiddenFill>
+            </a:ext>
+            <a:ext uri="{91240B29-F687-4F45-9708-019B960494DF}">
+              <a14:hiddenLine xmlns:a14="http://schemas.microsoft.com/office/drawing/2010/main" w="9525">
+                <a:solidFill>
+                  <a:schemeClr val="tx1"/>
+                </a:solidFill>
+                <a:miter lim="800000"/>
+                <a:headEnd/>
+                <a:tailEnd/>
+              </a14:hiddenLine>
+            </a:ext>
+            <a:ext uri="{AF507438-7753-43E0-B8FC-AC1667EBCBE1}">
+              <a14:hiddenEffects xmlns:a14="http://schemas.microsoft.com/office/drawing/2010/main">
+                <a:effectLst>
+                  <a:outerShdw dist="35921" dir="2700000" algn="ctr" rotWithShape="0">
+                    <a:schemeClr val="bg2"/>
+                  </a:outerShdw>
+                </a:effectLst>
+              </a14:hiddenEffects>
+            </a:ext>
+          </a:extLst>
+        </p:spPr>
+        <p:txBody>
+          <a:bodyPr wrap="none">
+            <a:spAutoFit/>
+          </a:bodyPr>
+          <a:lstStyle/>
+          <a:p>
+            <a:pPr algn="r"/>
+            <a:r>
+              <a:rPr lang="en-US" altLang="zh-CN" sz="2800" dirty="0">
+                <a:solidFill>
+                  <a:srgbClr val="C09CC2"/>
+                </a:solidFill>
+                <a:latin typeface="Impact" pitchFamily="34" charset="0"/>
+              </a:rPr>
+              <a:t>01</a:t>
+            </a:r>
+          </a:p>
+        </p:txBody>
+      </p:sp>
+      <p:sp>
+        <p:nvSpPr>
+          <p:cNvPr id="6" name="Text Box 147">
+            <a:extLst>
+              <a:ext uri="{FF2B5EF4-FFF2-40B4-BE49-F238E27FC236}">
+                <a16:creationId xmlns:a16="http://schemas.microsoft.com/office/drawing/2014/main" id="{1C6E5DE6-7EC5-44F1-F631-217DD6DBD261}"/>
+              </a:ext>
+            </a:extLst>
+          </p:cNvPr>
+          <p:cNvSpPr txBox="1">
+            <a:spLocks noChangeArrowheads="1"/>
+          </p:cNvSpPr>
+          <p:nvPr/>
+        </p:nvSpPr>
+        <p:spPr bwMode="auto">
+          <a:xfrm>
+            <a:off x="949406" y="1411782"/>
+            <a:ext cx="9847327" cy="3894208"/>
+          </a:xfrm>
+          <a:prstGeom prst="rect">
+            <a:avLst/>
+          </a:prstGeom>
+          <a:noFill/>
+          <a:ln>
+            <a:noFill/>
+          </a:ln>
+          <a:effectLst/>
+          <a:extLst>
+            <a:ext uri="{909E8E84-426E-40DD-AFC4-6F175D3DCCD1}">
+              <a14:hiddenFill xmlns:a14="http://schemas.microsoft.com/office/drawing/2010/main">
+                <a:solidFill>
+                  <a:schemeClr val="accent1"/>
+                </a:solidFill>
+              </a14:hiddenFill>
+            </a:ext>
+            <a:ext uri="{91240B29-F687-4F45-9708-019B960494DF}">
+              <a14:hiddenLine xmlns:a14="http://schemas.microsoft.com/office/drawing/2010/main" w="9525">
+                <a:solidFill>
+                  <a:schemeClr val="tx1"/>
+                </a:solidFill>
+                <a:miter lim="800000"/>
+                <a:headEnd/>
+                <a:tailEnd/>
+              </a14:hiddenLine>
+            </a:ext>
+            <a:ext uri="{AF507438-7753-43E0-B8FC-AC1667EBCBE1}">
+              <a14:hiddenEffects xmlns:a14="http://schemas.microsoft.com/office/drawing/2010/main">
+                <a:effectLst>
+                  <a:outerShdw dist="35921" dir="2700000" algn="ctr" rotWithShape="0">
+                    <a:schemeClr val="bg2"/>
+                  </a:outerShdw>
+                </a:effectLst>
+              </a14:hiddenEffects>
+            </a:ext>
+          </a:extLst>
+        </p:spPr>
+        <p:txBody>
+          <a:bodyPr wrap="square" lIns="0">
+            <a:spAutoFit/>
+          </a:bodyPr>
+          <a:lstStyle/>
+          <a:p>
+            <a:pPr>
+              <a:lnSpc>
+                <a:spcPct val="150000"/>
+              </a:lnSpc>
+            </a:pPr>
+            <a:r>
+              <a:rPr lang="zh-TW" altLang="en-US" sz="2800" b="1" dirty="0">
+                <a:solidFill>
+                  <a:srgbClr val="3B3B3B"/>
+                </a:solidFill>
+                <a:latin typeface="微软雅黑" pitchFamily="34" charset="-122"/>
+                <a:ea typeface="微软雅黑" pitchFamily="34" charset="-122"/>
+              </a:rPr>
+              <a:t>殭屍生成問題</a:t>
+            </a:r>
+            <a:r>
+              <a:rPr lang="en-US" altLang="zh-TW" sz="2800" b="1" dirty="0">
+                <a:solidFill>
+                  <a:srgbClr val="3B3B3B"/>
+                </a:solidFill>
+                <a:latin typeface="微软雅黑" pitchFamily="34" charset="-122"/>
+                <a:ea typeface="微软雅黑" pitchFamily="34" charset="-122"/>
+              </a:rPr>
+              <a:t>:</a:t>
+            </a:r>
+          </a:p>
+          <a:p>
+            <a:pPr>
+              <a:lnSpc>
+                <a:spcPct val="150000"/>
+              </a:lnSpc>
+            </a:pPr>
+            <a:r>
+              <a:rPr lang="zh-TW" altLang="en-US" sz="2800" b="1" dirty="0">
+                <a:solidFill>
+                  <a:srgbClr val="3B3B3B"/>
+                </a:solidFill>
+                <a:latin typeface="微软雅黑" pitchFamily="34" charset="-122"/>
+                <a:ea typeface="微软雅黑" pitchFamily="34" charset="-122"/>
+              </a:rPr>
+              <a:t>問題：</a:t>
+            </a:r>
+            <a:r>
+              <a:rPr lang="zh-TW" altLang="en-US" sz="2800" dirty="0">
+                <a:solidFill>
+                  <a:srgbClr val="3B3B3B"/>
+                </a:solidFill>
+                <a:latin typeface="微软雅黑" pitchFamily="34" charset="-122"/>
+                <a:ea typeface="微软雅黑" pitchFamily="34" charset="-122"/>
+              </a:rPr>
+              <a:t>生存模式中，打完第二波旗幟後無法生成殭屍</a:t>
+            </a:r>
+            <a:endParaRPr lang="en-US" altLang="zh-TW" sz="2800" dirty="0">
+              <a:solidFill>
+                <a:srgbClr val="3B3B3B"/>
+              </a:solidFill>
+              <a:latin typeface="微软雅黑" pitchFamily="34" charset="-122"/>
+              <a:ea typeface="微软雅黑" pitchFamily="34" charset="-122"/>
+            </a:endParaRPr>
+          </a:p>
+          <a:p>
+            <a:pPr>
+              <a:lnSpc>
+                <a:spcPct val="150000"/>
+              </a:lnSpc>
+            </a:pPr>
+            <a:r>
+              <a:rPr lang="zh-TW" altLang="en-US" sz="2800" b="1" dirty="0">
+                <a:solidFill>
+                  <a:srgbClr val="3B3B3B"/>
+                </a:solidFill>
+                <a:latin typeface="微软雅黑" pitchFamily="34" charset="-122"/>
+                <a:ea typeface="微软雅黑" pitchFamily="34" charset="-122"/>
+              </a:rPr>
+              <a:t>解決方案：</a:t>
+            </a:r>
+            <a:endParaRPr lang="en-US" altLang="zh-TW" sz="2800" b="1" dirty="0">
+              <a:solidFill>
+                <a:srgbClr val="3B3B3B"/>
+              </a:solidFill>
+              <a:latin typeface="微软雅黑" pitchFamily="34" charset="-122"/>
+              <a:ea typeface="微软雅黑" pitchFamily="34" charset="-122"/>
+            </a:endParaRPr>
+          </a:p>
+          <a:p>
+            <a:pPr marL="514350" indent="-514350">
+              <a:lnSpc>
+                <a:spcPct val="150000"/>
+              </a:lnSpc>
+              <a:buAutoNum type="arabicPeriod"/>
+            </a:pPr>
+            <a:r>
+              <a:rPr lang="zh-TW" altLang="en-US" sz="2800" b="1" dirty="0">
+                <a:solidFill>
+                  <a:srgbClr val="3B3B3B"/>
+                </a:solidFill>
+                <a:latin typeface="微软雅黑" pitchFamily="34" charset="-122"/>
+                <a:ea typeface="微软雅黑" pitchFamily="34" charset="-122"/>
+              </a:rPr>
+              <a:t>調整</a:t>
+            </a:r>
+            <a:r>
+              <a:rPr lang="en-US" altLang="zh-TW" sz="2800" b="1" dirty="0">
+                <a:solidFill>
+                  <a:srgbClr val="3B3B3B"/>
+                </a:solidFill>
+                <a:latin typeface="微软雅黑" pitchFamily="34" charset="-122"/>
+                <a:ea typeface="微软雅黑" pitchFamily="34" charset="-122"/>
+              </a:rPr>
+              <a:t>constant.py</a:t>
+            </a:r>
+            <a:r>
+              <a:rPr lang="zh-TW" altLang="en-US" sz="2800" b="1" dirty="0">
+                <a:solidFill>
+                  <a:srgbClr val="3B3B3B"/>
+                </a:solidFill>
+                <a:latin typeface="微软雅黑" pitchFamily="34" charset="-122"/>
+                <a:ea typeface="微软雅黑" pitchFamily="34" charset="-122"/>
+              </a:rPr>
+              <a:t>中的常數</a:t>
+            </a:r>
+            <a:r>
+              <a:rPr lang="zh-TW" altLang="en-US" sz="2800" dirty="0">
+                <a:solidFill>
+                  <a:srgbClr val="3B3B3B"/>
+                </a:solidFill>
+                <a:latin typeface="微软雅黑" pitchFamily="34" charset="-122"/>
+                <a:ea typeface="微软雅黑" pitchFamily="34" charset="-122"/>
+              </a:rPr>
+              <a:t>（</a:t>
+            </a:r>
+            <a:r>
+              <a:rPr lang="en-US" altLang="zh-TW" sz="2800" dirty="0">
+                <a:solidFill>
+                  <a:srgbClr val="3B3B3B"/>
+                </a:solidFill>
+                <a:latin typeface="微软雅黑" pitchFamily="34" charset="-122"/>
+                <a:ea typeface="微软雅黑" pitchFamily="34" charset="-122"/>
+              </a:rPr>
+              <a:t>NUM_FLAGS</a:t>
+            </a:r>
+            <a:r>
+              <a:rPr lang="zh-TW" altLang="en-US" sz="2800" dirty="0">
+                <a:solidFill>
+                  <a:srgbClr val="3B3B3B"/>
+                </a:solidFill>
+                <a:latin typeface="微软雅黑" pitchFamily="34" charset="-122"/>
+                <a:ea typeface="微软雅黑" pitchFamily="34" charset="-122"/>
+              </a:rPr>
+              <a:t>），確保殭屍持 </a:t>
+            </a:r>
+            <a:endParaRPr lang="en-US" altLang="zh-TW" sz="2800" dirty="0">
+              <a:solidFill>
+                <a:srgbClr val="3B3B3B"/>
+              </a:solidFill>
+              <a:latin typeface="微软雅黑" pitchFamily="34" charset="-122"/>
+              <a:ea typeface="微软雅黑" pitchFamily="34" charset="-122"/>
+            </a:endParaRPr>
+          </a:p>
+          <a:p>
+            <a:pPr>
+              <a:lnSpc>
+                <a:spcPct val="150000"/>
+              </a:lnSpc>
+            </a:pPr>
+            <a:r>
+              <a:rPr lang="zh-TW" altLang="en-US" sz="2800" dirty="0">
+                <a:solidFill>
+                  <a:srgbClr val="3B3B3B"/>
+                </a:solidFill>
+                <a:latin typeface="微软雅黑" pitchFamily="34" charset="-122"/>
+                <a:ea typeface="微软雅黑" pitchFamily="34" charset="-122"/>
+              </a:rPr>
+              <a:t>     續生成</a:t>
+            </a:r>
+            <a:endParaRPr lang="en-US" altLang="zh-TW" sz="2800" dirty="0">
+              <a:solidFill>
+                <a:srgbClr val="3B3B3B"/>
+              </a:solidFill>
+              <a:latin typeface="微软雅黑" pitchFamily="34" charset="-122"/>
+              <a:ea typeface="微软雅黑" pitchFamily="34" charset="-122"/>
+            </a:endParaRPr>
+          </a:p>
+          <a:p>
+            <a:pPr>
+              <a:lnSpc>
+                <a:spcPct val="150000"/>
+              </a:lnSpc>
+            </a:pPr>
+            <a:r>
+              <a:rPr lang="en-US" altLang="zh-TW" sz="2800" b="1" dirty="0">
+                <a:solidFill>
+                  <a:srgbClr val="3B3B3B"/>
+                </a:solidFill>
+                <a:latin typeface="微软雅黑" pitchFamily="34" charset="-122"/>
+                <a:ea typeface="微软雅黑" pitchFamily="34" charset="-122"/>
+              </a:rPr>
+              <a:t>2.</a:t>
+            </a:r>
+            <a:r>
+              <a:rPr lang="zh-TW" altLang="en-US" sz="2800" b="1" dirty="0">
+                <a:solidFill>
+                  <a:srgbClr val="3B3B3B"/>
+                </a:solidFill>
+                <a:latin typeface="微软雅黑" pitchFamily="34" charset="-122"/>
+                <a:ea typeface="微软雅黑" pitchFamily="34" charset="-122"/>
+              </a:rPr>
+              <a:t> 新增除錯日誌</a:t>
+            </a:r>
+            <a:r>
+              <a:rPr lang="zh-TW" altLang="en-US" sz="2800" dirty="0">
+                <a:solidFill>
+                  <a:srgbClr val="3B3B3B"/>
+                </a:solidFill>
+                <a:latin typeface="微软雅黑" pitchFamily="34" charset="-122"/>
+                <a:ea typeface="微软雅黑" pitchFamily="34" charset="-122"/>
+              </a:rPr>
+              <a:t>追蹤波次進展，修正波次計數器的邏輯錯誤</a:t>
+            </a:r>
+            <a:endParaRPr lang="zh-CN" altLang="en-US" sz="2800" b="1" dirty="0">
+              <a:solidFill>
+                <a:srgbClr val="3B3B3B"/>
+              </a:solidFill>
+              <a:latin typeface="微软雅黑" pitchFamily="34" charset="-122"/>
+              <a:ea typeface="微软雅黑" pitchFamily="34" charset="-122"/>
+            </a:endParaRPr>
+          </a:p>
+        </p:txBody>
+      </p:sp>
+    </p:spTree>
+  </p:cSld>
+  <p:clrMapOvr>
+    <a:masterClrMapping/>
+  </p:clrMapOvr>
+</p:sld>
+</file>
+
+<file path=ppt/slides/slide11.xml><?xml version="1.0" encoding="utf-8"?>
+<p:sld xmlns:a="http://schemas.openxmlformats.org/drawingml/2006/main" xmlns:r="http://schemas.openxmlformats.org/officeDocument/2006/relationships" xmlns:p="http://schemas.openxmlformats.org/presentationml/2006/main">
+  <p:cSld>
+    <p:spTree>
+      <p:nvGrpSpPr>
         <p:cNvPr id="1" name="">
           <a:extLst>
             <a:ext uri="{FF2B5EF4-FFF2-40B4-BE49-F238E27FC236}">
@@ -6084,7 +8315,7 @@
 </p:sld>
 </file>
 
-<file path=ppt/slides/slide11.xml><?xml version="1.0" encoding="utf-8"?>
+<file path=ppt/slides/slide12.xml><?xml version="1.0" encoding="utf-8"?>
 <p:sld xmlns:a="http://schemas.openxmlformats.org/drawingml/2006/main" xmlns:r="http://schemas.openxmlformats.org/officeDocument/2006/relationships" xmlns:p="http://schemas.openxmlformats.org/presentationml/2006/main">
   <p:cSld>
     <p:spTree>
@@ -8223,7 +10454,7 @@
 </p:sld>
 </file>
 
-<file path=ppt/slides/slide12.xml><?xml version="1.0" encoding="utf-8"?>
+<file path=ppt/slides/slide13.xml><?xml version="1.0" encoding="utf-8"?>
 <p:sld xmlns:a="http://schemas.openxmlformats.org/drawingml/2006/main" xmlns:r="http://schemas.openxmlformats.org/officeDocument/2006/relationships" xmlns:p="http://schemas.openxmlformats.org/presentationml/2006/main">
   <p:cSld>
     <p:spTree>
@@ -10353,7 +12584,7 @@
 </p:sld>
 </file>
 
-<file path=ppt/slides/slide13.xml><?xml version="1.0" encoding="utf-8"?>
+<file path=ppt/slides/slide14.xml><?xml version="1.0" encoding="utf-8"?>
 <p:sld xmlns:a="http://schemas.openxmlformats.org/drawingml/2006/main" xmlns:r="http://schemas.openxmlformats.org/officeDocument/2006/relationships" xmlns:p="http://schemas.openxmlformats.org/presentationml/2006/main">
   <p:cSld>
     <p:spTree>
@@ -12517,7 +14748,7 @@
 </p:sld>
 </file>
 
-<file path=ppt/slides/slide14.xml><?xml version="1.0" encoding="utf-8"?>
+<file path=ppt/slides/slide15.xml><?xml version="1.0" encoding="utf-8"?>
 <p:sld xmlns:a="http://schemas.openxmlformats.org/drawingml/2006/main" xmlns:r="http://schemas.openxmlformats.org/officeDocument/2006/relationships" xmlns:p="http://schemas.openxmlformats.org/presentationml/2006/main">
   <p:cSld>
     <p:spTree>
@@ -27621,7 +29852,7 @@
         </p:nvSpPr>
         <p:spPr bwMode="auto">
           <a:xfrm>
-            <a:off x="1071354" y="353246"/>
+            <a:off x="1019002" y="39100"/>
             <a:ext cx="2897524" cy="584775"/>
           </a:xfrm>
           <a:prstGeom prst="rect">
@@ -27697,7 +29928,7 @@
         </p:nvGrpSpPr>
         <p:grpSpPr>
           <a:xfrm>
-            <a:off x="377018" y="-11911"/>
+            <a:off x="299046" y="-330888"/>
             <a:ext cx="629517" cy="1073043"/>
             <a:chOff x="1775252" y="2062276"/>
             <a:chExt cx="1045160" cy="1781528"/>
@@ -29516,12 +31747,74 @@
           </p:style>
         </p:cxnSp>
       </p:grpSp>
+      <p:pic>
+        <p:nvPicPr>
+          <p:cNvPr id="6" name="圖片 5">
+            <a:extLst>
+              <a:ext uri="{FF2B5EF4-FFF2-40B4-BE49-F238E27FC236}">
+                <a16:creationId xmlns:a16="http://schemas.microsoft.com/office/drawing/2014/main" id="{7B8F8DBF-CD19-B615-3566-E97DE9999B5B}"/>
+              </a:ext>
+            </a:extLst>
+          </p:cNvPr>
+          <p:cNvPicPr>
+            <a:picLocks noChangeAspect="1"/>
+          </p:cNvPicPr>
+          <p:nvPr/>
+        </p:nvPicPr>
+        <p:blipFill>
+          <a:blip r:embed="rId2"/>
+          <a:srcRect t="7958"/>
+          <a:stretch>
+            <a:fillRect/>
+          </a:stretch>
+        </p:blipFill>
+        <p:spPr>
+          <a:xfrm>
+            <a:off x="2356783" y="614164"/>
+            <a:ext cx="6589671" cy="6006392"/>
+          </a:xfrm>
+          <a:prstGeom prst="rect">
+            <a:avLst/>
+          </a:prstGeom>
+        </p:spPr>
+      </p:pic>
+    </p:spTree>
+  </p:cSld>
+  <p:clrMapOvr>
+    <a:masterClrMapping/>
+  </p:clrMapOvr>
+</p:sld>
+</file>
+
+<file path=ppt/slides/slide6.xml><?xml version="1.0" encoding="utf-8"?>
+<p:sld xmlns:a="http://schemas.openxmlformats.org/drawingml/2006/main" xmlns:r="http://schemas.openxmlformats.org/officeDocument/2006/relationships" xmlns:p="http://schemas.openxmlformats.org/presentationml/2006/main">
+  <p:cSld>
+    <p:spTree>
+      <p:nvGrpSpPr>
+        <p:cNvPr id="1" name="">
+          <a:extLst>
+            <a:ext uri="{FF2B5EF4-FFF2-40B4-BE49-F238E27FC236}">
+              <a16:creationId xmlns:a16="http://schemas.microsoft.com/office/drawing/2014/main" id="{EC9997AA-F1C4-7959-FD77-246A187958D6}"/>
+            </a:ext>
+          </a:extLst>
+        </p:cNvPr>
+        <p:cNvGrpSpPr/>
+        <p:nvPr/>
+      </p:nvGrpSpPr>
+      <p:grpSpPr>
+        <a:xfrm>
+          <a:off x="0" y="0"/>
+          <a:ext cx="0" cy="0"/>
+          <a:chOff x="0" y="0"/>
+          <a:chExt cx="0" cy="0"/>
+        </a:xfrm>
+      </p:grpSpPr>
       <p:sp>
         <p:nvSpPr>
-          <p:cNvPr id="2" name="Text Box 147">
+          <p:cNvPr id="116" name="Text Box 42">
             <a:extLst>
               <a:ext uri="{FF2B5EF4-FFF2-40B4-BE49-F238E27FC236}">
-                <a16:creationId xmlns:a16="http://schemas.microsoft.com/office/drawing/2014/main" id="{6B11A28E-49FC-532B-719D-0992DE77E7F6}"/>
+                <a16:creationId xmlns:a16="http://schemas.microsoft.com/office/drawing/2014/main" id="{611AF4EA-4976-2EB1-2582-389E81909421}"/>
               </a:ext>
             </a:extLst>
           </p:cNvPr>
@@ -29532,8 +31825,8 @@
         </p:nvSpPr>
         <p:spPr bwMode="auto">
           <a:xfrm>
-            <a:off x="690129" y="1708129"/>
-            <a:ext cx="6420643" cy="523220"/>
+            <a:off x="1019002" y="39100"/>
+            <a:ext cx="2897524" cy="584775"/>
           </a:xfrm>
           <a:prstGeom prst="rect">
             <a:avLst/>
@@ -29554,7 +31847,7 @@
             <a:ext uri="{91240B29-F687-4F45-9708-019B960494DF}">
               <a14:hiddenLine xmlns:a14="http://schemas.microsoft.com/office/drawing/2010/main" w="9525">
                 <a:solidFill>
-                  <a:schemeClr val="tx1"/>
+                  <a:srgbClr val="000000"/>
                 </a:solidFill>
                 <a:miter lim="800000"/>
                 <a:headEnd/>
@@ -29573,32 +31866,1928 @@
           </a:extLst>
         </p:spPr>
         <p:txBody>
-          <a:bodyPr wrap="square" lIns="0">
+          <a:bodyPr wrap="none">
             <a:spAutoFit/>
           </a:bodyPr>
           <a:lstStyle/>
           <a:p>
+            <a:pPr>
+              <a:buFont typeface="Arial" charset="0"/>
+              <a:buNone/>
+            </a:pPr>
             <a:r>
-              <a:rPr lang="zh-TW" altLang="en-US" sz="2800" b="1" dirty="0">
+              <a:rPr lang="en-US" altLang="zh-CN" sz="3200" b="1" dirty="0">
                 <a:solidFill>
-                  <a:srgbClr val="FF0000"/>
+                  <a:srgbClr val="594D7B"/>
                 </a:solidFill>
-                <a:latin typeface="微软雅黑" pitchFamily="34" charset="-122"/>
                 <a:ea typeface="微软雅黑" pitchFamily="34" charset="-122"/>
               </a:rPr>
-              <a:t>待補</a:t>
+              <a:t>Class Diagram</a:t>
             </a:r>
-            <a:endParaRPr lang="zh-CN" altLang="en-US" sz="2800" b="1" dirty="0">
-              <a:solidFill>
-                <a:srgbClr val="FF0000"/>
-              </a:solidFill>
-              <a:latin typeface="微软雅黑" pitchFamily="34" charset="-122"/>
-              <a:ea typeface="微软雅黑" pitchFamily="34" charset="-122"/>
-            </a:endParaRPr>
           </a:p>
         </p:txBody>
       </p:sp>
+      <p:grpSp>
+        <p:nvGrpSpPr>
+          <p:cNvPr id="117" name="组合 19">
+            <a:extLst>
+              <a:ext uri="{FF2B5EF4-FFF2-40B4-BE49-F238E27FC236}">
+                <a16:creationId xmlns:a16="http://schemas.microsoft.com/office/drawing/2014/main" id="{AAFA7873-5491-FA30-F0B1-1671A01A71D6}"/>
+              </a:ext>
+            </a:extLst>
+          </p:cNvPr>
+          <p:cNvGrpSpPr/>
+          <p:nvPr/>
+        </p:nvGrpSpPr>
+        <p:grpSpPr>
+          <a:xfrm>
+            <a:off x="299046" y="-330888"/>
+            <a:ext cx="629517" cy="1073043"/>
+            <a:chOff x="1775252" y="2062276"/>
+            <a:chExt cx="1045160" cy="1781528"/>
+          </a:xfrm>
+        </p:grpSpPr>
+        <p:grpSp>
+          <p:nvGrpSpPr>
+            <p:cNvPr id="118" name="组合 20">
+              <a:extLst>
+                <a:ext uri="{FF2B5EF4-FFF2-40B4-BE49-F238E27FC236}">
+                  <a16:creationId xmlns:a16="http://schemas.microsoft.com/office/drawing/2014/main" id="{B1F71E2B-4C43-167F-7DEC-58C09DC174F7}"/>
+                </a:ext>
+              </a:extLst>
+            </p:cNvPr>
+            <p:cNvGrpSpPr/>
+            <p:nvPr/>
+          </p:nvGrpSpPr>
+          <p:grpSpPr>
+            <a:xfrm>
+              <a:off x="1775252" y="2763988"/>
+              <a:ext cx="1045160" cy="1079816"/>
+              <a:chOff x="-4061568" y="1901032"/>
+              <a:chExt cx="1819276" cy="1879600"/>
+            </a:xfrm>
+          </p:grpSpPr>
+          <p:sp>
+            <p:nvSpPr>
+              <p:cNvPr id="120" name="Freeform 273">
+                <a:extLst>
+                  <a:ext uri="{FF2B5EF4-FFF2-40B4-BE49-F238E27FC236}">
+                    <a16:creationId xmlns:a16="http://schemas.microsoft.com/office/drawing/2014/main" id="{87CC710A-4040-F162-73DF-FE36DE1779A4}"/>
+                  </a:ext>
+                </a:extLst>
+              </p:cNvPr>
+              <p:cNvSpPr/>
+              <p:nvPr/>
+            </p:nvSpPr>
+            <p:spPr bwMode="auto">
+              <a:xfrm>
+                <a:off x="-3661518" y="1901032"/>
+                <a:ext cx="1041400" cy="1509713"/>
+              </a:xfrm>
+              <a:custGeom>
+                <a:avLst/>
+                <a:gdLst>
+                  <a:gd name="T0" fmla="*/ 301 w 328"/>
+                  <a:gd name="T1" fmla="*/ 222 h 475"/>
+                  <a:gd name="T2" fmla="*/ 240 w 328"/>
+                  <a:gd name="T3" fmla="*/ 166 h 475"/>
+                  <a:gd name="T4" fmla="*/ 239 w 328"/>
+                  <a:gd name="T5" fmla="*/ 37 h 475"/>
+                  <a:gd name="T6" fmla="*/ 237 w 328"/>
+                  <a:gd name="T7" fmla="*/ 30 h 475"/>
+                  <a:gd name="T8" fmla="*/ 165 w 328"/>
+                  <a:gd name="T9" fmla="*/ 0 h 475"/>
+                  <a:gd name="T10" fmla="*/ 88 w 328"/>
+                  <a:gd name="T11" fmla="*/ 30 h 475"/>
+                  <a:gd name="T12" fmla="*/ 85 w 328"/>
+                  <a:gd name="T13" fmla="*/ 37 h 475"/>
+                  <a:gd name="T14" fmla="*/ 85 w 328"/>
+                  <a:gd name="T15" fmla="*/ 168 h 475"/>
+                  <a:gd name="T16" fmla="*/ 26 w 328"/>
+                  <a:gd name="T17" fmla="*/ 223 h 475"/>
+                  <a:gd name="T18" fmla="*/ 0 w 328"/>
+                  <a:gd name="T19" fmla="*/ 311 h 475"/>
+                  <a:gd name="T20" fmla="*/ 164 w 328"/>
+                  <a:gd name="T21" fmla="*/ 475 h 475"/>
+                  <a:gd name="T22" fmla="*/ 328 w 328"/>
+                  <a:gd name="T23" fmla="*/ 311 h 475"/>
+                  <a:gd name="T24" fmla="*/ 301 w 328"/>
+                  <a:gd name="T25" fmla="*/ 222 h 475"/>
+                </a:gdLst>
+                <a:ahLst/>
+                <a:cxnLst>
+                  <a:cxn ang="0">
+                    <a:pos x="T0" y="T1"/>
+                  </a:cxn>
+                  <a:cxn ang="0">
+                    <a:pos x="T2" y="T3"/>
+                  </a:cxn>
+                  <a:cxn ang="0">
+                    <a:pos x="T4" y="T5"/>
+                  </a:cxn>
+                  <a:cxn ang="0">
+                    <a:pos x="T6" y="T7"/>
+                  </a:cxn>
+                  <a:cxn ang="0">
+                    <a:pos x="T8" y="T9"/>
+                  </a:cxn>
+                  <a:cxn ang="0">
+                    <a:pos x="T10" y="T11"/>
+                  </a:cxn>
+                  <a:cxn ang="0">
+                    <a:pos x="T12" y="T13"/>
+                  </a:cxn>
+                  <a:cxn ang="0">
+                    <a:pos x="T14" y="T15"/>
+                  </a:cxn>
+                  <a:cxn ang="0">
+                    <a:pos x="T16" y="T17"/>
+                  </a:cxn>
+                  <a:cxn ang="0">
+                    <a:pos x="T18" y="T19"/>
+                  </a:cxn>
+                  <a:cxn ang="0">
+                    <a:pos x="T20" y="T21"/>
+                  </a:cxn>
+                  <a:cxn ang="0">
+                    <a:pos x="T22" y="T23"/>
+                  </a:cxn>
+                  <a:cxn ang="0">
+                    <a:pos x="T24" y="T25"/>
+                  </a:cxn>
+                </a:cxnLst>
+                <a:rect l="0" t="0" r="r" b="b"/>
+                <a:pathLst>
+                  <a:path w="328" h="475">
+                    <a:moveTo>
+                      <a:pt x="301" y="222"/>
+                    </a:moveTo>
+                    <a:cubicBezTo>
+                      <a:pt x="286" y="198"/>
+                      <a:pt x="265" y="179"/>
+                      <a:pt x="240" y="166"/>
+                    </a:cubicBezTo>
+                    <a:cubicBezTo>
+                      <a:pt x="239" y="165"/>
+                      <a:pt x="239" y="37"/>
+                      <a:pt x="239" y="37"/>
+                    </a:cubicBezTo>
+                    <a:cubicBezTo>
+                      <a:pt x="239" y="35"/>
+                      <a:pt x="238" y="32"/>
+                      <a:pt x="237" y="30"/>
+                    </a:cubicBezTo>
+                    <a:cubicBezTo>
+                      <a:pt x="236" y="29"/>
+                      <a:pt x="210" y="0"/>
+                      <a:pt x="165" y="0"/>
+                    </a:cubicBezTo>
+                    <a:cubicBezTo>
+                      <a:pt x="121" y="0"/>
+                      <a:pt x="90" y="28"/>
+                      <a:pt x="88" y="30"/>
+                    </a:cubicBezTo>
+                    <a:cubicBezTo>
+                      <a:pt x="86" y="32"/>
+                      <a:pt x="85" y="34"/>
+                      <a:pt x="85" y="37"/>
+                    </a:cubicBezTo>
+                    <a:cubicBezTo>
+                      <a:pt x="85" y="37"/>
+                      <a:pt x="85" y="166"/>
+                      <a:pt x="85" y="168"/>
+                    </a:cubicBezTo>
+                    <a:cubicBezTo>
+                      <a:pt x="61" y="181"/>
+                      <a:pt x="40" y="200"/>
+                      <a:pt x="26" y="223"/>
+                    </a:cubicBezTo>
+                    <a:cubicBezTo>
+                      <a:pt x="9" y="250"/>
+                      <a:pt x="0" y="280"/>
+                      <a:pt x="0" y="311"/>
+                    </a:cubicBezTo>
+                    <a:cubicBezTo>
+                      <a:pt x="0" y="402"/>
+                      <a:pt x="73" y="475"/>
+                      <a:pt x="164" y="475"/>
+                    </a:cubicBezTo>
+                    <a:cubicBezTo>
+                      <a:pt x="254" y="475"/>
+                      <a:pt x="328" y="402"/>
+                      <a:pt x="328" y="311"/>
+                    </a:cubicBezTo>
+                    <a:cubicBezTo>
+                      <a:pt x="328" y="279"/>
+                      <a:pt x="318" y="249"/>
+                      <a:pt x="301" y="222"/>
+                    </a:cubicBezTo>
+                    <a:close/>
+                  </a:path>
+                </a:pathLst>
+              </a:custGeom>
+              <a:solidFill>
+                <a:srgbClr val="594D7B"/>
+              </a:solidFill>
+              <a:ln>
+                <a:noFill/>
+              </a:ln>
+              <a:extLst>
+                <a:ext uri="{91240B29-F687-4F45-9708-019B960494DF}">
+                  <a14:hiddenLine xmlns:a14="http://schemas.microsoft.com/office/drawing/2010/main" w="9525">
+                    <a:solidFill>
+                      <a:srgbClr val="000000"/>
+                    </a:solidFill>
+                    <a:round/>
+                  </a14:hiddenLine>
+                </a:ext>
+              </a:extLst>
+            </p:spPr>
+            <p:txBody>
+              <a:bodyPr vert="horz" wrap="square" lIns="121920" tIns="60960" rIns="121920" bIns="60960" numCol="1" anchor="t" anchorCtr="0" compatLnSpc="1"/>
+              <a:lstStyle/>
+              <a:p>
+                <a:endParaRPr lang="zh-CN" altLang="en-US" sz="2400"/>
+              </a:p>
+            </p:txBody>
+          </p:sp>
+          <p:sp>
+            <p:nvSpPr>
+              <p:cNvPr id="121" name="Freeform 274">
+                <a:extLst>
+                  <a:ext uri="{FF2B5EF4-FFF2-40B4-BE49-F238E27FC236}">
+                    <a16:creationId xmlns:a16="http://schemas.microsoft.com/office/drawing/2014/main" id="{1F729C72-A4DF-4D99-2CC2-43238A200365}"/>
+                  </a:ext>
+                </a:extLst>
+              </p:cNvPr>
+              <p:cNvSpPr>
+                <a:spLocks noEditPoints="1"/>
+              </p:cNvSpPr>
+              <p:nvPr/>
+            </p:nvSpPr>
+            <p:spPr bwMode="auto">
+              <a:xfrm>
+                <a:off x="-3664693" y="1901032"/>
+                <a:ext cx="1041400" cy="1509713"/>
+              </a:xfrm>
+              <a:custGeom>
+                <a:avLst/>
+                <a:gdLst>
+                  <a:gd name="T0" fmla="*/ 328 w 328"/>
+                  <a:gd name="T1" fmla="*/ 311 h 475"/>
+                  <a:gd name="T2" fmla="*/ 240 w 328"/>
+                  <a:gd name="T3" fmla="*/ 166 h 475"/>
+                  <a:gd name="T4" fmla="*/ 237 w 328"/>
+                  <a:gd name="T5" fmla="*/ 30 h 475"/>
+                  <a:gd name="T6" fmla="*/ 88 w 328"/>
+                  <a:gd name="T7" fmla="*/ 30 h 475"/>
+                  <a:gd name="T8" fmla="*/ 85 w 328"/>
+                  <a:gd name="T9" fmla="*/ 168 h 475"/>
+                  <a:gd name="T10" fmla="*/ 0 w 328"/>
+                  <a:gd name="T11" fmla="*/ 311 h 475"/>
+                  <a:gd name="T12" fmla="*/ 106 w 328"/>
+                  <a:gd name="T13" fmla="*/ 56 h 475"/>
+                  <a:gd name="T14" fmla="*/ 218 w 328"/>
+                  <a:gd name="T15" fmla="*/ 99 h 475"/>
+                  <a:gd name="T16" fmla="*/ 106 w 328"/>
+                  <a:gd name="T17" fmla="*/ 56 h 475"/>
+                  <a:gd name="T18" fmla="*/ 218 w 328"/>
+                  <a:gd name="T19" fmla="*/ 120 h 475"/>
+                  <a:gd name="T20" fmla="*/ 218 w 328"/>
+                  <a:gd name="T21" fmla="*/ 140 h 475"/>
+                  <a:gd name="T22" fmla="*/ 106 w 328"/>
+                  <a:gd name="T23" fmla="*/ 100 h 475"/>
+                  <a:gd name="T24" fmla="*/ 158 w 328"/>
+                  <a:gd name="T25" fmla="*/ 306 h 475"/>
+                  <a:gd name="T26" fmla="*/ 137 w 328"/>
+                  <a:gd name="T27" fmla="*/ 298 h 475"/>
+                  <a:gd name="T28" fmla="*/ 145 w 328"/>
+                  <a:gd name="T29" fmla="*/ 149 h 475"/>
+                  <a:gd name="T30" fmla="*/ 171 w 328"/>
+                  <a:gd name="T31" fmla="*/ 169 h 475"/>
+                  <a:gd name="T32" fmla="*/ 162 w 328"/>
+                  <a:gd name="T33" fmla="*/ 304 h 475"/>
+                  <a:gd name="T34" fmla="*/ 158 w 328"/>
+                  <a:gd name="T35" fmla="*/ 341 h 475"/>
+                  <a:gd name="T36" fmla="*/ 158 w 328"/>
+                  <a:gd name="T37" fmla="*/ 324 h 475"/>
+                  <a:gd name="T38" fmla="*/ 101 w 328"/>
+                  <a:gd name="T39" fmla="*/ 183 h 475"/>
+                  <a:gd name="T40" fmla="*/ 107 w 328"/>
+                  <a:gd name="T41" fmla="*/ 142 h 475"/>
+                  <a:gd name="T42" fmla="*/ 136 w 328"/>
+                  <a:gd name="T43" fmla="*/ 169 h 475"/>
+                  <a:gd name="T44" fmla="*/ 108 w 328"/>
+                  <a:gd name="T45" fmla="*/ 306 h 475"/>
+                  <a:gd name="T46" fmla="*/ 103 w 328"/>
+                  <a:gd name="T47" fmla="*/ 350 h 475"/>
+                  <a:gd name="T48" fmla="*/ 134 w 328"/>
+                  <a:gd name="T49" fmla="*/ 313 h 475"/>
+                  <a:gd name="T50" fmla="*/ 140 w 328"/>
+                  <a:gd name="T51" fmla="*/ 335 h 475"/>
+                  <a:gd name="T52" fmla="*/ 176 w 328"/>
+                  <a:gd name="T53" fmla="*/ 335 h 475"/>
+                  <a:gd name="T54" fmla="*/ 182 w 328"/>
+                  <a:gd name="T55" fmla="*/ 313 h 475"/>
+                  <a:gd name="T56" fmla="*/ 213 w 328"/>
+                  <a:gd name="T57" fmla="*/ 350 h 475"/>
+                  <a:gd name="T58" fmla="*/ 208 w 328"/>
+                  <a:gd name="T59" fmla="*/ 306 h 475"/>
+                  <a:gd name="T60" fmla="*/ 180 w 328"/>
+                  <a:gd name="T61" fmla="*/ 169 h 475"/>
+                  <a:gd name="T62" fmla="*/ 218 w 328"/>
+                  <a:gd name="T63" fmla="*/ 161 h 475"/>
+                  <a:gd name="T64" fmla="*/ 224 w 328"/>
+                  <a:gd name="T65" fmla="*/ 181 h 475"/>
+                  <a:gd name="T66" fmla="*/ 164 w 328"/>
+                  <a:gd name="T67" fmla="*/ 454 h 475"/>
+                  <a:gd name="T68" fmla="*/ 101 w 328"/>
+                  <a:gd name="T69" fmla="*/ 183 h 475"/>
+                  <a:gd name="T70" fmla="*/ 119 w 328"/>
+                  <a:gd name="T71" fmla="*/ 330 h 475"/>
+                  <a:gd name="T72" fmla="*/ 106 w 328"/>
+                  <a:gd name="T73" fmla="*/ 333 h 475"/>
+                  <a:gd name="T74" fmla="*/ 124 w 328"/>
+                  <a:gd name="T75" fmla="*/ 314 h 475"/>
+                  <a:gd name="T76" fmla="*/ 203 w 328"/>
+                  <a:gd name="T77" fmla="*/ 319 h 475"/>
+                  <a:gd name="T78" fmla="*/ 208 w 328"/>
+                  <a:gd name="T79" fmla="*/ 336 h 475"/>
+                  <a:gd name="T80" fmla="*/ 192 w 328"/>
+                  <a:gd name="T81" fmla="*/ 314 h 475"/>
+                </a:gdLst>
+                <a:ahLst/>
+                <a:cxnLst>
+                  <a:cxn ang="0">
+                    <a:pos x="T0" y="T1"/>
+                  </a:cxn>
+                  <a:cxn ang="0">
+                    <a:pos x="T2" y="T3"/>
+                  </a:cxn>
+                  <a:cxn ang="0">
+                    <a:pos x="T4" y="T5"/>
+                  </a:cxn>
+                  <a:cxn ang="0">
+                    <a:pos x="T6" y="T7"/>
+                  </a:cxn>
+                  <a:cxn ang="0">
+                    <a:pos x="T8" y="T9"/>
+                  </a:cxn>
+                  <a:cxn ang="0">
+                    <a:pos x="T10" y="T11"/>
+                  </a:cxn>
+                  <a:cxn ang="0">
+                    <a:pos x="T12" y="T13"/>
+                  </a:cxn>
+                  <a:cxn ang="0">
+                    <a:pos x="T14" y="T15"/>
+                  </a:cxn>
+                  <a:cxn ang="0">
+                    <a:pos x="T16" y="T17"/>
+                  </a:cxn>
+                  <a:cxn ang="0">
+                    <a:pos x="T18" y="T19"/>
+                  </a:cxn>
+                  <a:cxn ang="0">
+                    <a:pos x="T20" y="T21"/>
+                  </a:cxn>
+                  <a:cxn ang="0">
+                    <a:pos x="T22" y="T23"/>
+                  </a:cxn>
+                  <a:cxn ang="0">
+                    <a:pos x="T24" y="T25"/>
+                  </a:cxn>
+                  <a:cxn ang="0">
+                    <a:pos x="T26" y="T27"/>
+                  </a:cxn>
+                  <a:cxn ang="0">
+                    <a:pos x="T28" y="T29"/>
+                  </a:cxn>
+                  <a:cxn ang="0">
+                    <a:pos x="T30" y="T31"/>
+                  </a:cxn>
+                  <a:cxn ang="0">
+                    <a:pos x="T32" y="T33"/>
+                  </a:cxn>
+                  <a:cxn ang="0">
+                    <a:pos x="T34" y="T35"/>
+                  </a:cxn>
+                  <a:cxn ang="0">
+                    <a:pos x="T36" y="T37"/>
+                  </a:cxn>
+                  <a:cxn ang="0">
+                    <a:pos x="T38" y="T39"/>
+                  </a:cxn>
+                  <a:cxn ang="0">
+                    <a:pos x="T40" y="T41"/>
+                  </a:cxn>
+                  <a:cxn ang="0">
+                    <a:pos x="T42" y="T43"/>
+                  </a:cxn>
+                  <a:cxn ang="0">
+                    <a:pos x="T44" y="T45"/>
+                  </a:cxn>
+                  <a:cxn ang="0">
+                    <a:pos x="T46" y="T47"/>
+                  </a:cxn>
+                  <a:cxn ang="0">
+                    <a:pos x="T48" y="T49"/>
+                  </a:cxn>
+                  <a:cxn ang="0">
+                    <a:pos x="T50" y="T51"/>
+                  </a:cxn>
+                  <a:cxn ang="0">
+                    <a:pos x="T52" y="T53"/>
+                  </a:cxn>
+                  <a:cxn ang="0">
+                    <a:pos x="T54" y="T55"/>
+                  </a:cxn>
+                  <a:cxn ang="0">
+                    <a:pos x="T56" y="T57"/>
+                  </a:cxn>
+                  <a:cxn ang="0">
+                    <a:pos x="T58" y="T59"/>
+                  </a:cxn>
+                  <a:cxn ang="0">
+                    <a:pos x="T60" y="T61"/>
+                  </a:cxn>
+                  <a:cxn ang="0">
+                    <a:pos x="T62" y="T63"/>
+                  </a:cxn>
+                  <a:cxn ang="0">
+                    <a:pos x="T64" y="T65"/>
+                  </a:cxn>
+                  <a:cxn ang="0">
+                    <a:pos x="T66" y="T67"/>
+                  </a:cxn>
+                  <a:cxn ang="0">
+                    <a:pos x="T68" y="T69"/>
+                  </a:cxn>
+                  <a:cxn ang="0">
+                    <a:pos x="T70" y="T71"/>
+                  </a:cxn>
+                  <a:cxn ang="0">
+                    <a:pos x="T72" y="T73"/>
+                  </a:cxn>
+                  <a:cxn ang="0">
+                    <a:pos x="T74" y="T75"/>
+                  </a:cxn>
+                  <a:cxn ang="0">
+                    <a:pos x="T76" y="T77"/>
+                  </a:cxn>
+                  <a:cxn ang="0">
+                    <a:pos x="T78" y="T79"/>
+                  </a:cxn>
+                  <a:cxn ang="0">
+                    <a:pos x="T80" y="T81"/>
+                  </a:cxn>
+                </a:cxnLst>
+                <a:rect l="0" t="0" r="r" b="b"/>
+                <a:pathLst>
+                  <a:path w="328" h="475">
+                    <a:moveTo>
+                      <a:pt x="164" y="475"/>
+                    </a:moveTo>
+                    <a:cubicBezTo>
+                      <a:pt x="254" y="475"/>
+                      <a:pt x="328" y="402"/>
+                      <a:pt x="328" y="311"/>
+                    </a:cubicBezTo>
+                    <a:cubicBezTo>
+                      <a:pt x="328" y="279"/>
+                      <a:pt x="319" y="249"/>
+                      <a:pt x="301" y="222"/>
+                    </a:cubicBezTo>
+                    <a:cubicBezTo>
+                      <a:pt x="286" y="198"/>
+                      <a:pt x="265" y="179"/>
+                      <a:pt x="240" y="166"/>
+                    </a:cubicBezTo>
+                    <a:cubicBezTo>
+                      <a:pt x="239" y="165"/>
+                      <a:pt x="239" y="37"/>
+                      <a:pt x="239" y="37"/>
+                    </a:cubicBezTo>
+                    <a:cubicBezTo>
+                      <a:pt x="239" y="35"/>
+                      <a:pt x="239" y="32"/>
+                      <a:pt x="237" y="30"/>
+                    </a:cubicBezTo>
+                    <a:cubicBezTo>
+                      <a:pt x="236" y="29"/>
+                      <a:pt x="210" y="0"/>
+                      <a:pt x="165" y="0"/>
+                    </a:cubicBezTo>
+                    <a:cubicBezTo>
+                      <a:pt x="121" y="0"/>
+                      <a:pt x="90" y="28"/>
+                      <a:pt x="88" y="30"/>
+                    </a:cubicBezTo>
+                    <a:cubicBezTo>
+                      <a:pt x="86" y="32"/>
+                      <a:pt x="85" y="34"/>
+                      <a:pt x="85" y="37"/>
+                    </a:cubicBezTo>
+                    <a:cubicBezTo>
+                      <a:pt x="85" y="37"/>
+                      <a:pt x="85" y="166"/>
+                      <a:pt x="85" y="168"/>
+                    </a:cubicBezTo>
+                    <a:cubicBezTo>
+                      <a:pt x="61" y="181"/>
+                      <a:pt x="40" y="200"/>
+                      <a:pt x="26" y="223"/>
+                    </a:cubicBezTo>
+                    <a:cubicBezTo>
+                      <a:pt x="9" y="250"/>
+                      <a:pt x="0" y="280"/>
+                      <a:pt x="0" y="311"/>
+                    </a:cubicBezTo>
+                    <a:cubicBezTo>
+                      <a:pt x="0" y="402"/>
+                      <a:pt x="74" y="475"/>
+                      <a:pt x="164" y="475"/>
+                    </a:cubicBezTo>
+                    <a:close/>
+                    <a:moveTo>
+                      <a:pt x="106" y="56"/>
+                    </a:moveTo>
+                    <a:cubicBezTo>
+                      <a:pt x="218" y="76"/>
+                      <a:pt x="218" y="76"/>
+                      <a:pt x="218" y="76"/>
+                    </a:cubicBezTo>
+                    <a:cubicBezTo>
+                      <a:pt x="218" y="99"/>
+                      <a:pt x="218" y="99"/>
+                      <a:pt x="218" y="99"/>
+                    </a:cubicBezTo>
+                    <a:cubicBezTo>
+                      <a:pt x="106" y="79"/>
+                      <a:pt x="106" y="79"/>
+                      <a:pt x="106" y="79"/>
+                    </a:cubicBezTo>
+                    <a:lnTo>
+                      <a:pt x="106" y="56"/>
+                    </a:lnTo>
+                    <a:close/>
+                    <a:moveTo>
+                      <a:pt x="106" y="100"/>
+                    </a:moveTo>
+                    <a:cubicBezTo>
+                      <a:pt x="218" y="120"/>
+                      <a:pt x="218" y="120"/>
+                      <a:pt x="218" y="120"/>
+                    </a:cubicBezTo>
+                    <a:cubicBezTo>
+                      <a:pt x="218" y="134"/>
+                      <a:pt x="218" y="134"/>
+                      <a:pt x="218" y="134"/>
+                    </a:cubicBezTo>
+                    <a:cubicBezTo>
+                      <a:pt x="218" y="140"/>
+                      <a:pt x="218" y="140"/>
+                      <a:pt x="218" y="140"/>
+                    </a:cubicBezTo>
+                    <a:cubicBezTo>
+                      <a:pt x="106" y="121"/>
+                      <a:pt x="106" y="121"/>
+                      <a:pt x="106" y="121"/>
+                    </a:cubicBezTo>
+                    <a:lnTo>
+                      <a:pt x="106" y="100"/>
+                    </a:lnTo>
+                    <a:close/>
+                    <a:moveTo>
+                      <a:pt x="162" y="304"/>
+                    </a:moveTo>
+                    <a:cubicBezTo>
+                      <a:pt x="161" y="304"/>
+                      <a:pt x="159" y="305"/>
+                      <a:pt x="158" y="306"/>
+                    </a:cubicBezTo>
+                    <a:cubicBezTo>
+                      <a:pt x="157" y="305"/>
+                      <a:pt x="155" y="304"/>
+                      <a:pt x="154" y="304"/>
+                    </a:cubicBezTo>
+                    <a:cubicBezTo>
+                      <a:pt x="149" y="301"/>
+                      <a:pt x="143" y="299"/>
+                      <a:pt x="137" y="298"/>
+                    </a:cubicBezTo>
+                    <a:cubicBezTo>
+                      <a:pt x="142" y="263"/>
+                      <a:pt x="144" y="203"/>
+                      <a:pt x="145" y="169"/>
+                    </a:cubicBezTo>
+                    <a:cubicBezTo>
+                      <a:pt x="145" y="160"/>
+                      <a:pt x="145" y="152"/>
+                      <a:pt x="145" y="149"/>
+                    </a:cubicBezTo>
+                    <a:cubicBezTo>
+                      <a:pt x="171" y="153"/>
+                      <a:pt x="171" y="153"/>
+                      <a:pt x="171" y="153"/>
+                    </a:cubicBezTo>
+                    <a:cubicBezTo>
+                      <a:pt x="171" y="157"/>
+                      <a:pt x="171" y="163"/>
+                      <a:pt x="171" y="169"/>
+                    </a:cubicBezTo>
+                    <a:cubicBezTo>
+                      <a:pt x="172" y="203"/>
+                      <a:pt x="174" y="263"/>
+                      <a:pt x="179" y="298"/>
+                    </a:cubicBezTo>
+                    <a:cubicBezTo>
+                      <a:pt x="173" y="299"/>
+                      <a:pt x="167" y="301"/>
+                      <a:pt x="162" y="304"/>
+                    </a:cubicBezTo>
+                    <a:close/>
+                    <a:moveTo>
+                      <a:pt x="167" y="334"/>
+                    </a:moveTo>
+                    <a:cubicBezTo>
+                      <a:pt x="167" y="336"/>
+                      <a:pt x="162" y="341"/>
+                      <a:pt x="158" y="341"/>
+                    </a:cubicBezTo>
+                    <a:cubicBezTo>
+                      <a:pt x="154" y="341"/>
+                      <a:pt x="149" y="336"/>
+                      <a:pt x="149" y="334"/>
+                    </a:cubicBezTo>
+                    <a:cubicBezTo>
+                      <a:pt x="149" y="332"/>
+                      <a:pt x="152" y="327"/>
+                      <a:pt x="158" y="324"/>
+                    </a:cubicBezTo>
+                    <a:cubicBezTo>
+                      <a:pt x="165" y="327"/>
+                      <a:pt x="167" y="332"/>
+                      <a:pt x="167" y="334"/>
+                    </a:cubicBezTo>
+                    <a:close/>
+                    <a:moveTo>
+                      <a:pt x="101" y="183"/>
+                    </a:moveTo>
+                    <a:cubicBezTo>
+                      <a:pt x="107" y="180"/>
+                      <a:pt x="107" y="180"/>
+                      <a:pt x="107" y="180"/>
+                    </a:cubicBezTo>
+                    <a:cubicBezTo>
+                      <a:pt x="107" y="142"/>
+                      <a:pt x="107" y="142"/>
+                      <a:pt x="107" y="142"/>
+                    </a:cubicBezTo>
+                    <a:cubicBezTo>
+                      <a:pt x="136" y="147"/>
+                      <a:pt x="136" y="147"/>
+                      <a:pt x="136" y="147"/>
+                    </a:cubicBezTo>
+                    <a:cubicBezTo>
+                      <a:pt x="136" y="152"/>
+                      <a:pt x="136" y="160"/>
+                      <a:pt x="136" y="169"/>
+                    </a:cubicBezTo>
+                    <a:cubicBezTo>
+                      <a:pt x="135" y="206"/>
+                      <a:pt x="132" y="268"/>
+                      <a:pt x="127" y="298"/>
+                    </a:cubicBezTo>
+                    <a:cubicBezTo>
+                      <a:pt x="121" y="298"/>
+                      <a:pt x="114" y="301"/>
+                      <a:pt x="108" y="306"/>
+                    </a:cubicBezTo>
+                    <a:cubicBezTo>
+                      <a:pt x="103" y="311"/>
+                      <a:pt x="99" y="319"/>
+                      <a:pt x="97" y="329"/>
+                    </a:cubicBezTo>
+                    <a:cubicBezTo>
+                      <a:pt x="96" y="337"/>
+                      <a:pt x="98" y="345"/>
+                      <a:pt x="103" y="350"/>
+                    </a:cubicBezTo>
+                    <a:cubicBezTo>
+                      <a:pt x="109" y="355"/>
+                      <a:pt x="118" y="355"/>
+                      <a:pt x="126" y="340"/>
+                    </a:cubicBezTo>
+                    <a:cubicBezTo>
+                      <a:pt x="129" y="334"/>
+                      <a:pt x="132" y="325"/>
+                      <a:pt x="134" y="313"/>
+                    </a:cubicBezTo>
+                    <a:cubicBezTo>
+                      <a:pt x="138" y="314"/>
+                      <a:pt x="142" y="315"/>
+                      <a:pt x="146" y="316"/>
+                    </a:cubicBezTo>
+                    <a:cubicBezTo>
+                      <a:pt x="140" y="323"/>
+                      <a:pt x="140" y="331"/>
+                      <a:pt x="140" y="335"/>
+                    </a:cubicBezTo>
+                    <a:cubicBezTo>
+                      <a:pt x="140" y="346"/>
+                      <a:pt x="149" y="357"/>
+                      <a:pt x="158" y="357"/>
+                    </a:cubicBezTo>
+                    <a:cubicBezTo>
+                      <a:pt x="167" y="357"/>
+                      <a:pt x="176" y="346"/>
+                      <a:pt x="176" y="335"/>
+                    </a:cubicBezTo>
+                    <a:cubicBezTo>
+                      <a:pt x="176" y="331"/>
+                      <a:pt x="176" y="323"/>
+                      <a:pt x="170" y="316"/>
+                    </a:cubicBezTo>
+                    <a:cubicBezTo>
+                      <a:pt x="174" y="315"/>
+                      <a:pt x="178" y="314"/>
+                      <a:pt x="182" y="313"/>
+                    </a:cubicBezTo>
+                    <a:cubicBezTo>
+                      <a:pt x="184" y="325"/>
+                      <a:pt x="187" y="334"/>
+                      <a:pt x="190" y="340"/>
+                    </a:cubicBezTo>
+                    <a:cubicBezTo>
+                      <a:pt x="198" y="355"/>
+                      <a:pt x="208" y="355"/>
+                      <a:pt x="213" y="350"/>
+                    </a:cubicBezTo>
+                    <a:cubicBezTo>
+                      <a:pt x="218" y="345"/>
+                      <a:pt x="220" y="337"/>
+                      <a:pt x="219" y="329"/>
+                    </a:cubicBezTo>
+                    <a:cubicBezTo>
+                      <a:pt x="217" y="319"/>
+                      <a:pt x="213" y="311"/>
+                      <a:pt x="208" y="306"/>
+                    </a:cubicBezTo>
+                    <a:cubicBezTo>
+                      <a:pt x="202" y="301"/>
+                      <a:pt x="196" y="298"/>
+                      <a:pt x="189" y="298"/>
+                    </a:cubicBezTo>
+                    <a:cubicBezTo>
+                      <a:pt x="184" y="268"/>
+                      <a:pt x="182" y="206"/>
+                      <a:pt x="180" y="169"/>
+                    </a:cubicBezTo>
+                    <a:cubicBezTo>
+                      <a:pt x="180" y="164"/>
+                      <a:pt x="180" y="159"/>
+                      <a:pt x="180" y="155"/>
+                    </a:cubicBezTo>
+                    <a:cubicBezTo>
+                      <a:pt x="218" y="161"/>
+                      <a:pt x="218" y="161"/>
+                      <a:pt x="218" y="161"/>
+                    </a:cubicBezTo>
+                    <a:cubicBezTo>
+                      <a:pt x="218" y="179"/>
+                      <a:pt x="218" y="179"/>
+                      <a:pt x="218" y="179"/>
+                    </a:cubicBezTo>
+                    <a:cubicBezTo>
+                      <a:pt x="224" y="181"/>
+                      <a:pt x="224" y="181"/>
+                      <a:pt x="224" y="181"/>
+                    </a:cubicBezTo>
+                    <a:cubicBezTo>
+                      <a:pt x="275" y="205"/>
+                      <a:pt x="307" y="256"/>
+                      <a:pt x="307" y="311"/>
+                    </a:cubicBezTo>
+                    <a:cubicBezTo>
+                      <a:pt x="307" y="390"/>
+                      <a:pt x="243" y="454"/>
+                      <a:pt x="164" y="454"/>
+                    </a:cubicBezTo>
+                    <a:cubicBezTo>
+                      <a:pt x="85" y="454"/>
+                      <a:pt x="21" y="390"/>
+                      <a:pt x="21" y="311"/>
+                    </a:cubicBezTo>
+                    <a:cubicBezTo>
+                      <a:pt x="21" y="256"/>
+                      <a:pt x="52" y="207"/>
+                      <a:pt x="101" y="183"/>
+                    </a:cubicBezTo>
+                    <a:close/>
+                    <a:moveTo>
+                      <a:pt x="124" y="314"/>
+                    </a:moveTo>
+                    <a:cubicBezTo>
+                      <a:pt x="123" y="321"/>
+                      <a:pt x="121" y="326"/>
+                      <a:pt x="119" y="330"/>
+                    </a:cubicBezTo>
+                    <a:cubicBezTo>
+                      <a:pt x="114" y="338"/>
+                      <a:pt x="110" y="339"/>
+                      <a:pt x="108" y="336"/>
+                    </a:cubicBezTo>
+                    <a:cubicBezTo>
+                      <a:pt x="107" y="335"/>
+                      <a:pt x="106" y="334"/>
+                      <a:pt x="106" y="333"/>
+                    </a:cubicBezTo>
+                    <a:cubicBezTo>
+                      <a:pt x="107" y="327"/>
+                      <a:pt x="109" y="323"/>
+                      <a:pt x="113" y="319"/>
+                    </a:cubicBezTo>
+                    <a:cubicBezTo>
+                      <a:pt x="116" y="316"/>
+                      <a:pt x="120" y="315"/>
+                      <a:pt x="124" y="314"/>
+                    </a:cubicBezTo>
+                    <a:close/>
+                    <a:moveTo>
+                      <a:pt x="192" y="314"/>
+                    </a:moveTo>
+                    <a:cubicBezTo>
+                      <a:pt x="196" y="315"/>
+                      <a:pt x="200" y="316"/>
+                      <a:pt x="203" y="319"/>
+                    </a:cubicBezTo>
+                    <a:cubicBezTo>
+                      <a:pt x="207" y="323"/>
+                      <a:pt x="209" y="327"/>
+                      <a:pt x="210" y="333"/>
+                    </a:cubicBezTo>
+                    <a:cubicBezTo>
+                      <a:pt x="210" y="334"/>
+                      <a:pt x="209" y="335"/>
+                      <a:pt x="208" y="336"/>
+                    </a:cubicBezTo>
+                    <a:cubicBezTo>
+                      <a:pt x="206" y="339"/>
+                      <a:pt x="202" y="338"/>
+                      <a:pt x="197" y="330"/>
+                    </a:cubicBezTo>
+                    <a:cubicBezTo>
+                      <a:pt x="195" y="326"/>
+                      <a:pt x="193" y="321"/>
+                      <a:pt x="192" y="314"/>
+                    </a:cubicBezTo>
+                    <a:close/>
+                  </a:path>
+                </a:pathLst>
+              </a:custGeom>
+              <a:solidFill>
+                <a:srgbClr val="3B3B3B"/>
+              </a:solidFill>
+              <a:ln>
+                <a:noFill/>
+              </a:ln>
+              <a:extLst>
+                <a:ext uri="{91240B29-F687-4F45-9708-019B960494DF}">
+                  <a14:hiddenLine xmlns:a14="http://schemas.microsoft.com/office/drawing/2010/main" w="9525">
+                    <a:solidFill>
+                      <a:srgbClr val="000000"/>
+                    </a:solidFill>
+                    <a:round/>
+                  </a14:hiddenLine>
+                </a:ext>
+              </a:extLst>
+            </p:spPr>
+            <p:txBody>
+              <a:bodyPr vert="horz" wrap="square" lIns="121920" tIns="60960" rIns="121920" bIns="60960" numCol="1" anchor="t" anchorCtr="0" compatLnSpc="1"/>
+              <a:lstStyle/>
+              <a:p>
+                <a:endParaRPr lang="zh-CN" altLang="en-US" sz="2400"/>
+              </a:p>
+            </p:txBody>
+          </p:sp>
+          <p:sp>
+            <p:nvSpPr>
+              <p:cNvPr id="122" name="Freeform 275">
+                <a:extLst>
+                  <a:ext uri="{FF2B5EF4-FFF2-40B4-BE49-F238E27FC236}">
+                    <a16:creationId xmlns:a16="http://schemas.microsoft.com/office/drawing/2014/main" id="{03A82B4A-EB22-07C0-2D26-76E029440344}"/>
+                  </a:ext>
+                </a:extLst>
+              </p:cNvPr>
+              <p:cNvSpPr/>
+              <p:nvPr/>
+            </p:nvSpPr>
+            <p:spPr bwMode="auto">
+              <a:xfrm>
+                <a:off x="-2540742" y="2934495"/>
+                <a:ext cx="298450" cy="79375"/>
+              </a:xfrm>
+              <a:custGeom>
+                <a:avLst/>
+                <a:gdLst>
+                  <a:gd name="T0" fmla="*/ 0 w 94"/>
+                  <a:gd name="T1" fmla="*/ 12 h 25"/>
+                  <a:gd name="T2" fmla="*/ 13 w 94"/>
+                  <a:gd name="T3" fmla="*/ 25 h 25"/>
+                  <a:gd name="T4" fmla="*/ 81 w 94"/>
+                  <a:gd name="T5" fmla="*/ 25 h 25"/>
+                  <a:gd name="T6" fmla="*/ 94 w 94"/>
+                  <a:gd name="T7" fmla="*/ 12 h 25"/>
+                  <a:gd name="T8" fmla="*/ 81 w 94"/>
+                  <a:gd name="T9" fmla="*/ 0 h 25"/>
+                  <a:gd name="T10" fmla="*/ 13 w 94"/>
+                  <a:gd name="T11" fmla="*/ 0 h 25"/>
+                  <a:gd name="T12" fmla="*/ 0 w 94"/>
+                  <a:gd name="T13" fmla="*/ 12 h 25"/>
+                </a:gdLst>
+                <a:ahLst/>
+                <a:cxnLst>
+                  <a:cxn ang="0">
+                    <a:pos x="T0" y="T1"/>
+                  </a:cxn>
+                  <a:cxn ang="0">
+                    <a:pos x="T2" y="T3"/>
+                  </a:cxn>
+                  <a:cxn ang="0">
+                    <a:pos x="T4" y="T5"/>
+                  </a:cxn>
+                  <a:cxn ang="0">
+                    <a:pos x="T6" y="T7"/>
+                  </a:cxn>
+                  <a:cxn ang="0">
+                    <a:pos x="T8" y="T9"/>
+                  </a:cxn>
+                  <a:cxn ang="0">
+                    <a:pos x="T10" y="T11"/>
+                  </a:cxn>
+                  <a:cxn ang="0">
+                    <a:pos x="T12" y="T13"/>
+                  </a:cxn>
+                </a:cxnLst>
+                <a:rect l="0" t="0" r="r" b="b"/>
+                <a:pathLst>
+                  <a:path w="94" h="25">
+                    <a:moveTo>
+                      <a:pt x="0" y="12"/>
+                    </a:moveTo>
+                    <a:cubicBezTo>
+                      <a:pt x="0" y="19"/>
+                      <a:pt x="6" y="25"/>
+                      <a:pt x="13" y="25"/>
+                    </a:cubicBezTo>
+                    <a:cubicBezTo>
+                      <a:pt x="81" y="25"/>
+                      <a:pt x="81" y="25"/>
+                      <a:pt x="81" y="25"/>
+                    </a:cubicBezTo>
+                    <a:cubicBezTo>
+                      <a:pt x="88" y="25"/>
+                      <a:pt x="94" y="19"/>
+                      <a:pt x="94" y="12"/>
+                    </a:cubicBezTo>
+                    <a:cubicBezTo>
+                      <a:pt x="94" y="6"/>
+                      <a:pt x="88" y="0"/>
+                      <a:pt x="81" y="0"/>
+                    </a:cubicBezTo>
+                    <a:cubicBezTo>
+                      <a:pt x="13" y="0"/>
+                      <a:pt x="13" y="0"/>
+                      <a:pt x="13" y="0"/>
+                    </a:cubicBezTo>
+                    <a:cubicBezTo>
+                      <a:pt x="6" y="0"/>
+                      <a:pt x="0" y="6"/>
+                      <a:pt x="0" y="12"/>
+                    </a:cubicBezTo>
+                    <a:close/>
+                  </a:path>
+                </a:pathLst>
+              </a:custGeom>
+              <a:solidFill>
+                <a:srgbClr val="3B3B3B"/>
+              </a:solidFill>
+              <a:ln>
+                <a:noFill/>
+              </a:ln>
+              <a:extLst>
+                <a:ext uri="{91240B29-F687-4F45-9708-019B960494DF}">
+                  <a14:hiddenLine xmlns:a14="http://schemas.microsoft.com/office/drawing/2010/main" w="9525">
+                    <a:solidFill>
+                      <a:srgbClr val="000000"/>
+                    </a:solidFill>
+                    <a:round/>
+                  </a14:hiddenLine>
+                </a:ext>
+              </a:extLst>
+            </p:spPr>
+            <p:txBody>
+              <a:bodyPr vert="horz" wrap="square" lIns="121920" tIns="60960" rIns="121920" bIns="60960" numCol="1" anchor="t" anchorCtr="0" compatLnSpc="1"/>
+              <a:lstStyle/>
+              <a:p>
+                <a:endParaRPr lang="zh-CN" altLang="en-US" sz="2400"/>
+              </a:p>
+            </p:txBody>
+          </p:sp>
+          <p:sp>
+            <p:nvSpPr>
+              <p:cNvPr id="123" name="Freeform 276">
+                <a:extLst>
+                  <a:ext uri="{FF2B5EF4-FFF2-40B4-BE49-F238E27FC236}">
+                    <a16:creationId xmlns:a16="http://schemas.microsoft.com/office/drawing/2014/main" id="{C00C4D6F-CDD1-CF27-3D22-99520AC89AF4}"/>
+                  </a:ext>
+                </a:extLst>
+              </p:cNvPr>
+              <p:cNvSpPr/>
+              <p:nvPr/>
+            </p:nvSpPr>
+            <p:spPr bwMode="auto">
+              <a:xfrm>
+                <a:off x="-3236068" y="3488532"/>
+                <a:ext cx="79375" cy="292100"/>
+              </a:xfrm>
+              <a:custGeom>
+                <a:avLst/>
+                <a:gdLst>
+                  <a:gd name="T0" fmla="*/ 13 w 25"/>
+                  <a:gd name="T1" fmla="*/ 0 h 92"/>
+                  <a:gd name="T2" fmla="*/ 0 w 25"/>
+                  <a:gd name="T3" fmla="*/ 13 h 92"/>
+                  <a:gd name="T4" fmla="*/ 0 w 25"/>
+                  <a:gd name="T5" fmla="*/ 79 h 92"/>
+                  <a:gd name="T6" fmla="*/ 13 w 25"/>
+                  <a:gd name="T7" fmla="*/ 92 h 92"/>
+                  <a:gd name="T8" fmla="*/ 25 w 25"/>
+                  <a:gd name="T9" fmla="*/ 79 h 92"/>
+                  <a:gd name="T10" fmla="*/ 25 w 25"/>
+                  <a:gd name="T11" fmla="*/ 13 h 92"/>
+                  <a:gd name="T12" fmla="*/ 13 w 25"/>
+                  <a:gd name="T13" fmla="*/ 0 h 92"/>
+                </a:gdLst>
+                <a:ahLst/>
+                <a:cxnLst>
+                  <a:cxn ang="0">
+                    <a:pos x="T0" y="T1"/>
+                  </a:cxn>
+                  <a:cxn ang="0">
+                    <a:pos x="T2" y="T3"/>
+                  </a:cxn>
+                  <a:cxn ang="0">
+                    <a:pos x="T4" y="T5"/>
+                  </a:cxn>
+                  <a:cxn ang="0">
+                    <a:pos x="T6" y="T7"/>
+                  </a:cxn>
+                  <a:cxn ang="0">
+                    <a:pos x="T8" y="T9"/>
+                  </a:cxn>
+                  <a:cxn ang="0">
+                    <a:pos x="T10" y="T11"/>
+                  </a:cxn>
+                  <a:cxn ang="0">
+                    <a:pos x="T12" y="T13"/>
+                  </a:cxn>
+                </a:cxnLst>
+                <a:rect l="0" t="0" r="r" b="b"/>
+                <a:pathLst>
+                  <a:path w="25" h="92">
+                    <a:moveTo>
+                      <a:pt x="13" y="0"/>
+                    </a:moveTo>
+                    <a:cubicBezTo>
+                      <a:pt x="6" y="0"/>
+                      <a:pt x="0" y="6"/>
+                      <a:pt x="0" y="13"/>
+                    </a:cubicBezTo>
+                    <a:cubicBezTo>
+                      <a:pt x="0" y="79"/>
+                      <a:pt x="0" y="79"/>
+                      <a:pt x="0" y="79"/>
+                    </a:cubicBezTo>
+                    <a:cubicBezTo>
+                      <a:pt x="0" y="86"/>
+                      <a:pt x="6" y="92"/>
+                      <a:pt x="13" y="92"/>
+                    </a:cubicBezTo>
+                    <a:cubicBezTo>
+                      <a:pt x="20" y="92"/>
+                      <a:pt x="25" y="86"/>
+                      <a:pt x="25" y="79"/>
+                    </a:cubicBezTo>
+                    <a:cubicBezTo>
+                      <a:pt x="25" y="13"/>
+                      <a:pt x="25" y="13"/>
+                      <a:pt x="25" y="13"/>
+                    </a:cubicBezTo>
+                    <a:cubicBezTo>
+                      <a:pt x="25" y="6"/>
+                      <a:pt x="20" y="0"/>
+                      <a:pt x="13" y="0"/>
+                    </a:cubicBezTo>
+                    <a:close/>
+                  </a:path>
+                </a:pathLst>
+              </a:custGeom>
+              <a:solidFill>
+                <a:srgbClr val="3B3B3B"/>
+              </a:solidFill>
+              <a:ln>
+                <a:noFill/>
+              </a:ln>
+              <a:extLst>
+                <a:ext uri="{91240B29-F687-4F45-9708-019B960494DF}">
+                  <a14:hiddenLine xmlns:a14="http://schemas.microsoft.com/office/drawing/2010/main" w="9525">
+                    <a:solidFill>
+                      <a:srgbClr val="000000"/>
+                    </a:solidFill>
+                    <a:round/>
+                  </a14:hiddenLine>
+                </a:ext>
+              </a:extLst>
+            </p:spPr>
+            <p:txBody>
+              <a:bodyPr vert="horz" wrap="square" lIns="121920" tIns="60960" rIns="121920" bIns="60960" numCol="1" anchor="t" anchorCtr="0" compatLnSpc="1"/>
+              <a:lstStyle/>
+              <a:p>
+                <a:endParaRPr lang="zh-CN" altLang="en-US" sz="2400"/>
+              </a:p>
+            </p:txBody>
+          </p:sp>
+          <p:sp>
+            <p:nvSpPr>
+              <p:cNvPr id="124" name="Freeform 277">
+                <a:extLst>
+                  <a:ext uri="{FF2B5EF4-FFF2-40B4-BE49-F238E27FC236}">
+                    <a16:creationId xmlns:a16="http://schemas.microsoft.com/office/drawing/2014/main" id="{6075E87A-9AB1-73DC-4571-3C4479576399}"/>
+                  </a:ext>
+                </a:extLst>
+              </p:cNvPr>
+              <p:cNvSpPr/>
+              <p:nvPr/>
+            </p:nvSpPr>
+            <p:spPr bwMode="auto">
+              <a:xfrm>
+                <a:off x="-4061568" y="2899570"/>
+                <a:ext cx="298450" cy="76200"/>
+              </a:xfrm>
+              <a:custGeom>
+                <a:avLst/>
+                <a:gdLst>
+                  <a:gd name="T0" fmla="*/ 13 w 94"/>
+                  <a:gd name="T1" fmla="*/ 24 h 24"/>
+                  <a:gd name="T2" fmla="*/ 81 w 94"/>
+                  <a:gd name="T3" fmla="*/ 24 h 24"/>
+                  <a:gd name="T4" fmla="*/ 94 w 94"/>
+                  <a:gd name="T5" fmla="*/ 12 h 24"/>
+                  <a:gd name="T6" fmla="*/ 81 w 94"/>
+                  <a:gd name="T7" fmla="*/ 0 h 24"/>
+                  <a:gd name="T8" fmla="*/ 13 w 94"/>
+                  <a:gd name="T9" fmla="*/ 0 h 24"/>
+                  <a:gd name="T10" fmla="*/ 0 w 94"/>
+                  <a:gd name="T11" fmla="*/ 12 h 24"/>
+                  <a:gd name="T12" fmla="*/ 13 w 94"/>
+                  <a:gd name="T13" fmla="*/ 24 h 24"/>
+                </a:gdLst>
+                <a:ahLst/>
+                <a:cxnLst>
+                  <a:cxn ang="0">
+                    <a:pos x="T0" y="T1"/>
+                  </a:cxn>
+                  <a:cxn ang="0">
+                    <a:pos x="T2" y="T3"/>
+                  </a:cxn>
+                  <a:cxn ang="0">
+                    <a:pos x="T4" y="T5"/>
+                  </a:cxn>
+                  <a:cxn ang="0">
+                    <a:pos x="T6" y="T7"/>
+                  </a:cxn>
+                  <a:cxn ang="0">
+                    <a:pos x="T8" y="T9"/>
+                  </a:cxn>
+                  <a:cxn ang="0">
+                    <a:pos x="T10" y="T11"/>
+                  </a:cxn>
+                  <a:cxn ang="0">
+                    <a:pos x="T12" y="T13"/>
+                  </a:cxn>
+                </a:cxnLst>
+                <a:rect l="0" t="0" r="r" b="b"/>
+                <a:pathLst>
+                  <a:path w="94" h="24">
+                    <a:moveTo>
+                      <a:pt x="13" y="24"/>
+                    </a:moveTo>
+                    <a:cubicBezTo>
+                      <a:pt x="81" y="24"/>
+                      <a:pt x="81" y="24"/>
+                      <a:pt x="81" y="24"/>
+                    </a:cubicBezTo>
+                    <a:cubicBezTo>
+                      <a:pt x="88" y="24"/>
+                      <a:pt x="94" y="19"/>
+                      <a:pt x="94" y="12"/>
+                    </a:cubicBezTo>
+                    <a:cubicBezTo>
+                      <a:pt x="94" y="5"/>
+                      <a:pt x="88" y="0"/>
+                      <a:pt x="81" y="0"/>
+                    </a:cubicBezTo>
+                    <a:cubicBezTo>
+                      <a:pt x="13" y="0"/>
+                      <a:pt x="13" y="0"/>
+                      <a:pt x="13" y="0"/>
+                    </a:cubicBezTo>
+                    <a:cubicBezTo>
+                      <a:pt x="6" y="0"/>
+                      <a:pt x="0" y="5"/>
+                      <a:pt x="0" y="12"/>
+                    </a:cubicBezTo>
+                    <a:cubicBezTo>
+                      <a:pt x="0" y="19"/>
+                      <a:pt x="6" y="24"/>
+                      <a:pt x="13" y="24"/>
+                    </a:cubicBezTo>
+                    <a:close/>
+                  </a:path>
+                </a:pathLst>
+              </a:custGeom>
+              <a:solidFill>
+                <a:srgbClr val="3B3B3B"/>
+              </a:solidFill>
+              <a:ln>
+                <a:noFill/>
+              </a:ln>
+              <a:extLst>
+                <a:ext uri="{91240B29-F687-4F45-9708-019B960494DF}">
+                  <a14:hiddenLine xmlns:a14="http://schemas.microsoft.com/office/drawing/2010/main" w="9525">
+                    <a:solidFill>
+                      <a:srgbClr val="000000"/>
+                    </a:solidFill>
+                    <a:round/>
+                  </a14:hiddenLine>
+                </a:ext>
+              </a:extLst>
+            </p:spPr>
+            <p:txBody>
+              <a:bodyPr vert="horz" wrap="square" lIns="121920" tIns="60960" rIns="121920" bIns="60960" numCol="1" anchor="t" anchorCtr="0" compatLnSpc="1"/>
+              <a:lstStyle/>
+              <a:p>
+                <a:endParaRPr lang="zh-CN" altLang="en-US" sz="2400"/>
+              </a:p>
+            </p:txBody>
+          </p:sp>
+          <p:sp>
+            <p:nvSpPr>
+              <p:cNvPr id="125" name="Freeform 278">
+                <a:extLst>
+                  <a:ext uri="{FF2B5EF4-FFF2-40B4-BE49-F238E27FC236}">
+                    <a16:creationId xmlns:a16="http://schemas.microsoft.com/office/drawing/2014/main" id="{92A322C8-6177-A811-B9FF-C925E036A3B8}"/>
+                  </a:ext>
+                </a:extLst>
+              </p:cNvPr>
+              <p:cNvSpPr/>
+              <p:nvPr/>
+            </p:nvSpPr>
+            <p:spPr bwMode="auto">
+              <a:xfrm>
+                <a:off x="-3890118" y="2304257"/>
+                <a:ext cx="266700" cy="212725"/>
+              </a:xfrm>
+              <a:custGeom>
+                <a:avLst/>
+                <a:gdLst>
+                  <a:gd name="T0" fmla="*/ 7 w 84"/>
+                  <a:gd name="T1" fmla="*/ 22 h 67"/>
+                  <a:gd name="T2" fmla="*/ 62 w 84"/>
+                  <a:gd name="T3" fmla="*/ 63 h 67"/>
+                  <a:gd name="T4" fmla="*/ 79 w 84"/>
+                  <a:gd name="T5" fmla="*/ 60 h 67"/>
+                  <a:gd name="T6" fmla="*/ 77 w 84"/>
+                  <a:gd name="T7" fmla="*/ 43 h 67"/>
+                  <a:gd name="T8" fmla="*/ 22 w 84"/>
+                  <a:gd name="T9" fmla="*/ 3 h 67"/>
+                  <a:gd name="T10" fmla="*/ 15 w 84"/>
+                  <a:gd name="T11" fmla="*/ 0 h 67"/>
+                  <a:gd name="T12" fmla="*/ 4 w 84"/>
+                  <a:gd name="T13" fmla="*/ 5 h 67"/>
+                  <a:gd name="T14" fmla="*/ 7 w 84"/>
+                  <a:gd name="T15" fmla="*/ 22 h 67"/>
+                </a:gdLst>
+                <a:ahLst/>
+                <a:cxnLst>
+                  <a:cxn ang="0">
+                    <a:pos x="T0" y="T1"/>
+                  </a:cxn>
+                  <a:cxn ang="0">
+                    <a:pos x="T2" y="T3"/>
+                  </a:cxn>
+                  <a:cxn ang="0">
+                    <a:pos x="T4" y="T5"/>
+                  </a:cxn>
+                  <a:cxn ang="0">
+                    <a:pos x="T6" y="T7"/>
+                  </a:cxn>
+                  <a:cxn ang="0">
+                    <a:pos x="T8" y="T9"/>
+                  </a:cxn>
+                  <a:cxn ang="0">
+                    <a:pos x="T10" y="T11"/>
+                  </a:cxn>
+                  <a:cxn ang="0">
+                    <a:pos x="T12" y="T13"/>
+                  </a:cxn>
+                  <a:cxn ang="0">
+                    <a:pos x="T14" y="T15"/>
+                  </a:cxn>
+                </a:cxnLst>
+                <a:rect l="0" t="0" r="r" b="b"/>
+                <a:pathLst>
+                  <a:path w="84" h="67">
+                    <a:moveTo>
+                      <a:pt x="7" y="22"/>
+                    </a:moveTo>
+                    <a:cubicBezTo>
+                      <a:pt x="62" y="63"/>
+                      <a:pt x="62" y="63"/>
+                      <a:pt x="62" y="63"/>
+                    </a:cubicBezTo>
+                    <a:cubicBezTo>
+                      <a:pt x="67" y="67"/>
+                      <a:pt x="75" y="66"/>
+                      <a:pt x="79" y="60"/>
+                    </a:cubicBezTo>
+                    <a:cubicBezTo>
+                      <a:pt x="84" y="55"/>
+                      <a:pt x="82" y="47"/>
+                      <a:pt x="77" y="43"/>
+                    </a:cubicBezTo>
+                    <a:cubicBezTo>
+                      <a:pt x="22" y="3"/>
+                      <a:pt x="22" y="3"/>
+                      <a:pt x="22" y="3"/>
+                    </a:cubicBezTo>
+                    <a:cubicBezTo>
+                      <a:pt x="20" y="1"/>
+                      <a:pt x="17" y="0"/>
+                      <a:pt x="15" y="0"/>
+                    </a:cubicBezTo>
+                    <a:cubicBezTo>
+                      <a:pt x="11" y="0"/>
+                      <a:pt x="7" y="2"/>
+                      <a:pt x="4" y="5"/>
+                    </a:cubicBezTo>
+                    <a:cubicBezTo>
+                      <a:pt x="0" y="11"/>
+                      <a:pt x="1" y="18"/>
+                      <a:pt x="7" y="22"/>
+                    </a:cubicBezTo>
+                    <a:close/>
+                  </a:path>
+                </a:pathLst>
+              </a:custGeom>
+              <a:solidFill>
+                <a:srgbClr val="3B3B3B"/>
+              </a:solidFill>
+              <a:ln>
+                <a:noFill/>
+              </a:ln>
+              <a:extLst>
+                <a:ext uri="{91240B29-F687-4F45-9708-019B960494DF}">
+                  <a14:hiddenLine xmlns:a14="http://schemas.microsoft.com/office/drawing/2010/main" w="9525">
+                    <a:solidFill>
+                      <a:srgbClr val="000000"/>
+                    </a:solidFill>
+                    <a:round/>
+                  </a14:hiddenLine>
+                </a:ext>
+              </a:extLst>
+            </p:spPr>
+            <p:txBody>
+              <a:bodyPr vert="horz" wrap="square" lIns="121920" tIns="60960" rIns="121920" bIns="60960" numCol="1" anchor="t" anchorCtr="0" compatLnSpc="1"/>
+              <a:lstStyle/>
+              <a:p>
+                <a:endParaRPr lang="zh-CN" altLang="en-US" sz="2400"/>
+              </a:p>
+            </p:txBody>
+          </p:sp>
+          <p:sp>
+            <p:nvSpPr>
+              <p:cNvPr id="126" name="Freeform 279">
+                <a:extLst>
+                  <a:ext uri="{FF2B5EF4-FFF2-40B4-BE49-F238E27FC236}">
+                    <a16:creationId xmlns:a16="http://schemas.microsoft.com/office/drawing/2014/main" id="{259B10A5-5BA0-48F0-AD33-40B05000DE75}"/>
+                  </a:ext>
+                </a:extLst>
+              </p:cNvPr>
+              <p:cNvSpPr/>
+              <p:nvPr/>
+            </p:nvSpPr>
+            <p:spPr bwMode="auto">
+              <a:xfrm>
+                <a:off x="-2674092" y="2304257"/>
+                <a:ext cx="266700" cy="212725"/>
+              </a:xfrm>
+              <a:custGeom>
+                <a:avLst/>
+                <a:gdLst>
+                  <a:gd name="T0" fmla="*/ 22 w 84"/>
+                  <a:gd name="T1" fmla="*/ 63 h 67"/>
+                  <a:gd name="T2" fmla="*/ 77 w 84"/>
+                  <a:gd name="T3" fmla="*/ 22 h 67"/>
+                  <a:gd name="T4" fmla="*/ 79 w 84"/>
+                  <a:gd name="T5" fmla="*/ 5 h 67"/>
+                  <a:gd name="T6" fmla="*/ 69 w 84"/>
+                  <a:gd name="T7" fmla="*/ 0 h 67"/>
+                  <a:gd name="T8" fmla="*/ 62 w 84"/>
+                  <a:gd name="T9" fmla="*/ 3 h 67"/>
+                  <a:gd name="T10" fmla="*/ 7 w 84"/>
+                  <a:gd name="T11" fmla="*/ 43 h 67"/>
+                  <a:gd name="T12" fmla="*/ 5 w 84"/>
+                  <a:gd name="T13" fmla="*/ 60 h 67"/>
+                  <a:gd name="T14" fmla="*/ 22 w 84"/>
+                  <a:gd name="T15" fmla="*/ 63 h 67"/>
+                </a:gdLst>
+                <a:ahLst/>
+                <a:cxnLst>
+                  <a:cxn ang="0">
+                    <a:pos x="T0" y="T1"/>
+                  </a:cxn>
+                  <a:cxn ang="0">
+                    <a:pos x="T2" y="T3"/>
+                  </a:cxn>
+                  <a:cxn ang="0">
+                    <a:pos x="T4" y="T5"/>
+                  </a:cxn>
+                  <a:cxn ang="0">
+                    <a:pos x="T6" y="T7"/>
+                  </a:cxn>
+                  <a:cxn ang="0">
+                    <a:pos x="T8" y="T9"/>
+                  </a:cxn>
+                  <a:cxn ang="0">
+                    <a:pos x="T10" y="T11"/>
+                  </a:cxn>
+                  <a:cxn ang="0">
+                    <a:pos x="T12" y="T13"/>
+                  </a:cxn>
+                  <a:cxn ang="0">
+                    <a:pos x="T14" y="T15"/>
+                  </a:cxn>
+                </a:cxnLst>
+                <a:rect l="0" t="0" r="r" b="b"/>
+                <a:pathLst>
+                  <a:path w="84" h="67">
+                    <a:moveTo>
+                      <a:pt x="22" y="63"/>
+                    </a:moveTo>
+                    <a:cubicBezTo>
+                      <a:pt x="77" y="22"/>
+                      <a:pt x="77" y="22"/>
+                      <a:pt x="77" y="22"/>
+                    </a:cubicBezTo>
+                    <a:cubicBezTo>
+                      <a:pt x="83" y="18"/>
+                      <a:pt x="84" y="11"/>
+                      <a:pt x="79" y="5"/>
+                    </a:cubicBezTo>
+                    <a:cubicBezTo>
+                      <a:pt x="77" y="2"/>
+                      <a:pt x="73" y="0"/>
+                      <a:pt x="69" y="0"/>
+                    </a:cubicBezTo>
+                    <a:cubicBezTo>
+                      <a:pt x="67" y="0"/>
+                      <a:pt x="64" y="1"/>
+                      <a:pt x="62" y="3"/>
+                    </a:cubicBezTo>
+                    <a:cubicBezTo>
+                      <a:pt x="7" y="43"/>
+                      <a:pt x="7" y="43"/>
+                      <a:pt x="7" y="43"/>
+                    </a:cubicBezTo>
+                    <a:cubicBezTo>
+                      <a:pt x="1" y="47"/>
+                      <a:pt x="0" y="55"/>
+                      <a:pt x="5" y="60"/>
+                    </a:cubicBezTo>
+                    <a:cubicBezTo>
+                      <a:pt x="9" y="66"/>
+                      <a:pt x="17" y="67"/>
+                      <a:pt x="22" y="63"/>
+                    </a:cubicBezTo>
+                    <a:close/>
+                  </a:path>
+                </a:pathLst>
+              </a:custGeom>
+              <a:solidFill>
+                <a:srgbClr val="3B3B3B"/>
+              </a:solidFill>
+              <a:ln>
+                <a:noFill/>
+              </a:ln>
+              <a:extLst>
+                <a:ext uri="{91240B29-F687-4F45-9708-019B960494DF}">
+                  <a14:hiddenLine xmlns:a14="http://schemas.microsoft.com/office/drawing/2010/main" w="9525">
+                    <a:solidFill>
+                      <a:srgbClr val="000000"/>
+                    </a:solidFill>
+                    <a:round/>
+                  </a14:hiddenLine>
+                </a:ext>
+              </a:extLst>
+            </p:spPr>
+            <p:txBody>
+              <a:bodyPr vert="horz" wrap="square" lIns="121920" tIns="60960" rIns="121920" bIns="60960" numCol="1" anchor="t" anchorCtr="0" compatLnSpc="1"/>
+              <a:lstStyle/>
+              <a:p>
+                <a:endParaRPr lang="zh-CN" altLang="en-US" sz="2400"/>
+              </a:p>
+            </p:txBody>
+          </p:sp>
+          <p:sp>
+            <p:nvSpPr>
+              <p:cNvPr id="127" name="Freeform 280">
+                <a:extLst>
+                  <a:ext uri="{FF2B5EF4-FFF2-40B4-BE49-F238E27FC236}">
+                    <a16:creationId xmlns:a16="http://schemas.microsoft.com/office/drawing/2014/main" id="{22C64ADF-0BEB-4055-E6D0-B4A8A8F82562}"/>
+                  </a:ext>
+                </a:extLst>
+              </p:cNvPr>
+              <p:cNvSpPr/>
+              <p:nvPr/>
+            </p:nvSpPr>
+            <p:spPr bwMode="auto">
+              <a:xfrm>
+                <a:off x="-3839318" y="3363120"/>
+                <a:ext cx="244475" cy="233363"/>
+              </a:xfrm>
+              <a:custGeom>
+                <a:avLst/>
+                <a:gdLst>
+                  <a:gd name="T0" fmla="*/ 63 w 77"/>
+                  <a:gd name="T1" fmla="*/ 0 h 73"/>
+                  <a:gd name="T2" fmla="*/ 54 w 77"/>
+                  <a:gd name="T3" fmla="*/ 3 h 73"/>
+                  <a:gd name="T4" fmla="*/ 5 w 77"/>
+                  <a:gd name="T5" fmla="*/ 51 h 73"/>
+                  <a:gd name="T6" fmla="*/ 5 w 77"/>
+                  <a:gd name="T7" fmla="*/ 68 h 73"/>
+                  <a:gd name="T8" fmla="*/ 23 w 77"/>
+                  <a:gd name="T9" fmla="*/ 68 h 73"/>
+                  <a:gd name="T10" fmla="*/ 72 w 77"/>
+                  <a:gd name="T11" fmla="*/ 21 h 73"/>
+                  <a:gd name="T12" fmla="*/ 72 w 77"/>
+                  <a:gd name="T13" fmla="*/ 3 h 73"/>
+                  <a:gd name="T14" fmla="*/ 63 w 77"/>
+                  <a:gd name="T15" fmla="*/ 0 h 73"/>
+                </a:gdLst>
+                <a:ahLst/>
+                <a:cxnLst>
+                  <a:cxn ang="0">
+                    <a:pos x="T0" y="T1"/>
+                  </a:cxn>
+                  <a:cxn ang="0">
+                    <a:pos x="T2" y="T3"/>
+                  </a:cxn>
+                  <a:cxn ang="0">
+                    <a:pos x="T4" y="T5"/>
+                  </a:cxn>
+                  <a:cxn ang="0">
+                    <a:pos x="T6" y="T7"/>
+                  </a:cxn>
+                  <a:cxn ang="0">
+                    <a:pos x="T8" y="T9"/>
+                  </a:cxn>
+                  <a:cxn ang="0">
+                    <a:pos x="T10" y="T11"/>
+                  </a:cxn>
+                  <a:cxn ang="0">
+                    <a:pos x="T12" y="T13"/>
+                  </a:cxn>
+                  <a:cxn ang="0">
+                    <a:pos x="T14" y="T15"/>
+                  </a:cxn>
+                </a:cxnLst>
+                <a:rect l="0" t="0" r="r" b="b"/>
+                <a:pathLst>
+                  <a:path w="77" h="73">
+                    <a:moveTo>
+                      <a:pt x="63" y="0"/>
+                    </a:moveTo>
+                    <a:cubicBezTo>
+                      <a:pt x="60" y="0"/>
+                      <a:pt x="56" y="1"/>
+                      <a:pt x="54" y="3"/>
+                    </a:cubicBezTo>
+                    <a:cubicBezTo>
+                      <a:pt x="5" y="51"/>
+                      <a:pt x="5" y="51"/>
+                      <a:pt x="5" y="51"/>
+                    </a:cubicBezTo>
+                    <a:cubicBezTo>
+                      <a:pt x="0" y="55"/>
+                      <a:pt x="0" y="63"/>
+                      <a:pt x="5" y="68"/>
+                    </a:cubicBezTo>
+                    <a:cubicBezTo>
+                      <a:pt x="10" y="73"/>
+                      <a:pt x="18" y="73"/>
+                      <a:pt x="23" y="68"/>
+                    </a:cubicBezTo>
+                    <a:cubicBezTo>
+                      <a:pt x="72" y="21"/>
+                      <a:pt x="72" y="21"/>
+                      <a:pt x="72" y="21"/>
+                    </a:cubicBezTo>
+                    <a:cubicBezTo>
+                      <a:pt x="77" y="16"/>
+                      <a:pt x="77" y="8"/>
+                      <a:pt x="72" y="3"/>
+                    </a:cubicBezTo>
+                    <a:cubicBezTo>
+                      <a:pt x="69" y="1"/>
+                      <a:pt x="66" y="0"/>
+                      <a:pt x="63" y="0"/>
+                    </a:cubicBezTo>
+                    <a:close/>
+                  </a:path>
+                </a:pathLst>
+              </a:custGeom>
+              <a:solidFill>
+                <a:srgbClr val="3B3B3B"/>
+              </a:solidFill>
+              <a:ln>
+                <a:noFill/>
+              </a:ln>
+              <a:extLst>
+                <a:ext uri="{91240B29-F687-4F45-9708-019B960494DF}">
+                  <a14:hiddenLine xmlns:a14="http://schemas.microsoft.com/office/drawing/2010/main" w="9525">
+                    <a:solidFill>
+                      <a:srgbClr val="000000"/>
+                    </a:solidFill>
+                    <a:round/>
+                  </a14:hiddenLine>
+                </a:ext>
+              </a:extLst>
+            </p:spPr>
+            <p:txBody>
+              <a:bodyPr vert="horz" wrap="square" lIns="121920" tIns="60960" rIns="121920" bIns="60960" numCol="1" anchor="t" anchorCtr="0" compatLnSpc="1"/>
+              <a:lstStyle/>
+              <a:p>
+                <a:endParaRPr lang="zh-CN" altLang="en-US" sz="2400"/>
+              </a:p>
+            </p:txBody>
+          </p:sp>
+          <p:sp>
+            <p:nvSpPr>
+              <p:cNvPr id="128" name="Freeform 281">
+                <a:extLst>
+                  <a:ext uri="{FF2B5EF4-FFF2-40B4-BE49-F238E27FC236}">
+                    <a16:creationId xmlns:a16="http://schemas.microsoft.com/office/drawing/2014/main" id="{80DBBF85-2307-062E-F517-8CD799CB82C6}"/>
+                  </a:ext>
+                </a:extLst>
+              </p:cNvPr>
+              <p:cNvSpPr/>
+              <p:nvPr/>
+            </p:nvSpPr>
+            <p:spPr bwMode="auto">
+              <a:xfrm>
+                <a:off x="-2728067" y="3363120"/>
+                <a:ext cx="244475" cy="233363"/>
+              </a:xfrm>
+              <a:custGeom>
+                <a:avLst/>
+                <a:gdLst>
+                  <a:gd name="T0" fmla="*/ 23 w 77"/>
+                  <a:gd name="T1" fmla="*/ 3 h 73"/>
+                  <a:gd name="T2" fmla="*/ 14 w 77"/>
+                  <a:gd name="T3" fmla="*/ 0 h 73"/>
+                  <a:gd name="T4" fmla="*/ 5 w 77"/>
+                  <a:gd name="T5" fmla="*/ 3 h 73"/>
+                  <a:gd name="T6" fmla="*/ 5 w 77"/>
+                  <a:gd name="T7" fmla="*/ 21 h 73"/>
+                  <a:gd name="T8" fmla="*/ 54 w 77"/>
+                  <a:gd name="T9" fmla="*/ 68 h 73"/>
+                  <a:gd name="T10" fmla="*/ 72 w 77"/>
+                  <a:gd name="T11" fmla="*/ 68 h 73"/>
+                  <a:gd name="T12" fmla="*/ 72 w 77"/>
+                  <a:gd name="T13" fmla="*/ 51 h 73"/>
+                  <a:gd name="T14" fmla="*/ 23 w 77"/>
+                  <a:gd name="T15" fmla="*/ 3 h 73"/>
+                </a:gdLst>
+                <a:ahLst/>
+                <a:cxnLst>
+                  <a:cxn ang="0">
+                    <a:pos x="T0" y="T1"/>
+                  </a:cxn>
+                  <a:cxn ang="0">
+                    <a:pos x="T2" y="T3"/>
+                  </a:cxn>
+                  <a:cxn ang="0">
+                    <a:pos x="T4" y="T5"/>
+                  </a:cxn>
+                  <a:cxn ang="0">
+                    <a:pos x="T6" y="T7"/>
+                  </a:cxn>
+                  <a:cxn ang="0">
+                    <a:pos x="T8" y="T9"/>
+                  </a:cxn>
+                  <a:cxn ang="0">
+                    <a:pos x="T10" y="T11"/>
+                  </a:cxn>
+                  <a:cxn ang="0">
+                    <a:pos x="T12" y="T13"/>
+                  </a:cxn>
+                  <a:cxn ang="0">
+                    <a:pos x="T14" y="T15"/>
+                  </a:cxn>
+                </a:cxnLst>
+                <a:rect l="0" t="0" r="r" b="b"/>
+                <a:pathLst>
+                  <a:path w="77" h="73">
+                    <a:moveTo>
+                      <a:pt x="23" y="3"/>
+                    </a:moveTo>
+                    <a:cubicBezTo>
+                      <a:pt x="21" y="1"/>
+                      <a:pt x="17" y="0"/>
+                      <a:pt x="14" y="0"/>
+                    </a:cubicBezTo>
+                    <a:cubicBezTo>
+                      <a:pt x="11" y="0"/>
+                      <a:pt x="8" y="1"/>
+                      <a:pt x="5" y="3"/>
+                    </a:cubicBezTo>
+                    <a:cubicBezTo>
+                      <a:pt x="0" y="8"/>
+                      <a:pt x="0" y="16"/>
+                      <a:pt x="5" y="21"/>
+                    </a:cubicBezTo>
+                    <a:cubicBezTo>
+                      <a:pt x="54" y="68"/>
+                      <a:pt x="54" y="68"/>
+                      <a:pt x="54" y="68"/>
+                    </a:cubicBezTo>
+                    <a:cubicBezTo>
+                      <a:pt x="59" y="73"/>
+                      <a:pt x="67" y="73"/>
+                      <a:pt x="72" y="68"/>
+                    </a:cubicBezTo>
+                    <a:cubicBezTo>
+                      <a:pt x="77" y="63"/>
+                      <a:pt x="77" y="55"/>
+                      <a:pt x="72" y="51"/>
+                    </a:cubicBezTo>
+                    <a:lnTo>
+                      <a:pt x="23" y="3"/>
+                    </a:lnTo>
+                    <a:close/>
+                  </a:path>
+                </a:pathLst>
+              </a:custGeom>
+              <a:solidFill>
+                <a:srgbClr val="3B3B3B"/>
+              </a:solidFill>
+              <a:ln>
+                <a:noFill/>
+              </a:ln>
+              <a:extLst>
+                <a:ext uri="{91240B29-F687-4F45-9708-019B960494DF}">
+                  <a14:hiddenLine xmlns:a14="http://schemas.microsoft.com/office/drawing/2010/main" w="9525">
+                    <a:solidFill>
+                      <a:srgbClr val="000000"/>
+                    </a:solidFill>
+                    <a:round/>
+                  </a14:hiddenLine>
+                </a:ext>
+              </a:extLst>
+            </p:spPr>
+            <p:txBody>
+              <a:bodyPr vert="horz" wrap="square" lIns="121920" tIns="60960" rIns="121920" bIns="60960" numCol="1" anchor="t" anchorCtr="0" compatLnSpc="1"/>
+              <a:lstStyle/>
+              <a:p>
+                <a:endParaRPr lang="zh-CN" altLang="en-US" sz="2400"/>
+              </a:p>
+            </p:txBody>
+          </p:sp>
+        </p:grpSp>
+        <p:cxnSp>
+          <p:nvCxnSpPr>
+            <p:cNvPr id="119" name="直接连接符 21">
+              <a:extLst>
+                <a:ext uri="{FF2B5EF4-FFF2-40B4-BE49-F238E27FC236}">
+                  <a16:creationId xmlns:a16="http://schemas.microsoft.com/office/drawing/2014/main" id="{24FA0773-7C10-108A-2BCF-F2255C01B5E8}"/>
+                </a:ext>
+              </a:extLst>
+            </p:cNvPr>
+            <p:cNvCxnSpPr/>
+            <p:nvPr/>
+          </p:nvCxnSpPr>
+          <p:spPr>
+            <a:xfrm flipV="1">
+              <a:off x="2295727" y="2062276"/>
+              <a:ext cx="0" cy="765534"/>
+            </a:xfrm>
+            <a:prstGeom prst="line">
+              <a:avLst/>
+            </a:prstGeom>
+            <a:ln w="12700">
+              <a:solidFill>
+                <a:srgbClr val="3B3B3B"/>
+              </a:solidFill>
+            </a:ln>
+          </p:spPr>
+          <p:style>
+            <a:lnRef idx="1">
+              <a:schemeClr val="accent1"/>
+            </a:lnRef>
+            <a:fillRef idx="0">
+              <a:schemeClr val="accent1"/>
+            </a:fillRef>
+            <a:effectRef idx="0">
+              <a:schemeClr val="accent1"/>
+            </a:effectRef>
+            <a:fontRef idx="minor">
+              <a:schemeClr val="tx1"/>
+            </a:fontRef>
+          </p:style>
+        </p:cxnSp>
+      </p:grpSp>
+      <p:pic>
+        <p:nvPicPr>
+          <p:cNvPr id="9" name="圖片 8">
+            <a:extLst>
+              <a:ext uri="{FF2B5EF4-FFF2-40B4-BE49-F238E27FC236}">
+                <a16:creationId xmlns:a16="http://schemas.microsoft.com/office/drawing/2014/main" id="{06262091-3160-510E-C366-9ABBD0B50257}"/>
+              </a:ext>
+            </a:extLst>
+          </p:cNvPr>
+          <p:cNvPicPr>
+            <a:picLocks noChangeAspect="1"/>
+          </p:cNvPicPr>
+          <p:nvPr/>
+        </p:nvPicPr>
+        <p:blipFill>
+          <a:blip r:embed="rId2"/>
+          <a:srcRect l="2184" t="5460" r="14930" b="1972"/>
+          <a:stretch>
+            <a:fillRect/>
+          </a:stretch>
+        </p:blipFill>
+        <p:spPr>
+          <a:xfrm>
+            <a:off x="993382" y="534372"/>
+            <a:ext cx="7811120" cy="6229823"/>
+          </a:xfrm>
+          <a:prstGeom prst="rect">
+            <a:avLst/>
+          </a:prstGeom>
+        </p:spPr>
+      </p:pic>
+      <p:pic>
+        <p:nvPicPr>
+          <p:cNvPr id="2" name="圖片 1">
+            <a:extLst>
+              <a:ext uri="{FF2B5EF4-FFF2-40B4-BE49-F238E27FC236}">
+                <a16:creationId xmlns:a16="http://schemas.microsoft.com/office/drawing/2014/main" id="{A17844AC-B0D4-84EE-BD56-B12C021A3FEA}"/>
+              </a:ext>
+            </a:extLst>
+          </p:cNvPr>
+          <p:cNvPicPr>
+            <a:picLocks noChangeAspect="1"/>
+          </p:cNvPicPr>
+          <p:nvPr/>
+        </p:nvPicPr>
+        <p:blipFill>
+          <a:blip r:embed="rId2"/>
+          <a:srcRect l="85414" t="238" r="-623" b="47411"/>
+          <a:stretch>
+            <a:fillRect/>
+          </a:stretch>
+        </p:blipFill>
+        <p:spPr>
+          <a:xfrm>
+            <a:off x="9115647" y="1578879"/>
+            <a:ext cx="1351693" cy="3322730"/>
+          </a:xfrm>
+          <a:prstGeom prst="rect">
+            <a:avLst/>
+          </a:prstGeom>
+        </p:spPr>
+      </p:pic>
     </p:spTree>
+    <p:extLst>
+      <p:ext uri="{BB962C8B-B14F-4D97-AF65-F5344CB8AC3E}">
+        <p14:creationId xmlns:p14="http://schemas.microsoft.com/office/powerpoint/2010/main" val="3609782552"/>
+      </p:ext>
+    </p:extLst>
   </p:cSld>
   <p:clrMapOvr>
     <a:masterClrMapping/>
@@ -29606,7 +33795,7 @@
 </p:sld>
 </file>
 
-<file path=ppt/slides/slide6.xml><?xml version="1.0" encoding="utf-8"?>
+<file path=ppt/slides/slide7.xml><?xml version="1.0" encoding="utf-8"?>
 <p:sld xmlns:a="http://schemas.openxmlformats.org/drawingml/2006/main" xmlns:r="http://schemas.openxmlformats.org/officeDocument/2006/relationships" xmlns:p="http://schemas.openxmlformats.org/presentationml/2006/main">
   <p:cSld>
     <p:spTree>
@@ -31768,7 +35957,7 @@
 </p:sld>
 </file>
 
-<file path=ppt/slides/slide7.xml><?xml version="1.0" encoding="utf-8"?>
+<file path=ppt/slides/slide8.xml><?xml version="1.0" encoding="utf-8"?>
 <p:sld xmlns:a="http://schemas.openxmlformats.org/drawingml/2006/main" xmlns:r="http://schemas.openxmlformats.org/officeDocument/2006/relationships" xmlns:p="http://schemas.openxmlformats.org/presentationml/2006/main">
   <p:cSld>
     <p:spTree>
@@ -34090,7 +38279,7 @@
 </p:sld>
 </file>
 
-<file path=ppt/slides/slide8.xml><?xml version="1.0" encoding="utf-8"?>
+<file path=ppt/slides/slide9.xml><?xml version="1.0" encoding="utf-8"?>
 <p:sld xmlns:a="http://schemas.openxmlformats.org/drawingml/2006/main" xmlns:r="http://schemas.openxmlformats.org/officeDocument/2006/relationships" xmlns:p="http://schemas.openxmlformats.org/presentationml/2006/main">
   <p:cSld>
     <p:spTree>
@@ -36282,2236 +40471,6 @@
 </p:sld>
 </file>
 
-<file path=ppt/slides/slide9.xml><?xml version="1.0" encoding="utf-8"?>
-<p:sld xmlns:a="http://schemas.openxmlformats.org/drawingml/2006/main" xmlns:r="http://schemas.openxmlformats.org/officeDocument/2006/relationships" xmlns:p="http://schemas.openxmlformats.org/presentationml/2006/main">
-  <p:cSld>
-    <p:spTree>
-      <p:nvGrpSpPr>
-        <p:cNvPr id="1" name=""/>
-        <p:cNvGrpSpPr/>
-        <p:nvPr/>
-      </p:nvGrpSpPr>
-      <p:grpSpPr>
-        <a:xfrm>
-          <a:off x="0" y="0"/>
-          <a:ext cx="0" cy="0"/>
-          <a:chOff x="0" y="0"/>
-          <a:chExt cx="0" cy="0"/>
-        </a:xfrm>
-      </p:grpSpPr>
-      <p:sp>
-        <p:nvSpPr>
-          <p:cNvPr id="42" name="Text Box 42"/>
-          <p:cNvSpPr txBox="1">
-            <a:spLocks noChangeArrowheads="1"/>
-          </p:cNvSpPr>
-          <p:nvPr/>
-        </p:nvSpPr>
-        <p:spPr bwMode="auto">
-          <a:xfrm>
-            <a:off x="1103445" y="429616"/>
-            <a:ext cx="1261884" cy="523220"/>
-          </a:xfrm>
-          <a:prstGeom prst="rect">
-            <a:avLst/>
-          </a:prstGeom>
-          <a:noFill/>
-          <a:ln>
-            <a:noFill/>
-          </a:ln>
-          <a:effectLst/>
-          <a:extLst>
-            <a:ext uri="{909E8E84-426E-40DD-AFC4-6F175D3DCCD1}">
-              <a14:hiddenFill xmlns:a14="http://schemas.microsoft.com/office/drawing/2010/main">
-                <a:solidFill>
-                  <a:schemeClr val="accent1"/>
-                </a:solidFill>
-              </a14:hiddenFill>
-            </a:ext>
-            <a:ext uri="{91240B29-F687-4F45-9708-019B960494DF}">
-              <a14:hiddenLine xmlns:a14="http://schemas.microsoft.com/office/drawing/2010/main" w="9525">
-                <a:solidFill>
-                  <a:srgbClr val="000000"/>
-                </a:solidFill>
-                <a:miter lim="800000"/>
-                <a:headEnd/>
-                <a:tailEnd/>
-              </a14:hiddenLine>
-            </a:ext>
-            <a:ext uri="{AF507438-7753-43E0-B8FC-AC1667EBCBE1}">
-              <a14:hiddenEffects xmlns:a14="http://schemas.microsoft.com/office/drawing/2010/main">
-                <a:effectLst>
-                  <a:outerShdw dist="35921" dir="2700000" algn="ctr" rotWithShape="0">
-                    <a:schemeClr val="bg2"/>
-                  </a:outerShdw>
-                </a:effectLst>
-              </a14:hiddenEffects>
-            </a:ext>
-          </a:extLst>
-        </p:spPr>
-        <p:txBody>
-          <a:bodyPr wrap="none">
-            <a:spAutoFit/>
-          </a:bodyPr>
-          <a:lstStyle/>
-          <a:p>
-            <a:pPr>
-              <a:buFont typeface="Arial" charset="0"/>
-              <a:buNone/>
-            </a:pPr>
-            <a:r>
-              <a:rPr lang="zh-TW" altLang="en-US" sz="2800" b="1" dirty="0">
-                <a:solidFill>
-                  <a:srgbClr val="E54B81"/>
-                </a:solidFill>
-                <a:ea typeface="微软雅黑" pitchFamily="34" charset="-122"/>
-              </a:rPr>
-              <a:t>困難處</a:t>
-            </a:r>
-            <a:endParaRPr lang="zh-CN" altLang="en-US" sz="2800" b="1" dirty="0">
-              <a:solidFill>
-                <a:srgbClr val="E54B81"/>
-              </a:solidFill>
-              <a:ea typeface="微软雅黑" pitchFamily="34" charset="-122"/>
-            </a:endParaRPr>
-          </a:p>
-        </p:txBody>
-      </p:sp>
-      <p:grpSp>
-        <p:nvGrpSpPr>
-          <p:cNvPr id="44" name="组合 43"/>
-          <p:cNvGrpSpPr/>
-          <p:nvPr/>
-        </p:nvGrpSpPr>
-        <p:grpSpPr>
-          <a:xfrm>
-            <a:off x="377018" y="-11911"/>
-            <a:ext cx="629517" cy="1073043"/>
-            <a:chOff x="1775252" y="2062276"/>
-            <a:chExt cx="1045160" cy="1781528"/>
-          </a:xfrm>
-        </p:grpSpPr>
-        <p:grpSp>
-          <p:nvGrpSpPr>
-            <p:cNvPr id="45" name="组合 44"/>
-            <p:cNvGrpSpPr/>
-            <p:nvPr/>
-          </p:nvGrpSpPr>
-          <p:grpSpPr>
-            <a:xfrm>
-              <a:off x="1775252" y="2763988"/>
-              <a:ext cx="1045160" cy="1079816"/>
-              <a:chOff x="-4061568" y="1901032"/>
-              <a:chExt cx="1819276" cy="1879600"/>
-            </a:xfrm>
-          </p:grpSpPr>
-          <p:sp>
-            <p:nvSpPr>
-              <p:cNvPr id="47" name="Freeform 273"/>
-              <p:cNvSpPr/>
-              <p:nvPr/>
-            </p:nvSpPr>
-            <p:spPr bwMode="auto">
-              <a:xfrm>
-                <a:off x="-3661518" y="1901032"/>
-                <a:ext cx="1041400" cy="1509713"/>
-              </a:xfrm>
-              <a:custGeom>
-                <a:avLst/>
-                <a:gdLst>
-                  <a:gd name="T0" fmla="*/ 301 w 328"/>
-                  <a:gd name="T1" fmla="*/ 222 h 475"/>
-                  <a:gd name="T2" fmla="*/ 240 w 328"/>
-                  <a:gd name="T3" fmla="*/ 166 h 475"/>
-                  <a:gd name="T4" fmla="*/ 239 w 328"/>
-                  <a:gd name="T5" fmla="*/ 37 h 475"/>
-                  <a:gd name="T6" fmla="*/ 237 w 328"/>
-                  <a:gd name="T7" fmla="*/ 30 h 475"/>
-                  <a:gd name="T8" fmla="*/ 165 w 328"/>
-                  <a:gd name="T9" fmla="*/ 0 h 475"/>
-                  <a:gd name="T10" fmla="*/ 88 w 328"/>
-                  <a:gd name="T11" fmla="*/ 30 h 475"/>
-                  <a:gd name="T12" fmla="*/ 85 w 328"/>
-                  <a:gd name="T13" fmla="*/ 37 h 475"/>
-                  <a:gd name="T14" fmla="*/ 85 w 328"/>
-                  <a:gd name="T15" fmla="*/ 168 h 475"/>
-                  <a:gd name="T16" fmla="*/ 26 w 328"/>
-                  <a:gd name="T17" fmla="*/ 223 h 475"/>
-                  <a:gd name="T18" fmla="*/ 0 w 328"/>
-                  <a:gd name="T19" fmla="*/ 311 h 475"/>
-                  <a:gd name="T20" fmla="*/ 164 w 328"/>
-                  <a:gd name="T21" fmla="*/ 475 h 475"/>
-                  <a:gd name="T22" fmla="*/ 328 w 328"/>
-                  <a:gd name="T23" fmla="*/ 311 h 475"/>
-                  <a:gd name="T24" fmla="*/ 301 w 328"/>
-                  <a:gd name="T25" fmla="*/ 222 h 475"/>
-                </a:gdLst>
-                <a:ahLst/>
-                <a:cxnLst>
-                  <a:cxn ang="0">
-                    <a:pos x="T0" y="T1"/>
-                  </a:cxn>
-                  <a:cxn ang="0">
-                    <a:pos x="T2" y="T3"/>
-                  </a:cxn>
-                  <a:cxn ang="0">
-                    <a:pos x="T4" y="T5"/>
-                  </a:cxn>
-                  <a:cxn ang="0">
-                    <a:pos x="T6" y="T7"/>
-                  </a:cxn>
-                  <a:cxn ang="0">
-                    <a:pos x="T8" y="T9"/>
-                  </a:cxn>
-                  <a:cxn ang="0">
-                    <a:pos x="T10" y="T11"/>
-                  </a:cxn>
-                  <a:cxn ang="0">
-                    <a:pos x="T12" y="T13"/>
-                  </a:cxn>
-                  <a:cxn ang="0">
-                    <a:pos x="T14" y="T15"/>
-                  </a:cxn>
-                  <a:cxn ang="0">
-                    <a:pos x="T16" y="T17"/>
-                  </a:cxn>
-                  <a:cxn ang="0">
-                    <a:pos x="T18" y="T19"/>
-                  </a:cxn>
-                  <a:cxn ang="0">
-                    <a:pos x="T20" y="T21"/>
-                  </a:cxn>
-                  <a:cxn ang="0">
-                    <a:pos x="T22" y="T23"/>
-                  </a:cxn>
-                  <a:cxn ang="0">
-                    <a:pos x="T24" y="T25"/>
-                  </a:cxn>
-                </a:cxnLst>
-                <a:rect l="0" t="0" r="r" b="b"/>
-                <a:pathLst>
-                  <a:path w="328" h="475">
-                    <a:moveTo>
-                      <a:pt x="301" y="222"/>
-                    </a:moveTo>
-                    <a:cubicBezTo>
-                      <a:pt x="286" y="198"/>
-                      <a:pt x="265" y="179"/>
-                      <a:pt x="240" y="166"/>
-                    </a:cubicBezTo>
-                    <a:cubicBezTo>
-                      <a:pt x="239" y="165"/>
-                      <a:pt x="239" y="37"/>
-                      <a:pt x="239" y="37"/>
-                    </a:cubicBezTo>
-                    <a:cubicBezTo>
-                      <a:pt x="239" y="35"/>
-                      <a:pt x="238" y="32"/>
-                      <a:pt x="237" y="30"/>
-                    </a:cubicBezTo>
-                    <a:cubicBezTo>
-                      <a:pt x="236" y="29"/>
-                      <a:pt x="210" y="0"/>
-                      <a:pt x="165" y="0"/>
-                    </a:cubicBezTo>
-                    <a:cubicBezTo>
-                      <a:pt x="121" y="0"/>
-                      <a:pt x="90" y="28"/>
-                      <a:pt x="88" y="30"/>
-                    </a:cubicBezTo>
-                    <a:cubicBezTo>
-                      <a:pt x="86" y="32"/>
-                      <a:pt x="85" y="34"/>
-                      <a:pt x="85" y="37"/>
-                    </a:cubicBezTo>
-                    <a:cubicBezTo>
-                      <a:pt x="85" y="37"/>
-                      <a:pt x="85" y="166"/>
-                      <a:pt x="85" y="168"/>
-                    </a:cubicBezTo>
-                    <a:cubicBezTo>
-                      <a:pt x="61" y="181"/>
-                      <a:pt x="40" y="200"/>
-                      <a:pt x="26" y="223"/>
-                    </a:cubicBezTo>
-                    <a:cubicBezTo>
-                      <a:pt x="9" y="250"/>
-                      <a:pt x="0" y="280"/>
-                      <a:pt x="0" y="311"/>
-                    </a:cubicBezTo>
-                    <a:cubicBezTo>
-                      <a:pt x="0" y="402"/>
-                      <a:pt x="73" y="475"/>
-                      <a:pt x="164" y="475"/>
-                    </a:cubicBezTo>
-                    <a:cubicBezTo>
-                      <a:pt x="254" y="475"/>
-                      <a:pt x="328" y="402"/>
-                      <a:pt x="328" y="311"/>
-                    </a:cubicBezTo>
-                    <a:cubicBezTo>
-                      <a:pt x="328" y="279"/>
-                      <a:pt x="318" y="249"/>
-                      <a:pt x="301" y="222"/>
-                    </a:cubicBezTo>
-                    <a:close/>
-                  </a:path>
-                </a:pathLst>
-              </a:custGeom>
-              <a:solidFill>
-                <a:srgbClr val="E54B81"/>
-              </a:solidFill>
-              <a:ln>
-                <a:noFill/>
-              </a:ln>
-              <a:extLst>
-                <a:ext uri="{91240B29-F687-4F45-9708-019B960494DF}">
-                  <a14:hiddenLine xmlns:a14="http://schemas.microsoft.com/office/drawing/2010/main" w="9525">
-                    <a:solidFill>
-                      <a:srgbClr val="000000"/>
-                    </a:solidFill>
-                    <a:round/>
-                  </a14:hiddenLine>
-                </a:ext>
-              </a:extLst>
-            </p:spPr>
-            <p:txBody>
-              <a:bodyPr vert="horz" wrap="square" lIns="121920" tIns="60960" rIns="121920" bIns="60960" numCol="1" anchor="t" anchorCtr="0" compatLnSpc="1"/>
-              <a:lstStyle/>
-              <a:p>
-                <a:endParaRPr lang="zh-CN" altLang="en-US" sz="2400"/>
-              </a:p>
-            </p:txBody>
-          </p:sp>
-          <p:sp>
-            <p:nvSpPr>
-              <p:cNvPr id="48" name="Freeform 274"/>
-              <p:cNvSpPr>
-                <a:spLocks noEditPoints="1"/>
-              </p:cNvSpPr>
-              <p:nvPr/>
-            </p:nvSpPr>
-            <p:spPr bwMode="auto">
-              <a:xfrm>
-                <a:off x="-3664693" y="1901032"/>
-                <a:ext cx="1041400" cy="1509713"/>
-              </a:xfrm>
-              <a:custGeom>
-                <a:avLst/>
-                <a:gdLst>
-                  <a:gd name="T0" fmla="*/ 328 w 328"/>
-                  <a:gd name="T1" fmla="*/ 311 h 475"/>
-                  <a:gd name="T2" fmla="*/ 240 w 328"/>
-                  <a:gd name="T3" fmla="*/ 166 h 475"/>
-                  <a:gd name="T4" fmla="*/ 237 w 328"/>
-                  <a:gd name="T5" fmla="*/ 30 h 475"/>
-                  <a:gd name="T6" fmla="*/ 88 w 328"/>
-                  <a:gd name="T7" fmla="*/ 30 h 475"/>
-                  <a:gd name="T8" fmla="*/ 85 w 328"/>
-                  <a:gd name="T9" fmla="*/ 168 h 475"/>
-                  <a:gd name="T10" fmla="*/ 0 w 328"/>
-                  <a:gd name="T11" fmla="*/ 311 h 475"/>
-                  <a:gd name="T12" fmla="*/ 106 w 328"/>
-                  <a:gd name="T13" fmla="*/ 56 h 475"/>
-                  <a:gd name="T14" fmla="*/ 218 w 328"/>
-                  <a:gd name="T15" fmla="*/ 99 h 475"/>
-                  <a:gd name="T16" fmla="*/ 106 w 328"/>
-                  <a:gd name="T17" fmla="*/ 56 h 475"/>
-                  <a:gd name="T18" fmla="*/ 218 w 328"/>
-                  <a:gd name="T19" fmla="*/ 120 h 475"/>
-                  <a:gd name="T20" fmla="*/ 218 w 328"/>
-                  <a:gd name="T21" fmla="*/ 140 h 475"/>
-                  <a:gd name="T22" fmla="*/ 106 w 328"/>
-                  <a:gd name="T23" fmla="*/ 100 h 475"/>
-                  <a:gd name="T24" fmla="*/ 158 w 328"/>
-                  <a:gd name="T25" fmla="*/ 306 h 475"/>
-                  <a:gd name="T26" fmla="*/ 137 w 328"/>
-                  <a:gd name="T27" fmla="*/ 298 h 475"/>
-                  <a:gd name="T28" fmla="*/ 145 w 328"/>
-                  <a:gd name="T29" fmla="*/ 149 h 475"/>
-                  <a:gd name="T30" fmla="*/ 171 w 328"/>
-                  <a:gd name="T31" fmla="*/ 169 h 475"/>
-                  <a:gd name="T32" fmla="*/ 162 w 328"/>
-                  <a:gd name="T33" fmla="*/ 304 h 475"/>
-                  <a:gd name="T34" fmla="*/ 158 w 328"/>
-                  <a:gd name="T35" fmla="*/ 341 h 475"/>
-                  <a:gd name="T36" fmla="*/ 158 w 328"/>
-                  <a:gd name="T37" fmla="*/ 324 h 475"/>
-                  <a:gd name="T38" fmla="*/ 101 w 328"/>
-                  <a:gd name="T39" fmla="*/ 183 h 475"/>
-                  <a:gd name="T40" fmla="*/ 107 w 328"/>
-                  <a:gd name="T41" fmla="*/ 142 h 475"/>
-                  <a:gd name="T42" fmla="*/ 136 w 328"/>
-                  <a:gd name="T43" fmla="*/ 169 h 475"/>
-                  <a:gd name="T44" fmla="*/ 108 w 328"/>
-                  <a:gd name="T45" fmla="*/ 306 h 475"/>
-                  <a:gd name="T46" fmla="*/ 103 w 328"/>
-                  <a:gd name="T47" fmla="*/ 350 h 475"/>
-                  <a:gd name="T48" fmla="*/ 134 w 328"/>
-                  <a:gd name="T49" fmla="*/ 313 h 475"/>
-                  <a:gd name="T50" fmla="*/ 140 w 328"/>
-                  <a:gd name="T51" fmla="*/ 335 h 475"/>
-                  <a:gd name="T52" fmla="*/ 176 w 328"/>
-                  <a:gd name="T53" fmla="*/ 335 h 475"/>
-                  <a:gd name="T54" fmla="*/ 182 w 328"/>
-                  <a:gd name="T55" fmla="*/ 313 h 475"/>
-                  <a:gd name="T56" fmla="*/ 213 w 328"/>
-                  <a:gd name="T57" fmla="*/ 350 h 475"/>
-                  <a:gd name="T58" fmla="*/ 208 w 328"/>
-                  <a:gd name="T59" fmla="*/ 306 h 475"/>
-                  <a:gd name="T60" fmla="*/ 180 w 328"/>
-                  <a:gd name="T61" fmla="*/ 169 h 475"/>
-                  <a:gd name="T62" fmla="*/ 218 w 328"/>
-                  <a:gd name="T63" fmla="*/ 161 h 475"/>
-                  <a:gd name="T64" fmla="*/ 224 w 328"/>
-                  <a:gd name="T65" fmla="*/ 181 h 475"/>
-                  <a:gd name="T66" fmla="*/ 164 w 328"/>
-                  <a:gd name="T67" fmla="*/ 454 h 475"/>
-                  <a:gd name="T68" fmla="*/ 101 w 328"/>
-                  <a:gd name="T69" fmla="*/ 183 h 475"/>
-                  <a:gd name="T70" fmla="*/ 119 w 328"/>
-                  <a:gd name="T71" fmla="*/ 330 h 475"/>
-                  <a:gd name="T72" fmla="*/ 106 w 328"/>
-                  <a:gd name="T73" fmla="*/ 333 h 475"/>
-                  <a:gd name="T74" fmla="*/ 124 w 328"/>
-                  <a:gd name="T75" fmla="*/ 314 h 475"/>
-                  <a:gd name="T76" fmla="*/ 203 w 328"/>
-                  <a:gd name="T77" fmla="*/ 319 h 475"/>
-                  <a:gd name="T78" fmla="*/ 208 w 328"/>
-                  <a:gd name="T79" fmla="*/ 336 h 475"/>
-                  <a:gd name="T80" fmla="*/ 192 w 328"/>
-                  <a:gd name="T81" fmla="*/ 314 h 475"/>
-                </a:gdLst>
-                <a:ahLst/>
-                <a:cxnLst>
-                  <a:cxn ang="0">
-                    <a:pos x="T0" y="T1"/>
-                  </a:cxn>
-                  <a:cxn ang="0">
-                    <a:pos x="T2" y="T3"/>
-                  </a:cxn>
-                  <a:cxn ang="0">
-                    <a:pos x="T4" y="T5"/>
-                  </a:cxn>
-                  <a:cxn ang="0">
-                    <a:pos x="T6" y="T7"/>
-                  </a:cxn>
-                  <a:cxn ang="0">
-                    <a:pos x="T8" y="T9"/>
-                  </a:cxn>
-                  <a:cxn ang="0">
-                    <a:pos x="T10" y="T11"/>
-                  </a:cxn>
-                  <a:cxn ang="0">
-                    <a:pos x="T12" y="T13"/>
-                  </a:cxn>
-                  <a:cxn ang="0">
-                    <a:pos x="T14" y="T15"/>
-                  </a:cxn>
-                  <a:cxn ang="0">
-                    <a:pos x="T16" y="T17"/>
-                  </a:cxn>
-                  <a:cxn ang="0">
-                    <a:pos x="T18" y="T19"/>
-                  </a:cxn>
-                  <a:cxn ang="0">
-                    <a:pos x="T20" y="T21"/>
-                  </a:cxn>
-                  <a:cxn ang="0">
-                    <a:pos x="T22" y="T23"/>
-                  </a:cxn>
-                  <a:cxn ang="0">
-                    <a:pos x="T24" y="T25"/>
-                  </a:cxn>
-                  <a:cxn ang="0">
-                    <a:pos x="T26" y="T27"/>
-                  </a:cxn>
-                  <a:cxn ang="0">
-                    <a:pos x="T28" y="T29"/>
-                  </a:cxn>
-                  <a:cxn ang="0">
-                    <a:pos x="T30" y="T31"/>
-                  </a:cxn>
-                  <a:cxn ang="0">
-                    <a:pos x="T32" y="T33"/>
-                  </a:cxn>
-                  <a:cxn ang="0">
-                    <a:pos x="T34" y="T35"/>
-                  </a:cxn>
-                  <a:cxn ang="0">
-                    <a:pos x="T36" y="T37"/>
-                  </a:cxn>
-                  <a:cxn ang="0">
-                    <a:pos x="T38" y="T39"/>
-                  </a:cxn>
-                  <a:cxn ang="0">
-                    <a:pos x="T40" y="T41"/>
-                  </a:cxn>
-                  <a:cxn ang="0">
-                    <a:pos x="T42" y="T43"/>
-                  </a:cxn>
-                  <a:cxn ang="0">
-                    <a:pos x="T44" y="T45"/>
-                  </a:cxn>
-                  <a:cxn ang="0">
-                    <a:pos x="T46" y="T47"/>
-                  </a:cxn>
-                  <a:cxn ang="0">
-                    <a:pos x="T48" y="T49"/>
-                  </a:cxn>
-                  <a:cxn ang="0">
-                    <a:pos x="T50" y="T51"/>
-                  </a:cxn>
-                  <a:cxn ang="0">
-                    <a:pos x="T52" y="T53"/>
-                  </a:cxn>
-                  <a:cxn ang="0">
-                    <a:pos x="T54" y="T55"/>
-                  </a:cxn>
-                  <a:cxn ang="0">
-                    <a:pos x="T56" y="T57"/>
-                  </a:cxn>
-                  <a:cxn ang="0">
-                    <a:pos x="T58" y="T59"/>
-                  </a:cxn>
-                  <a:cxn ang="0">
-                    <a:pos x="T60" y="T61"/>
-                  </a:cxn>
-                  <a:cxn ang="0">
-                    <a:pos x="T62" y="T63"/>
-                  </a:cxn>
-                  <a:cxn ang="0">
-                    <a:pos x="T64" y="T65"/>
-                  </a:cxn>
-                  <a:cxn ang="0">
-                    <a:pos x="T66" y="T67"/>
-                  </a:cxn>
-                  <a:cxn ang="0">
-                    <a:pos x="T68" y="T69"/>
-                  </a:cxn>
-                  <a:cxn ang="0">
-                    <a:pos x="T70" y="T71"/>
-                  </a:cxn>
-                  <a:cxn ang="0">
-                    <a:pos x="T72" y="T73"/>
-                  </a:cxn>
-                  <a:cxn ang="0">
-                    <a:pos x="T74" y="T75"/>
-                  </a:cxn>
-                  <a:cxn ang="0">
-                    <a:pos x="T76" y="T77"/>
-                  </a:cxn>
-                  <a:cxn ang="0">
-                    <a:pos x="T78" y="T79"/>
-                  </a:cxn>
-                  <a:cxn ang="0">
-                    <a:pos x="T80" y="T81"/>
-                  </a:cxn>
-                </a:cxnLst>
-                <a:rect l="0" t="0" r="r" b="b"/>
-                <a:pathLst>
-                  <a:path w="328" h="475">
-                    <a:moveTo>
-                      <a:pt x="164" y="475"/>
-                    </a:moveTo>
-                    <a:cubicBezTo>
-                      <a:pt x="254" y="475"/>
-                      <a:pt x="328" y="402"/>
-                      <a:pt x="328" y="311"/>
-                    </a:cubicBezTo>
-                    <a:cubicBezTo>
-                      <a:pt x="328" y="279"/>
-                      <a:pt x="319" y="249"/>
-                      <a:pt x="301" y="222"/>
-                    </a:cubicBezTo>
-                    <a:cubicBezTo>
-                      <a:pt x="286" y="198"/>
-                      <a:pt x="265" y="179"/>
-                      <a:pt x="240" y="166"/>
-                    </a:cubicBezTo>
-                    <a:cubicBezTo>
-                      <a:pt x="239" y="165"/>
-                      <a:pt x="239" y="37"/>
-                      <a:pt x="239" y="37"/>
-                    </a:cubicBezTo>
-                    <a:cubicBezTo>
-                      <a:pt x="239" y="35"/>
-                      <a:pt x="239" y="32"/>
-                      <a:pt x="237" y="30"/>
-                    </a:cubicBezTo>
-                    <a:cubicBezTo>
-                      <a:pt x="236" y="29"/>
-                      <a:pt x="210" y="0"/>
-                      <a:pt x="165" y="0"/>
-                    </a:cubicBezTo>
-                    <a:cubicBezTo>
-                      <a:pt x="121" y="0"/>
-                      <a:pt x="90" y="28"/>
-                      <a:pt x="88" y="30"/>
-                    </a:cubicBezTo>
-                    <a:cubicBezTo>
-                      <a:pt x="86" y="32"/>
-                      <a:pt x="85" y="34"/>
-                      <a:pt x="85" y="37"/>
-                    </a:cubicBezTo>
-                    <a:cubicBezTo>
-                      <a:pt x="85" y="37"/>
-                      <a:pt x="85" y="166"/>
-                      <a:pt x="85" y="168"/>
-                    </a:cubicBezTo>
-                    <a:cubicBezTo>
-                      <a:pt x="61" y="181"/>
-                      <a:pt x="40" y="200"/>
-                      <a:pt x="26" y="223"/>
-                    </a:cubicBezTo>
-                    <a:cubicBezTo>
-                      <a:pt x="9" y="250"/>
-                      <a:pt x="0" y="280"/>
-                      <a:pt x="0" y="311"/>
-                    </a:cubicBezTo>
-                    <a:cubicBezTo>
-                      <a:pt x="0" y="402"/>
-                      <a:pt x="74" y="475"/>
-                      <a:pt x="164" y="475"/>
-                    </a:cubicBezTo>
-                    <a:close/>
-                    <a:moveTo>
-                      <a:pt x="106" y="56"/>
-                    </a:moveTo>
-                    <a:cubicBezTo>
-                      <a:pt x="218" y="76"/>
-                      <a:pt x="218" y="76"/>
-                      <a:pt x="218" y="76"/>
-                    </a:cubicBezTo>
-                    <a:cubicBezTo>
-                      <a:pt x="218" y="99"/>
-                      <a:pt x="218" y="99"/>
-                      <a:pt x="218" y="99"/>
-                    </a:cubicBezTo>
-                    <a:cubicBezTo>
-                      <a:pt x="106" y="79"/>
-                      <a:pt x="106" y="79"/>
-                      <a:pt x="106" y="79"/>
-                    </a:cubicBezTo>
-                    <a:lnTo>
-                      <a:pt x="106" y="56"/>
-                    </a:lnTo>
-                    <a:close/>
-                    <a:moveTo>
-                      <a:pt x="106" y="100"/>
-                    </a:moveTo>
-                    <a:cubicBezTo>
-                      <a:pt x="218" y="120"/>
-                      <a:pt x="218" y="120"/>
-                      <a:pt x="218" y="120"/>
-                    </a:cubicBezTo>
-                    <a:cubicBezTo>
-                      <a:pt x="218" y="134"/>
-                      <a:pt x="218" y="134"/>
-                      <a:pt x="218" y="134"/>
-                    </a:cubicBezTo>
-                    <a:cubicBezTo>
-                      <a:pt x="218" y="140"/>
-                      <a:pt x="218" y="140"/>
-                      <a:pt x="218" y="140"/>
-                    </a:cubicBezTo>
-                    <a:cubicBezTo>
-                      <a:pt x="106" y="121"/>
-                      <a:pt x="106" y="121"/>
-                      <a:pt x="106" y="121"/>
-                    </a:cubicBezTo>
-                    <a:lnTo>
-                      <a:pt x="106" y="100"/>
-                    </a:lnTo>
-                    <a:close/>
-                    <a:moveTo>
-                      <a:pt x="162" y="304"/>
-                    </a:moveTo>
-                    <a:cubicBezTo>
-                      <a:pt x="161" y="304"/>
-                      <a:pt x="159" y="305"/>
-                      <a:pt x="158" y="306"/>
-                    </a:cubicBezTo>
-                    <a:cubicBezTo>
-                      <a:pt x="157" y="305"/>
-                      <a:pt x="155" y="304"/>
-                      <a:pt x="154" y="304"/>
-                    </a:cubicBezTo>
-                    <a:cubicBezTo>
-                      <a:pt x="149" y="301"/>
-                      <a:pt x="143" y="299"/>
-                      <a:pt x="137" y="298"/>
-                    </a:cubicBezTo>
-                    <a:cubicBezTo>
-                      <a:pt x="142" y="263"/>
-                      <a:pt x="144" y="203"/>
-                      <a:pt x="145" y="169"/>
-                    </a:cubicBezTo>
-                    <a:cubicBezTo>
-                      <a:pt x="145" y="160"/>
-                      <a:pt x="145" y="152"/>
-                      <a:pt x="145" y="149"/>
-                    </a:cubicBezTo>
-                    <a:cubicBezTo>
-                      <a:pt x="171" y="153"/>
-                      <a:pt x="171" y="153"/>
-                      <a:pt x="171" y="153"/>
-                    </a:cubicBezTo>
-                    <a:cubicBezTo>
-                      <a:pt x="171" y="157"/>
-                      <a:pt x="171" y="163"/>
-                      <a:pt x="171" y="169"/>
-                    </a:cubicBezTo>
-                    <a:cubicBezTo>
-                      <a:pt x="172" y="203"/>
-                      <a:pt x="174" y="263"/>
-                      <a:pt x="179" y="298"/>
-                    </a:cubicBezTo>
-                    <a:cubicBezTo>
-                      <a:pt x="173" y="299"/>
-                      <a:pt x="167" y="301"/>
-                      <a:pt x="162" y="304"/>
-                    </a:cubicBezTo>
-                    <a:close/>
-                    <a:moveTo>
-                      <a:pt x="167" y="334"/>
-                    </a:moveTo>
-                    <a:cubicBezTo>
-                      <a:pt x="167" y="336"/>
-                      <a:pt x="162" y="341"/>
-                      <a:pt x="158" y="341"/>
-                    </a:cubicBezTo>
-                    <a:cubicBezTo>
-                      <a:pt x="154" y="341"/>
-                      <a:pt x="149" y="336"/>
-                      <a:pt x="149" y="334"/>
-                    </a:cubicBezTo>
-                    <a:cubicBezTo>
-                      <a:pt x="149" y="332"/>
-                      <a:pt x="152" y="327"/>
-                      <a:pt x="158" y="324"/>
-                    </a:cubicBezTo>
-                    <a:cubicBezTo>
-                      <a:pt x="165" y="327"/>
-                      <a:pt x="167" y="332"/>
-                      <a:pt x="167" y="334"/>
-                    </a:cubicBezTo>
-                    <a:close/>
-                    <a:moveTo>
-                      <a:pt x="101" y="183"/>
-                    </a:moveTo>
-                    <a:cubicBezTo>
-                      <a:pt x="107" y="180"/>
-                      <a:pt x="107" y="180"/>
-                      <a:pt x="107" y="180"/>
-                    </a:cubicBezTo>
-                    <a:cubicBezTo>
-                      <a:pt x="107" y="142"/>
-                      <a:pt x="107" y="142"/>
-                      <a:pt x="107" y="142"/>
-                    </a:cubicBezTo>
-                    <a:cubicBezTo>
-                      <a:pt x="136" y="147"/>
-                      <a:pt x="136" y="147"/>
-                      <a:pt x="136" y="147"/>
-                    </a:cubicBezTo>
-                    <a:cubicBezTo>
-                      <a:pt x="136" y="152"/>
-                      <a:pt x="136" y="160"/>
-                      <a:pt x="136" y="169"/>
-                    </a:cubicBezTo>
-                    <a:cubicBezTo>
-                      <a:pt x="135" y="206"/>
-                      <a:pt x="132" y="268"/>
-                      <a:pt x="127" y="298"/>
-                    </a:cubicBezTo>
-                    <a:cubicBezTo>
-                      <a:pt x="121" y="298"/>
-                      <a:pt x="114" y="301"/>
-                      <a:pt x="108" y="306"/>
-                    </a:cubicBezTo>
-                    <a:cubicBezTo>
-                      <a:pt x="103" y="311"/>
-                      <a:pt x="99" y="319"/>
-                      <a:pt x="97" y="329"/>
-                    </a:cubicBezTo>
-                    <a:cubicBezTo>
-                      <a:pt x="96" y="337"/>
-                      <a:pt x="98" y="345"/>
-                      <a:pt x="103" y="350"/>
-                    </a:cubicBezTo>
-                    <a:cubicBezTo>
-                      <a:pt x="109" y="355"/>
-                      <a:pt x="118" y="355"/>
-                      <a:pt x="126" y="340"/>
-                    </a:cubicBezTo>
-                    <a:cubicBezTo>
-                      <a:pt x="129" y="334"/>
-                      <a:pt x="132" y="325"/>
-                      <a:pt x="134" y="313"/>
-                    </a:cubicBezTo>
-                    <a:cubicBezTo>
-                      <a:pt x="138" y="314"/>
-                      <a:pt x="142" y="315"/>
-                      <a:pt x="146" y="316"/>
-                    </a:cubicBezTo>
-                    <a:cubicBezTo>
-                      <a:pt x="140" y="323"/>
-                      <a:pt x="140" y="331"/>
-                      <a:pt x="140" y="335"/>
-                    </a:cubicBezTo>
-                    <a:cubicBezTo>
-                      <a:pt x="140" y="346"/>
-                      <a:pt x="149" y="357"/>
-                      <a:pt x="158" y="357"/>
-                    </a:cubicBezTo>
-                    <a:cubicBezTo>
-                      <a:pt x="167" y="357"/>
-                      <a:pt x="176" y="346"/>
-                      <a:pt x="176" y="335"/>
-                    </a:cubicBezTo>
-                    <a:cubicBezTo>
-                      <a:pt x="176" y="331"/>
-                      <a:pt x="176" y="323"/>
-                      <a:pt x="170" y="316"/>
-                    </a:cubicBezTo>
-                    <a:cubicBezTo>
-                      <a:pt x="174" y="315"/>
-                      <a:pt x="178" y="314"/>
-                      <a:pt x="182" y="313"/>
-                    </a:cubicBezTo>
-                    <a:cubicBezTo>
-                      <a:pt x="184" y="325"/>
-                      <a:pt x="187" y="334"/>
-                      <a:pt x="190" y="340"/>
-                    </a:cubicBezTo>
-                    <a:cubicBezTo>
-                      <a:pt x="198" y="355"/>
-                      <a:pt x="208" y="355"/>
-                      <a:pt x="213" y="350"/>
-                    </a:cubicBezTo>
-                    <a:cubicBezTo>
-                      <a:pt x="218" y="345"/>
-                      <a:pt x="220" y="337"/>
-                      <a:pt x="219" y="329"/>
-                    </a:cubicBezTo>
-                    <a:cubicBezTo>
-                      <a:pt x="217" y="319"/>
-                      <a:pt x="213" y="311"/>
-                      <a:pt x="208" y="306"/>
-                    </a:cubicBezTo>
-                    <a:cubicBezTo>
-                      <a:pt x="202" y="301"/>
-                      <a:pt x="196" y="298"/>
-                      <a:pt x="189" y="298"/>
-                    </a:cubicBezTo>
-                    <a:cubicBezTo>
-                      <a:pt x="184" y="268"/>
-                      <a:pt x="182" y="206"/>
-                      <a:pt x="180" y="169"/>
-                    </a:cubicBezTo>
-                    <a:cubicBezTo>
-                      <a:pt x="180" y="164"/>
-                      <a:pt x="180" y="159"/>
-                      <a:pt x="180" y="155"/>
-                    </a:cubicBezTo>
-                    <a:cubicBezTo>
-                      <a:pt x="218" y="161"/>
-                      <a:pt x="218" y="161"/>
-                      <a:pt x="218" y="161"/>
-                    </a:cubicBezTo>
-                    <a:cubicBezTo>
-                      <a:pt x="218" y="179"/>
-                      <a:pt x="218" y="179"/>
-                      <a:pt x="218" y="179"/>
-                    </a:cubicBezTo>
-                    <a:cubicBezTo>
-                      <a:pt x="224" y="181"/>
-                      <a:pt x="224" y="181"/>
-                      <a:pt x="224" y="181"/>
-                    </a:cubicBezTo>
-                    <a:cubicBezTo>
-                      <a:pt x="275" y="205"/>
-                      <a:pt x="307" y="256"/>
-                      <a:pt x="307" y="311"/>
-                    </a:cubicBezTo>
-                    <a:cubicBezTo>
-                      <a:pt x="307" y="390"/>
-                      <a:pt x="243" y="454"/>
-                      <a:pt x="164" y="454"/>
-                    </a:cubicBezTo>
-                    <a:cubicBezTo>
-                      <a:pt x="85" y="454"/>
-                      <a:pt x="21" y="390"/>
-                      <a:pt x="21" y="311"/>
-                    </a:cubicBezTo>
-                    <a:cubicBezTo>
-                      <a:pt x="21" y="256"/>
-                      <a:pt x="52" y="207"/>
-                      <a:pt x="101" y="183"/>
-                    </a:cubicBezTo>
-                    <a:close/>
-                    <a:moveTo>
-                      <a:pt x="124" y="314"/>
-                    </a:moveTo>
-                    <a:cubicBezTo>
-                      <a:pt x="123" y="321"/>
-                      <a:pt x="121" y="326"/>
-                      <a:pt x="119" y="330"/>
-                    </a:cubicBezTo>
-                    <a:cubicBezTo>
-                      <a:pt x="114" y="338"/>
-                      <a:pt x="110" y="339"/>
-                      <a:pt x="108" y="336"/>
-                    </a:cubicBezTo>
-                    <a:cubicBezTo>
-                      <a:pt x="107" y="335"/>
-                      <a:pt x="106" y="334"/>
-                      <a:pt x="106" y="333"/>
-                    </a:cubicBezTo>
-                    <a:cubicBezTo>
-                      <a:pt x="107" y="327"/>
-                      <a:pt x="109" y="323"/>
-                      <a:pt x="113" y="319"/>
-                    </a:cubicBezTo>
-                    <a:cubicBezTo>
-                      <a:pt x="116" y="316"/>
-                      <a:pt x="120" y="315"/>
-                      <a:pt x="124" y="314"/>
-                    </a:cubicBezTo>
-                    <a:close/>
-                    <a:moveTo>
-                      <a:pt x="192" y="314"/>
-                    </a:moveTo>
-                    <a:cubicBezTo>
-                      <a:pt x="196" y="315"/>
-                      <a:pt x="200" y="316"/>
-                      <a:pt x="203" y="319"/>
-                    </a:cubicBezTo>
-                    <a:cubicBezTo>
-                      <a:pt x="207" y="323"/>
-                      <a:pt x="209" y="327"/>
-                      <a:pt x="210" y="333"/>
-                    </a:cubicBezTo>
-                    <a:cubicBezTo>
-                      <a:pt x="210" y="334"/>
-                      <a:pt x="209" y="335"/>
-                      <a:pt x="208" y="336"/>
-                    </a:cubicBezTo>
-                    <a:cubicBezTo>
-                      <a:pt x="206" y="339"/>
-                      <a:pt x="202" y="338"/>
-                      <a:pt x="197" y="330"/>
-                    </a:cubicBezTo>
-                    <a:cubicBezTo>
-                      <a:pt x="195" y="326"/>
-                      <a:pt x="193" y="321"/>
-                      <a:pt x="192" y="314"/>
-                    </a:cubicBezTo>
-                    <a:close/>
-                  </a:path>
-                </a:pathLst>
-              </a:custGeom>
-              <a:solidFill>
-                <a:srgbClr val="3B3B3B"/>
-              </a:solidFill>
-              <a:ln>
-                <a:noFill/>
-              </a:ln>
-              <a:extLst>
-                <a:ext uri="{91240B29-F687-4F45-9708-019B960494DF}">
-                  <a14:hiddenLine xmlns:a14="http://schemas.microsoft.com/office/drawing/2010/main" w="9525">
-                    <a:solidFill>
-                      <a:srgbClr val="000000"/>
-                    </a:solidFill>
-                    <a:round/>
-                  </a14:hiddenLine>
-                </a:ext>
-              </a:extLst>
-            </p:spPr>
-            <p:txBody>
-              <a:bodyPr vert="horz" wrap="square" lIns="121920" tIns="60960" rIns="121920" bIns="60960" numCol="1" anchor="t" anchorCtr="0" compatLnSpc="1"/>
-              <a:lstStyle/>
-              <a:p>
-                <a:endParaRPr lang="zh-CN" altLang="en-US" sz="2400"/>
-              </a:p>
-            </p:txBody>
-          </p:sp>
-          <p:sp>
-            <p:nvSpPr>
-              <p:cNvPr id="49" name="Freeform 275"/>
-              <p:cNvSpPr/>
-              <p:nvPr/>
-            </p:nvSpPr>
-            <p:spPr bwMode="auto">
-              <a:xfrm>
-                <a:off x="-2540742" y="2934495"/>
-                <a:ext cx="298450" cy="79375"/>
-              </a:xfrm>
-              <a:custGeom>
-                <a:avLst/>
-                <a:gdLst>
-                  <a:gd name="T0" fmla="*/ 0 w 94"/>
-                  <a:gd name="T1" fmla="*/ 12 h 25"/>
-                  <a:gd name="T2" fmla="*/ 13 w 94"/>
-                  <a:gd name="T3" fmla="*/ 25 h 25"/>
-                  <a:gd name="T4" fmla="*/ 81 w 94"/>
-                  <a:gd name="T5" fmla="*/ 25 h 25"/>
-                  <a:gd name="T6" fmla="*/ 94 w 94"/>
-                  <a:gd name="T7" fmla="*/ 12 h 25"/>
-                  <a:gd name="T8" fmla="*/ 81 w 94"/>
-                  <a:gd name="T9" fmla="*/ 0 h 25"/>
-                  <a:gd name="T10" fmla="*/ 13 w 94"/>
-                  <a:gd name="T11" fmla="*/ 0 h 25"/>
-                  <a:gd name="T12" fmla="*/ 0 w 94"/>
-                  <a:gd name="T13" fmla="*/ 12 h 25"/>
-                </a:gdLst>
-                <a:ahLst/>
-                <a:cxnLst>
-                  <a:cxn ang="0">
-                    <a:pos x="T0" y="T1"/>
-                  </a:cxn>
-                  <a:cxn ang="0">
-                    <a:pos x="T2" y="T3"/>
-                  </a:cxn>
-                  <a:cxn ang="0">
-                    <a:pos x="T4" y="T5"/>
-                  </a:cxn>
-                  <a:cxn ang="0">
-                    <a:pos x="T6" y="T7"/>
-                  </a:cxn>
-                  <a:cxn ang="0">
-                    <a:pos x="T8" y="T9"/>
-                  </a:cxn>
-                  <a:cxn ang="0">
-                    <a:pos x="T10" y="T11"/>
-                  </a:cxn>
-                  <a:cxn ang="0">
-                    <a:pos x="T12" y="T13"/>
-                  </a:cxn>
-                </a:cxnLst>
-                <a:rect l="0" t="0" r="r" b="b"/>
-                <a:pathLst>
-                  <a:path w="94" h="25">
-                    <a:moveTo>
-                      <a:pt x="0" y="12"/>
-                    </a:moveTo>
-                    <a:cubicBezTo>
-                      <a:pt x="0" y="19"/>
-                      <a:pt x="6" y="25"/>
-                      <a:pt x="13" y="25"/>
-                    </a:cubicBezTo>
-                    <a:cubicBezTo>
-                      <a:pt x="81" y="25"/>
-                      <a:pt x="81" y="25"/>
-                      <a:pt x="81" y="25"/>
-                    </a:cubicBezTo>
-                    <a:cubicBezTo>
-                      <a:pt x="88" y="25"/>
-                      <a:pt x="94" y="19"/>
-                      <a:pt x="94" y="12"/>
-                    </a:cubicBezTo>
-                    <a:cubicBezTo>
-                      <a:pt x="94" y="6"/>
-                      <a:pt x="88" y="0"/>
-                      <a:pt x="81" y="0"/>
-                    </a:cubicBezTo>
-                    <a:cubicBezTo>
-                      <a:pt x="13" y="0"/>
-                      <a:pt x="13" y="0"/>
-                      <a:pt x="13" y="0"/>
-                    </a:cubicBezTo>
-                    <a:cubicBezTo>
-                      <a:pt x="6" y="0"/>
-                      <a:pt x="0" y="6"/>
-                      <a:pt x="0" y="12"/>
-                    </a:cubicBezTo>
-                    <a:close/>
-                  </a:path>
-                </a:pathLst>
-              </a:custGeom>
-              <a:solidFill>
-                <a:srgbClr val="3B3B3B"/>
-              </a:solidFill>
-              <a:ln>
-                <a:noFill/>
-              </a:ln>
-              <a:extLst>
-                <a:ext uri="{91240B29-F687-4F45-9708-019B960494DF}">
-                  <a14:hiddenLine xmlns:a14="http://schemas.microsoft.com/office/drawing/2010/main" w="9525">
-                    <a:solidFill>
-                      <a:srgbClr val="000000"/>
-                    </a:solidFill>
-                    <a:round/>
-                  </a14:hiddenLine>
-                </a:ext>
-              </a:extLst>
-            </p:spPr>
-            <p:txBody>
-              <a:bodyPr vert="horz" wrap="square" lIns="121920" tIns="60960" rIns="121920" bIns="60960" numCol="1" anchor="t" anchorCtr="0" compatLnSpc="1"/>
-              <a:lstStyle/>
-              <a:p>
-                <a:endParaRPr lang="zh-CN" altLang="en-US" sz="2400"/>
-              </a:p>
-            </p:txBody>
-          </p:sp>
-          <p:sp>
-            <p:nvSpPr>
-              <p:cNvPr id="50" name="Freeform 276"/>
-              <p:cNvSpPr/>
-              <p:nvPr/>
-            </p:nvSpPr>
-            <p:spPr bwMode="auto">
-              <a:xfrm>
-                <a:off x="-3236068" y="3488532"/>
-                <a:ext cx="79375" cy="292100"/>
-              </a:xfrm>
-              <a:custGeom>
-                <a:avLst/>
-                <a:gdLst>
-                  <a:gd name="T0" fmla="*/ 13 w 25"/>
-                  <a:gd name="T1" fmla="*/ 0 h 92"/>
-                  <a:gd name="T2" fmla="*/ 0 w 25"/>
-                  <a:gd name="T3" fmla="*/ 13 h 92"/>
-                  <a:gd name="T4" fmla="*/ 0 w 25"/>
-                  <a:gd name="T5" fmla="*/ 79 h 92"/>
-                  <a:gd name="T6" fmla="*/ 13 w 25"/>
-                  <a:gd name="T7" fmla="*/ 92 h 92"/>
-                  <a:gd name="T8" fmla="*/ 25 w 25"/>
-                  <a:gd name="T9" fmla="*/ 79 h 92"/>
-                  <a:gd name="T10" fmla="*/ 25 w 25"/>
-                  <a:gd name="T11" fmla="*/ 13 h 92"/>
-                  <a:gd name="T12" fmla="*/ 13 w 25"/>
-                  <a:gd name="T13" fmla="*/ 0 h 92"/>
-                </a:gdLst>
-                <a:ahLst/>
-                <a:cxnLst>
-                  <a:cxn ang="0">
-                    <a:pos x="T0" y="T1"/>
-                  </a:cxn>
-                  <a:cxn ang="0">
-                    <a:pos x="T2" y="T3"/>
-                  </a:cxn>
-                  <a:cxn ang="0">
-                    <a:pos x="T4" y="T5"/>
-                  </a:cxn>
-                  <a:cxn ang="0">
-                    <a:pos x="T6" y="T7"/>
-                  </a:cxn>
-                  <a:cxn ang="0">
-                    <a:pos x="T8" y="T9"/>
-                  </a:cxn>
-                  <a:cxn ang="0">
-                    <a:pos x="T10" y="T11"/>
-                  </a:cxn>
-                  <a:cxn ang="0">
-                    <a:pos x="T12" y="T13"/>
-                  </a:cxn>
-                </a:cxnLst>
-                <a:rect l="0" t="0" r="r" b="b"/>
-                <a:pathLst>
-                  <a:path w="25" h="92">
-                    <a:moveTo>
-                      <a:pt x="13" y="0"/>
-                    </a:moveTo>
-                    <a:cubicBezTo>
-                      <a:pt x="6" y="0"/>
-                      <a:pt x="0" y="6"/>
-                      <a:pt x="0" y="13"/>
-                    </a:cubicBezTo>
-                    <a:cubicBezTo>
-                      <a:pt x="0" y="79"/>
-                      <a:pt x="0" y="79"/>
-                      <a:pt x="0" y="79"/>
-                    </a:cubicBezTo>
-                    <a:cubicBezTo>
-                      <a:pt x="0" y="86"/>
-                      <a:pt x="6" y="92"/>
-                      <a:pt x="13" y="92"/>
-                    </a:cubicBezTo>
-                    <a:cubicBezTo>
-                      <a:pt x="20" y="92"/>
-                      <a:pt x="25" y="86"/>
-                      <a:pt x="25" y="79"/>
-                    </a:cubicBezTo>
-                    <a:cubicBezTo>
-                      <a:pt x="25" y="13"/>
-                      <a:pt x="25" y="13"/>
-                      <a:pt x="25" y="13"/>
-                    </a:cubicBezTo>
-                    <a:cubicBezTo>
-                      <a:pt x="25" y="6"/>
-                      <a:pt x="20" y="0"/>
-                      <a:pt x="13" y="0"/>
-                    </a:cubicBezTo>
-                    <a:close/>
-                  </a:path>
-                </a:pathLst>
-              </a:custGeom>
-              <a:solidFill>
-                <a:srgbClr val="3B3B3B"/>
-              </a:solidFill>
-              <a:ln>
-                <a:noFill/>
-              </a:ln>
-              <a:extLst>
-                <a:ext uri="{91240B29-F687-4F45-9708-019B960494DF}">
-                  <a14:hiddenLine xmlns:a14="http://schemas.microsoft.com/office/drawing/2010/main" w="9525">
-                    <a:solidFill>
-                      <a:srgbClr val="000000"/>
-                    </a:solidFill>
-                    <a:round/>
-                  </a14:hiddenLine>
-                </a:ext>
-              </a:extLst>
-            </p:spPr>
-            <p:txBody>
-              <a:bodyPr vert="horz" wrap="square" lIns="121920" tIns="60960" rIns="121920" bIns="60960" numCol="1" anchor="t" anchorCtr="0" compatLnSpc="1"/>
-              <a:lstStyle/>
-              <a:p>
-                <a:endParaRPr lang="zh-CN" altLang="en-US" sz="2400"/>
-              </a:p>
-            </p:txBody>
-          </p:sp>
-          <p:sp>
-            <p:nvSpPr>
-              <p:cNvPr id="51" name="Freeform 277"/>
-              <p:cNvSpPr/>
-              <p:nvPr/>
-            </p:nvSpPr>
-            <p:spPr bwMode="auto">
-              <a:xfrm>
-                <a:off x="-4061568" y="2899570"/>
-                <a:ext cx="298450" cy="76200"/>
-              </a:xfrm>
-              <a:custGeom>
-                <a:avLst/>
-                <a:gdLst>
-                  <a:gd name="T0" fmla="*/ 13 w 94"/>
-                  <a:gd name="T1" fmla="*/ 24 h 24"/>
-                  <a:gd name="T2" fmla="*/ 81 w 94"/>
-                  <a:gd name="T3" fmla="*/ 24 h 24"/>
-                  <a:gd name="T4" fmla="*/ 94 w 94"/>
-                  <a:gd name="T5" fmla="*/ 12 h 24"/>
-                  <a:gd name="T6" fmla="*/ 81 w 94"/>
-                  <a:gd name="T7" fmla="*/ 0 h 24"/>
-                  <a:gd name="T8" fmla="*/ 13 w 94"/>
-                  <a:gd name="T9" fmla="*/ 0 h 24"/>
-                  <a:gd name="T10" fmla="*/ 0 w 94"/>
-                  <a:gd name="T11" fmla="*/ 12 h 24"/>
-                  <a:gd name="T12" fmla="*/ 13 w 94"/>
-                  <a:gd name="T13" fmla="*/ 24 h 24"/>
-                </a:gdLst>
-                <a:ahLst/>
-                <a:cxnLst>
-                  <a:cxn ang="0">
-                    <a:pos x="T0" y="T1"/>
-                  </a:cxn>
-                  <a:cxn ang="0">
-                    <a:pos x="T2" y="T3"/>
-                  </a:cxn>
-                  <a:cxn ang="0">
-                    <a:pos x="T4" y="T5"/>
-                  </a:cxn>
-                  <a:cxn ang="0">
-                    <a:pos x="T6" y="T7"/>
-                  </a:cxn>
-                  <a:cxn ang="0">
-                    <a:pos x="T8" y="T9"/>
-                  </a:cxn>
-                  <a:cxn ang="0">
-                    <a:pos x="T10" y="T11"/>
-                  </a:cxn>
-                  <a:cxn ang="0">
-                    <a:pos x="T12" y="T13"/>
-                  </a:cxn>
-                </a:cxnLst>
-                <a:rect l="0" t="0" r="r" b="b"/>
-                <a:pathLst>
-                  <a:path w="94" h="24">
-                    <a:moveTo>
-                      <a:pt x="13" y="24"/>
-                    </a:moveTo>
-                    <a:cubicBezTo>
-                      <a:pt x="81" y="24"/>
-                      <a:pt x="81" y="24"/>
-                      <a:pt x="81" y="24"/>
-                    </a:cubicBezTo>
-                    <a:cubicBezTo>
-                      <a:pt x="88" y="24"/>
-                      <a:pt x="94" y="19"/>
-                      <a:pt x="94" y="12"/>
-                    </a:cubicBezTo>
-                    <a:cubicBezTo>
-                      <a:pt x="94" y="5"/>
-                      <a:pt x="88" y="0"/>
-                      <a:pt x="81" y="0"/>
-                    </a:cubicBezTo>
-                    <a:cubicBezTo>
-                      <a:pt x="13" y="0"/>
-                      <a:pt x="13" y="0"/>
-                      <a:pt x="13" y="0"/>
-                    </a:cubicBezTo>
-                    <a:cubicBezTo>
-                      <a:pt x="6" y="0"/>
-                      <a:pt x="0" y="5"/>
-                      <a:pt x="0" y="12"/>
-                    </a:cubicBezTo>
-                    <a:cubicBezTo>
-                      <a:pt x="0" y="19"/>
-                      <a:pt x="6" y="24"/>
-                      <a:pt x="13" y="24"/>
-                    </a:cubicBezTo>
-                    <a:close/>
-                  </a:path>
-                </a:pathLst>
-              </a:custGeom>
-              <a:solidFill>
-                <a:srgbClr val="3B3B3B"/>
-              </a:solidFill>
-              <a:ln>
-                <a:noFill/>
-              </a:ln>
-              <a:extLst>
-                <a:ext uri="{91240B29-F687-4F45-9708-019B960494DF}">
-                  <a14:hiddenLine xmlns:a14="http://schemas.microsoft.com/office/drawing/2010/main" w="9525">
-                    <a:solidFill>
-                      <a:srgbClr val="000000"/>
-                    </a:solidFill>
-                    <a:round/>
-                  </a14:hiddenLine>
-                </a:ext>
-              </a:extLst>
-            </p:spPr>
-            <p:txBody>
-              <a:bodyPr vert="horz" wrap="square" lIns="121920" tIns="60960" rIns="121920" bIns="60960" numCol="1" anchor="t" anchorCtr="0" compatLnSpc="1"/>
-              <a:lstStyle/>
-              <a:p>
-                <a:endParaRPr lang="zh-CN" altLang="en-US" sz="2400"/>
-              </a:p>
-            </p:txBody>
-          </p:sp>
-          <p:sp>
-            <p:nvSpPr>
-              <p:cNvPr id="52" name="Freeform 278"/>
-              <p:cNvSpPr/>
-              <p:nvPr/>
-            </p:nvSpPr>
-            <p:spPr bwMode="auto">
-              <a:xfrm>
-                <a:off x="-3890118" y="2304257"/>
-                <a:ext cx="266700" cy="212725"/>
-              </a:xfrm>
-              <a:custGeom>
-                <a:avLst/>
-                <a:gdLst>
-                  <a:gd name="T0" fmla="*/ 7 w 84"/>
-                  <a:gd name="T1" fmla="*/ 22 h 67"/>
-                  <a:gd name="T2" fmla="*/ 62 w 84"/>
-                  <a:gd name="T3" fmla="*/ 63 h 67"/>
-                  <a:gd name="T4" fmla="*/ 79 w 84"/>
-                  <a:gd name="T5" fmla="*/ 60 h 67"/>
-                  <a:gd name="T6" fmla="*/ 77 w 84"/>
-                  <a:gd name="T7" fmla="*/ 43 h 67"/>
-                  <a:gd name="T8" fmla="*/ 22 w 84"/>
-                  <a:gd name="T9" fmla="*/ 3 h 67"/>
-                  <a:gd name="T10" fmla="*/ 15 w 84"/>
-                  <a:gd name="T11" fmla="*/ 0 h 67"/>
-                  <a:gd name="T12" fmla="*/ 4 w 84"/>
-                  <a:gd name="T13" fmla="*/ 5 h 67"/>
-                  <a:gd name="T14" fmla="*/ 7 w 84"/>
-                  <a:gd name="T15" fmla="*/ 22 h 67"/>
-                </a:gdLst>
-                <a:ahLst/>
-                <a:cxnLst>
-                  <a:cxn ang="0">
-                    <a:pos x="T0" y="T1"/>
-                  </a:cxn>
-                  <a:cxn ang="0">
-                    <a:pos x="T2" y="T3"/>
-                  </a:cxn>
-                  <a:cxn ang="0">
-                    <a:pos x="T4" y="T5"/>
-                  </a:cxn>
-                  <a:cxn ang="0">
-                    <a:pos x="T6" y="T7"/>
-                  </a:cxn>
-                  <a:cxn ang="0">
-                    <a:pos x="T8" y="T9"/>
-                  </a:cxn>
-                  <a:cxn ang="0">
-                    <a:pos x="T10" y="T11"/>
-                  </a:cxn>
-                  <a:cxn ang="0">
-                    <a:pos x="T12" y="T13"/>
-                  </a:cxn>
-                  <a:cxn ang="0">
-                    <a:pos x="T14" y="T15"/>
-                  </a:cxn>
-                </a:cxnLst>
-                <a:rect l="0" t="0" r="r" b="b"/>
-                <a:pathLst>
-                  <a:path w="84" h="67">
-                    <a:moveTo>
-                      <a:pt x="7" y="22"/>
-                    </a:moveTo>
-                    <a:cubicBezTo>
-                      <a:pt x="62" y="63"/>
-                      <a:pt x="62" y="63"/>
-                      <a:pt x="62" y="63"/>
-                    </a:cubicBezTo>
-                    <a:cubicBezTo>
-                      <a:pt x="67" y="67"/>
-                      <a:pt x="75" y="66"/>
-                      <a:pt x="79" y="60"/>
-                    </a:cubicBezTo>
-                    <a:cubicBezTo>
-                      <a:pt x="84" y="55"/>
-                      <a:pt x="82" y="47"/>
-                      <a:pt x="77" y="43"/>
-                    </a:cubicBezTo>
-                    <a:cubicBezTo>
-                      <a:pt x="22" y="3"/>
-                      <a:pt x="22" y="3"/>
-                      <a:pt x="22" y="3"/>
-                    </a:cubicBezTo>
-                    <a:cubicBezTo>
-                      <a:pt x="20" y="1"/>
-                      <a:pt x="17" y="0"/>
-                      <a:pt x="15" y="0"/>
-                    </a:cubicBezTo>
-                    <a:cubicBezTo>
-                      <a:pt x="11" y="0"/>
-                      <a:pt x="7" y="2"/>
-                      <a:pt x="4" y="5"/>
-                    </a:cubicBezTo>
-                    <a:cubicBezTo>
-                      <a:pt x="0" y="11"/>
-                      <a:pt x="1" y="18"/>
-                      <a:pt x="7" y="22"/>
-                    </a:cubicBezTo>
-                    <a:close/>
-                  </a:path>
-                </a:pathLst>
-              </a:custGeom>
-              <a:solidFill>
-                <a:srgbClr val="3B3B3B"/>
-              </a:solidFill>
-              <a:ln>
-                <a:noFill/>
-              </a:ln>
-              <a:extLst>
-                <a:ext uri="{91240B29-F687-4F45-9708-019B960494DF}">
-                  <a14:hiddenLine xmlns:a14="http://schemas.microsoft.com/office/drawing/2010/main" w="9525">
-                    <a:solidFill>
-                      <a:srgbClr val="000000"/>
-                    </a:solidFill>
-                    <a:round/>
-                  </a14:hiddenLine>
-                </a:ext>
-              </a:extLst>
-            </p:spPr>
-            <p:txBody>
-              <a:bodyPr vert="horz" wrap="square" lIns="121920" tIns="60960" rIns="121920" bIns="60960" numCol="1" anchor="t" anchorCtr="0" compatLnSpc="1"/>
-              <a:lstStyle/>
-              <a:p>
-                <a:endParaRPr lang="zh-CN" altLang="en-US" sz="2400"/>
-              </a:p>
-            </p:txBody>
-          </p:sp>
-          <p:sp>
-            <p:nvSpPr>
-              <p:cNvPr id="53" name="Freeform 279"/>
-              <p:cNvSpPr/>
-              <p:nvPr/>
-            </p:nvSpPr>
-            <p:spPr bwMode="auto">
-              <a:xfrm>
-                <a:off x="-2674092" y="2304257"/>
-                <a:ext cx="266700" cy="212725"/>
-              </a:xfrm>
-              <a:custGeom>
-                <a:avLst/>
-                <a:gdLst>
-                  <a:gd name="T0" fmla="*/ 22 w 84"/>
-                  <a:gd name="T1" fmla="*/ 63 h 67"/>
-                  <a:gd name="T2" fmla="*/ 77 w 84"/>
-                  <a:gd name="T3" fmla="*/ 22 h 67"/>
-                  <a:gd name="T4" fmla="*/ 79 w 84"/>
-                  <a:gd name="T5" fmla="*/ 5 h 67"/>
-                  <a:gd name="T6" fmla="*/ 69 w 84"/>
-                  <a:gd name="T7" fmla="*/ 0 h 67"/>
-                  <a:gd name="T8" fmla="*/ 62 w 84"/>
-                  <a:gd name="T9" fmla="*/ 3 h 67"/>
-                  <a:gd name="T10" fmla="*/ 7 w 84"/>
-                  <a:gd name="T11" fmla="*/ 43 h 67"/>
-                  <a:gd name="T12" fmla="*/ 5 w 84"/>
-                  <a:gd name="T13" fmla="*/ 60 h 67"/>
-                  <a:gd name="T14" fmla="*/ 22 w 84"/>
-                  <a:gd name="T15" fmla="*/ 63 h 67"/>
-                </a:gdLst>
-                <a:ahLst/>
-                <a:cxnLst>
-                  <a:cxn ang="0">
-                    <a:pos x="T0" y="T1"/>
-                  </a:cxn>
-                  <a:cxn ang="0">
-                    <a:pos x="T2" y="T3"/>
-                  </a:cxn>
-                  <a:cxn ang="0">
-                    <a:pos x="T4" y="T5"/>
-                  </a:cxn>
-                  <a:cxn ang="0">
-                    <a:pos x="T6" y="T7"/>
-                  </a:cxn>
-                  <a:cxn ang="0">
-                    <a:pos x="T8" y="T9"/>
-                  </a:cxn>
-                  <a:cxn ang="0">
-                    <a:pos x="T10" y="T11"/>
-                  </a:cxn>
-                  <a:cxn ang="0">
-                    <a:pos x="T12" y="T13"/>
-                  </a:cxn>
-                  <a:cxn ang="0">
-                    <a:pos x="T14" y="T15"/>
-                  </a:cxn>
-                </a:cxnLst>
-                <a:rect l="0" t="0" r="r" b="b"/>
-                <a:pathLst>
-                  <a:path w="84" h="67">
-                    <a:moveTo>
-                      <a:pt x="22" y="63"/>
-                    </a:moveTo>
-                    <a:cubicBezTo>
-                      <a:pt x="77" y="22"/>
-                      <a:pt x="77" y="22"/>
-                      <a:pt x="77" y="22"/>
-                    </a:cubicBezTo>
-                    <a:cubicBezTo>
-                      <a:pt x="83" y="18"/>
-                      <a:pt x="84" y="11"/>
-                      <a:pt x="79" y="5"/>
-                    </a:cubicBezTo>
-                    <a:cubicBezTo>
-                      <a:pt x="77" y="2"/>
-                      <a:pt x="73" y="0"/>
-                      <a:pt x="69" y="0"/>
-                    </a:cubicBezTo>
-                    <a:cubicBezTo>
-                      <a:pt x="67" y="0"/>
-                      <a:pt x="64" y="1"/>
-                      <a:pt x="62" y="3"/>
-                    </a:cubicBezTo>
-                    <a:cubicBezTo>
-                      <a:pt x="7" y="43"/>
-                      <a:pt x="7" y="43"/>
-                      <a:pt x="7" y="43"/>
-                    </a:cubicBezTo>
-                    <a:cubicBezTo>
-                      <a:pt x="1" y="47"/>
-                      <a:pt x="0" y="55"/>
-                      <a:pt x="5" y="60"/>
-                    </a:cubicBezTo>
-                    <a:cubicBezTo>
-                      <a:pt x="9" y="66"/>
-                      <a:pt x="17" y="67"/>
-                      <a:pt x="22" y="63"/>
-                    </a:cubicBezTo>
-                    <a:close/>
-                  </a:path>
-                </a:pathLst>
-              </a:custGeom>
-              <a:solidFill>
-                <a:srgbClr val="3B3B3B"/>
-              </a:solidFill>
-              <a:ln>
-                <a:noFill/>
-              </a:ln>
-              <a:extLst>
-                <a:ext uri="{91240B29-F687-4F45-9708-019B960494DF}">
-                  <a14:hiddenLine xmlns:a14="http://schemas.microsoft.com/office/drawing/2010/main" w="9525">
-                    <a:solidFill>
-                      <a:srgbClr val="000000"/>
-                    </a:solidFill>
-                    <a:round/>
-                  </a14:hiddenLine>
-                </a:ext>
-              </a:extLst>
-            </p:spPr>
-            <p:txBody>
-              <a:bodyPr vert="horz" wrap="square" lIns="121920" tIns="60960" rIns="121920" bIns="60960" numCol="1" anchor="t" anchorCtr="0" compatLnSpc="1"/>
-              <a:lstStyle/>
-              <a:p>
-                <a:endParaRPr lang="zh-CN" altLang="en-US" sz="2400"/>
-              </a:p>
-            </p:txBody>
-          </p:sp>
-          <p:sp>
-            <p:nvSpPr>
-              <p:cNvPr id="54" name="Freeform 280"/>
-              <p:cNvSpPr/>
-              <p:nvPr/>
-            </p:nvSpPr>
-            <p:spPr bwMode="auto">
-              <a:xfrm>
-                <a:off x="-3839318" y="3363120"/>
-                <a:ext cx="244475" cy="233363"/>
-              </a:xfrm>
-              <a:custGeom>
-                <a:avLst/>
-                <a:gdLst>
-                  <a:gd name="T0" fmla="*/ 63 w 77"/>
-                  <a:gd name="T1" fmla="*/ 0 h 73"/>
-                  <a:gd name="T2" fmla="*/ 54 w 77"/>
-                  <a:gd name="T3" fmla="*/ 3 h 73"/>
-                  <a:gd name="T4" fmla="*/ 5 w 77"/>
-                  <a:gd name="T5" fmla="*/ 51 h 73"/>
-                  <a:gd name="T6" fmla="*/ 5 w 77"/>
-                  <a:gd name="T7" fmla="*/ 68 h 73"/>
-                  <a:gd name="T8" fmla="*/ 23 w 77"/>
-                  <a:gd name="T9" fmla="*/ 68 h 73"/>
-                  <a:gd name="T10" fmla="*/ 72 w 77"/>
-                  <a:gd name="T11" fmla="*/ 21 h 73"/>
-                  <a:gd name="T12" fmla="*/ 72 w 77"/>
-                  <a:gd name="T13" fmla="*/ 3 h 73"/>
-                  <a:gd name="T14" fmla="*/ 63 w 77"/>
-                  <a:gd name="T15" fmla="*/ 0 h 73"/>
-                </a:gdLst>
-                <a:ahLst/>
-                <a:cxnLst>
-                  <a:cxn ang="0">
-                    <a:pos x="T0" y="T1"/>
-                  </a:cxn>
-                  <a:cxn ang="0">
-                    <a:pos x="T2" y="T3"/>
-                  </a:cxn>
-                  <a:cxn ang="0">
-                    <a:pos x="T4" y="T5"/>
-                  </a:cxn>
-                  <a:cxn ang="0">
-                    <a:pos x="T6" y="T7"/>
-                  </a:cxn>
-                  <a:cxn ang="0">
-                    <a:pos x="T8" y="T9"/>
-                  </a:cxn>
-                  <a:cxn ang="0">
-                    <a:pos x="T10" y="T11"/>
-                  </a:cxn>
-                  <a:cxn ang="0">
-                    <a:pos x="T12" y="T13"/>
-                  </a:cxn>
-                  <a:cxn ang="0">
-                    <a:pos x="T14" y="T15"/>
-                  </a:cxn>
-                </a:cxnLst>
-                <a:rect l="0" t="0" r="r" b="b"/>
-                <a:pathLst>
-                  <a:path w="77" h="73">
-                    <a:moveTo>
-                      <a:pt x="63" y="0"/>
-                    </a:moveTo>
-                    <a:cubicBezTo>
-                      <a:pt x="60" y="0"/>
-                      <a:pt x="56" y="1"/>
-                      <a:pt x="54" y="3"/>
-                    </a:cubicBezTo>
-                    <a:cubicBezTo>
-                      <a:pt x="5" y="51"/>
-                      <a:pt x="5" y="51"/>
-                      <a:pt x="5" y="51"/>
-                    </a:cubicBezTo>
-                    <a:cubicBezTo>
-                      <a:pt x="0" y="55"/>
-                      <a:pt x="0" y="63"/>
-                      <a:pt x="5" y="68"/>
-                    </a:cubicBezTo>
-                    <a:cubicBezTo>
-                      <a:pt x="10" y="73"/>
-                      <a:pt x="18" y="73"/>
-                      <a:pt x="23" y="68"/>
-                    </a:cubicBezTo>
-                    <a:cubicBezTo>
-                      <a:pt x="72" y="21"/>
-                      <a:pt x="72" y="21"/>
-                      <a:pt x="72" y="21"/>
-                    </a:cubicBezTo>
-                    <a:cubicBezTo>
-                      <a:pt x="77" y="16"/>
-                      <a:pt x="77" y="8"/>
-                      <a:pt x="72" y="3"/>
-                    </a:cubicBezTo>
-                    <a:cubicBezTo>
-                      <a:pt x="69" y="1"/>
-                      <a:pt x="66" y="0"/>
-                      <a:pt x="63" y="0"/>
-                    </a:cubicBezTo>
-                    <a:close/>
-                  </a:path>
-                </a:pathLst>
-              </a:custGeom>
-              <a:solidFill>
-                <a:srgbClr val="3B3B3B"/>
-              </a:solidFill>
-              <a:ln>
-                <a:noFill/>
-              </a:ln>
-              <a:extLst>
-                <a:ext uri="{91240B29-F687-4F45-9708-019B960494DF}">
-                  <a14:hiddenLine xmlns:a14="http://schemas.microsoft.com/office/drawing/2010/main" w="9525">
-                    <a:solidFill>
-                      <a:srgbClr val="000000"/>
-                    </a:solidFill>
-                    <a:round/>
-                  </a14:hiddenLine>
-                </a:ext>
-              </a:extLst>
-            </p:spPr>
-            <p:txBody>
-              <a:bodyPr vert="horz" wrap="square" lIns="121920" tIns="60960" rIns="121920" bIns="60960" numCol="1" anchor="t" anchorCtr="0" compatLnSpc="1"/>
-              <a:lstStyle/>
-              <a:p>
-                <a:endParaRPr lang="zh-CN" altLang="en-US" sz="2400"/>
-              </a:p>
-            </p:txBody>
-          </p:sp>
-          <p:sp>
-            <p:nvSpPr>
-              <p:cNvPr id="55" name="Freeform 281"/>
-              <p:cNvSpPr/>
-              <p:nvPr/>
-            </p:nvSpPr>
-            <p:spPr bwMode="auto">
-              <a:xfrm>
-                <a:off x="-2728067" y="3363120"/>
-                <a:ext cx="244475" cy="233363"/>
-              </a:xfrm>
-              <a:custGeom>
-                <a:avLst/>
-                <a:gdLst>
-                  <a:gd name="T0" fmla="*/ 23 w 77"/>
-                  <a:gd name="T1" fmla="*/ 3 h 73"/>
-                  <a:gd name="T2" fmla="*/ 14 w 77"/>
-                  <a:gd name="T3" fmla="*/ 0 h 73"/>
-                  <a:gd name="T4" fmla="*/ 5 w 77"/>
-                  <a:gd name="T5" fmla="*/ 3 h 73"/>
-                  <a:gd name="T6" fmla="*/ 5 w 77"/>
-                  <a:gd name="T7" fmla="*/ 21 h 73"/>
-                  <a:gd name="T8" fmla="*/ 54 w 77"/>
-                  <a:gd name="T9" fmla="*/ 68 h 73"/>
-                  <a:gd name="T10" fmla="*/ 72 w 77"/>
-                  <a:gd name="T11" fmla="*/ 68 h 73"/>
-                  <a:gd name="T12" fmla="*/ 72 w 77"/>
-                  <a:gd name="T13" fmla="*/ 51 h 73"/>
-                  <a:gd name="T14" fmla="*/ 23 w 77"/>
-                  <a:gd name="T15" fmla="*/ 3 h 73"/>
-                </a:gdLst>
-                <a:ahLst/>
-                <a:cxnLst>
-                  <a:cxn ang="0">
-                    <a:pos x="T0" y="T1"/>
-                  </a:cxn>
-                  <a:cxn ang="0">
-                    <a:pos x="T2" y="T3"/>
-                  </a:cxn>
-                  <a:cxn ang="0">
-                    <a:pos x="T4" y="T5"/>
-                  </a:cxn>
-                  <a:cxn ang="0">
-                    <a:pos x="T6" y="T7"/>
-                  </a:cxn>
-                  <a:cxn ang="0">
-                    <a:pos x="T8" y="T9"/>
-                  </a:cxn>
-                  <a:cxn ang="0">
-                    <a:pos x="T10" y="T11"/>
-                  </a:cxn>
-                  <a:cxn ang="0">
-                    <a:pos x="T12" y="T13"/>
-                  </a:cxn>
-                  <a:cxn ang="0">
-                    <a:pos x="T14" y="T15"/>
-                  </a:cxn>
-                </a:cxnLst>
-                <a:rect l="0" t="0" r="r" b="b"/>
-                <a:pathLst>
-                  <a:path w="77" h="73">
-                    <a:moveTo>
-                      <a:pt x="23" y="3"/>
-                    </a:moveTo>
-                    <a:cubicBezTo>
-                      <a:pt x="21" y="1"/>
-                      <a:pt x="17" y="0"/>
-                      <a:pt x="14" y="0"/>
-                    </a:cubicBezTo>
-                    <a:cubicBezTo>
-                      <a:pt x="11" y="0"/>
-                      <a:pt x="8" y="1"/>
-                      <a:pt x="5" y="3"/>
-                    </a:cubicBezTo>
-                    <a:cubicBezTo>
-                      <a:pt x="0" y="8"/>
-                      <a:pt x="0" y="16"/>
-                      <a:pt x="5" y="21"/>
-                    </a:cubicBezTo>
-                    <a:cubicBezTo>
-                      <a:pt x="54" y="68"/>
-                      <a:pt x="54" y="68"/>
-                      <a:pt x="54" y="68"/>
-                    </a:cubicBezTo>
-                    <a:cubicBezTo>
-                      <a:pt x="59" y="73"/>
-                      <a:pt x="67" y="73"/>
-                      <a:pt x="72" y="68"/>
-                    </a:cubicBezTo>
-                    <a:cubicBezTo>
-                      <a:pt x="77" y="63"/>
-                      <a:pt x="77" y="55"/>
-                      <a:pt x="72" y="51"/>
-                    </a:cubicBezTo>
-                    <a:lnTo>
-                      <a:pt x="23" y="3"/>
-                    </a:lnTo>
-                    <a:close/>
-                  </a:path>
-                </a:pathLst>
-              </a:custGeom>
-              <a:solidFill>
-                <a:srgbClr val="3B3B3B"/>
-              </a:solidFill>
-              <a:ln>
-                <a:noFill/>
-              </a:ln>
-              <a:extLst>
-                <a:ext uri="{91240B29-F687-4F45-9708-019B960494DF}">
-                  <a14:hiddenLine xmlns:a14="http://schemas.microsoft.com/office/drawing/2010/main" w="9525">
-                    <a:solidFill>
-                      <a:srgbClr val="000000"/>
-                    </a:solidFill>
-                    <a:round/>
-                  </a14:hiddenLine>
-                </a:ext>
-              </a:extLst>
-            </p:spPr>
-            <p:txBody>
-              <a:bodyPr vert="horz" wrap="square" lIns="121920" tIns="60960" rIns="121920" bIns="60960" numCol="1" anchor="t" anchorCtr="0" compatLnSpc="1"/>
-              <a:lstStyle/>
-              <a:p>
-                <a:endParaRPr lang="zh-CN" altLang="en-US" sz="2400"/>
-              </a:p>
-            </p:txBody>
-          </p:sp>
-        </p:grpSp>
-        <p:cxnSp>
-          <p:nvCxnSpPr>
-            <p:cNvPr id="46" name="直接连接符 45"/>
-            <p:cNvCxnSpPr/>
-            <p:nvPr/>
-          </p:nvCxnSpPr>
-          <p:spPr>
-            <a:xfrm flipV="1">
-              <a:off x="2295727" y="2062276"/>
-              <a:ext cx="0" cy="765534"/>
-            </a:xfrm>
-            <a:prstGeom prst="line">
-              <a:avLst/>
-            </a:prstGeom>
-            <a:ln w="12700">
-              <a:solidFill>
-                <a:srgbClr val="3B3B3B"/>
-              </a:solidFill>
-            </a:ln>
-          </p:spPr>
-          <p:style>
-            <a:lnRef idx="1">
-              <a:schemeClr val="accent1"/>
-            </a:lnRef>
-            <a:fillRef idx="0">
-              <a:schemeClr val="accent1"/>
-            </a:fillRef>
-            <a:effectRef idx="0">
-              <a:schemeClr val="accent1"/>
-            </a:effectRef>
-            <a:fontRef idx="minor">
-              <a:schemeClr val="tx1"/>
-            </a:fontRef>
-          </p:style>
-        </p:cxnSp>
-      </p:grpSp>
-      <p:sp>
-        <p:nvSpPr>
-          <p:cNvPr id="2" name="Text Box 67">
-            <a:extLst>
-              <a:ext uri="{FF2B5EF4-FFF2-40B4-BE49-F238E27FC236}">
-                <a16:creationId xmlns:a16="http://schemas.microsoft.com/office/drawing/2014/main" id="{2852FF80-59BF-E8C2-8D10-73FE402B7D5A}"/>
-              </a:ext>
-            </a:extLst>
-          </p:cNvPr>
-          <p:cNvSpPr txBox="1">
-            <a:spLocks noChangeArrowheads="1"/>
-          </p:cNvSpPr>
-          <p:nvPr/>
-        </p:nvSpPr>
-        <p:spPr bwMode="auto">
-          <a:xfrm>
-            <a:off x="281876" y="1558217"/>
-            <a:ext cx="513282" cy="523220"/>
-          </a:xfrm>
-          <a:prstGeom prst="rect">
-            <a:avLst/>
-          </a:prstGeom>
-          <a:noFill/>
-          <a:ln>
-            <a:noFill/>
-          </a:ln>
-          <a:effectLst/>
-          <a:extLst>
-            <a:ext uri="{909E8E84-426E-40DD-AFC4-6F175D3DCCD1}">
-              <a14:hiddenFill xmlns:a14="http://schemas.microsoft.com/office/drawing/2010/main">
-                <a:solidFill>
-                  <a:schemeClr val="accent1"/>
-                </a:solidFill>
-              </a14:hiddenFill>
-            </a:ext>
-            <a:ext uri="{91240B29-F687-4F45-9708-019B960494DF}">
-              <a14:hiddenLine xmlns:a14="http://schemas.microsoft.com/office/drawing/2010/main" w="9525">
-                <a:solidFill>
-                  <a:schemeClr val="tx1"/>
-                </a:solidFill>
-                <a:miter lim="800000"/>
-                <a:headEnd/>
-                <a:tailEnd/>
-              </a14:hiddenLine>
-            </a:ext>
-            <a:ext uri="{AF507438-7753-43E0-B8FC-AC1667EBCBE1}">
-              <a14:hiddenEffects xmlns:a14="http://schemas.microsoft.com/office/drawing/2010/main">
-                <a:effectLst>
-                  <a:outerShdw dist="35921" dir="2700000" algn="ctr" rotWithShape="0">
-                    <a:schemeClr val="bg2"/>
-                  </a:outerShdw>
-                </a:effectLst>
-              </a14:hiddenEffects>
-            </a:ext>
-          </a:extLst>
-        </p:spPr>
-        <p:txBody>
-          <a:bodyPr wrap="none">
-            <a:spAutoFit/>
-          </a:bodyPr>
-          <a:lstStyle/>
-          <a:p>
-            <a:pPr algn="r"/>
-            <a:r>
-              <a:rPr lang="en-US" altLang="zh-CN" sz="2800" dirty="0">
-                <a:solidFill>
-                  <a:srgbClr val="C09CC2"/>
-                </a:solidFill>
-                <a:latin typeface="Impact" pitchFamily="34" charset="0"/>
-              </a:rPr>
-              <a:t>01</a:t>
-            </a:r>
-          </a:p>
-        </p:txBody>
-      </p:sp>
-      <p:sp>
-        <p:nvSpPr>
-          <p:cNvPr id="6" name="Text Box 147">
-            <a:extLst>
-              <a:ext uri="{FF2B5EF4-FFF2-40B4-BE49-F238E27FC236}">
-                <a16:creationId xmlns:a16="http://schemas.microsoft.com/office/drawing/2014/main" id="{1C6E5DE6-7EC5-44F1-F631-217DD6DBD261}"/>
-              </a:ext>
-            </a:extLst>
-          </p:cNvPr>
-          <p:cNvSpPr txBox="1">
-            <a:spLocks noChangeArrowheads="1"/>
-          </p:cNvSpPr>
-          <p:nvPr/>
-        </p:nvSpPr>
-        <p:spPr bwMode="auto">
-          <a:xfrm>
-            <a:off x="949406" y="1411782"/>
-            <a:ext cx="9847327" cy="3894208"/>
-          </a:xfrm>
-          <a:prstGeom prst="rect">
-            <a:avLst/>
-          </a:prstGeom>
-          <a:noFill/>
-          <a:ln>
-            <a:noFill/>
-          </a:ln>
-          <a:effectLst/>
-          <a:extLst>
-            <a:ext uri="{909E8E84-426E-40DD-AFC4-6F175D3DCCD1}">
-              <a14:hiddenFill xmlns:a14="http://schemas.microsoft.com/office/drawing/2010/main">
-                <a:solidFill>
-                  <a:schemeClr val="accent1"/>
-                </a:solidFill>
-              </a14:hiddenFill>
-            </a:ext>
-            <a:ext uri="{91240B29-F687-4F45-9708-019B960494DF}">
-              <a14:hiddenLine xmlns:a14="http://schemas.microsoft.com/office/drawing/2010/main" w="9525">
-                <a:solidFill>
-                  <a:schemeClr val="tx1"/>
-                </a:solidFill>
-                <a:miter lim="800000"/>
-                <a:headEnd/>
-                <a:tailEnd/>
-              </a14:hiddenLine>
-            </a:ext>
-            <a:ext uri="{AF507438-7753-43E0-B8FC-AC1667EBCBE1}">
-              <a14:hiddenEffects xmlns:a14="http://schemas.microsoft.com/office/drawing/2010/main">
-                <a:effectLst>
-                  <a:outerShdw dist="35921" dir="2700000" algn="ctr" rotWithShape="0">
-                    <a:schemeClr val="bg2"/>
-                  </a:outerShdw>
-                </a:effectLst>
-              </a14:hiddenEffects>
-            </a:ext>
-          </a:extLst>
-        </p:spPr>
-        <p:txBody>
-          <a:bodyPr wrap="square" lIns="0">
-            <a:spAutoFit/>
-          </a:bodyPr>
-          <a:lstStyle/>
-          <a:p>
-            <a:pPr>
-              <a:lnSpc>
-                <a:spcPct val="150000"/>
-              </a:lnSpc>
-            </a:pPr>
-            <a:r>
-              <a:rPr lang="zh-TW" altLang="en-US" sz="2800" b="1" dirty="0">
-                <a:solidFill>
-                  <a:srgbClr val="3B3B3B"/>
-                </a:solidFill>
-                <a:latin typeface="微软雅黑" pitchFamily="34" charset="-122"/>
-                <a:ea typeface="微软雅黑" pitchFamily="34" charset="-122"/>
-              </a:rPr>
-              <a:t>殭屍生成問題</a:t>
-            </a:r>
-            <a:r>
-              <a:rPr lang="en-US" altLang="zh-TW" sz="2800" b="1" dirty="0">
-                <a:solidFill>
-                  <a:srgbClr val="3B3B3B"/>
-                </a:solidFill>
-                <a:latin typeface="微软雅黑" pitchFamily="34" charset="-122"/>
-                <a:ea typeface="微软雅黑" pitchFamily="34" charset="-122"/>
-              </a:rPr>
-              <a:t>:</a:t>
-            </a:r>
-          </a:p>
-          <a:p>
-            <a:pPr>
-              <a:lnSpc>
-                <a:spcPct val="150000"/>
-              </a:lnSpc>
-            </a:pPr>
-            <a:r>
-              <a:rPr lang="zh-TW" altLang="en-US" sz="2800" b="1" dirty="0">
-                <a:solidFill>
-                  <a:srgbClr val="3B3B3B"/>
-                </a:solidFill>
-                <a:latin typeface="微软雅黑" pitchFamily="34" charset="-122"/>
-                <a:ea typeface="微软雅黑" pitchFamily="34" charset="-122"/>
-              </a:rPr>
-              <a:t>問題：</a:t>
-            </a:r>
-            <a:r>
-              <a:rPr lang="zh-TW" altLang="en-US" sz="2800" dirty="0">
-                <a:solidFill>
-                  <a:srgbClr val="3B3B3B"/>
-                </a:solidFill>
-                <a:latin typeface="微软雅黑" pitchFamily="34" charset="-122"/>
-                <a:ea typeface="微软雅黑" pitchFamily="34" charset="-122"/>
-              </a:rPr>
-              <a:t>生存模式中，打完第二波旗幟後無法生成殭屍</a:t>
-            </a:r>
-            <a:endParaRPr lang="en-US" altLang="zh-TW" sz="2800" dirty="0">
-              <a:solidFill>
-                <a:srgbClr val="3B3B3B"/>
-              </a:solidFill>
-              <a:latin typeface="微软雅黑" pitchFamily="34" charset="-122"/>
-              <a:ea typeface="微软雅黑" pitchFamily="34" charset="-122"/>
-            </a:endParaRPr>
-          </a:p>
-          <a:p>
-            <a:pPr>
-              <a:lnSpc>
-                <a:spcPct val="150000"/>
-              </a:lnSpc>
-            </a:pPr>
-            <a:r>
-              <a:rPr lang="zh-TW" altLang="en-US" sz="2800" b="1" dirty="0">
-                <a:solidFill>
-                  <a:srgbClr val="3B3B3B"/>
-                </a:solidFill>
-                <a:latin typeface="微软雅黑" pitchFamily="34" charset="-122"/>
-                <a:ea typeface="微软雅黑" pitchFamily="34" charset="-122"/>
-              </a:rPr>
-              <a:t>解決方案：</a:t>
-            </a:r>
-            <a:endParaRPr lang="en-US" altLang="zh-TW" sz="2800" b="1" dirty="0">
-              <a:solidFill>
-                <a:srgbClr val="3B3B3B"/>
-              </a:solidFill>
-              <a:latin typeface="微软雅黑" pitchFamily="34" charset="-122"/>
-              <a:ea typeface="微软雅黑" pitchFamily="34" charset="-122"/>
-            </a:endParaRPr>
-          </a:p>
-          <a:p>
-            <a:pPr marL="514350" indent="-514350">
-              <a:lnSpc>
-                <a:spcPct val="150000"/>
-              </a:lnSpc>
-              <a:buAutoNum type="arabicPeriod"/>
-            </a:pPr>
-            <a:r>
-              <a:rPr lang="zh-TW" altLang="en-US" sz="2800" b="1" dirty="0">
-                <a:solidFill>
-                  <a:srgbClr val="3B3B3B"/>
-                </a:solidFill>
-                <a:latin typeface="微软雅黑" pitchFamily="34" charset="-122"/>
-                <a:ea typeface="微软雅黑" pitchFamily="34" charset="-122"/>
-              </a:rPr>
-              <a:t>調整</a:t>
-            </a:r>
-            <a:r>
-              <a:rPr lang="en-US" altLang="zh-TW" sz="2800" b="1" dirty="0">
-                <a:solidFill>
-                  <a:srgbClr val="3B3B3B"/>
-                </a:solidFill>
-                <a:latin typeface="微软雅黑" pitchFamily="34" charset="-122"/>
-                <a:ea typeface="微软雅黑" pitchFamily="34" charset="-122"/>
-              </a:rPr>
-              <a:t>constant.py</a:t>
-            </a:r>
-            <a:r>
-              <a:rPr lang="zh-TW" altLang="en-US" sz="2800" b="1" dirty="0">
-                <a:solidFill>
-                  <a:srgbClr val="3B3B3B"/>
-                </a:solidFill>
-                <a:latin typeface="微软雅黑" pitchFamily="34" charset="-122"/>
-                <a:ea typeface="微软雅黑" pitchFamily="34" charset="-122"/>
-              </a:rPr>
-              <a:t>中的常數</a:t>
-            </a:r>
-            <a:r>
-              <a:rPr lang="zh-TW" altLang="en-US" sz="2800" dirty="0">
-                <a:solidFill>
-                  <a:srgbClr val="3B3B3B"/>
-                </a:solidFill>
-                <a:latin typeface="微软雅黑" pitchFamily="34" charset="-122"/>
-                <a:ea typeface="微软雅黑" pitchFamily="34" charset="-122"/>
-              </a:rPr>
-              <a:t>（</a:t>
-            </a:r>
-            <a:r>
-              <a:rPr lang="en-US" altLang="zh-TW" sz="2800" dirty="0">
-                <a:solidFill>
-                  <a:srgbClr val="3B3B3B"/>
-                </a:solidFill>
-                <a:latin typeface="微软雅黑" pitchFamily="34" charset="-122"/>
-                <a:ea typeface="微软雅黑" pitchFamily="34" charset="-122"/>
-              </a:rPr>
-              <a:t>NUM_FLAGS</a:t>
-            </a:r>
-            <a:r>
-              <a:rPr lang="zh-TW" altLang="en-US" sz="2800" dirty="0">
-                <a:solidFill>
-                  <a:srgbClr val="3B3B3B"/>
-                </a:solidFill>
-                <a:latin typeface="微软雅黑" pitchFamily="34" charset="-122"/>
-                <a:ea typeface="微软雅黑" pitchFamily="34" charset="-122"/>
-              </a:rPr>
-              <a:t>），確保殭屍持 </a:t>
-            </a:r>
-            <a:endParaRPr lang="en-US" altLang="zh-TW" sz="2800" dirty="0">
-              <a:solidFill>
-                <a:srgbClr val="3B3B3B"/>
-              </a:solidFill>
-              <a:latin typeface="微软雅黑" pitchFamily="34" charset="-122"/>
-              <a:ea typeface="微软雅黑" pitchFamily="34" charset="-122"/>
-            </a:endParaRPr>
-          </a:p>
-          <a:p>
-            <a:pPr>
-              <a:lnSpc>
-                <a:spcPct val="150000"/>
-              </a:lnSpc>
-            </a:pPr>
-            <a:r>
-              <a:rPr lang="zh-TW" altLang="en-US" sz="2800" dirty="0">
-                <a:solidFill>
-                  <a:srgbClr val="3B3B3B"/>
-                </a:solidFill>
-                <a:latin typeface="微软雅黑" pitchFamily="34" charset="-122"/>
-                <a:ea typeface="微软雅黑" pitchFamily="34" charset="-122"/>
-              </a:rPr>
-              <a:t>     續生成</a:t>
-            </a:r>
-            <a:endParaRPr lang="en-US" altLang="zh-TW" sz="2800" dirty="0">
-              <a:solidFill>
-                <a:srgbClr val="3B3B3B"/>
-              </a:solidFill>
-              <a:latin typeface="微软雅黑" pitchFamily="34" charset="-122"/>
-              <a:ea typeface="微软雅黑" pitchFamily="34" charset="-122"/>
-            </a:endParaRPr>
-          </a:p>
-          <a:p>
-            <a:pPr>
-              <a:lnSpc>
-                <a:spcPct val="150000"/>
-              </a:lnSpc>
-            </a:pPr>
-            <a:r>
-              <a:rPr lang="en-US" altLang="zh-TW" sz="2800" b="1" dirty="0">
-                <a:solidFill>
-                  <a:srgbClr val="3B3B3B"/>
-                </a:solidFill>
-                <a:latin typeface="微软雅黑" pitchFamily="34" charset="-122"/>
-                <a:ea typeface="微软雅黑" pitchFamily="34" charset="-122"/>
-              </a:rPr>
-              <a:t>2.</a:t>
-            </a:r>
-            <a:r>
-              <a:rPr lang="zh-TW" altLang="en-US" sz="2800" b="1" dirty="0">
-                <a:solidFill>
-                  <a:srgbClr val="3B3B3B"/>
-                </a:solidFill>
-                <a:latin typeface="微软雅黑" pitchFamily="34" charset="-122"/>
-                <a:ea typeface="微软雅黑" pitchFamily="34" charset="-122"/>
-              </a:rPr>
-              <a:t> 新增除錯日誌</a:t>
-            </a:r>
-            <a:r>
-              <a:rPr lang="zh-TW" altLang="en-US" sz="2800" dirty="0">
-                <a:solidFill>
-                  <a:srgbClr val="3B3B3B"/>
-                </a:solidFill>
-                <a:latin typeface="微软雅黑" pitchFamily="34" charset="-122"/>
-                <a:ea typeface="微软雅黑" pitchFamily="34" charset="-122"/>
-              </a:rPr>
-              <a:t>追蹤波次進展，修正波次計數器的邏輯錯誤</a:t>
-            </a:r>
-            <a:endParaRPr lang="zh-CN" altLang="en-US" sz="2800" b="1" dirty="0">
-              <a:solidFill>
-                <a:srgbClr val="3B3B3B"/>
-              </a:solidFill>
-              <a:latin typeface="微软雅黑" pitchFamily="34" charset="-122"/>
-              <a:ea typeface="微软雅黑" pitchFamily="34" charset="-122"/>
-            </a:endParaRPr>
-          </a:p>
-        </p:txBody>
-      </p:sp>
-    </p:spTree>
-  </p:cSld>
-  <p:clrMapOvr>
-    <a:masterClrMapping/>
-  </p:clrMapOvr>
-</p:sld>
-</file>
-
 <file path=ppt/theme/theme1.xml><?xml version="1.0" encoding="utf-8"?>
 <a:theme xmlns:a="http://schemas.openxmlformats.org/drawingml/2006/main" name="Office 佈景主題">
   <a:themeElements>

--- a/oop final project.pptx
+++ b/oop final project.pptx
@@ -12,14 +12,15 @@
     <p:sldId id="284" r:id="rId6"/>
     <p:sldId id="295" r:id="rId7"/>
     <p:sldId id="286" r:id="rId8"/>
-    <p:sldId id="290" r:id="rId9"/>
-    <p:sldId id="293" r:id="rId10"/>
-    <p:sldId id="276" r:id="rId11"/>
-    <p:sldId id="288" r:id="rId12"/>
-    <p:sldId id="280" r:id="rId13"/>
-    <p:sldId id="292" r:id="rId14"/>
-    <p:sldId id="294" r:id="rId15"/>
-    <p:sldId id="287" r:id="rId16"/>
+    <p:sldId id="296" r:id="rId9"/>
+    <p:sldId id="290" r:id="rId10"/>
+    <p:sldId id="293" r:id="rId11"/>
+    <p:sldId id="276" r:id="rId12"/>
+    <p:sldId id="288" r:id="rId13"/>
+    <p:sldId id="280" r:id="rId14"/>
+    <p:sldId id="292" r:id="rId15"/>
+    <p:sldId id="294" r:id="rId16"/>
+    <p:sldId id="287" r:id="rId17"/>
   </p:sldIdLst>
   <p:sldSz cx="12192000" cy="6858000"/>
   <p:notesSz cx="6858000" cy="9144000"/>
@@ -3798,6 +3799,2198 @@
   <p:cSld>
     <p:spTree>
       <p:nvGrpSpPr>
+        <p:cNvPr id="1" name="">
+          <a:extLst>
+            <a:ext uri="{FF2B5EF4-FFF2-40B4-BE49-F238E27FC236}">
+              <a16:creationId xmlns:a16="http://schemas.microsoft.com/office/drawing/2014/main" id="{8EE59AC2-F835-EFE9-9C05-4179F4156773}"/>
+            </a:ext>
+          </a:extLst>
+        </p:cNvPr>
+        <p:cNvGrpSpPr/>
+        <p:nvPr/>
+      </p:nvGrpSpPr>
+      <p:grpSpPr>
+        <a:xfrm>
+          <a:off x="0" y="0"/>
+          <a:ext cx="0" cy="0"/>
+          <a:chOff x="0" y="0"/>
+          <a:chExt cx="0" cy="0"/>
+        </a:xfrm>
+      </p:grpSpPr>
+      <p:sp>
+        <p:nvSpPr>
+          <p:cNvPr id="116" name="Text Box 42">
+            <a:extLst>
+              <a:ext uri="{FF2B5EF4-FFF2-40B4-BE49-F238E27FC236}">
+                <a16:creationId xmlns:a16="http://schemas.microsoft.com/office/drawing/2014/main" id="{65177D64-0286-C59C-86F2-2362D1463D36}"/>
+              </a:ext>
+            </a:extLst>
+          </p:cNvPr>
+          <p:cNvSpPr txBox="1">
+            <a:spLocks noChangeArrowheads="1"/>
+          </p:cNvSpPr>
+          <p:nvPr/>
+        </p:nvSpPr>
+        <p:spPr bwMode="auto">
+          <a:xfrm>
+            <a:off x="1071354" y="353246"/>
+            <a:ext cx="1303562" cy="584775"/>
+          </a:xfrm>
+          <a:prstGeom prst="rect">
+            <a:avLst/>
+          </a:prstGeom>
+          <a:noFill/>
+          <a:ln>
+            <a:noFill/>
+          </a:ln>
+          <a:effectLst/>
+          <a:extLst>
+            <a:ext uri="{909E8E84-426E-40DD-AFC4-6F175D3DCCD1}">
+              <a14:hiddenFill xmlns:a14="http://schemas.microsoft.com/office/drawing/2010/main">
+                <a:solidFill>
+                  <a:schemeClr val="accent1"/>
+                </a:solidFill>
+              </a14:hiddenFill>
+            </a:ext>
+            <a:ext uri="{91240B29-F687-4F45-9708-019B960494DF}">
+              <a14:hiddenLine xmlns:a14="http://schemas.microsoft.com/office/drawing/2010/main" w="9525">
+                <a:solidFill>
+                  <a:srgbClr val="000000"/>
+                </a:solidFill>
+                <a:miter lim="800000"/>
+                <a:headEnd/>
+                <a:tailEnd/>
+              </a14:hiddenLine>
+            </a:ext>
+            <a:ext uri="{AF507438-7753-43E0-B8FC-AC1667EBCBE1}">
+              <a14:hiddenEffects xmlns:a14="http://schemas.microsoft.com/office/drawing/2010/main">
+                <a:effectLst>
+                  <a:outerShdw dist="35921" dir="2700000" algn="ctr" rotWithShape="0">
+                    <a:schemeClr val="bg2"/>
+                  </a:outerShdw>
+                </a:effectLst>
+              </a14:hiddenEffects>
+            </a:ext>
+          </a:extLst>
+        </p:spPr>
+        <p:txBody>
+          <a:bodyPr wrap="none">
+            <a:spAutoFit/>
+          </a:bodyPr>
+          <a:lstStyle/>
+          <a:p>
+            <a:pPr>
+              <a:buFont typeface="Arial" charset="0"/>
+              <a:buNone/>
+            </a:pPr>
+            <a:r>
+              <a:rPr lang="en-US" altLang="zh-TW" sz="3200" b="1" dirty="0">
+                <a:solidFill>
+                  <a:srgbClr val="594D7B"/>
+                </a:solidFill>
+                <a:ea typeface="微软雅黑" pitchFamily="34" charset="-122"/>
+              </a:rPr>
+              <a:t>Demo</a:t>
+            </a:r>
+            <a:endParaRPr lang="en-US" altLang="zh-CN" sz="3200" b="1" dirty="0">
+              <a:solidFill>
+                <a:srgbClr val="594D7B"/>
+              </a:solidFill>
+              <a:ea typeface="微软雅黑" pitchFamily="34" charset="-122"/>
+            </a:endParaRPr>
+          </a:p>
+        </p:txBody>
+      </p:sp>
+      <p:grpSp>
+        <p:nvGrpSpPr>
+          <p:cNvPr id="117" name="组合 19">
+            <a:extLst>
+              <a:ext uri="{FF2B5EF4-FFF2-40B4-BE49-F238E27FC236}">
+                <a16:creationId xmlns:a16="http://schemas.microsoft.com/office/drawing/2014/main" id="{D3F78863-8235-DE85-C6FD-A511CB44F700}"/>
+              </a:ext>
+            </a:extLst>
+          </p:cNvPr>
+          <p:cNvGrpSpPr/>
+          <p:nvPr/>
+        </p:nvGrpSpPr>
+        <p:grpSpPr>
+          <a:xfrm>
+            <a:off x="377018" y="-11911"/>
+            <a:ext cx="629517" cy="1073043"/>
+            <a:chOff x="1775252" y="2062276"/>
+            <a:chExt cx="1045160" cy="1781528"/>
+          </a:xfrm>
+        </p:grpSpPr>
+        <p:grpSp>
+          <p:nvGrpSpPr>
+            <p:cNvPr id="118" name="组合 20">
+              <a:extLst>
+                <a:ext uri="{FF2B5EF4-FFF2-40B4-BE49-F238E27FC236}">
+                  <a16:creationId xmlns:a16="http://schemas.microsoft.com/office/drawing/2014/main" id="{9DF3ECB0-B4C0-8A2A-6F78-0D2085C83E1B}"/>
+                </a:ext>
+              </a:extLst>
+            </p:cNvPr>
+            <p:cNvGrpSpPr/>
+            <p:nvPr/>
+          </p:nvGrpSpPr>
+          <p:grpSpPr>
+            <a:xfrm>
+              <a:off x="1775252" y="2763988"/>
+              <a:ext cx="1045160" cy="1079816"/>
+              <a:chOff x="-4061568" y="1901032"/>
+              <a:chExt cx="1819276" cy="1879600"/>
+            </a:xfrm>
+          </p:grpSpPr>
+          <p:sp>
+            <p:nvSpPr>
+              <p:cNvPr id="120" name="Freeform 273">
+                <a:extLst>
+                  <a:ext uri="{FF2B5EF4-FFF2-40B4-BE49-F238E27FC236}">
+                    <a16:creationId xmlns:a16="http://schemas.microsoft.com/office/drawing/2014/main" id="{C4B4710E-B382-F244-03D8-83ADF9F4D807}"/>
+                  </a:ext>
+                </a:extLst>
+              </p:cNvPr>
+              <p:cNvSpPr/>
+              <p:nvPr/>
+            </p:nvSpPr>
+            <p:spPr bwMode="auto">
+              <a:xfrm>
+                <a:off x="-3661518" y="1901032"/>
+                <a:ext cx="1041400" cy="1509713"/>
+              </a:xfrm>
+              <a:custGeom>
+                <a:avLst/>
+                <a:gdLst>
+                  <a:gd name="T0" fmla="*/ 301 w 328"/>
+                  <a:gd name="T1" fmla="*/ 222 h 475"/>
+                  <a:gd name="T2" fmla="*/ 240 w 328"/>
+                  <a:gd name="T3" fmla="*/ 166 h 475"/>
+                  <a:gd name="T4" fmla="*/ 239 w 328"/>
+                  <a:gd name="T5" fmla="*/ 37 h 475"/>
+                  <a:gd name="T6" fmla="*/ 237 w 328"/>
+                  <a:gd name="T7" fmla="*/ 30 h 475"/>
+                  <a:gd name="T8" fmla="*/ 165 w 328"/>
+                  <a:gd name="T9" fmla="*/ 0 h 475"/>
+                  <a:gd name="T10" fmla="*/ 88 w 328"/>
+                  <a:gd name="T11" fmla="*/ 30 h 475"/>
+                  <a:gd name="T12" fmla="*/ 85 w 328"/>
+                  <a:gd name="T13" fmla="*/ 37 h 475"/>
+                  <a:gd name="T14" fmla="*/ 85 w 328"/>
+                  <a:gd name="T15" fmla="*/ 168 h 475"/>
+                  <a:gd name="T16" fmla="*/ 26 w 328"/>
+                  <a:gd name="T17" fmla="*/ 223 h 475"/>
+                  <a:gd name="T18" fmla="*/ 0 w 328"/>
+                  <a:gd name="T19" fmla="*/ 311 h 475"/>
+                  <a:gd name="T20" fmla="*/ 164 w 328"/>
+                  <a:gd name="T21" fmla="*/ 475 h 475"/>
+                  <a:gd name="T22" fmla="*/ 328 w 328"/>
+                  <a:gd name="T23" fmla="*/ 311 h 475"/>
+                  <a:gd name="T24" fmla="*/ 301 w 328"/>
+                  <a:gd name="T25" fmla="*/ 222 h 475"/>
+                </a:gdLst>
+                <a:ahLst/>
+                <a:cxnLst>
+                  <a:cxn ang="0">
+                    <a:pos x="T0" y="T1"/>
+                  </a:cxn>
+                  <a:cxn ang="0">
+                    <a:pos x="T2" y="T3"/>
+                  </a:cxn>
+                  <a:cxn ang="0">
+                    <a:pos x="T4" y="T5"/>
+                  </a:cxn>
+                  <a:cxn ang="0">
+                    <a:pos x="T6" y="T7"/>
+                  </a:cxn>
+                  <a:cxn ang="0">
+                    <a:pos x="T8" y="T9"/>
+                  </a:cxn>
+                  <a:cxn ang="0">
+                    <a:pos x="T10" y="T11"/>
+                  </a:cxn>
+                  <a:cxn ang="0">
+                    <a:pos x="T12" y="T13"/>
+                  </a:cxn>
+                  <a:cxn ang="0">
+                    <a:pos x="T14" y="T15"/>
+                  </a:cxn>
+                  <a:cxn ang="0">
+                    <a:pos x="T16" y="T17"/>
+                  </a:cxn>
+                  <a:cxn ang="0">
+                    <a:pos x="T18" y="T19"/>
+                  </a:cxn>
+                  <a:cxn ang="0">
+                    <a:pos x="T20" y="T21"/>
+                  </a:cxn>
+                  <a:cxn ang="0">
+                    <a:pos x="T22" y="T23"/>
+                  </a:cxn>
+                  <a:cxn ang="0">
+                    <a:pos x="T24" y="T25"/>
+                  </a:cxn>
+                </a:cxnLst>
+                <a:rect l="0" t="0" r="r" b="b"/>
+                <a:pathLst>
+                  <a:path w="328" h="475">
+                    <a:moveTo>
+                      <a:pt x="301" y="222"/>
+                    </a:moveTo>
+                    <a:cubicBezTo>
+                      <a:pt x="286" y="198"/>
+                      <a:pt x="265" y="179"/>
+                      <a:pt x="240" y="166"/>
+                    </a:cubicBezTo>
+                    <a:cubicBezTo>
+                      <a:pt x="239" y="165"/>
+                      <a:pt x="239" y="37"/>
+                      <a:pt x="239" y="37"/>
+                    </a:cubicBezTo>
+                    <a:cubicBezTo>
+                      <a:pt x="239" y="35"/>
+                      <a:pt x="238" y="32"/>
+                      <a:pt x="237" y="30"/>
+                    </a:cubicBezTo>
+                    <a:cubicBezTo>
+                      <a:pt x="236" y="29"/>
+                      <a:pt x="210" y="0"/>
+                      <a:pt x="165" y="0"/>
+                    </a:cubicBezTo>
+                    <a:cubicBezTo>
+                      <a:pt x="121" y="0"/>
+                      <a:pt x="90" y="28"/>
+                      <a:pt x="88" y="30"/>
+                    </a:cubicBezTo>
+                    <a:cubicBezTo>
+                      <a:pt x="86" y="32"/>
+                      <a:pt x="85" y="34"/>
+                      <a:pt x="85" y="37"/>
+                    </a:cubicBezTo>
+                    <a:cubicBezTo>
+                      <a:pt x="85" y="37"/>
+                      <a:pt x="85" y="166"/>
+                      <a:pt x="85" y="168"/>
+                    </a:cubicBezTo>
+                    <a:cubicBezTo>
+                      <a:pt x="61" y="181"/>
+                      <a:pt x="40" y="200"/>
+                      <a:pt x="26" y="223"/>
+                    </a:cubicBezTo>
+                    <a:cubicBezTo>
+                      <a:pt x="9" y="250"/>
+                      <a:pt x="0" y="280"/>
+                      <a:pt x="0" y="311"/>
+                    </a:cubicBezTo>
+                    <a:cubicBezTo>
+                      <a:pt x="0" y="402"/>
+                      <a:pt x="73" y="475"/>
+                      <a:pt x="164" y="475"/>
+                    </a:cubicBezTo>
+                    <a:cubicBezTo>
+                      <a:pt x="254" y="475"/>
+                      <a:pt x="328" y="402"/>
+                      <a:pt x="328" y="311"/>
+                    </a:cubicBezTo>
+                    <a:cubicBezTo>
+                      <a:pt x="328" y="279"/>
+                      <a:pt x="318" y="249"/>
+                      <a:pt x="301" y="222"/>
+                    </a:cubicBezTo>
+                    <a:close/>
+                  </a:path>
+                </a:pathLst>
+              </a:custGeom>
+              <a:solidFill>
+                <a:srgbClr val="594D7B"/>
+              </a:solidFill>
+              <a:ln>
+                <a:noFill/>
+              </a:ln>
+              <a:extLst>
+                <a:ext uri="{91240B29-F687-4F45-9708-019B960494DF}">
+                  <a14:hiddenLine xmlns:a14="http://schemas.microsoft.com/office/drawing/2010/main" w="9525">
+                    <a:solidFill>
+                      <a:srgbClr val="000000"/>
+                    </a:solidFill>
+                    <a:round/>
+                  </a14:hiddenLine>
+                </a:ext>
+              </a:extLst>
+            </p:spPr>
+            <p:txBody>
+              <a:bodyPr vert="horz" wrap="square" lIns="121920" tIns="60960" rIns="121920" bIns="60960" numCol="1" anchor="t" anchorCtr="0" compatLnSpc="1"/>
+              <a:lstStyle/>
+              <a:p>
+                <a:endParaRPr lang="zh-CN" altLang="en-US" sz="2400"/>
+              </a:p>
+            </p:txBody>
+          </p:sp>
+          <p:sp>
+            <p:nvSpPr>
+              <p:cNvPr id="121" name="Freeform 274">
+                <a:extLst>
+                  <a:ext uri="{FF2B5EF4-FFF2-40B4-BE49-F238E27FC236}">
+                    <a16:creationId xmlns:a16="http://schemas.microsoft.com/office/drawing/2014/main" id="{486555E3-2B55-A5E5-D36C-B262D733E535}"/>
+                  </a:ext>
+                </a:extLst>
+              </p:cNvPr>
+              <p:cNvSpPr>
+                <a:spLocks noEditPoints="1"/>
+              </p:cNvSpPr>
+              <p:nvPr/>
+            </p:nvSpPr>
+            <p:spPr bwMode="auto">
+              <a:xfrm>
+                <a:off x="-3664693" y="1901032"/>
+                <a:ext cx="1041400" cy="1509713"/>
+              </a:xfrm>
+              <a:custGeom>
+                <a:avLst/>
+                <a:gdLst>
+                  <a:gd name="T0" fmla="*/ 328 w 328"/>
+                  <a:gd name="T1" fmla="*/ 311 h 475"/>
+                  <a:gd name="T2" fmla="*/ 240 w 328"/>
+                  <a:gd name="T3" fmla="*/ 166 h 475"/>
+                  <a:gd name="T4" fmla="*/ 237 w 328"/>
+                  <a:gd name="T5" fmla="*/ 30 h 475"/>
+                  <a:gd name="T6" fmla="*/ 88 w 328"/>
+                  <a:gd name="T7" fmla="*/ 30 h 475"/>
+                  <a:gd name="T8" fmla="*/ 85 w 328"/>
+                  <a:gd name="T9" fmla="*/ 168 h 475"/>
+                  <a:gd name="T10" fmla="*/ 0 w 328"/>
+                  <a:gd name="T11" fmla="*/ 311 h 475"/>
+                  <a:gd name="T12" fmla="*/ 106 w 328"/>
+                  <a:gd name="T13" fmla="*/ 56 h 475"/>
+                  <a:gd name="T14" fmla="*/ 218 w 328"/>
+                  <a:gd name="T15" fmla="*/ 99 h 475"/>
+                  <a:gd name="T16" fmla="*/ 106 w 328"/>
+                  <a:gd name="T17" fmla="*/ 56 h 475"/>
+                  <a:gd name="T18" fmla="*/ 218 w 328"/>
+                  <a:gd name="T19" fmla="*/ 120 h 475"/>
+                  <a:gd name="T20" fmla="*/ 218 w 328"/>
+                  <a:gd name="T21" fmla="*/ 140 h 475"/>
+                  <a:gd name="T22" fmla="*/ 106 w 328"/>
+                  <a:gd name="T23" fmla="*/ 100 h 475"/>
+                  <a:gd name="T24" fmla="*/ 158 w 328"/>
+                  <a:gd name="T25" fmla="*/ 306 h 475"/>
+                  <a:gd name="T26" fmla="*/ 137 w 328"/>
+                  <a:gd name="T27" fmla="*/ 298 h 475"/>
+                  <a:gd name="T28" fmla="*/ 145 w 328"/>
+                  <a:gd name="T29" fmla="*/ 149 h 475"/>
+                  <a:gd name="T30" fmla="*/ 171 w 328"/>
+                  <a:gd name="T31" fmla="*/ 169 h 475"/>
+                  <a:gd name="T32" fmla="*/ 162 w 328"/>
+                  <a:gd name="T33" fmla="*/ 304 h 475"/>
+                  <a:gd name="T34" fmla="*/ 158 w 328"/>
+                  <a:gd name="T35" fmla="*/ 341 h 475"/>
+                  <a:gd name="T36" fmla="*/ 158 w 328"/>
+                  <a:gd name="T37" fmla="*/ 324 h 475"/>
+                  <a:gd name="T38" fmla="*/ 101 w 328"/>
+                  <a:gd name="T39" fmla="*/ 183 h 475"/>
+                  <a:gd name="T40" fmla="*/ 107 w 328"/>
+                  <a:gd name="T41" fmla="*/ 142 h 475"/>
+                  <a:gd name="T42" fmla="*/ 136 w 328"/>
+                  <a:gd name="T43" fmla="*/ 169 h 475"/>
+                  <a:gd name="T44" fmla="*/ 108 w 328"/>
+                  <a:gd name="T45" fmla="*/ 306 h 475"/>
+                  <a:gd name="T46" fmla="*/ 103 w 328"/>
+                  <a:gd name="T47" fmla="*/ 350 h 475"/>
+                  <a:gd name="T48" fmla="*/ 134 w 328"/>
+                  <a:gd name="T49" fmla="*/ 313 h 475"/>
+                  <a:gd name="T50" fmla="*/ 140 w 328"/>
+                  <a:gd name="T51" fmla="*/ 335 h 475"/>
+                  <a:gd name="T52" fmla="*/ 176 w 328"/>
+                  <a:gd name="T53" fmla="*/ 335 h 475"/>
+                  <a:gd name="T54" fmla="*/ 182 w 328"/>
+                  <a:gd name="T55" fmla="*/ 313 h 475"/>
+                  <a:gd name="T56" fmla="*/ 213 w 328"/>
+                  <a:gd name="T57" fmla="*/ 350 h 475"/>
+                  <a:gd name="T58" fmla="*/ 208 w 328"/>
+                  <a:gd name="T59" fmla="*/ 306 h 475"/>
+                  <a:gd name="T60" fmla="*/ 180 w 328"/>
+                  <a:gd name="T61" fmla="*/ 169 h 475"/>
+                  <a:gd name="T62" fmla="*/ 218 w 328"/>
+                  <a:gd name="T63" fmla="*/ 161 h 475"/>
+                  <a:gd name="T64" fmla="*/ 224 w 328"/>
+                  <a:gd name="T65" fmla="*/ 181 h 475"/>
+                  <a:gd name="T66" fmla="*/ 164 w 328"/>
+                  <a:gd name="T67" fmla="*/ 454 h 475"/>
+                  <a:gd name="T68" fmla="*/ 101 w 328"/>
+                  <a:gd name="T69" fmla="*/ 183 h 475"/>
+                  <a:gd name="T70" fmla="*/ 119 w 328"/>
+                  <a:gd name="T71" fmla="*/ 330 h 475"/>
+                  <a:gd name="T72" fmla="*/ 106 w 328"/>
+                  <a:gd name="T73" fmla="*/ 333 h 475"/>
+                  <a:gd name="T74" fmla="*/ 124 w 328"/>
+                  <a:gd name="T75" fmla="*/ 314 h 475"/>
+                  <a:gd name="T76" fmla="*/ 203 w 328"/>
+                  <a:gd name="T77" fmla="*/ 319 h 475"/>
+                  <a:gd name="T78" fmla="*/ 208 w 328"/>
+                  <a:gd name="T79" fmla="*/ 336 h 475"/>
+                  <a:gd name="T80" fmla="*/ 192 w 328"/>
+                  <a:gd name="T81" fmla="*/ 314 h 475"/>
+                </a:gdLst>
+                <a:ahLst/>
+                <a:cxnLst>
+                  <a:cxn ang="0">
+                    <a:pos x="T0" y="T1"/>
+                  </a:cxn>
+                  <a:cxn ang="0">
+                    <a:pos x="T2" y="T3"/>
+                  </a:cxn>
+                  <a:cxn ang="0">
+                    <a:pos x="T4" y="T5"/>
+                  </a:cxn>
+                  <a:cxn ang="0">
+                    <a:pos x="T6" y="T7"/>
+                  </a:cxn>
+                  <a:cxn ang="0">
+                    <a:pos x="T8" y="T9"/>
+                  </a:cxn>
+                  <a:cxn ang="0">
+                    <a:pos x="T10" y="T11"/>
+                  </a:cxn>
+                  <a:cxn ang="0">
+                    <a:pos x="T12" y="T13"/>
+                  </a:cxn>
+                  <a:cxn ang="0">
+                    <a:pos x="T14" y="T15"/>
+                  </a:cxn>
+                  <a:cxn ang="0">
+                    <a:pos x="T16" y="T17"/>
+                  </a:cxn>
+                  <a:cxn ang="0">
+                    <a:pos x="T18" y="T19"/>
+                  </a:cxn>
+                  <a:cxn ang="0">
+                    <a:pos x="T20" y="T21"/>
+                  </a:cxn>
+                  <a:cxn ang="0">
+                    <a:pos x="T22" y="T23"/>
+                  </a:cxn>
+                  <a:cxn ang="0">
+                    <a:pos x="T24" y="T25"/>
+                  </a:cxn>
+                  <a:cxn ang="0">
+                    <a:pos x="T26" y="T27"/>
+                  </a:cxn>
+                  <a:cxn ang="0">
+                    <a:pos x="T28" y="T29"/>
+                  </a:cxn>
+                  <a:cxn ang="0">
+                    <a:pos x="T30" y="T31"/>
+                  </a:cxn>
+                  <a:cxn ang="0">
+                    <a:pos x="T32" y="T33"/>
+                  </a:cxn>
+                  <a:cxn ang="0">
+                    <a:pos x="T34" y="T35"/>
+                  </a:cxn>
+                  <a:cxn ang="0">
+                    <a:pos x="T36" y="T37"/>
+                  </a:cxn>
+                  <a:cxn ang="0">
+                    <a:pos x="T38" y="T39"/>
+                  </a:cxn>
+                  <a:cxn ang="0">
+                    <a:pos x="T40" y="T41"/>
+                  </a:cxn>
+                  <a:cxn ang="0">
+                    <a:pos x="T42" y="T43"/>
+                  </a:cxn>
+                  <a:cxn ang="0">
+                    <a:pos x="T44" y="T45"/>
+                  </a:cxn>
+                  <a:cxn ang="0">
+                    <a:pos x="T46" y="T47"/>
+                  </a:cxn>
+                  <a:cxn ang="0">
+                    <a:pos x="T48" y="T49"/>
+                  </a:cxn>
+                  <a:cxn ang="0">
+                    <a:pos x="T50" y="T51"/>
+                  </a:cxn>
+                  <a:cxn ang="0">
+                    <a:pos x="T52" y="T53"/>
+                  </a:cxn>
+                  <a:cxn ang="0">
+                    <a:pos x="T54" y="T55"/>
+                  </a:cxn>
+                  <a:cxn ang="0">
+                    <a:pos x="T56" y="T57"/>
+                  </a:cxn>
+                  <a:cxn ang="0">
+                    <a:pos x="T58" y="T59"/>
+                  </a:cxn>
+                  <a:cxn ang="0">
+                    <a:pos x="T60" y="T61"/>
+                  </a:cxn>
+                  <a:cxn ang="0">
+                    <a:pos x="T62" y="T63"/>
+                  </a:cxn>
+                  <a:cxn ang="0">
+                    <a:pos x="T64" y="T65"/>
+                  </a:cxn>
+                  <a:cxn ang="0">
+                    <a:pos x="T66" y="T67"/>
+                  </a:cxn>
+                  <a:cxn ang="0">
+                    <a:pos x="T68" y="T69"/>
+                  </a:cxn>
+                  <a:cxn ang="0">
+                    <a:pos x="T70" y="T71"/>
+                  </a:cxn>
+                  <a:cxn ang="0">
+                    <a:pos x="T72" y="T73"/>
+                  </a:cxn>
+                  <a:cxn ang="0">
+                    <a:pos x="T74" y="T75"/>
+                  </a:cxn>
+                  <a:cxn ang="0">
+                    <a:pos x="T76" y="T77"/>
+                  </a:cxn>
+                  <a:cxn ang="0">
+                    <a:pos x="T78" y="T79"/>
+                  </a:cxn>
+                  <a:cxn ang="0">
+                    <a:pos x="T80" y="T81"/>
+                  </a:cxn>
+                </a:cxnLst>
+                <a:rect l="0" t="0" r="r" b="b"/>
+                <a:pathLst>
+                  <a:path w="328" h="475">
+                    <a:moveTo>
+                      <a:pt x="164" y="475"/>
+                    </a:moveTo>
+                    <a:cubicBezTo>
+                      <a:pt x="254" y="475"/>
+                      <a:pt x="328" y="402"/>
+                      <a:pt x="328" y="311"/>
+                    </a:cubicBezTo>
+                    <a:cubicBezTo>
+                      <a:pt x="328" y="279"/>
+                      <a:pt x="319" y="249"/>
+                      <a:pt x="301" y="222"/>
+                    </a:cubicBezTo>
+                    <a:cubicBezTo>
+                      <a:pt x="286" y="198"/>
+                      <a:pt x="265" y="179"/>
+                      <a:pt x="240" y="166"/>
+                    </a:cubicBezTo>
+                    <a:cubicBezTo>
+                      <a:pt x="239" y="165"/>
+                      <a:pt x="239" y="37"/>
+                      <a:pt x="239" y="37"/>
+                    </a:cubicBezTo>
+                    <a:cubicBezTo>
+                      <a:pt x="239" y="35"/>
+                      <a:pt x="239" y="32"/>
+                      <a:pt x="237" y="30"/>
+                    </a:cubicBezTo>
+                    <a:cubicBezTo>
+                      <a:pt x="236" y="29"/>
+                      <a:pt x="210" y="0"/>
+                      <a:pt x="165" y="0"/>
+                    </a:cubicBezTo>
+                    <a:cubicBezTo>
+                      <a:pt x="121" y="0"/>
+                      <a:pt x="90" y="28"/>
+                      <a:pt x="88" y="30"/>
+                    </a:cubicBezTo>
+                    <a:cubicBezTo>
+                      <a:pt x="86" y="32"/>
+                      <a:pt x="85" y="34"/>
+                      <a:pt x="85" y="37"/>
+                    </a:cubicBezTo>
+                    <a:cubicBezTo>
+                      <a:pt x="85" y="37"/>
+                      <a:pt x="85" y="166"/>
+                      <a:pt x="85" y="168"/>
+                    </a:cubicBezTo>
+                    <a:cubicBezTo>
+                      <a:pt x="61" y="181"/>
+                      <a:pt x="40" y="200"/>
+                      <a:pt x="26" y="223"/>
+                    </a:cubicBezTo>
+                    <a:cubicBezTo>
+                      <a:pt x="9" y="250"/>
+                      <a:pt x="0" y="280"/>
+                      <a:pt x="0" y="311"/>
+                    </a:cubicBezTo>
+                    <a:cubicBezTo>
+                      <a:pt x="0" y="402"/>
+                      <a:pt x="74" y="475"/>
+                      <a:pt x="164" y="475"/>
+                    </a:cubicBezTo>
+                    <a:close/>
+                    <a:moveTo>
+                      <a:pt x="106" y="56"/>
+                    </a:moveTo>
+                    <a:cubicBezTo>
+                      <a:pt x="218" y="76"/>
+                      <a:pt x="218" y="76"/>
+                      <a:pt x="218" y="76"/>
+                    </a:cubicBezTo>
+                    <a:cubicBezTo>
+                      <a:pt x="218" y="99"/>
+                      <a:pt x="218" y="99"/>
+                      <a:pt x="218" y="99"/>
+                    </a:cubicBezTo>
+                    <a:cubicBezTo>
+                      <a:pt x="106" y="79"/>
+                      <a:pt x="106" y="79"/>
+                      <a:pt x="106" y="79"/>
+                    </a:cubicBezTo>
+                    <a:lnTo>
+                      <a:pt x="106" y="56"/>
+                    </a:lnTo>
+                    <a:close/>
+                    <a:moveTo>
+                      <a:pt x="106" y="100"/>
+                    </a:moveTo>
+                    <a:cubicBezTo>
+                      <a:pt x="218" y="120"/>
+                      <a:pt x="218" y="120"/>
+                      <a:pt x="218" y="120"/>
+                    </a:cubicBezTo>
+                    <a:cubicBezTo>
+                      <a:pt x="218" y="134"/>
+                      <a:pt x="218" y="134"/>
+                      <a:pt x="218" y="134"/>
+                    </a:cubicBezTo>
+                    <a:cubicBezTo>
+                      <a:pt x="218" y="140"/>
+                      <a:pt x="218" y="140"/>
+                      <a:pt x="218" y="140"/>
+                    </a:cubicBezTo>
+                    <a:cubicBezTo>
+                      <a:pt x="106" y="121"/>
+                      <a:pt x="106" y="121"/>
+                      <a:pt x="106" y="121"/>
+                    </a:cubicBezTo>
+                    <a:lnTo>
+                      <a:pt x="106" y="100"/>
+                    </a:lnTo>
+                    <a:close/>
+                    <a:moveTo>
+                      <a:pt x="162" y="304"/>
+                    </a:moveTo>
+                    <a:cubicBezTo>
+                      <a:pt x="161" y="304"/>
+                      <a:pt x="159" y="305"/>
+                      <a:pt x="158" y="306"/>
+                    </a:cubicBezTo>
+                    <a:cubicBezTo>
+                      <a:pt x="157" y="305"/>
+                      <a:pt x="155" y="304"/>
+                      <a:pt x="154" y="304"/>
+                    </a:cubicBezTo>
+                    <a:cubicBezTo>
+                      <a:pt x="149" y="301"/>
+                      <a:pt x="143" y="299"/>
+                      <a:pt x="137" y="298"/>
+                    </a:cubicBezTo>
+                    <a:cubicBezTo>
+                      <a:pt x="142" y="263"/>
+                      <a:pt x="144" y="203"/>
+                      <a:pt x="145" y="169"/>
+                    </a:cubicBezTo>
+                    <a:cubicBezTo>
+                      <a:pt x="145" y="160"/>
+                      <a:pt x="145" y="152"/>
+                      <a:pt x="145" y="149"/>
+                    </a:cubicBezTo>
+                    <a:cubicBezTo>
+                      <a:pt x="171" y="153"/>
+                      <a:pt x="171" y="153"/>
+                      <a:pt x="171" y="153"/>
+                    </a:cubicBezTo>
+                    <a:cubicBezTo>
+                      <a:pt x="171" y="157"/>
+                      <a:pt x="171" y="163"/>
+                      <a:pt x="171" y="169"/>
+                    </a:cubicBezTo>
+                    <a:cubicBezTo>
+                      <a:pt x="172" y="203"/>
+                      <a:pt x="174" y="263"/>
+                      <a:pt x="179" y="298"/>
+                    </a:cubicBezTo>
+                    <a:cubicBezTo>
+                      <a:pt x="173" y="299"/>
+                      <a:pt x="167" y="301"/>
+                      <a:pt x="162" y="304"/>
+                    </a:cubicBezTo>
+                    <a:close/>
+                    <a:moveTo>
+                      <a:pt x="167" y="334"/>
+                    </a:moveTo>
+                    <a:cubicBezTo>
+                      <a:pt x="167" y="336"/>
+                      <a:pt x="162" y="341"/>
+                      <a:pt x="158" y="341"/>
+                    </a:cubicBezTo>
+                    <a:cubicBezTo>
+                      <a:pt x="154" y="341"/>
+                      <a:pt x="149" y="336"/>
+                      <a:pt x="149" y="334"/>
+                    </a:cubicBezTo>
+                    <a:cubicBezTo>
+                      <a:pt x="149" y="332"/>
+                      <a:pt x="152" y="327"/>
+                      <a:pt x="158" y="324"/>
+                    </a:cubicBezTo>
+                    <a:cubicBezTo>
+                      <a:pt x="165" y="327"/>
+                      <a:pt x="167" y="332"/>
+                      <a:pt x="167" y="334"/>
+                    </a:cubicBezTo>
+                    <a:close/>
+                    <a:moveTo>
+                      <a:pt x="101" y="183"/>
+                    </a:moveTo>
+                    <a:cubicBezTo>
+                      <a:pt x="107" y="180"/>
+                      <a:pt x="107" y="180"/>
+                      <a:pt x="107" y="180"/>
+                    </a:cubicBezTo>
+                    <a:cubicBezTo>
+                      <a:pt x="107" y="142"/>
+                      <a:pt x="107" y="142"/>
+                      <a:pt x="107" y="142"/>
+                    </a:cubicBezTo>
+                    <a:cubicBezTo>
+                      <a:pt x="136" y="147"/>
+                      <a:pt x="136" y="147"/>
+                      <a:pt x="136" y="147"/>
+                    </a:cubicBezTo>
+                    <a:cubicBezTo>
+                      <a:pt x="136" y="152"/>
+                      <a:pt x="136" y="160"/>
+                      <a:pt x="136" y="169"/>
+                    </a:cubicBezTo>
+                    <a:cubicBezTo>
+                      <a:pt x="135" y="206"/>
+                      <a:pt x="132" y="268"/>
+                      <a:pt x="127" y="298"/>
+                    </a:cubicBezTo>
+                    <a:cubicBezTo>
+                      <a:pt x="121" y="298"/>
+                      <a:pt x="114" y="301"/>
+                      <a:pt x="108" y="306"/>
+                    </a:cubicBezTo>
+                    <a:cubicBezTo>
+                      <a:pt x="103" y="311"/>
+                      <a:pt x="99" y="319"/>
+                      <a:pt x="97" y="329"/>
+                    </a:cubicBezTo>
+                    <a:cubicBezTo>
+                      <a:pt x="96" y="337"/>
+                      <a:pt x="98" y="345"/>
+                      <a:pt x="103" y="350"/>
+                    </a:cubicBezTo>
+                    <a:cubicBezTo>
+                      <a:pt x="109" y="355"/>
+                      <a:pt x="118" y="355"/>
+                      <a:pt x="126" y="340"/>
+                    </a:cubicBezTo>
+                    <a:cubicBezTo>
+                      <a:pt x="129" y="334"/>
+                      <a:pt x="132" y="325"/>
+                      <a:pt x="134" y="313"/>
+                    </a:cubicBezTo>
+                    <a:cubicBezTo>
+                      <a:pt x="138" y="314"/>
+                      <a:pt x="142" y="315"/>
+                      <a:pt x="146" y="316"/>
+                    </a:cubicBezTo>
+                    <a:cubicBezTo>
+                      <a:pt x="140" y="323"/>
+                      <a:pt x="140" y="331"/>
+                      <a:pt x="140" y="335"/>
+                    </a:cubicBezTo>
+                    <a:cubicBezTo>
+                      <a:pt x="140" y="346"/>
+                      <a:pt x="149" y="357"/>
+                      <a:pt x="158" y="357"/>
+                    </a:cubicBezTo>
+                    <a:cubicBezTo>
+                      <a:pt x="167" y="357"/>
+                      <a:pt x="176" y="346"/>
+                      <a:pt x="176" y="335"/>
+                    </a:cubicBezTo>
+                    <a:cubicBezTo>
+                      <a:pt x="176" y="331"/>
+                      <a:pt x="176" y="323"/>
+                      <a:pt x="170" y="316"/>
+                    </a:cubicBezTo>
+                    <a:cubicBezTo>
+                      <a:pt x="174" y="315"/>
+                      <a:pt x="178" y="314"/>
+                      <a:pt x="182" y="313"/>
+                    </a:cubicBezTo>
+                    <a:cubicBezTo>
+                      <a:pt x="184" y="325"/>
+                      <a:pt x="187" y="334"/>
+                      <a:pt x="190" y="340"/>
+                    </a:cubicBezTo>
+                    <a:cubicBezTo>
+                      <a:pt x="198" y="355"/>
+                      <a:pt x="208" y="355"/>
+                      <a:pt x="213" y="350"/>
+                    </a:cubicBezTo>
+                    <a:cubicBezTo>
+                      <a:pt x="218" y="345"/>
+                      <a:pt x="220" y="337"/>
+                      <a:pt x="219" y="329"/>
+                    </a:cubicBezTo>
+                    <a:cubicBezTo>
+                      <a:pt x="217" y="319"/>
+                      <a:pt x="213" y="311"/>
+                      <a:pt x="208" y="306"/>
+                    </a:cubicBezTo>
+                    <a:cubicBezTo>
+                      <a:pt x="202" y="301"/>
+                      <a:pt x="196" y="298"/>
+                      <a:pt x="189" y="298"/>
+                    </a:cubicBezTo>
+                    <a:cubicBezTo>
+                      <a:pt x="184" y="268"/>
+                      <a:pt x="182" y="206"/>
+                      <a:pt x="180" y="169"/>
+                    </a:cubicBezTo>
+                    <a:cubicBezTo>
+                      <a:pt x="180" y="164"/>
+                      <a:pt x="180" y="159"/>
+                      <a:pt x="180" y="155"/>
+                    </a:cubicBezTo>
+                    <a:cubicBezTo>
+                      <a:pt x="218" y="161"/>
+                      <a:pt x="218" y="161"/>
+                      <a:pt x="218" y="161"/>
+                    </a:cubicBezTo>
+                    <a:cubicBezTo>
+                      <a:pt x="218" y="179"/>
+                      <a:pt x="218" y="179"/>
+                      <a:pt x="218" y="179"/>
+                    </a:cubicBezTo>
+                    <a:cubicBezTo>
+                      <a:pt x="224" y="181"/>
+                      <a:pt x="224" y="181"/>
+                      <a:pt x="224" y="181"/>
+                    </a:cubicBezTo>
+                    <a:cubicBezTo>
+                      <a:pt x="275" y="205"/>
+                      <a:pt x="307" y="256"/>
+                      <a:pt x="307" y="311"/>
+                    </a:cubicBezTo>
+                    <a:cubicBezTo>
+                      <a:pt x="307" y="390"/>
+                      <a:pt x="243" y="454"/>
+                      <a:pt x="164" y="454"/>
+                    </a:cubicBezTo>
+                    <a:cubicBezTo>
+                      <a:pt x="85" y="454"/>
+                      <a:pt x="21" y="390"/>
+                      <a:pt x="21" y="311"/>
+                    </a:cubicBezTo>
+                    <a:cubicBezTo>
+                      <a:pt x="21" y="256"/>
+                      <a:pt x="52" y="207"/>
+                      <a:pt x="101" y="183"/>
+                    </a:cubicBezTo>
+                    <a:close/>
+                    <a:moveTo>
+                      <a:pt x="124" y="314"/>
+                    </a:moveTo>
+                    <a:cubicBezTo>
+                      <a:pt x="123" y="321"/>
+                      <a:pt x="121" y="326"/>
+                      <a:pt x="119" y="330"/>
+                    </a:cubicBezTo>
+                    <a:cubicBezTo>
+                      <a:pt x="114" y="338"/>
+                      <a:pt x="110" y="339"/>
+                      <a:pt x="108" y="336"/>
+                    </a:cubicBezTo>
+                    <a:cubicBezTo>
+                      <a:pt x="107" y="335"/>
+                      <a:pt x="106" y="334"/>
+                      <a:pt x="106" y="333"/>
+                    </a:cubicBezTo>
+                    <a:cubicBezTo>
+                      <a:pt x="107" y="327"/>
+                      <a:pt x="109" y="323"/>
+                      <a:pt x="113" y="319"/>
+                    </a:cubicBezTo>
+                    <a:cubicBezTo>
+                      <a:pt x="116" y="316"/>
+                      <a:pt x="120" y="315"/>
+                      <a:pt x="124" y="314"/>
+                    </a:cubicBezTo>
+                    <a:close/>
+                    <a:moveTo>
+                      <a:pt x="192" y="314"/>
+                    </a:moveTo>
+                    <a:cubicBezTo>
+                      <a:pt x="196" y="315"/>
+                      <a:pt x="200" y="316"/>
+                      <a:pt x="203" y="319"/>
+                    </a:cubicBezTo>
+                    <a:cubicBezTo>
+                      <a:pt x="207" y="323"/>
+                      <a:pt x="209" y="327"/>
+                      <a:pt x="210" y="333"/>
+                    </a:cubicBezTo>
+                    <a:cubicBezTo>
+                      <a:pt x="210" y="334"/>
+                      <a:pt x="209" y="335"/>
+                      <a:pt x="208" y="336"/>
+                    </a:cubicBezTo>
+                    <a:cubicBezTo>
+                      <a:pt x="206" y="339"/>
+                      <a:pt x="202" y="338"/>
+                      <a:pt x="197" y="330"/>
+                    </a:cubicBezTo>
+                    <a:cubicBezTo>
+                      <a:pt x="195" y="326"/>
+                      <a:pt x="193" y="321"/>
+                      <a:pt x="192" y="314"/>
+                    </a:cubicBezTo>
+                    <a:close/>
+                  </a:path>
+                </a:pathLst>
+              </a:custGeom>
+              <a:solidFill>
+                <a:srgbClr val="3B3B3B"/>
+              </a:solidFill>
+              <a:ln>
+                <a:noFill/>
+              </a:ln>
+              <a:extLst>
+                <a:ext uri="{91240B29-F687-4F45-9708-019B960494DF}">
+                  <a14:hiddenLine xmlns:a14="http://schemas.microsoft.com/office/drawing/2010/main" w="9525">
+                    <a:solidFill>
+                      <a:srgbClr val="000000"/>
+                    </a:solidFill>
+                    <a:round/>
+                  </a14:hiddenLine>
+                </a:ext>
+              </a:extLst>
+            </p:spPr>
+            <p:txBody>
+              <a:bodyPr vert="horz" wrap="square" lIns="121920" tIns="60960" rIns="121920" bIns="60960" numCol="1" anchor="t" anchorCtr="0" compatLnSpc="1"/>
+              <a:lstStyle/>
+              <a:p>
+                <a:endParaRPr lang="zh-CN" altLang="en-US" sz="2400"/>
+              </a:p>
+            </p:txBody>
+          </p:sp>
+          <p:sp>
+            <p:nvSpPr>
+              <p:cNvPr id="122" name="Freeform 275">
+                <a:extLst>
+                  <a:ext uri="{FF2B5EF4-FFF2-40B4-BE49-F238E27FC236}">
+                    <a16:creationId xmlns:a16="http://schemas.microsoft.com/office/drawing/2014/main" id="{67347CB8-0AC1-D7A8-838C-B67B91087450}"/>
+                  </a:ext>
+                </a:extLst>
+              </p:cNvPr>
+              <p:cNvSpPr/>
+              <p:nvPr/>
+            </p:nvSpPr>
+            <p:spPr bwMode="auto">
+              <a:xfrm>
+                <a:off x="-2540742" y="2934495"/>
+                <a:ext cx="298450" cy="79375"/>
+              </a:xfrm>
+              <a:custGeom>
+                <a:avLst/>
+                <a:gdLst>
+                  <a:gd name="T0" fmla="*/ 0 w 94"/>
+                  <a:gd name="T1" fmla="*/ 12 h 25"/>
+                  <a:gd name="T2" fmla="*/ 13 w 94"/>
+                  <a:gd name="T3" fmla="*/ 25 h 25"/>
+                  <a:gd name="T4" fmla="*/ 81 w 94"/>
+                  <a:gd name="T5" fmla="*/ 25 h 25"/>
+                  <a:gd name="T6" fmla="*/ 94 w 94"/>
+                  <a:gd name="T7" fmla="*/ 12 h 25"/>
+                  <a:gd name="T8" fmla="*/ 81 w 94"/>
+                  <a:gd name="T9" fmla="*/ 0 h 25"/>
+                  <a:gd name="T10" fmla="*/ 13 w 94"/>
+                  <a:gd name="T11" fmla="*/ 0 h 25"/>
+                  <a:gd name="T12" fmla="*/ 0 w 94"/>
+                  <a:gd name="T13" fmla="*/ 12 h 25"/>
+                </a:gdLst>
+                <a:ahLst/>
+                <a:cxnLst>
+                  <a:cxn ang="0">
+                    <a:pos x="T0" y="T1"/>
+                  </a:cxn>
+                  <a:cxn ang="0">
+                    <a:pos x="T2" y="T3"/>
+                  </a:cxn>
+                  <a:cxn ang="0">
+                    <a:pos x="T4" y="T5"/>
+                  </a:cxn>
+                  <a:cxn ang="0">
+                    <a:pos x="T6" y="T7"/>
+                  </a:cxn>
+                  <a:cxn ang="0">
+                    <a:pos x="T8" y="T9"/>
+                  </a:cxn>
+                  <a:cxn ang="0">
+                    <a:pos x="T10" y="T11"/>
+                  </a:cxn>
+                  <a:cxn ang="0">
+                    <a:pos x="T12" y="T13"/>
+                  </a:cxn>
+                </a:cxnLst>
+                <a:rect l="0" t="0" r="r" b="b"/>
+                <a:pathLst>
+                  <a:path w="94" h="25">
+                    <a:moveTo>
+                      <a:pt x="0" y="12"/>
+                    </a:moveTo>
+                    <a:cubicBezTo>
+                      <a:pt x="0" y="19"/>
+                      <a:pt x="6" y="25"/>
+                      <a:pt x="13" y="25"/>
+                    </a:cubicBezTo>
+                    <a:cubicBezTo>
+                      <a:pt x="81" y="25"/>
+                      <a:pt x="81" y="25"/>
+                      <a:pt x="81" y="25"/>
+                    </a:cubicBezTo>
+                    <a:cubicBezTo>
+                      <a:pt x="88" y="25"/>
+                      <a:pt x="94" y="19"/>
+                      <a:pt x="94" y="12"/>
+                    </a:cubicBezTo>
+                    <a:cubicBezTo>
+                      <a:pt x="94" y="6"/>
+                      <a:pt x="88" y="0"/>
+                      <a:pt x="81" y="0"/>
+                    </a:cubicBezTo>
+                    <a:cubicBezTo>
+                      <a:pt x="13" y="0"/>
+                      <a:pt x="13" y="0"/>
+                      <a:pt x="13" y="0"/>
+                    </a:cubicBezTo>
+                    <a:cubicBezTo>
+                      <a:pt x="6" y="0"/>
+                      <a:pt x="0" y="6"/>
+                      <a:pt x="0" y="12"/>
+                    </a:cubicBezTo>
+                    <a:close/>
+                  </a:path>
+                </a:pathLst>
+              </a:custGeom>
+              <a:solidFill>
+                <a:srgbClr val="3B3B3B"/>
+              </a:solidFill>
+              <a:ln>
+                <a:noFill/>
+              </a:ln>
+              <a:extLst>
+                <a:ext uri="{91240B29-F687-4F45-9708-019B960494DF}">
+                  <a14:hiddenLine xmlns:a14="http://schemas.microsoft.com/office/drawing/2010/main" w="9525">
+                    <a:solidFill>
+                      <a:srgbClr val="000000"/>
+                    </a:solidFill>
+                    <a:round/>
+                  </a14:hiddenLine>
+                </a:ext>
+              </a:extLst>
+            </p:spPr>
+            <p:txBody>
+              <a:bodyPr vert="horz" wrap="square" lIns="121920" tIns="60960" rIns="121920" bIns="60960" numCol="1" anchor="t" anchorCtr="0" compatLnSpc="1"/>
+              <a:lstStyle/>
+              <a:p>
+                <a:endParaRPr lang="zh-CN" altLang="en-US" sz="2400"/>
+              </a:p>
+            </p:txBody>
+          </p:sp>
+          <p:sp>
+            <p:nvSpPr>
+              <p:cNvPr id="123" name="Freeform 276">
+                <a:extLst>
+                  <a:ext uri="{FF2B5EF4-FFF2-40B4-BE49-F238E27FC236}">
+                    <a16:creationId xmlns:a16="http://schemas.microsoft.com/office/drawing/2014/main" id="{8351C17F-B819-D45C-77F7-EB10A45FA73D}"/>
+                  </a:ext>
+                </a:extLst>
+              </p:cNvPr>
+              <p:cNvSpPr/>
+              <p:nvPr/>
+            </p:nvSpPr>
+            <p:spPr bwMode="auto">
+              <a:xfrm>
+                <a:off x="-3236068" y="3488532"/>
+                <a:ext cx="79375" cy="292100"/>
+              </a:xfrm>
+              <a:custGeom>
+                <a:avLst/>
+                <a:gdLst>
+                  <a:gd name="T0" fmla="*/ 13 w 25"/>
+                  <a:gd name="T1" fmla="*/ 0 h 92"/>
+                  <a:gd name="T2" fmla="*/ 0 w 25"/>
+                  <a:gd name="T3" fmla="*/ 13 h 92"/>
+                  <a:gd name="T4" fmla="*/ 0 w 25"/>
+                  <a:gd name="T5" fmla="*/ 79 h 92"/>
+                  <a:gd name="T6" fmla="*/ 13 w 25"/>
+                  <a:gd name="T7" fmla="*/ 92 h 92"/>
+                  <a:gd name="T8" fmla="*/ 25 w 25"/>
+                  <a:gd name="T9" fmla="*/ 79 h 92"/>
+                  <a:gd name="T10" fmla="*/ 25 w 25"/>
+                  <a:gd name="T11" fmla="*/ 13 h 92"/>
+                  <a:gd name="T12" fmla="*/ 13 w 25"/>
+                  <a:gd name="T13" fmla="*/ 0 h 92"/>
+                </a:gdLst>
+                <a:ahLst/>
+                <a:cxnLst>
+                  <a:cxn ang="0">
+                    <a:pos x="T0" y="T1"/>
+                  </a:cxn>
+                  <a:cxn ang="0">
+                    <a:pos x="T2" y="T3"/>
+                  </a:cxn>
+                  <a:cxn ang="0">
+                    <a:pos x="T4" y="T5"/>
+                  </a:cxn>
+                  <a:cxn ang="0">
+                    <a:pos x="T6" y="T7"/>
+                  </a:cxn>
+                  <a:cxn ang="0">
+                    <a:pos x="T8" y="T9"/>
+                  </a:cxn>
+                  <a:cxn ang="0">
+                    <a:pos x="T10" y="T11"/>
+                  </a:cxn>
+                  <a:cxn ang="0">
+                    <a:pos x="T12" y="T13"/>
+                  </a:cxn>
+                </a:cxnLst>
+                <a:rect l="0" t="0" r="r" b="b"/>
+                <a:pathLst>
+                  <a:path w="25" h="92">
+                    <a:moveTo>
+                      <a:pt x="13" y="0"/>
+                    </a:moveTo>
+                    <a:cubicBezTo>
+                      <a:pt x="6" y="0"/>
+                      <a:pt x="0" y="6"/>
+                      <a:pt x="0" y="13"/>
+                    </a:cubicBezTo>
+                    <a:cubicBezTo>
+                      <a:pt x="0" y="79"/>
+                      <a:pt x="0" y="79"/>
+                      <a:pt x="0" y="79"/>
+                    </a:cubicBezTo>
+                    <a:cubicBezTo>
+                      <a:pt x="0" y="86"/>
+                      <a:pt x="6" y="92"/>
+                      <a:pt x="13" y="92"/>
+                    </a:cubicBezTo>
+                    <a:cubicBezTo>
+                      <a:pt x="20" y="92"/>
+                      <a:pt x="25" y="86"/>
+                      <a:pt x="25" y="79"/>
+                    </a:cubicBezTo>
+                    <a:cubicBezTo>
+                      <a:pt x="25" y="13"/>
+                      <a:pt x="25" y="13"/>
+                      <a:pt x="25" y="13"/>
+                    </a:cubicBezTo>
+                    <a:cubicBezTo>
+                      <a:pt x="25" y="6"/>
+                      <a:pt x="20" y="0"/>
+                      <a:pt x="13" y="0"/>
+                    </a:cubicBezTo>
+                    <a:close/>
+                  </a:path>
+                </a:pathLst>
+              </a:custGeom>
+              <a:solidFill>
+                <a:srgbClr val="3B3B3B"/>
+              </a:solidFill>
+              <a:ln>
+                <a:noFill/>
+              </a:ln>
+              <a:extLst>
+                <a:ext uri="{91240B29-F687-4F45-9708-019B960494DF}">
+                  <a14:hiddenLine xmlns:a14="http://schemas.microsoft.com/office/drawing/2010/main" w="9525">
+                    <a:solidFill>
+                      <a:srgbClr val="000000"/>
+                    </a:solidFill>
+                    <a:round/>
+                  </a14:hiddenLine>
+                </a:ext>
+              </a:extLst>
+            </p:spPr>
+            <p:txBody>
+              <a:bodyPr vert="horz" wrap="square" lIns="121920" tIns="60960" rIns="121920" bIns="60960" numCol="1" anchor="t" anchorCtr="0" compatLnSpc="1"/>
+              <a:lstStyle/>
+              <a:p>
+                <a:endParaRPr lang="zh-CN" altLang="en-US" sz="2400"/>
+              </a:p>
+            </p:txBody>
+          </p:sp>
+          <p:sp>
+            <p:nvSpPr>
+              <p:cNvPr id="124" name="Freeform 277">
+                <a:extLst>
+                  <a:ext uri="{FF2B5EF4-FFF2-40B4-BE49-F238E27FC236}">
+                    <a16:creationId xmlns:a16="http://schemas.microsoft.com/office/drawing/2014/main" id="{0B21F9C2-BC45-18B0-3913-D1A9EFAF83F8}"/>
+                  </a:ext>
+                </a:extLst>
+              </p:cNvPr>
+              <p:cNvSpPr/>
+              <p:nvPr/>
+            </p:nvSpPr>
+            <p:spPr bwMode="auto">
+              <a:xfrm>
+                <a:off x="-4061568" y="2899570"/>
+                <a:ext cx="298450" cy="76200"/>
+              </a:xfrm>
+              <a:custGeom>
+                <a:avLst/>
+                <a:gdLst>
+                  <a:gd name="T0" fmla="*/ 13 w 94"/>
+                  <a:gd name="T1" fmla="*/ 24 h 24"/>
+                  <a:gd name="T2" fmla="*/ 81 w 94"/>
+                  <a:gd name="T3" fmla="*/ 24 h 24"/>
+                  <a:gd name="T4" fmla="*/ 94 w 94"/>
+                  <a:gd name="T5" fmla="*/ 12 h 24"/>
+                  <a:gd name="T6" fmla="*/ 81 w 94"/>
+                  <a:gd name="T7" fmla="*/ 0 h 24"/>
+                  <a:gd name="T8" fmla="*/ 13 w 94"/>
+                  <a:gd name="T9" fmla="*/ 0 h 24"/>
+                  <a:gd name="T10" fmla="*/ 0 w 94"/>
+                  <a:gd name="T11" fmla="*/ 12 h 24"/>
+                  <a:gd name="T12" fmla="*/ 13 w 94"/>
+                  <a:gd name="T13" fmla="*/ 24 h 24"/>
+                </a:gdLst>
+                <a:ahLst/>
+                <a:cxnLst>
+                  <a:cxn ang="0">
+                    <a:pos x="T0" y="T1"/>
+                  </a:cxn>
+                  <a:cxn ang="0">
+                    <a:pos x="T2" y="T3"/>
+                  </a:cxn>
+                  <a:cxn ang="0">
+                    <a:pos x="T4" y="T5"/>
+                  </a:cxn>
+                  <a:cxn ang="0">
+                    <a:pos x="T6" y="T7"/>
+                  </a:cxn>
+                  <a:cxn ang="0">
+                    <a:pos x="T8" y="T9"/>
+                  </a:cxn>
+                  <a:cxn ang="0">
+                    <a:pos x="T10" y="T11"/>
+                  </a:cxn>
+                  <a:cxn ang="0">
+                    <a:pos x="T12" y="T13"/>
+                  </a:cxn>
+                </a:cxnLst>
+                <a:rect l="0" t="0" r="r" b="b"/>
+                <a:pathLst>
+                  <a:path w="94" h="24">
+                    <a:moveTo>
+                      <a:pt x="13" y="24"/>
+                    </a:moveTo>
+                    <a:cubicBezTo>
+                      <a:pt x="81" y="24"/>
+                      <a:pt x="81" y="24"/>
+                      <a:pt x="81" y="24"/>
+                    </a:cubicBezTo>
+                    <a:cubicBezTo>
+                      <a:pt x="88" y="24"/>
+                      <a:pt x="94" y="19"/>
+                      <a:pt x="94" y="12"/>
+                    </a:cubicBezTo>
+                    <a:cubicBezTo>
+                      <a:pt x="94" y="5"/>
+                      <a:pt x="88" y="0"/>
+                      <a:pt x="81" y="0"/>
+                    </a:cubicBezTo>
+                    <a:cubicBezTo>
+                      <a:pt x="13" y="0"/>
+                      <a:pt x="13" y="0"/>
+                      <a:pt x="13" y="0"/>
+                    </a:cubicBezTo>
+                    <a:cubicBezTo>
+                      <a:pt x="6" y="0"/>
+                      <a:pt x="0" y="5"/>
+                      <a:pt x="0" y="12"/>
+                    </a:cubicBezTo>
+                    <a:cubicBezTo>
+                      <a:pt x="0" y="19"/>
+                      <a:pt x="6" y="24"/>
+                      <a:pt x="13" y="24"/>
+                    </a:cubicBezTo>
+                    <a:close/>
+                  </a:path>
+                </a:pathLst>
+              </a:custGeom>
+              <a:solidFill>
+                <a:srgbClr val="3B3B3B"/>
+              </a:solidFill>
+              <a:ln>
+                <a:noFill/>
+              </a:ln>
+              <a:extLst>
+                <a:ext uri="{91240B29-F687-4F45-9708-019B960494DF}">
+                  <a14:hiddenLine xmlns:a14="http://schemas.microsoft.com/office/drawing/2010/main" w="9525">
+                    <a:solidFill>
+                      <a:srgbClr val="000000"/>
+                    </a:solidFill>
+                    <a:round/>
+                  </a14:hiddenLine>
+                </a:ext>
+              </a:extLst>
+            </p:spPr>
+            <p:txBody>
+              <a:bodyPr vert="horz" wrap="square" lIns="121920" tIns="60960" rIns="121920" bIns="60960" numCol="1" anchor="t" anchorCtr="0" compatLnSpc="1"/>
+              <a:lstStyle/>
+              <a:p>
+                <a:endParaRPr lang="zh-CN" altLang="en-US" sz="2400"/>
+              </a:p>
+            </p:txBody>
+          </p:sp>
+          <p:sp>
+            <p:nvSpPr>
+              <p:cNvPr id="125" name="Freeform 278">
+                <a:extLst>
+                  <a:ext uri="{FF2B5EF4-FFF2-40B4-BE49-F238E27FC236}">
+                    <a16:creationId xmlns:a16="http://schemas.microsoft.com/office/drawing/2014/main" id="{C8C1A224-EE12-76B7-68C4-328927A278FB}"/>
+                  </a:ext>
+                </a:extLst>
+              </p:cNvPr>
+              <p:cNvSpPr/>
+              <p:nvPr/>
+            </p:nvSpPr>
+            <p:spPr bwMode="auto">
+              <a:xfrm>
+                <a:off x="-3890118" y="2304257"/>
+                <a:ext cx="266700" cy="212725"/>
+              </a:xfrm>
+              <a:custGeom>
+                <a:avLst/>
+                <a:gdLst>
+                  <a:gd name="T0" fmla="*/ 7 w 84"/>
+                  <a:gd name="T1" fmla="*/ 22 h 67"/>
+                  <a:gd name="T2" fmla="*/ 62 w 84"/>
+                  <a:gd name="T3" fmla="*/ 63 h 67"/>
+                  <a:gd name="T4" fmla="*/ 79 w 84"/>
+                  <a:gd name="T5" fmla="*/ 60 h 67"/>
+                  <a:gd name="T6" fmla="*/ 77 w 84"/>
+                  <a:gd name="T7" fmla="*/ 43 h 67"/>
+                  <a:gd name="T8" fmla="*/ 22 w 84"/>
+                  <a:gd name="T9" fmla="*/ 3 h 67"/>
+                  <a:gd name="T10" fmla="*/ 15 w 84"/>
+                  <a:gd name="T11" fmla="*/ 0 h 67"/>
+                  <a:gd name="T12" fmla="*/ 4 w 84"/>
+                  <a:gd name="T13" fmla="*/ 5 h 67"/>
+                  <a:gd name="T14" fmla="*/ 7 w 84"/>
+                  <a:gd name="T15" fmla="*/ 22 h 67"/>
+                </a:gdLst>
+                <a:ahLst/>
+                <a:cxnLst>
+                  <a:cxn ang="0">
+                    <a:pos x="T0" y="T1"/>
+                  </a:cxn>
+                  <a:cxn ang="0">
+                    <a:pos x="T2" y="T3"/>
+                  </a:cxn>
+                  <a:cxn ang="0">
+                    <a:pos x="T4" y="T5"/>
+                  </a:cxn>
+                  <a:cxn ang="0">
+                    <a:pos x="T6" y="T7"/>
+                  </a:cxn>
+                  <a:cxn ang="0">
+                    <a:pos x="T8" y="T9"/>
+                  </a:cxn>
+                  <a:cxn ang="0">
+                    <a:pos x="T10" y="T11"/>
+                  </a:cxn>
+                  <a:cxn ang="0">
+                    <a:pos x="T12" y="T13"/>
+                  </a:cxn>
+                  <a:cxn ang="0">
+                    <a:pos x="T14" y="T15"/>
+                  </a:cxn>
+                </a:cxnLst>
+                <a:rect l="0" t="0" r="r" b="b"/>
+                <a:pathLst>
+                  <a:path w="84" h="67">
+                    <a:moveTo>
+                      <a:pt x="7" y="22"/>
+                    </a:moveTo>
+                    <a:cubicBezTo>
+                      <a:pt x="62" y="63"/>
+                      <a:pt x="62" y="63"/>
+                      <a:pt x="62" y="63"/>
+                    </a:cubicBezTo>
+                    <a:cubicBezTo>
+                      <a:pt x="67" y="67"/>
+                      <a:pt x="75" y="66"/>
+                      <a:pt x="79" y="60"/>
+                    </a:cubicBezTo>
+                    <a:cubicBezTo>
+                      <a:pt x="84" y="55"/>
+                      <a:pt x="82" y="47"/>
+                      <a:pt x="77" y="43"/>
+                    </a:cubicBezTo>
+                    <a:cubicBezTo>
+                      <a:pt x="22" y="3"/>
+                      <a:pt x="22" y="3"/>
+                      <a:pt x="22" y="3"/>
+                    </a:cubicBezTo>
+                    <a:cubicBezTo>
+                      <a:pt x="20" y="1"/>
+                      <a:pt x="17" y="0"/>
+                      <a:pt x="15" y="0"/>
+                    </a:cubicBezTo>
+                    <a:cubicBezTo>
+                      <a:pt x="11" y="0"/>
+                      <a:pt x="7" y="2"/>
+                      <a:pt x="4" y="5"/>
+                    </a:cubicBezTo>
+                    <a:cubicBezTo>
+                      <a:pt x="0" y="11"/>
+                      <a:pt x="1" y="18"/>
+                      <a:pt x="7" y="22"/>
+                    </a:cubicBezTo>
+                    <a:close/>
+                  </a:path>
+                </a:pathLst>
+              </a:custGeom>
+              <a:solidFill>
+                <a:srgbClr val="3B3B3B"/>
+              </a:solidFill>
+              <a:ln>
+                <a:noFill/>
+              </a:ln>
+              <a:extLst>
+                <a:ext uri="{91240B29-F687-4F45-9708-019B960494DF}">
+                  <a14:hiddenLine xmlns:a14="http://schemas.microsoft.com/office/drawing/2010/main" w="9525">
+                    <a:solidFill>
+                      <a:srgbClr val="000000"/>
+                    </a:solidFill>
+                    <a:round/>
+                  </a14:hiddenLine>
+                </a:ext>
+              </a:extLst>
+            </p:spPr>
+            <p:txBody>
+              <a:bodyPr vert="horz" wrap="square" lIns="121920" tIns="60960" rIns="121920" bIns="60960" numCol="1" anchor="t" anchorCtr="0" compatLnSpc="1"/>
+              <a:lstStyle/>
+              <a:p>
+                <a:endParaRPr lang="zh-CN" altLang="en-US" sz="2400"/>
+              </a:p>
+            </p:txBody>
+          </p:sp>
+          <p:sp>
+            <p:nvSpPr>
+              <p:cNvPr id="126" name="Freeform 279">
+                <a:extLst>
+                  <a:ext uri="{FF2B5EF4-FFF2-40B4-BE49-F238E27FC236}">
+                    <a16:creationId xmlns:a16="http://schemas.microsoft.com/office/drawing/2014/main" id="{DF3A60F7-D23C-D8DC-B9B4-20A06D60B62D}"/>
+                  </a:ext>
+                </a:extLst>
+              </p:cNvPr>
+              <p:cNvSpPr/>
+              <p:nvPr/>
+            </p:nvSpPr>
+            <p:spPr bwMode="auto">
+              <a:xfrm>
+                <a:off x="-2674092" y="2304257"/>
+                <a:ext cx="266700" cy="212725"/>
+              </a:xfrm>
+              <a:custGeom>
+                <a:avLst/>
+                <a:gdLst>
+                  <a:gd name="T0" fmla="*/ 22 w 84"/>
+                  <a:gd name="T1" fmla="*/ 63 h 67"/>
+                  <a:gd name="T2" fmla="*/ 77 w 84"/>
+                  <a:gd name="T3" fmla="*/ 22 h 67"/>
+                  <a:gd name="T4" fmla="*/ 79 w 84"/>
+                  <a:gd name="T5" fmla="*/ 5 h 67"/>
+                  <a:gd name="T6" fmla="*/ 69 w 84"/>
+                  <a:gd name="T7" fmla="*/ 0 h 67"/>
+                  <a:gd name="T8" fmla="*/ 62 w 84"/>
+                  <a:gd name="T9" fmla="*/ 3 h 67"/>
+                  <a:gd name="T10" fmla="*/ 7 w 84"/>
+                  <a:gd name="T11" fmla="*/ 43 h 67"/>
+                  <a:gd name="T12" fmla="*/ 5 w 84"/>
+                  <a:gd name="T13" fmla="*/ 60 h 67"/>
+                  <a:gd name="T14" fmla="*/ 22 w 84"/>
+                  <a:gd name="T15" fmla="*/ 63 h 67"/>
+                </a:gdLst>
+                <a:ahLst/>
+                <a:cxnLst>
+                  <a:cxn ang="0">
+                    <a:pos x="T0" y="T1"/>
+                  </a:cxn>
+                  <a:cxn ang="0">
+                    <a:pos x="T2" y="T3"/>
+                  </a:cxn>
+                  <a:cxn ang="0">
+                    <a:pos x="T4" y="T5"/>
+                  </a:cxn>
+                  <a:cxn ang="0">
+                    <a:pos x="T6" y="T7"/>
+                  </a:cxn>
+                  <a:cxn ang="0">
+                    <a:pos x="T8" y="T9"/>
+                  </a:cxn>
+                  <a:cxn ang="0">
+                    <a:pos x="T10" y="T11"/>
+                  </a:cxn>
+                  <a:cxn ang="0">
+                    <a:pos x="T12" y="T13"/>
+                  </a:cxn>
+                  <a:cxn ang="0">
+                    <a:pos x="T14" y="T15"/>
+                  </a:cxn>
+                </a:cxnLst>
+                <a:rect l="0" t="0" r="r" b="b"/>
+                <a:pathLst>
+                  <a:path w="84" h="67">
+                    <a:moveTo>
+                      <a:pt x="22" y="63"/>
+                    </a:moveTo>
+                    <a:cubicBezTo>
+                      <a:pt x="77" y="22"/>
+                      <a:pt x="77" y="22"/>
+                      <a:pt x="77" y="22"/>
+                    </a:cubicBezTo>
+                    <a:cubicBezTo>
+                      <a:pt x="83" y="18"/>
+                      <a:pt x="84" y="11"/>
+                      <a:pt x="79" y="5"/>
+                    </a:cubicBezTo>
+                    <a:cubicBezTo>
+                      <a:pt x="77" y="2"/>
+                      <a:pt x="73" y="0"/>
+                      <a:pt x="69" y="0"/>
+                    </a:cubicBezTo>
+                    <a:cubicBezTo>
+                      <a:pt x="67" y="0"/>
+                      <a:pt x="64" y="1"/>
+                      <a:pt x="62" y="3"/>
+                    </a:cubicBezTo>
+                    <a:cubicBezTo>
+                      <a:pt x="7" y="43"/>
+                      <a:pt x="7" y="43"/>
+                      <a:pt x="7" y="43"/>
+                    </a:cubicBezTo>
+                    <a:cubicBezTo>
+                      <a:pt x="1" y="47"/>
+                      <a:pt x="0" y="55"/>
+                      <a:pt x="5" y="60"/>
+                    </a:cubicBezTo>
+                    <a:cubicBezTo>
+                      <a:pt x="9" y="66"/>
+                      <a:pt x="17" y="67"/>
+                      <a:pt x="22" y="63"/>
+                    </a:cubicBezTo>
+                    <a:close/>
+                  </a:path>
+                </a:pathLst>
+              </a:custGeom>
+              <a:solidFill>
+                <a:srgbClr val="3B3B3B"/>
+              </a:solidFill>
+              <a:ln>
+                <a:noFill/>
+              </a:ln>
+              <a:extLst>
+                <a:ext uri="{91240B29-F687-4F45-9708-019B960494DF}">
+                  <a14:hiddenLine xmlns:a14="http://schemas.microsoft.com/office/drawing/2010/main" w="9525">
+                    <a:solidFill>
+                      <a:srgbClr val="000000"/>
+                    </a:solidFill>
+                    <a:round/>
+                  </a14:hiddenLine>
+                </a:ext>
+              </a:extLst>
+            </p:spPr>
+            <p:txBody>
+              <a:bodyPr vert="horz" wrap="square" lIns="121920" tIns="60960" rIns="121920" bIns="60960" numCol="1" anchor="t" anchorCtr="0" compatLnSpc="1"/>
+              <a:lstStyle/>
+              <a:p>
+                <a:endParaRPr lang="zh-CN" altLang="en-US" sz="2400"/>
+              </a:p>
+            </p:txBody>
+          </p:sp>
+          <p:sp>
+            <p:nvSpPr>
+              <p:cNvPr id="127" name="Freeform 280">
+                <a:extLst>
+                  <a:ext uri="{FF2B5EF4-FFF2-40B4-BE49-F238E27FC236}">
+                    <a16:creationId xmlns:a16="http://schemas.microsoft.com/office/drawing/2014/main" id="{44D1069E-9DB6-E907-B62C-E48DE857FEA3}"/>
+                  </a:ext>
+                </a:extLst>
+              </p:cNvPr>
+              <p:cNvSpPr/>
+              <p:nvPr/>
+            </p:nvSpPr>
+            <p:spPr bwMode="auto">
+              <a:xfrm>
+                <a:off x="-3839318" y="3363120"/>
+                <a:ext cx="244475" cy="233363"/>
+              </a:xfrm>
+              <a:custGeom>
+                <a:avLst/>
+                <a:gdLst>
+                  <a:gd name="T0" fmla="*/ 63 w 77"/>
+                  <a:gd name="T1" fmla="*/ 0 h 73"/>
+                  <a:gd name="T2" fmla="*/ 54 w 77"/>
+                  <a:gd name="T3" fmla="*/ 3 h 73"/>
+                  <a:gd name="T4" fmla="*/ 5 w 77"/>
+                  <a:gd name="T5" fmla="*/ 51 h 73"/>
+                  <a:gd name="T6" fmla="*/ 5 w 77"/>
+                  <a:gd name="T7" fmla="*/ 68 h 73"/>
+                  <a:gd name="T8" fmla="*/ 23 w 77"/>
+                  <a:gd name="T9" fmla="*/ 68 h 73"/>
+                  <a:gd name="T10" fmla="*/ 72 w 77"/>
+                  <a:gd name="T11" fmla="*/ 21 h 73"/>
+                  <a:gd name="T12" fmla="*/ 72 w 77"/>
+                  <a:gd name="T13" fmla="*/ 3 h 73"/>
+                  <a:gd name="T14" fmla="*/ 63 w 77"/>
+                  <a:gd name="T15" fmla="*/ 0 h 73"/>
+                </a:gdLst>
+                <a:ahLst/>
+                <a:cxnLst>
+                  <a:cxn ang="0">
+                    <a:pos x="T0" y="T1"/>
+                  </a:cxn>
+                  <a:cxn ang="0">
+                    <a:pos x="T2" y="T3"/>
+                  </a:cxn>
+                  <a:cxn ang="0">
+                    <a:pos x="T4" y="T5"/>
+                  </a:cxn>
+                  <a:cxn ang="0">
+                    <a:pos x="T6" y="T7"/>
+                  </a:cxn>
+                  <a:cxn ang="0">
+                    <a:pos x="T8" y="T9"/>
+                  </a:cxn>
+                  <a:cxn ang="0">
+                    <a:pos x="T10" y="T11"/>
+                  </a:cxn>
+                  <a:cxn ang="0">
+                    <a:pos x="T12" y="T13"/>
+                  </a:cxn>
+                  <a:cxn ang="0">
+                    <a:pos x="T14" y="T15"/>
+                  </a:cxn>
+                </a:cxnLst>
+                <a:rect l="0" t="0" r="r" b="b"/>
+                <a:pathLst>
+                  <a:path w="77" h="73">
+                    <a:moveTo>
+                      <a:pt x="63" y="0"/>
+                    </a:moveTo>
+                    <a:cubicBezTo>
+                      <a:pt x="60" y="0"/>
+                      <a:pt x="56" y="1"/>
+                      <a:pt x="54" y="3"/>
+                    </a:cubicBezTo>
+                    <a:cubicBezTo>
+                      <a:pt x="5" y="51"/>
+                      <a:pt x="5" y="51"/>
+                      <a:pt x="5" y="51"/>
+                    </a:cubicBezTo>
+                    <a:cubicBezTo>
+                      <a:pt x="0" y="55"/>
+                      <a:pt x="0" y="63"/>
+                      <a:pt x="5" y="68"/>
+                    </a:cubicBezTo>
+                    <a:cubicBezTo>
+                      <a:pt x="10" y="73"/>
+                      <a:pt x="18" y="73"/>
+                      <a:pt x="23" y="68"/>
+                    </a:cubicBezTo>
+                    <a:cubicBezTo>
+                      <a:pt x="72" y="21"/>
+                      <a:pt x="72" y="21"/>
+                      <a:pt x="72" y="21"/>
+                    </a:cubicBezTo>
+                    <a:cubicBezTo>
+                      <a:pt x="77" y="16"/>
+                      <a:pt x="77" y="8"/>
+                      <a:pt x="72" y="3"/>
+                    </a:cubicBezTo>
+                    <a:cubicBezTo>
+                      <a:pt x="69" y="1"/>
+                      <a:pt x="66" y="0"/>
+                      <a:pt x="63" y="0"/>
+                    </a:cubicBezTo>
+                    <a:close/>
+                  </a:path>
+                </a:pathLst>
+              </a:custGeom>
+              <a:solidFill>
+                <a:srgbClr val="3B3B3B"/>
+              </a:solidFill>
+              <a:ln>
+                <a:noFill/>
+              </a:ln>
+              <a:extLst>
+                <a:ext uri="{91240B29-F687-4F45-9708-019B960494DF}">
+                  <a14:hiddenLine xmlns:a14="http://schemas.microsoft.com/office/drawing/2010/main" w="9525">
+                    <a:solidFill>
+                      <a:srgbClr val="000000"/>
+                    </a:solidFill>
+                    <a:round/>
+                  </a14:hiddenLine>
+                </a:ext>
+              </a:extLst>
+            </p:spPr>
+            <p:txBody>
+              <a:bodyPr vert="horz" wrap="square" lIns="121920" tIns="60960" rIns="121920" bIns="60960" numCol="1" anchor="t" anchorCtr="0" compatLnSpc="1"/>
+              <a:lstStyle/>
+              <a:p>
+                <a:endParaRPr lang="zh-CN" altLang="en-US" sz="2400"/>
+              </a:p>
+            </p:txBody>
+          </p:sp>
+          <p:sp>
+            <p:nvSpPr>
+              <p:cNvPr id="128" name="Freeform 281">
+                <a:extLst>
+                  <a:ext uri="{FF2B5EF4-FFF2-40B4-BE49-F238E27FC236}">
+                    <a16:creationId xmlns:a16="http://schemas.microsoft.com/office/drawing/2014/main" id="{D2CDEF36-F3D7-E8C7-4506-92938718B335}"/>
+                  </a:ext>
+                </a:extLst>
+              </p:cNvPr>
+              <p:cNvSpPr/>
+              <p:nvPr/>
+            </p:nvSpPr>
+            <p:spPr bwMode="auto">
+              <a:xfrm>
+                <a:off x="-2728067" y="3363120"/>
+                <a:ext cx="244475" cy="233363"/>
+              </a:xfrm>
+              <a:custGeom>
+                <a:avLst/>
+                <a:gdLst>
+                  <a:gd name="T0" fmla="*/ 23 w 77"/>
+                  <a:gd name="T1" fmla="*/ 3 h 73"/>
+                  <a:gd name="T2" fmla="*/ 14 w 77"/>
+                  <a:gd name="T3" fmla="*/ 0 h 73"/>
+                  <a:gd name="T4" fmla="*/ 5 w 77"/>
+                  <a:gd name="T5" fmla="*/ 3 h 73"/>
+                  <a:gd name="T6" fmla="*/ 5 w 77"/>
+                  <a:gd name="T7" fmla="*/ 21 h 73"/>
+                  <a:gd name="T8" fmla="*/ 54 w 77"/>
+                  <a:gd name="T9" fmla="*/ 68 h 73"/>
+                  <a:gd name="T10" fmla="*/ 72 w 77"/>
+                  <a:gd name="T11" fmla="*/ 68 h 73"/>
+                  <a:gd name="T12" fmla="*/ 72 w 77"/>
+                  <a:gd name="T13" fmla="*/ 51 h 73"/>
+                  <a:gd name="T14" fmla="*/ 23 w 77"/>
+                  <a:gd name="T15" fmla="*/ 3 h 73"/>
+                </a:gdLst>
+                <a:ahLst/>
+                <a:cxnLst>
+                  <a:cxn ang="0">
+                    <a:pos x="T0" y="T1"/>
+                  </a:cxn>
+                  <a:cxn ang="0">
+                    <a:pos x="T2" y="T3"/>
+                  </a:cxn>
+                  <a:cxn ang="0">
+                    <a:pos x="T4" y="T5"/>
+                  </a:cxn>
+                  <a:cxn ang="0">
+                    <a:pos x="T6" y="T7"/>
+                  </a:cxn>
+                  <a:cxn ang="0">
+                    <a:pos x="T8" y="T9"/>
+                  </a:cxn>
+                  <a:cxn ang="0">
+                    <a:pos x="T10" y="T11"/>
+                  </a:cxn>
+                  <a:cxn ang="0">
+                    <a:pos x="T12" y="T13"/>
+                  </a:cxn>
+                  <a:cxn ang="0">
+                    <a:pos x="T14" y="T15"/>
+                  </a:cxn>
+                </a:cxnLst>
+                <a:rect l="0" t="0" r="r" b="b"/>
+                <a:pathLst>
+                  <a:path w="77" h="73">
+                    <a:moveTo>
+                      <a:pt x="23" y="3"/>
+                    </a:moveTo>
+                    <a:cubicBezTo>
+                      <a:pt x="21" y="1"/>
+                      <a:pt x="17" y="0"/>
+                      <a:pt x="14" y="0"/>
+                    </a:cubicBezTo>
+                    <a:cubicBezTo>
+                      <a:pt x="11" y="0"/>
+                      <a:pt x="8" y="1"/>
+                      <a:pt x="5" y="3"/>
+                    </a:cubicBezTo>
+                    <a:cubicBezTo>
+                      <a:pt x="0" y="8"/>
+                      <a:pt x="0" y="16"/>
+                      <a:pt x="5" y="21"/>
+                    </a:cubicBezTo>
+                    <a:cubicBezTo>
+                      <a:pt x="54" y="68"/>
+                      <a:pt x="54" y="68"/>
+                      <a:pt x="54" y="68"/>
+                    </a:cubicBezTo>
+                    <a:cubicBezTo>
+                      <a:pt x="59" y="73"/>
+                      <a:pt x="67" y="73"/>
+                      <a:pt x="72" y="68"/>
+                    </a:cubicBezTo>
+                    <a:cubicBezTo>
+                      <a:pt x="77" y="63"/>
+                      <a:pt x="77" y="55"/>
+                      <a:pt x="72" y="51"/>
+                    </a:cubicBezTo>
+                    <a:lnTo>
+                      <a:pt x="23" y="3"/>
+                    </a:lnTo>
+                    <a:close/>
+                  </a:path>
+                </a:pathLst>
+              </a:custGeom>
+              <a:solidFill>
+                <a:srgbClr val="3B3B3B"/>
+              </a:solidFill>
+              <a:ln>
+                <a:noFill/>
+              </a:ln>
+              <a:extLst>
+                <a:ext uri="{91240B29-F687-4F45-9708-019B960494DF}">
+                  <a14:hiddenLine xmlns:a14="http://schemas.microsoft.com/office/drawing/2010/main" w="9525">
+                    <a:solidFill>
+                      <a:srgbClr val="000000"/>
+                    </a:solidFill>
+                    <a:round/>
+                  </a14:hiddenLine>
+                </a:ext>
+              </a:extLst>
+            </p:spPr>
+            <p:txBody>
+              <a:bodyPr vert="horz" wrap="square" lIns="121920" tIns="60960" rIns="121920" bIns="60960" numCol="1" anchor="t" anchorCtr="0" compatLnSpc="1"/>
+              <a:lstStyle/>
+              <a:p>
+                <a:endParaRPr lang="zh-CN" altLang="en-US" sz="2400"/>
+              </a:p>
+            </p:txBody>
+          </p:sp>
+        </p:grpSp>
+        <p:cxnSp>
+          <p:nvCxnSpPr>
+            <p:cNvPr id="119" name="直接连接符 21">
+              <a:extLst>
+                <a:ext uri="{FF2B5EF4-FFF2-40B4-BE49-F238E27FC236}">
+                  <a16:creationId xmlns:a16="http://schemas.microsoft.com/office/drawing/2014/main" id="{4123B0FC-7727-5FD8-2ED9-E30EB229471C}"/>
+                </a:ext>
+              </a:extLst>
+            </p:cNvPr>
+            <p:cNvCxnSpPr/>
+            <p:nvPr/>
+          </p:nvCxnSpPr>
+          <p:spPr>
+            <a:xfrm flipV="1">
+              <a:off x="2295727" y="2062276"/>
+              <a:ext cx="0" cy="765534"/>
+            </a:xfrm>
+            <a:prstGeom prst="line">
+              <a:avLst/>
+            </a:prstGeom>
+            <a:ln w="12700">
+              <a:solidFill>
+                <a:srgbClr val="3B3B3B"/>
+              </a:solidFill>
+            </a:ln>
+          </p:spPr>
+          <p:style>
+            <a:lnRef idx="1">
+              <a:schemeClr val="accent1"/>
+            </a:lnRef>
+            <a:fillRef idx="0">
+              <a:schemeClr val="accent1"/>
+            </a:fillRef>
+            <a:effectRef idx="0">
+              <a:schemeClr val="accent1"/>
+            </a:effectRef>
+            <a:fontRef idx="minor">
+              <a:schemeClr val="tx1"/>
+            </a:fontRef>
+          </p:style>
+        </p:cxnSp>
+      </p:grpSp>
+      <p:sp>
+        <p:nvSpPr>
+          <p:cNvPr id="10" name="Text Box 147">
+            <a:extLst>
+              <a:ext uri="{FF2B5EF4-FFF2-40B4-BE49-F238E27FC236}">
+                <a16:creationId xmlns:a16="http://schemas.microsoft.com/office/drawing/2014/main" id="{DABA80DA-8EA4-83FB-00CC-5412C7138341}"/>
+              </a:ext>
+            </a:extLst>
+          </p:cNvPr>
+          <p:cNvSpPr txBox="1">
+            <a:spLocks noChangeArrowheads="1"/>
+          </p:cNvSpPr>
+          <p:nvPr/>
+        </p:nvSpPr>
+        <p:spPr bwMode="auto">
+          <a:xfrm>
+            <a:off x="428653" y="1355793"/>
+            <a:ext cx="8387734" cy="523220"/>
+          </a:xfrm>
+          <a:prstGeom prst="rect">
+            <a:avLst/>
+          </a:prstGeom>
+          <a:noFill/>
+          <a:ln>
+            <a:noFill/>
+          </a:ln>
+          <a:effectLst/>
+          <a:extLst>
+            <a:ext uri="{909E8E84-426E-40DD-AFC4-6F175D3DCCD1}">
+              <a14:hiddenFill xmlns:a14="http://schemas.microsoft.com/office/drawing/2010/main">
+                <a:solidFill>
+                  <a:schemeClr val="accent1"/>
+                </a:solidFill>
+              </a14:hiddenFill>
+            </a:ext>
+            <a:ext uri="{91240B29-F687-4F45-9708-019B960494DF}">
+              <a14:hiddenLine xmlns:a14="http://schemas.microsoft.com/office/drawing/2010/main" w="9525">
+                <a:solidFill>
+                  <a:schemeClr val="tx1"/>
+                </a:solidFill>
+                <a:miter lim="800000"/>
+                <a:headEnd/>
+                <a:tailEnd/>
+              </a14:hiddenLine>
+            </a:ext>
+            <a:ext uri="{AF507438-7753-43E0-B8FC-AC1667EBCBE1}">
+              <a14:hiddenEffects xmlns:a14="http://schemas.microsoft.com/office/drawing/2010/main">
+                <a:effectLst>
+                  <a:outerShdw dist="35921" dir="2700000" algn="ctr" rotWithShape="0">
+                    <a:schemeClr val="bg2"/>
+                  </a:outerShdw>
+                </a:effectLst>
+              </a14:hiddenEffects>
+            </a:ext>
+          </a:extLst>
+        </p:spPr>
+        <p:txBody>
+          <a:bodyPr wrap="square" lIns="0">
+            <a:spAutoFit/>
+          </a:bodyPr>
+          <a:lstStyle/>
+          <a:p>
+            <a:pPr algn="ctr"/>
+            <a:r>
+              <a:rPr lang="zh-TW" altLang="en-US" sz="2800" b="1" dirty="0">
+                <a:solidFill>
+                  <a:srgbClr val="3B3B3B"/>
+                </a:solidFill>
+                <a:latin typeface="微软雅黑" pitchFamily="34" charset="-122"/>
+                <a:ea typeface="微软雅黑" pitchFamily="34" charset="-122"/>
+              </a:rPr>
+              <a:t>運行環境</a:t>
+            </a:r>
+            <a:r>
+              <a:rPr lang="en-US" altLang="zh-TW" sz="2800" b="1" dirty="0">
+                <a:solidFill>
+                  <a:srgbClr val="3B3B3B"/>
+                </a:solidFill>
+                <a:latin typeface="微软雅黑" pitchFamily="34" charset="-122"/>
+                <a:ea typeface="微软雅黑" pitchFamily="34" charset="-122"/>
+              </a:rPr>
+              <a:t>:</a:t>
+            </a:r>
+            <a:r>
+              <a:rPr lang="zh-TW" altLang="en-US" sz="2800" b="1">
+                <a:solidFill>
+                  <a:srgbClr val="3B3B3B"/>
+                </a:solidFill>
+                <a:latin typeface="微软雅黑" pitchFamily="34" charset="-122"/>
+                <a:ea typeface="微软雅黑" pitchFamily="34" charset="-122"/>
+              </a:rPr>
+              <a:t> </a:t>
+            </a:r>
+            <a:r>
+              <a:rPr lang="en-US" altLang="zh-TW" sz="2800" b="1">
+                <a:solidFill>
+                  <a:srgbClr val="3B3B3B"/>
+                </a:solidFill>
+                <a:latin typeface="微软雅黑" pitchFamily="34" charset="-122"/>
+                <a:ea typeface="微软雅黑" pitchFamily="34" charset="-122"/>
+              </a:rPr>
+              <a:t>Ubuntu </a:t>
+            </a:r>
+            <a:r>
+              <a:rPr lang="en-US" altLang="zh-TW" sz="2800" b="1" dirty="0">
+                <a:solidFill>
+                  <a:srgbClr val="3B3B3B"/>
+                </a:solidFill>
+                <a:latin typeface="微软雅黑" pitchFamily="34" charset="-122"/>
+                <a:ea typeface="微软雅黑" pitchFamily="34" charset="-122"/>
+              </a:rPr>
+              <a:t>22.04 + Python</a:t>
+            </a:r>
+            <a:r>
+              <a:rPr lang="zh-TW" altLang="en-US" sz="2800" b="1" dirty="0">
+                <a:solidFill>
+                  <a:srgbClr val="3B3B3B"/>
+                </a:solidFill>
+                <a:latin typeface="微软雅黑" pitchFamily="34" charset="-122"/>
+                <a:ea typeface="微软雅黑" pitchFamily="34" charset="-122"/>
+              </a:rPr>
+              <a:t> </a:t>
+            </a:r>
+            <a:r>
+              <a:rPr lang="en-US" altLang="zh-TW" sz="2800" b="1" dirty="0">
+                <a:solidFill>
+                  <a:srgbClr val="3B3B3B"/>
+                </a:solidFill>
+                <a:latin typeface="微软雅黑" pitchFamily="34" charset="-122"/>
+                <a:ea typeface="微软雅黑" pitchFamily="34" charset="-122"/>
+              </a:rPr>
+              <a:t>+</a:t>
+            </a:r>
+            <a:r>
+              <a:rPr lang="zh-TW" altLang="en-US" sz="2800" b="1" dirty="0">
+                <a:solidFill>
+                  <a:srgbClr val="3B3B3B"/>
+                </a:solidFill>
+                <a:latin typeface="微软雅黑" pitchFamily="34" charset="-122"/>
+                <a:ea typeface="微软雅黑" pitchFamily="34" charset="-122"/>
+              </a:rPr>
+              <a:t> </a:t>
+            </a:r>
+            <a:r>
+              <a:rPr lang="en-US" altLang="zh-TW" sz="2800" b="1" dirty="0" err="1">
+                <a:solidFill>
+                  <a:srgbClr val="3B3B3B"/>
+                </a:solidFill>
+                <a:latin typeface="微软雅黑" pitchFamily="34" charset="-122"/>
+                <a:ea typeface="微软雅黑" pitchFamily="34" charset="-122"/>
+              </a:rPr>
+              <a:t>Pygame</a:t>
+            </a:r>
+            <a:endParaRPr lang="zh-CN" altLang="en-US" sz="2800" b="1" dirty="0">
+              <a:solidFill>
+                <a:srgbClr val="3B3B3B"/>
+              </a:solidFill>
+              <a:latin typeface="微软雅黑" pitchFamily="34" charset="-122"/>
+              <a:ea typeface="微软雅黑" pitchFamily="34" charset="-122"/>
+            </a:endParaRPr>
+          </a:p>
+        </p:txBody>
+      </p:sp>
+      <p:sp>
+        <p:nvSpPr>
+          <p:cNvPr id="2" name="Text Box 147">
+            <a:extLst>
+              <a:ext uri="{FF2B5EF4-FFF2-40B4-BE49-F238E27FC236}">
+                <a16:creationId xmlns:a16="http://schemas.microsoft.com/office/drawing/2014/main" id="{A34350BB-9871-98BF-C537-8F26DE3B747C}"/>
+              </a:ext>
+            </a:extLst>
+          </p:cNvPr>
+          <p:cNvSpPr txBox="1">
+            <a:spLocks noChangeArrowheads="1"/>
+          </p:cNvSpPr>
+          <p:nvPr/>
+        </p:nvSpPr>
+        <p:spPr bwMode="auto">
+          <a:xfrm>
+            <a:off x="923039" y="4083870"/>
+            <a:ext cx="8387734" cy="523220"/>
+          </a:xfrm>
+          <a:prstGeom prst="rect">
+            <a:avLst/>
+          </a:prstGeom>
+          <a:noFill/>
+          <a:ln>
+            <a:noFill/>
+          </a:ln>
+          <a:effectLst/>
+          <a:extLst>
+            <a:ext uri="{909E8E84-426E-40DD-AFC4-6F175D3DCCD1}">
+              <a14:hiddenFill xmlns:a14="http://schemas.microsoft.com/office/drawing/2010/main">
+                <a:solidFill>
+                  <a:schemeClr val="accent1"/>
+                </a:solidFill>
+              </a14:hiddenFill>
+            </a:ext>
+            <a:ext uri="{91240B29-F687-4F45-9708-019B960494DF}">
+              <a14:hiddenLine xmlns:a14="http://schemas.microsoft.com/office/drawing/2010/main" w="9525">
+                <a:solidFill>
+                  <a:schemeClr val="tx1"/>
+                </a:solidFill>
+                <a:miter lim="800000"/>
+                <a:headEnd/>
+                <a:tailEnd/>
+              </a14:hiddenLine>
+            </a:ext>
+            <a:ext uri="{AF507438-7753-43E0-B8FC-AC1667EBCBE1}">
+              <a14:hiddenEffects xmlns:a14="http://schemas.microsoft.com/office/drawing/2010/main">
+                <a:effectLst>
+                  <a:outerShdw dist="35921" dir="2700000" algn="ctr" rotWithShape="0">
+                    <a:schemeClr val="bg2"/>
+                  </a:outerShdw>
+                </a:effectLst>
+              </a14:hiddenEffects>
+            </a:ext>
+          </a:extLst>
+        </p:spPr>
+        <p:txBody>
+          <a:bodyPr wrap="square" lIns="0">
+            <a:spAutoFit/>
+          </a:bodyPr>
+          <a:lstStyle/>
+          <a:p>
+            <a:pPr algn="ctr"/>
+            <a:r>
+              <a:rPr lang="en-US" altLang="zh-TW" sz="2800" b="1" dirty="0">
+                <a:solidFill>
+                  <a:srgbClr val="FF0000"/>
+                </a:solidFill>
+                <a:latin typeface="微软雅黑" pitchFamily="34" charset="-122"/>
+                <a:ea typeface="微软雅黑" pitchFamily="34" charset="-122"/>
+              </a:rPr>
+              <a:t>DEMO video and its link</a:t>
+            </a:r>
+          </a:p>
+        </p:txBody>
+      </p:sp>
+    </p:spTree>
+    <p:extLst>
+      <p:ext uri="{BB962C8B-B14F-4D97-AF65-F5344CB8AC3E}">
+        <p14:creationId xmlns:p14="http://schemas.microsoft.com/office/powerpoint/2010/main" val="2385248815"/>
+      </p:ext>
+    </p:extLst>
+  </p:cSld>
+  <p:clrMapOvr>
+    <a:masterClrMapping/>
+  </p:clrMapOvr>
+</p:sld>
+</file>
+
+<file path=ppt/slides/slide11.xml><?xml version="1.0" encoding="utf-8"?>
+<p:sld xmlns:a="http://schemas.openxmlformats.org/drawingml/2006/main" xmlns:r="http://schemas.openxmlformats.org/officeDocument/2006/relationships" xmlns:p="http://schemas.openxmlformats.org/presentationml/2006/main">
+  <p:cSld>
+    <p:spTree>
+      <p:nvGrpSpPr>
         <p:cNvPr id="1" name=""/>
         <p:cNvGrpSpPr/>
         <p:nvPr/>
@@ -6023,7 +8216,7 @@
 </p:sld>
 </file>
 
-<file path=ppt/slides/slide11.xml><?xml version="1.0" encoding="utf-8"?>
+<file path=ppt/slides/slide12.xml><?xml version="1.0" encoding="utf-8"?>
 <p:sld xmlns:a="http://schemas.openxmlformats.org/drawingml/2006/main" xmlns:r="http://schemas.openxmlformats.org/officeDocument/2006/relationships" xmlns:p="http://schemas.openxmlformats.org/presentationml/2006/main">
   <p:cSld>
     <p:spTree>
@@ -8315,7 +10508,7 @@
 </p:sld>
 </file>
 
-<file path=ppt/slides/slide12.xml><?xml version="1.0" encoding="utf-8"?>
+<file path=ppt/slides/slide13.xml><?xml version="1.0" encoding="utf-8"?>
 <p:sld xmlns:a="http://schemas.openxmlformats.org/drawingml/2006/main" xmlns:r="http://schemas.openxmlformats.org/officeDocument/2006/relationships" xmlns:p="http://schemas.openxmlformats.org/presentationml/2006/main">
   <p:cSld>
     <p:spTree>
@@ -10454,7 +12647,7 @@
 </p:sld>
 </file>
 
-<file path=ppt/slides/slide13.xml><?xml version="1.0" encoding="utf-8"?>
+<file path=ppt/slides/slide14.xml><?xml version="1.0" encoding="utf-8"?>
 <p:sld xmlns:a="http://schemas.openxmlformats.org/drawingml/2006/main" xmlns:r="http://schemas.openxmlformats.org/officeDocument/2006/relationships" xmlns:p="http://schemas.openxmlformats.org/presentationml/2006/main">
   <p:cSld>
     <p:spTree>
@@ -12584,7 +14777,7 @@
 </p:sld>
 </file>
 
-<file path=ppt/slides/slide14.xml><?xml version="1.0" encoding="utf-8"?>
+<file path=ppt/slides/slide15.xml><?xml version="1.0" encoding="utf-8"?>
 <p:sld xmlns:a="http://schemas.openxmlformats.org/drawingml/2006/main" xmlns:r="http://schemas.openxmlformats.org/officeDocument/2006/relationships" xmlns:p="http://schemas.openxmlformats.org/presentationml/2006/main">
   <p:cSld>
     <p:spTree>
@@ -14748,7 +16941,7 @@
 </p:sld>
 </file>
 
-<file path=ppt/slides/slide15.xml><?xml version="1.0" encoding="utf-8"?>
+<file path=ppt/slides/slide16.xml><?xml version="1.0" encoding="utf-8"?>
 <p:sld xmlns:a="http://schemas.openxmlformats.org/drawingml/2006/main" xmlns:r="http://schemas.openxmlformats.org/officeDocument/2006/relationships" xmlns:p="http://schemas.openxmlformats.org/presentationml/2006/main">
   <p:cSld>
     <p:spTree>
@@ -29852,7 +32045,7 @@
         </p:nvSpPr>
         <p:spPr bwMode="auto">
           <a:xfrm>
-            <a:off x="1019002" y="39100"/>
+            <a:off x="866643" y="227345"/>
             <a:ext cx="2897524" cy="584775"/>
           </a:xfrm>
           <a:prstGeom prst="rect">
@@ -29928,7 +32121,7 @@
         </p:nvGrpSpPr>
         <p:grpSpPr>
           <a:xfrm>
-            <a:off x="299046" y="-330888"/>
+            <a:off x="221790" y="-210386"/>
             <a:ext cx="629517" cy="1073043"/>
             <a:chOff x="1775252" y="2062276"/>
             <a:chExt cx="1045160" cy="1781528"/>
@@ -31763,15 +33956,46 @@
         </p:nvPicPr>
         <p:blipFill>
           <a:blip r:embed="rId2"/>
-          <a:srcRect t="7958"/>
+          <a:srcRect l="27351" t="9635" r="-171" b="116"/>
           <a:stretch>
             <a:fillRect/>
           </a:stretch>
         </p:blipFill>
         <p:spPr>
           <a:xfrm>
-            <a:off x="2356783" y="614164"/>
-            <a:ext cx="6589671" cy="6006392"/>
+            <a:off x="4797677" y="114407"/>
+            <a:ext cx="5401334" cy="6629186"/>
+          </a:xfrm>
+          <a:prstGeom prst="rect">
+            <a:avLst/>
+          </a:prstGeom>
+        </p:spPr>
+      </p:pic>
+      <p:pic>
+        <p:nvPicPr>
+          <p:cNvPr id="10" name="圖片 9">
+            <a:extLst>
+              <a:ext uri="{FF2B5EF4-FFF2-40B4-BE49-F238E27FC236}">
+                <a16:creationId xmlns:a16="http://schemas.microsoft.com/office/drawing/2014/main" id="{8235FC5E-DFAA-9817-B2BE-5F488D1DC276}"/>
+              </a:ext>
+            </a:extLst>
+          </p:cNvPr>
+          <p:cNvPicPr>
+            <a:picLocks noChangeAspect="1"/>
+          </p:cNvPicPr>
+          <p:nvPr/>
+        </p:nvPicPr>
+        <p:blipFill>
+          <a:blip r:embed="rId2"/>
+          <a:srcRect t="7958" r="72111" b="20392"/>
+          <a:stretch>
+            <a:fillRect/>
+          </a:stretch>
+        </p:blipFill>
+        <p:spPr>
+          <a:xfrm>
+            <a:off x="2652084" y="1132015"/>
+            <a:ext cx="2023720" cy="5148785"/>
           </a:xfrm>
           <a:prstGeom prst="rect">
             <a:avLst/>
@@ -31825,7 +34049,7 @@
         </p:nvSpPr>
         <p:spPr bwMode="auto">
           <a:xfrm>
-            <a:off x="1019002" y="39100"/>
+            <a:off x="706521" y="232696"/>
             <a:ext cx="2897524" cy="584775"/>
           </a:xfrm>
           <a:prstGeom prst="rect">
@@ -31901,7 +34125,7 @@
         </p:nvGrpSpPr>
         <p:grpSpPr>
           <a:xfrm>
-            <a:off x="299046" y="-330888"/>
+            <a:off x="93483" y="-205035"/>
             <a:ext cx="629517" cy="1073043"/>
             <a:chOff x="1775252" y="2062276"/>
             <a:chExt cx="1045160" cy="1781528"/>
@@ -33743,8 +35967,8 @@
         </p:blipFill>
         <p:spPr>
           <a:xfrm>
-            <a:off x="993382" y="534372"/>
-            <a:ext cx="7811120" cy="6229823"/>
+            <a:off x="3644694" y="25511"/>
+            <a:ext cx="8366789" cy="6673001"/>
           </a:xfrm>
           <a:prstGeom prst="rect">
             <a:avLst/>
@@ -33774,7 +35998,7 @@
         </p:blipFill>
         <p:spPr>
           <a:xfrm>
-            <a:off x="9115647" y="1578879"/>
+            <a:off x="1596830" y="1569161"/>
             <a:ext cx="1351693" cy="3322730"/>
           </a:xfrm>
           <a:prstGeom prst="rect">
@@ -35751,8 +37975,8 @@
         </p:nvSpPr>
         <p:spPr bwMode="auto">
           <a:xfrm>
-            <a:off x="690129" y="1708129"/>
-            <a:ext cx="6420643" cy="1815882"/>
+            <a:off x="662663" y="1024329"/>
+            <a:ext cx="5741689" cy="5601533"/>
           </a:xfrm>
           <a:prstGeom prst="rect">
             <a:avLst/>
@@ -35797,70 +38021,2390 @@
           </a:bodyPr>
           <a:lstStyle/>
           <a:p>
+            <a:pPr>
+              <a:spcBef>
+                <a:spcPts val="300"/>
+              </a:spcBef>
+              <a:spcAft>
+                <a:spcPts val="300"/>
+              </a:spcAft>
+            </a:pPr>
             <a:r>
-              <a:rPr lang="zh-TW" altLang="en-US" sz="2800" b="1" dirty="0">
-                <a:solidFill>
-                  <a:srgbClr val="FF0000"/>
-                </a:solidFill>
+              <a:rPr lang="en-US" altLang="zh-TW" sz="2800" b="1" dirty="0">
                 <a:latin typeface="微软雅黑" pitchFamily="34" charset="-122"/>
                 <a:ea typeface="微软雅黑" pitchFamily="34" charset="-122"/>
               </a:rPr>
-              <a:t>要說明的</a:t>
+              <a:t>State machine</a:t>
+            </a:r>
+            <a:r>
+              <a:rPr lang="zh-TW" altLang="en-US" sz="2800" b="1" dirty="0">
+                <a:latin typeface="微软雅黑" pitchFamily="34" charset="-122"/>
+                <a:ea typeface="微软雅黑" pitchFamily="34" charset="-122"/>
+              </a:rPr>
+              <a:t>結構</a:t>
+            </a:r>
+            <a:endParaRPr lang="en-US" altLang="zh-TW" sz="2800" b="1" dirty="0">
+              <a:latin typeface="微软雅黑" pitchFamily="34" charset="-122"/>
+              <a:ea typeface="微软雅黑" pitchFamily="34" charset="-122"/>
+            </a:endParaRPr>
+          </a:p>
+          <a:p>
+            <a:pPr marL="457200" indent="-457200">
+              <a:spcBef>
+                <a:spcPts val="300"/>
+              </a:spcBef>
+              <a:spcAft>
+                <a:spcPts val="300"/>
+              </a:spcAft>
+              <a:buFont typeface="Arial" panose="020B0604020202020204" pitchFamily="34" charset="0"/>
+              <a:buChar char="•"/>
+            </a:pPr>
+            <a:r>
+              <a:rPr lang="en-US" altLang="zh-TW" sz="2800" b="1" dirty="0">
+                <a:latin typeface="微软雅黑" pitchFamily="34" charset="-122"/>
+                <a:ea typeface="微软雅黑" pitchFamily="34" charset="-122"/>
+              </a:rPr>
+              <a:t>class Menu</a:t>
+            </a:r>
+            <a:r>
+              <a:rPr lang="zh-TW" altLang="en-US" sz="2800" b="1" dirty="0">
+                <a:latin typeface="微软雅黑" pitchFamily="34" charset="-122"/>
+                <a:ea typeface="微软雅黑" pitchFamily="34" charset="-122"/>
+              </a:rPr>
+              <a:t>：</a:t>
+            </a:r>
+            <a:endParaRPr lang="en-US" altLang="zh-TW" sz="2800" b="1" dirty="0">
+              <a:latin typeface="微软雅黑" pitchFamily="34" charset="-122"/>
+              <a:ea typeface="微软雅黑" pitchFamily="34" charset="-122"/>
+            </a:endParaRPr>
+          </a:p>
+          <a:p>
+            <a:pPr>
+              <a:spcBef>
+                <a:spcPts val="300"/>
+              </a:spcBef>
+              <a:spcAft>
+                <a:spcPts val="300"/>
+              </a:spcAft>
+            </a:pPr>
+            <a:r>
+              <a:rPr lang="en-US" altLang="zh-TW" sz="2800" dirty="0">
+                <a:latin typeface="微软雅黑" pitchFamily="34" charset="-122"/>
+                <a:ea typeface="微软雅黑" pitchFamily="34" charset="-122"/>
+              </a:rPr>
+              <a:t>    </a:t>
+            </a:r>
+            <a:r>
+              <a:rPr lang="zh-TW" altLang="en-US" sz="2800" dirty="0">
+                <a:latin typeface="微软雅黑" pitchFamily="34" charset="-122"/>
+                <a:ea typeface="微软雅黑" pitchFamily="34" charset="-122"/>
+              </a:rPr>
+              <a:t>遊戲啟動的起始畫面</a:t>
+            </a:r>
+            <a:endParaRPr lang="en-US" altLang="zh-TW" sz="2800" dirty="0">
+              <a:latin typeface="微软雅黑" pitchFamily="34" charset="-122"/>
+              <a:ea typeface="微软雅黑" pitchFamily="34" charset="-122"/>
+            </a:endParaRPr>
+          </a:p>
+          <a:p>
+            <a:pPr marL="457200" indent="-457200">
+              <a:spcBef>
+                <a:spcPts val="300"/>
+              </a:spcBef>
+              <a:spcAft>
+                <a:spcPts val="300"/>
+              </a:spcAft>
+              <a:buFont typeface="Arial" panose="020B0604020202020204" pitchFamily="34" charset="0"/>
+              <a:buChar char="•"/>
+            </a:pPr>
+            <a:r>
+              <a:rPr lang="en-US" altLang="zh-TW" sz="2800" b="1" dirty="0">
+                <a:latin typeface="微软雅黑" pitchFamily="34" charset="-122"/>
+                <a:ea typeface="微软雅黑" pitchFamily="34" charset="-122"/>
+              </a:rPr>
+              <a:t>class Level</a:t>
+            </a:r>
+            <a:r>
+              <a:rPr lang="zh-TW" altLang="en-US" sz="2800" b="1" dirty="0">
+                <a:latin typeface="微软雅黑" pitchFamily="34" charset="-122"/>
+                <a:ea typeface="微软雅黑" pitchFamily="34" charset="-122"/>
+              </a:rPr>
+              <a:t>：</a:t>
+            </a:r>
+            <a:endParaRPr lang="en-US" altLang="zh-TW" sz="2800" b="1" dirty="0">
+              <a:latin typeface="微软雅黑" pitchFamily="34" charset="-122"/>
+              <a:ea typeface="微软雅黑" pitchFamily="34" charset="-122"/>
+            </a:endParaRPr>
+          </a:p>
+          <a:p>
+            <a:pPr>
+              <a:spcBef>
+                <a:spcPts val="300"/>
+              </a:spcBef>
+              <a:spcAft>
+                <a:spcPts val="300"/>
+              </a:spcAft>
+            </a:pPr>
+            <a:r>
+              <a:rPr lang="zh-TW" altLang="en-US" sz="2800" dirty="0">
+                <a:latin typeface="微软雅黑" pitchFamily="34" charset="-122"/>
+                <a:ea typeface="微软雅黑" pitchFamily="34" charset="-122"/>
+              </a:rPr>
+              <a:t>    管理遊戲狀態與玩法機制</a:t>
+            </a:r>
+            <a:endParaRPr lang="en-US" altLang="zh-TW" sz="2800" dirty="0">
+              <a:latin typeface="微软雅黑" pitchFamily="34" charset="-122"/>
+              <a:ea typeface="微软雅黑" pitchFamily="34" charset="-122"/>
+            </a:endParaRPr>
+          </a:p>
+          <a:p>
+            <a:pPr marL="457200" indent="-457200">
+              <a:spcBef>
+                <a:spcPts val="300"/>
+              </a:spcBef>
+              <a:spcAft>
+                <a:spcPts val="300"/>
+              </a:spcAft>
+              <a:buFont typeface="Arial" panose="020B0604020202020204" pitchFamily="34" charset="0"/>
+              <a:buChar char="•"/>
+            </a:pPr>
+            <a:r>
+              <a:rPr lang="en-US" altLang="zh-TW" sz="2800" b="1" dirty="0">
+                <a:latin typeface="微软雅黑" pitchFamily="34" charset="-122"/>
+                <a:ea typeface="微软雅黑" pitchFamily="34" charset="-122"/>
+              </a:rPr>
+              <a:t>class </a:t>
+            </a:r>
+            <a:r>
+              <a:rPr lang="en-US" altLang="zh-TW" sz="2800" b="1" dirty="0" err="1">
+                <a:latin typeface="微软雅黑" pitchFamily="34" charset="-122"/>
+                <a:ea typeface="微软雅黑" pitchFamily="34" charset="-122"/>
+              </a:rPr>
+              <a:t>Endscreen</a:t>
+            </a:r>
+            <a:r>
+              <a:rPr lang="zh-TW" altLang="en-US" sz="2800" b="1" dirty="0">
+                <a:latin typeface="微软雅黑" pitchFamily="34" charset="-122"/>
+                <a:ea typeface="微软雅黑" pitchFamily="34" charset="-122"/>
+              </a:rPr>
+              <a:t>：</a:t>
+            </a:r>
+            <a:endParaRPr lang="en-US" altLang="zh-TW" sz="2800" b="1" dirty="0">
+              <a:latin typeface="微软雅黑" pitchFamily="34" charset="-122"/>
+              <a:ea typeface="微软雅黑" pitchFamily="34" charset="-122"/>
+            </a:endParaRPr>
+          </a:p>
+          <a:p>
+            <a:pPr>
+              <a:spcBef>
+                <a:spcPts val="300"/>
+              </a:spcBef>
+              <a:spcAft>
+                <a:spcPts val="300"/>
+              </a:spcAft>
+            </a:pPr>
+            <a:r>
+              <a:rPr lang="zh-TW" altLang="en-US" sz="2800" dirty="0">
+                <a:latin typeface="微软雅黑" pitchFamily="34" charset="-122"/>
+                <a:ea typeface="微软雅黑" pitchFamily="34" charset="-122"/>
+              </a:rPr>
+              <a:t>    顯示遊戲結束或完成畫面</a:t>
+            </a:r>
+            <a:endParaRPr lang="en-US" altLang="zh-TW" sz="2800" dirty="0">
+              <a:latin typeface="微软雅黑" pitchFamily="34" charset="-122"/>
+              <a:ea typeface="微软雅黑" pitchFamily="34" charset="-122"/>
+            </a:endParaRPr>
+          </a:p>
+          <a:p>
+            <a:pPr marL="457200" indent="-457200">
+              <a:spcBef>
+                <a:spcPts val="300"/>
+              </a:spcBef>
+              <a:spcAft>
+                <a:spcPts val="300"/>
+              </a:spcAft>
+              <a:buFont typeface="Arial" panose="020B0604020202020204" pitchFamily="34" charset="0"/>
+              <a:buChar char="•"/>
+            </a:pPr>
+            <a:r>
+              <a:rPr lang="en-US" altLang="zh-TW" sz="2800" b="1" dirty="0">
+                <a:latin typeface="微软雅黑" pitchFamily="34" charset="-122"/>
+                <a:ea typeface="微软雅黑" pitchFamily="34" charset="-122"/>
+              </a:rPr>
+              <a:t>class </a:t>
+            </a:r>
+            <a:r>
+              <a:rPr lang="en-US" altLang="zh-TW" sz="2800" b="1" dirty="0" err="1">
+                <a:latin typeface="微软雅黑" pitchFamily="34" charset="-122"/>
+                <a:ea typeface="微软雅黑" pitchFamily="34" charset="-122"/>
+              </a:rPr>
+              <a:t>ScoreBoard</a:t>
+            </a:r>
+            <a:r>
+              <a:rPr lang="zh-TW" altLang="en-US" sz="2800" b="1" dirty="0">
+                <a:latin typeface="微软雅黑" pitchFamily="34" charset="-122"/>
+                <a:ea typeface="微软雅黑" pitchFamily="34" charset="-122"/>
+              </a:rPr>
+              <a:t>：</a:t>
+            </a:r>
+            <a:endParaRPr lang="en-US" altLang="zh-TW" sz="2800" b="1" dirty="0">
+              <a:latin typeface="微软雅黑" pitchFamily="34" charset="-122"/>
+              <a:ea typeface="微软雅黑" pitchFamily="34" charset="-122"/>
+            </a:endParaRPr>
+          </a:p>
+          <a:p>
+            <a:pPr>
+              <a:spcBef>
+                <a:spcPts val="300"/>
+              </a:spcBef>
+              <a:spcAft>
+                <a:spcPts val="300"/>
+              </a:spcAft>
+            </a:pPr>
+            <a:r>
+              <a:rPr lang="zh-TW" altLang="en-US" sz="2800" b="1" dirty="0">
+                <a:latin typeface="微软雅黑" pitchFamily="34" charset="-122"/>
+                <a:ea typeface="微软雅黑" pitchFamily="34" charset="-122"/>
+              </a:rPr>
+              <a:t>    </a:t>
+            </a:r>
+            <a:r>
+              <a:rPr lang="zh-TW" altLang="en-US" sz="2800" dirty="0">
+                <a:latin typeface="微软雅黑" pitchFamily="34" charset="-122"/>
+                <a:ea typeface="微软雅黑" pitchFamily="34" charset="-122"/>
+              </a:rPr>
+              <a:t>記錄並顯示遊戲分數與歷史紀錄</a:t>
+            </a:r>
+            <a:endParaRPr lang="en-US" altLang="zh-TW" sz="2800" dirty="0">
+              <a:latin typeface="微软雅黑" pitchFamily="34" charset="-122"/>
+              <a:ea typeface="微软雅黑" pitchFamily="34" charset="-122"/>
+            </a:endParaRPr>
+          </a:p>
+          <a:p>
+            <a:pPr marL="457200" indent="-457200">
+              <a:spcBef>
+                <a:spcPts val="300"/>
+              </a:spcBef>
+              <a:spcAft>
+                <a:spcPts val="300"/>
+              </a:spcAft>
+              <a:buFont typeface="Arial" panose="020B0604020202020204" pitchFamily="34" charset="0"/>
+              <a:buChar char="•"/>
+            </a:pPr>
+            <a:r>
+              <a:rPr lang="en-US" altLang="zh-TW" sz="2800" b="1" dirty="0">
+                <a:latin typeface="微软雅黑" pitchFamily="34" charset="-122"/>
+                <a:ea typeface="微软雅黑" pitchFamily="34" charset="-122"/>
+              </a:rPr>
+              <a:t>class Control</a:t>
+            </a:r>
+            <a:r>
+              <a:rPr lang="zh-TW" altLang="en-US" sz="2800" b="1" dirty="0">
+                <a:latin typeface="微软雅黑" pitchFamily="34" charset="-122"/>
+                <a:ea typeface="微软雅黑" pitchFamily="34" charset="-122"/>
+              </a:rPr>
+              <a:t>：</a:t>
+            </a:r>
+            <a:endParaRPr lang="en-US" altLang="zh-TW" sz="2800" b="1" dirty="0">
+              <a:latin typeface="微软雅黑" pitchFamily="34" charset="-122"/>
+              <a:ea typeface="微软雅黑" pitchFamily="34" charset="-122"/>
+            </a:endParaRPr>
+          </a:p>
+          <a:p>
+            <a:pPr>
+              <a:spcBef>
+                <a:spcPts val="300"/>
+              </a:spcBef>
+              <a:spcAft>
+                <a:spcPts val="300"/>
+              </a:spcAft>
+            </a:pPr>
+            <a:r>
+              <a:rPr lang="zh-TW" altLang="en-US" sz="2800" dirty="0">
+                <a:latin typeface="微软雅黑" pitchFamily="34" charset="-122"/>
+                <a:ea typeface="微软雅黑" pitchFamily="34" charset="-122"/>
+              </a:rPr>
+              <a:t>    控制遊戲流程並檢測狀態轉換</a:t>
+            </a:r>
+            <a:endParaRPr lang="zh-CN" altLang="en-US" sz="2800" b="1" dirty="0">
+              <a:solidFill>
+                <a:srgbClr val="FF0000"/>
+              </a:solidFill>
+              <a:latin typeface="微软雅黑" pitchFamily="34" charset="-122"/>
+              <a:ea typeface="微软雅黑" pitchFamily="34" charset="-122"/>
+            </a:endParaRPr>
+          </a:p>
+        </p:txBody>
+      </p:sp>
+      <p:pic>
+        <p:nvPicPr>
+          <p:cNvPr id="4" name="圖片 3">
+            <a:extLst>
+              <a:ext uri="{FF2B5EF4-FFF2-40B4-BE49-F238E27FC236}">
+                <a16:creationId xmlns:a16="http://schemas.microsoft.com/office/drawing/2014/main" id="{FFB40B55-F27F-CEB8-BE09-9125C1CBEF0A}"/>
+              </a:ext>
+            </a:extLst>
+          </p:cNvPr>
+          <p:cNvPicPr>
+            <a:picLocks noChangeAspect="1"/>
+          </p:cNvPicPr>
+          <p:nvPr/>
+        </p:nvPicPr>
+        <p:blipFill>
+          <a:blip r:embed="rId2"/>
+          <a:stretch>
+            <a:fillRect/>
+          </a:stretch>
+        </p:blipFill>
+        <p:spPr>
+          <a:xfrm>
+            <a:off x="5523149" y="2179270"/>
+            <a:ext cx="6257727" cy="2499459"/>
+          </a:xfrm>
+          <a:prstGeom prst="rect">
+            <a:avLst/>
+          </a:prstGeom>
+        </p:spPr>
+      </p:pic>
+    </p:spTree>
+    <p:extLst>
+      <p:ext uri="{BB962C8B-B14F-4D97-AF65-F5344CB8AC3E}">
+        <p14:creationId xmlns:p14="http://schemas.microsoft.com/office/powerpoint/2010/main" val="3003070720"/>
+      </p:ext>
+    </p:extLst>
+  </p:cSld>
+  <p:clrMapOvr>
+    <a:masterClrMapping/>
+  </p:clrMapOvr>
+</p:sld>
+</file>
+
+<file path=ppt/slides/slide8.xml><?xml version="1.0" encoding="utf-8"?>
+<p:sld xmlns:a="http://schemas.openxmlformats.org/drawingml/2006/main" xmlns:r="http://schemas.openxmlformats.org/officeDocument/2006/relationships" xmlns:p="http://schemas.openxmlformats.org/presentationml/2006/main">
+  <p:cSld>
+    <p:spTree>
+      <p:nvGrpSpPr>
+        <p:cNvPr id="1" name="">
+          <a:extLst>
+            <a:ext uri="{FF2B5EF4-FFF2-40B4-BE49-F238E27FC236}">
+              <a16:creationId xmlns:a16="http://schemas.microsoft.com/office/drawing/2014/main" id="{1DF10E53-5FBA-F28D-3076-BF10374C1FFB}"/>
+            </a:ext>
+          </a:extLst>
+        </p:cNvPr>
+        <p:cNvGrpSpPr/>
+        <p:nvPr/>
+      </p:nvGrpSpPr>
+      <p:grpSpPr>
+        <a:xfrm>
+          <a:off x="0" y="0"/>
+          <a:ext cx="0" cy="0"/>
+          <a:chOff x="0" y="0"/>
+          <a:chExt cx="0" cy="0"/>
+        </a:xfrm>
+      </p:grpSpPr>
+      <p:sp>
+        <p:nvSpPr>
+          <p:cNvPr id="116" name="Text Box 42">
+            <a:extLst>
+              <a:ext uri="{FF2B5EF4-FFF2-40B4-BE49-F238E27FC236}">
+                <a16:creationId xmlns:a16="http://schemas.microsoft.com/office/drawing/2014/main" id="{F2B3A1A7-F9FD-58FC-D4A9-5D13BDB0BF31}"/>
+              </a:ext>
+            </a:extLst>
+          </p:cNvPr>
+          <p:cNvSpPr txBox="1">
+            <a:spLocks noChangeArrowheads="1"/>
+          </p:cNvSpPr>
+          <p:nvPr/>
+        </p:nvSpPr>
+        <p:spPr bwMode="auto">
+          <a:xfrm>
+            <a:off x="1071354" y="353246"/>
+            <a:ext cx="1826141" cy="584775"/>
+          </a:xfrm>
+          <a:prstGeom prst="rect">
+            <a:avLst/>
+          </a:prstGeom>
+          <a:noFill/>
+          <a:ln>
+            <a:noFill/>
+          </a:ln>
+          <a:effectLst/>
+          <a:extLst>
+            <a:ext uri="{909E8E84-426E-40DD-AFC4-6F175D3DCCD1}">
+              <a14:hiddenFill xmlns:a14="http://schemas.microsoft.com/office/drawing/2010/main">
+                <a:solidFill>
+                  <a:schemeClr val="accent1"/>
+                </a:solidFill>
+              </a14:hiddenFill>
+            </a:ext>
+            <a:ext uri="{91240B29-F687-4F45-9708-019B960494DF}">
+              <a14:hiddenLine xmlns:a14="http://schemas.microsoft.com/office/drawing/2010/main" w="9525">
+                <a:solidFill>
+                  <a:srgbClr val="000000"/>
+                </a:solidFill>
+                <a:miter lim="800000"/>
+                <a:headEnd/>
+                <a:tailEnd/>
+              </a14:hiddenLine>
+            </a:ext>
+            <a:ext uri="{AF507438-7753-43E0-B8FC-AC1667EBCBE1}">
+              <a14:hiddenEffects xmlns:a14="http://schemas.microsoft.com/office/drawing/2010/main">
+                <a:effectLst>
+                  <a:outerShdw dist="35921" dir="2700000" algn="ctr" rotWithShape="0">
+                    <a:schemeClr val="bg2"/>
+                  </a:outerShdw>
+                </a:effectLst>
+              </a14:hiddenEffects>
+            </a:ext>
+          </a:extLst>
+        </p:spPr>
+        <p:txBody>
+          <a:bodyPr wrap="none">
+            <a:spAutoFit/>
+          </a:bodyPr>
+          <a:lstStyle/>
+          <a:p>
+            <a:pPr>
+              <a:buFont typeface="Arial" charset="0"/>
+              <a:buNone/>
+            </a:pPr>
+            <a:r>
+              <a:rPr lang="zh-TW" altLang="en-US" sz="3200" b="1" dirty="0">
+                <a:solidFill>
+                  <a:srgbClr val="594D7B"/>
+                </a:solidFill>
+                <a:ea typeface="微软雅黑" pitchFamily="34" charset="-122"/>
+              </a:rPr>
+              <a:t>實作架構</a:t>
+            </a:r>
+            <a:endParaRPr lang="en-US" altLang="zh-CN" sz="3200" b="1" dirty="0">
+              <a:solidFill>
+                <a:srgbClr val="594D7B"/>
+              </a:solidFill>
+              <a:ea typeface="微软雅黑" pitchFamily="34" charset="-122"/>
+            </a:endParaRPr>
+          </a:p>
+        </p:txBody>
+      </p:sp>
+      <p:grpSp>
+        <p:nvGrpSpPr>
+          <p:cNvPr id="117" name="组合 19">
+            <a:extLst>
+              <a:ext uri="{FF2B5EF4-FFF2-40B4-BE49-F238E27FC236}">
+                <a16:creationId xmlns:a16="http://schemas.microsoft.com/office/drawing/2014/main" id="{FAB90C54-9530-852C-DDD6-B4D5E9ED70AF}"/>
+              </a:ext>
+            </a:extLst>
+          </p:cNvPr>
+          <p:cNvGrpSpPr/>
+          <p:nvPr/>
+        </p:nvGrpSpPr>
+        <p:grpSpPr>
+          <a:xfrm>
+            <a:off x="377018" y="-11911"/>
+            <a:ext cx="629517" cy="1073043"/>
+            <a:chOff x="1775252" y="2062276"/>
+            <a:chExt cx="1045160" cy="1781528"/>
+          </a:xfrm>
+        </p:grpSpPr>
+        <p:grpSp>
+          <p:nvGrpSpPr>
+            <p:cNvPr id="118" name="组合 20">
+              <a:extLst>
+                <a:ext uri="{FF2B5EF4-FFF2-40B4-BE49-F238E27FC236}">
+                  <a16:creationId xmlns:a16="http://schemas.microsoft.com/office/drawing/2014/main" id="{35937872-E36D-8DF1-AA0E-18C37B01E7BB}"/>
+                </a:ext>
+              </a:extLst>
+            </p:cNvPr>
+            <p:cNvGrpSpPr/>
+            <p:nvPr/>
+          </p:nvGrpSpPr>
+          <p:grpSpPr>
+            <a:xfrm>
+              <a:off x="1775252" y="2763988"/>
+              <a:ext cx="1045160" cy="1079816"/>
+              <a:chOff x="-4061568" y="1901032"/>
+              <a:chExt cx="1819276" cy="1879600"/>
+            </a:xfrm>
+          </p:grpSpPr>
+          <p:sp>
+            <p:nvSpPr>
+              <p:cNvPr id="120" name="Freeform 273">
+                <a:extLst>
+                  <a:ext uri="{FF2B5EF4-FFF2-40B4-BE49-F238E27FC236}">
+                    <a16:creationId xmlns:a16="http://schemas.microsoft.com/office/drawing/2014/main" id="{8549735A-22EB-965B-8235-14022CE98E22}"/>
+                  </a:ext>
+                </a:extLst>
+              </p:cNvPr>
+              <p:cNvSpPr/>
+              <p:nvPr/>
+            </p:nvSpPr>
+            <p:spPr bwMode="auto">
+              <a:xfrm>
+                <a:off x="-3661518" y="1901032"/>
+                <a:ext cx="1041400" cy="1509713"/>
+              </a:xfrm>
+              <a:custGeom>
+                <a:avLst/>
+                <a:gdLst>
+                  <a:gd name="T0" fmla="*/ 301 w 328"/>
+                  <a:gd name="T1" fmla="*/ 222 h 475"/>
+                  <a:gd name="T2" fmla="*/ 240 w 328"/>
+                  <a:gd name="T3" fmla="*/ 166 h 475"/>
+                  <a:gd name="T4" fmla="*/ 239 w 328"/>
+                  <a:gd name="T5" fmla="*/ 37 h 475"/>
+                  <a:gd name="T6" fmla="*/ 237 w 328"/>
+                  <a:gd name="T7" fmla="*/ 30 h 475"/>
+                  <a:gd name="T8" fmla="*/ 165 w 328"/>
+                  <a:gd name="T9" fmla="*/ 0 h 475"/>
+                  <a:gd name="T10" fmla="*/ 88 w 328"/>
+                  <a:gd name="T11" fmla="*/ 30 h 475"/>
+                  <a:gd name="T12" fmla="*/ 85 w 328"/>
+                  <a:gd name="T13" fmla="*/ 37 h 475"/>
+                  <a:gd name="T14" fmla="*/ 85 w 328"/>
+                  <a:gd name="T15" fmla="*/ 168 h 475"/>
+                  <a:gd name="T16" fmla="*/ 26 w 328"/>
+                  <a:gd name="T17" fmla="*/ 223 h 475"/>
+                  <a:gd name="T18" fmla="*/ 0 w 328"/>
+                  <a:gd name="T19" fmla="*/ 311 h 475"/>
+                  <a:gd name="T20" fmla="*/ 164 w 328"/>
+                  <a:gd name="T21" fmla="*/ 475 h 475"/>
+                  <a:gd name="T22" fmla="*/ 328 w 328"/>
+                  <a:gd name="T23" fmla="*/ 311 h 475"/>
+                  <a:gd name="T24" fmla="*/ 301 w 328"/>
+                  <a:gd name="T25" fmla="*/ 222 h 475"/>
+                </a:gdLst>
+                <a:ahLst/>
+                <a:cxnLst>
+                  <a:cxn ang="0">
+                    <a:pos x="T0" y="T1"/>
+                  </a:cxn>
+                  <a:cxn ang="0">
+                    <a:pos x="T2" y="T3"/>
+                  </a:cxn>
+                  <a:cxn ang="0">
+                    <a:pos x="T4" y="T5"/>
+                  </a:cxn>
+                  <a:cxn ang="0">
+                    <a:pos x="T6" y="T7"/>
+                  </a:cxn>
+                  <a:cxn ang="0">
+                    <a:pos x="T8" y="T9"/>
+                  </a:cxn>
+                  <a:cxn ang="0">
+                    <a:pos x="T10" y="T11"/>
+                  </a:cxn>
+                  <a:cxn ang="0">
+                    <a:pos x="T12" y="T13"/>
+                  </a:cxn>
+                  <a:cxn ang="0">
+                    <a:pos x="T14" y="T15"/>
+                  </a:cxn>
+                  <a:cxn ang="0">
+                    <a:pos x="T16" y="T17"/>
+                  </a:cxn>
+                  <a:cxn ang="0">
+                    <a:pos x="T18" y="T19"/>
+                  </a:cxn>
+                  <a:cxn ang="0">
+                    <a:pos x="T20" y="T21"/>
+                  </a:cxn>
+                  <a:cxn ang="0">
+                    <a:pos x="T22" y="T23"/>
+                  </a:cxn>
+                  <a:cxn ang="0">
+                    <a:pos x="T24" y="T25"/>
+                  </a:cxn>
+                </a:cxnLst>
+                <a:rect l="0" t="0" r="r" b="b"/>
+                <a:pathLst>
+                  <a:path w="328" h="475">
+                    <a:moveTo>
+                      <a:pt x="301" y="222"/>
+                    </a:moveTo>
+                    <a:cubicBezTo>
+                      <a:pt x="286" y="198"/>
+                      <a:pt x="265" y="179"/>
+                      <a:pt x="240" y="166"/>
+                    </a:cubicBezTo>
+                    <a:cubicBezTo>
+                      <a:pt x="239" y="165"/>
+                      <a:pt x="239" y="37"/>
+                      <a:pt x="239" y="37"/>
+                    </a:cubicBezTo>
+                    <a:cubicBezTo>
+                      <a:pt x="239" y="35"/>
+                      <a:pt x="238" y="32"/>
+                      <a:pt x="237" y="30"/>
+                    </a:cubicBezTo>
+                    <a:cubicBezTo>
+                      <a:pt x="236" y="29"/>
+                      <a:pt x="210" y="0"/>
+                      <a:pt x="165" y="0"/>
+                    </a:cubicBezTo>
+                    <a:cubicBezTo>
+                      <a:pt x="121" y="0"/>
+                      <a:pt x="90" y="28"/>
+                      <a:pt x="88" y="30"/>
+                    </a:cubicBezTo>
+                    <a:cubicBezTo>
+                      <a:pt x="86" y="32"/>
+                      <a:pt x="85" y="34"/>
+                      <a:pt x="85" y="37"/>
+                    </a:cubicBezTo>
+                    <a:cubicBezTo>
+                      <a:pt x="85" y="37"/>
+                      <a:pt x="85" y="166"/>
+                      <a:pt x="85" y="168"/>
+                    </a:cubicBezTo>
+                    <a:cubicBezTo>
+                      <a:pt x="61" y="181"/>
+                      <a:pt x="40" y="200"/>
+                      <a:pt x="26" y="223"/>
+                    </a:cubicBezTo>
+                    <a:cubicBezTo>
+                      <a:pt x="9" y="250"/>
+                      <a:pt x="0" y="280"/>
+                      <a:pt x="0" y="311"/>
+                    </a:cubicBezTo>
+                    <a:cubicBezTo>
+                      <a:pt x="0" y="402"/>
+                      <a:pt x="73" y="475"/>
+                      <a:pt x="164" y="475"/>
+                    </a:cubicBezTo>
+                    <a:cubicBezTo>
+                      <a:pt x="254" y="475"/>
+                      <a:pt x="328" y="402"/>
+                      <a:pt x="328" y="311"/>
+                    </a:cubicBezTo>
+                    <a:cubicBezTo>
+                      <a:pt x="328" y="279"/>
+                      <a:pt x="318" y="249"/>
+                      <a:pt x="301" y="222"/>
+                    </a:cubicBezTo>
+                    <a:close/>
+                  </a:path>
+                </a:pathLst>
+              </a:custGeom>
+              <a:solidFill>
+                <a:srgbClr val="594D7B"/>
+              </a:solidFill>
+              <a:ln>
+                <a:noFill/>
+              </a:ln>
+              <a:extLst>
+                <a:ext uri="{91240B29-F687-4F45-9708-019B960494DF}">
+                  <a14:hiddenLine xmlns:a14="http://schemas.microsoft.com/office/drawing/2010/main" w="9525">
+                    <a:solidFill>
+                      <a:srgbClr val="000000"/>
+                    </a:solidFill>
+                    <a:round/>
+                  </a14:hiddenLine>
+                </a:ext>
+              </a:extLst>
+            </p:spPr>
+            <p:txBody>
+              <a:bodyPr vert="horz" wrap="square" lIns="121920" tIns="60960" rIns="121920" bIns="60960" numCol="1" anchor="t" anchorCtr="0" compatLnSpc="1"/>
+              <a:lstStyle/>
+              <a:p>
+                <a:endParaRPr lang="zh-CN" altLang="en-US" sz="2400"/>
+              </a:p>
+            </p:txBody>
+          </p:sp>
+          <p:sp>
+            <p:nvSpPr>
+              <p:cNvPr id="121" name="Freeform 274">
+                <a:extLst>
+                  <a:ext uri="{FF2B5EF4-FFF2-40B4-BE49-F238E27FC236}">
+                    <a16:creationId xmlns:a16="http://schemas.microsoft.com/office/drawing/2014/main" id="{EB3C93CA-7D4F-59E7-DFDE-20B9009BFB85}"/>
+                  </a:ext>
+                </a:extLst>
+              </p:cNvPr>
+              <p:cNvSpPr>
+                <a:spLocks noEditPoints="1"/>
+              </p:cNvSpPr>
+              <p:nvPr/>
+            </p:nvSpPr>
+            <p:spPr bwMode="auto">
+              <a:xfrm>
+                <a:off x="-3664693" y="1901032"/>
+                <a:ext cx="1041400" cy="1509713"/>
+              </a:xfrm>
+              <a:custGeom>
+                <a:avLst/>
+                <a:gdLst>
+                  <a:gd name="T0" fmla="*/ 328 w 328"/>
+                  <a:gd name="T1" fmla="*/ 311 h 475"/>
+                  <a:gd name="T2" fmla="*/ 240 w 328"/>
+                  <a:gd name="T3" fmla="*/ 166 h 475"/>
+                  <a:gd name="T4" fmla="*/ 237 w 328"/>
+                  <a:gd name="T5" fmla="*/ 30 h 475"/>
+                  <a:gd name="T6" fmla="*/ 88 w 328"/>
+                  <a:gd name="T7" fmla="*/ 30 h 475"/>
+                  <a:gd name="T8" fmla="*/ 85 w 328"/>
+                  <a:gd name="T9" fmla="*/ 168 h 475"/>
+                  <a:gd name="T10" fmla="*/ 0 w 328"/>
+                  <a:gd name="T11" fmla="*/ 311 h 475"/>
+                  <a:gd name="T12" fmla="*/ 106 w 328"/>
+                  <a:gd name="T13" fmla="*/ 56 h 475"/>
+                  <a:gd name="T14" fmla="*/ 218 w 328"/>
+                  <a:gd name="T15" fmla="*/ 99 h 475"/>
+                  <a:gd name="T16" fmla="*/ 106 w 328"/>
+                  <a:gd name="T17" fmla="*/ 56 h 475"/>
+                  <a:gd name="T18" fmla="*/ 218 w 328"/>
+                  <a:gd name="T19" fmla="*/ 120 h 475"/>
+                  <a:gd name="T20" fmla="*/ 218 w 328"/>
+                  <a:gd name="T21" fmla="*/ 140 h 475"/>
+                  <a:gd name="T22" fmla="*/ 106 w 328"/>
+                  <a:gd name="T23" fmla="*/ 100 h 475"/>
+                  <a:gd name="T24" fmla="*/ 158 w 328"/>
+                  <a:gd name="T25" fmla="*/ 306 h 475"/>
+                  <a:gd name="T26" fmla="*/ 137 w 328"/>
+                  <a:gd name="T27" fmla="*/ 298 h 475"/>
+                  <a:gd name="T28" fmla="*/ 145 w 328"/>
+                  <a:gd name="T29" fmla="*/ 149 h 475"/>
+                  <a:gd name="T30" fmla="*/ 171 w 328"/>
+                  <a:gd name="T31" fmla="*/ 169 h 475"/>
+                  <a:gd name="T32" fmla="*/ 162 w 328"/>
+                  <a:gd name="T33" fmla="*/ 304 h 475"/>
+                  <a:gd name="T34" fmla="*/ 158 w 328"/>
+                  <a:gd name="T35" fmla="*/ 341 h 475"/>
+                  <a:gd name="T36" fmla="*/ 158 w 328"/>
+                  <a:gd name="T37" fmla="*/ 324 h 475"/>
+                  <a:gd name="T38" fmla="*/ 101 w 328"/>
+                  <a:gd name="T39" fmla="*/ 183 h 475"/>
+                  <a:gd name="T40" fmla="*/ 107 w 328"/>
+                  <a:gd name="T41" fmla="*/ 142 h 475"/>
+                  <a:gd name="T42" fmla="*/ 136 w 328"/>
+                  <a:gd name="T43" fmla="*/ 169 h 475"/>
+                  <a:gd name="T44" fmla="*/ 108 w 328"/>
+                  <a:gd name="T45" fmla="*/ 306 h 475"/>
+                  <a:gd name="T46" fmla="*/ 103 w 328"/>
+                  <a:gd name="T47" fmla="*/ 350 h 475"/>
+                  <a:gd name="T48" fmla="*/ 134 w 328"/>
+                  <a:gd name="T49" fmla="*/ 313 h 475"/>
+                  <a:gd name="T50" fmla="*/ 140 w 328"/>
+                  <a:gd name="T51" fmla="*/ 335 h 475"/>
+                  <a:gd name="T52" fmla="*/ 176 w 328"/>
+                  <a:gd name="T53" fmla="*/ 335 h 475"/>
+                  <a:gd name="T54" fmla="*/ 182 w 328"/>
+                  <a:gd name="T55" fmla="*/ 313 h 475"/>
+                  <a:gd name="T56" fmla="*/ 213 w 328"/>
+                  <a:gd name="T57" fmla="*/ 350 h 475"/>
+                  <a:gd name="T58" fmla="*/ 208 w 328"/>
+                  <a:gd name="T59" fmla="*/ 306 h 475"/>
+                  <a:gd name="T60" fmla="*/ 180 w 328"/>
+                  <a:gd name="T61" fmla="*/ 169 h 475"/>
+                  <a:gd name="T62" fmla="*/ 218 w 328"/>
+                  <a:gd name="T63" fmla="*/ 161 h 475"/>
+                  <a:gd name="T64" fmla="*/ 224 w 328"/>
+                  <a:gd name="T65" fmla="*/ 181 h 475"/>
+                  <a:gd name="T66" fmla="*/ 164 w 328"/>
+                  <a:gd name="T67" fmla="*/ 454 h 475"/>
+                  <a:gd name="T68" fmla="*/ 101 w 328"/>
+                  <a:gd name="T69" fmla="*/ 183 h 475"/>
+                  <a:gd name="T70" fmla="*/ 119 w 328"/>
+                  <a:gd name="T71" fmla="*/ 330 h 475"/>
+                  <a:gd name="T72" fmla="*/ 106 w 328"/>
+                  <a:gd name="T73" fmla="*/ 333 h 475"/>
+                  <a:gd name="T74" fmla="*/ 124 w 328"/>
+                  <a:gd name="T75" fmla="*/ 314 h 475"/>
+                  <a:gd name="T76" fmla="*/ 203 w 328"/>
+                  <a:gd name="T77" fmla="*/ 319 h 475"/>
+                  <a:gd name="T78" fmla="*/ 208 w 328"/>
+                  <a:gd name="T79" fmla="*/ 336 h 475"/>
+                  <a:gd name="T80" fmla="*/ 192 w 328"/>
+                  <a:gd name="T81" fmla="*/ 314 h 475"/>
+                </a:gdLst>
+                <a:ahLst/>
+                <a:cxnLst>
+                  <a:cxn ang="0">
+                    <a:pos x="T0" y="T1"/>
+                  </a:cxn>
+                  <a:cxn ang="0">
+                    <a:pos x="T2" y="T3"/>
+                  </a:cxn>
+                  <a:cxn ang="0">
+                    <a:pos x="T4" y="T5"/>
+                  </a:cxn>
+                  <a:cxn ang="0">
+                    <a:pos x="T6" y="T7"/>
+                  </a:cxn>
+                  <a:cxn ang="0">
+                    <a:pos x="T8" y="T9"/>
+                  </a:cxn>
+                  <a:cxn ang="0">
+                    <a:pos x="T10" y="T11"/>
+                  </a:cxn>
+                  <a:cxn ang="0">
+                    <a:pos x="T12" y="T13"/>
+                  </a:cxn>
+                  <a:cxn ang="0">
+                    <a:pos x="T14" y="T15"/>
+                  </a:cxn>
+                  <a:cxn ang="0">
+                    <a:pos x="T16" y="T17"/>
+                  </a:cxn>
+                  <a:cxn ang="0">
+                    <a:pos x="T18" y="T19"/>
+                  </a:cxn>
+                  <a:cxn ang="0">
+                    <a:pos x="T20" y="T21"/>
+                  </a:cxn>
+                  <a:cxn ang="0">
+                    <a:pos x="T22" y="T23"/>
+                  </a:cxn>
+                  <a:cxn ang="0">
+                    <a:pos x="T24" y="T25"/>
+                  </a:cxn>
+                  <a:cxn ang="0">
+                    <a:pos x="T26" y="T27"/>
+                  </a:cxn>
+                  <a:cxn ang="0">
+                    <a:pos x="T28" y="T29"/>
+                  </a:cxn>
+                  <a:cxn ang="0">
+                    <a:pos x="T30" y="T31"/>
+                  </a:cxn>
+                  <a:cxn ang="0">
+                    <a:pos x="T32" y="T33"/>
+                  </a:cxn>
+                  <a:cxn ang="0">
+                    <a:pos x="T34" y="T35"/>
+                  </a:cxn>
+                  <a:cxn ang="0">
+                    <a:pos x="T36" y="T37"/>
+                  </a:cxn>
+                  <a:cxn ang="0">
+                    <a:pos x="T38" y="T39"/>
+                  </a:cxn>
+                  <a:cxn ang="0">
+                    <a:pos x="T40" y="T41"/>
+                  </a:cxn>
+                  <a:cxn ang="0">
+                    <a:pos x="T42" y="T43"/>
+                  </a:cxn>
+                  <a:cxn ang="0">
+                    <a:pos x="T44" y="T45"/>
+                  </a:cxn>
+                  <a:cxn ang="0">
+                    <a:pos x="T46" y="T47"/>
+                  </a:cxn>
+                  <a:cxn ang="0">
+                    <a:pos x="T48" y="T49"/>
+                  </a:cxn>
+                  <a:cxn ang="0">
+                    <a:pos x="T50" y="T51"/>
+                  </a:cxn>
+                  <a:cxn ang="0">
+                    <a:pos x="T52" y="T53"/>
+                  </a:cxn>
+                  <a:cxn ang="0">
+                    <a:pos x="T54" y="T55"/>
+                  </a:cxn>
+                  <a:cxn ang="0">
+                    <a:pos x="T56" y="T57"/>
+                  </a:cxn>
+                  <a:cxn ang="0">
+                    <a:pos x="T58" y="T59"/>
+                  </a:cxn>
+                  <a:cxn ang="0">
+                    <a:pos x="T60" y="T61"/>
+                  </a:cxn>
+                  <a:cxn ang="0">
+                    <a:pos x="T62" y="T63"/>
+                  </a:cxn>
+                  <a:cxn ang="0">
+                    <a:pos x="T64" y="T65"/>
+                  </a:cxn>
+                  <a:cxn ang="0">
+                    <a:pos x="T66" y="T67"/>
+                  </a:cxn>
+                  <a:cxn ang="0">
+                    <a:pos x="T68" y="T69"/>
+                  </a:cxn>
+                  <a:cxn ang="0">
+                    <a:pos x="T70" y="T71"/>
+                  </a:cxn>
+                  <a:cxn ang="0">
+                    <a:pos x="T72" y="T73"/>
+                  </a:cxn>
+                  <a:cxn ang="0">
+                    <a:pos x="T74" y="T75"/>
+                  </a:cxn>
+                  <a:cxn ang="0">
+                    <a:pos x="T76" y="T77"/>
+                  </a:cxn>
+                  <a:cxn ang="0">
+                    <a:pos x="T78" y="T79"/>
+                  </a:cxn>
+                  <a:cxn ang="0">
+                    <a:pos x="T80" y="T81"/>
+                  </a:cxn>
+                </a:cxnLst>
+                <a:rect l="0" t="0" r="r" b="b"/>
+                <a:pathLst>
+                  <a:path w="328" h="475">
+                    <a:moveTo>
+                      <a:pt x="164" y="475"/>
+                    </a:moveTo>
+                    <a:cubicBezTo>
+                      <a:pt x="254" y="475"/>
+                      <a:pt x="328" y="402"/>
+                      <a:pt x="328" y="311"/>
+                    </a:cubicBezTo>
+                    <a:cubicBezTo>
+                      <a:pt x="328" y="279"/>
+                      <a:pt x="319" y="249"/>
+                      <a:pt x="301" y="222"/>
+                    </a:cubicBezTo>
+                    <a:cubicBezTo>
+                      <a:pt x="286" y="198"/>
+                      <a:pt x="265" y="179"/>
+                      <a:pt x="240" y="166"/>
+                    </a:cubicBezTo>
+                    <a:cubicBezTo>
+                      <a:pt x="239" y="165"/>
+                      <a:pt x="239" y="37"/>
+                      <a:pt x="239" y="37"/>
+                    </a:cubicBezTo>
+                    <a:cubicBezTo>
+                      <a:pt x="239" y="35"/>
+                      <a:pt x="239" y="32"/>
+                      <a:pt x="237" y="30"/>
+                    </a:cubicBezTo>
+                    <a:cubicBezTo>
+                      <a:pt x="236" y="29"/>
+                      <a:pt x="210" y="0"/>
+                      <a:pt x="165" y="0"/>
+                    </a:cubicBezTo>
+                    <a:cubicBezTo>
+                      <a:pt x="121" y="0"/>
+                      <a:pt x="90" y="28"/>
+                      <a:pt x="88" y="30"/>
+                    </a:cubicBezTo>
+                    <a:cubicBezTo>
+                      <a:pt x="86" y="32"/>
+                      <a:pt x="85" y="34"/>
+                      <a:pt x="85" y="37"/>
+                    </a:cubicBezTo>
+                    <a:cubicBezTo>
+                      <a:pt x="85" y="37"/>
+                      <a:pt x="85" y="166"/>
+                      <a:pt x="85" y="168"/>
+                    </a:cubicBezTo>
+                    <a:cubicBezTo>
+                      <a:pt x="61" y="181"/>
+                      <a:pt x="40" y="200"/>
+                      <a:pt x="26" y="223"/>
+                    </a:cubicBezTo>
+                    <a:cubicBezTo>
+                      <a:pt x="9" y="250"/>
+                      <a:pt x="0" y="280"/>
+                      <a:pt x="0" y="311"/>
+                    </a:cubicBezTo>
+                    <a:cubicBezTo>
+                      <a:pt x="0" y="402"/>
+                      <a:pt x="74" y="475"/>
+                      <a:pt x="164" y="475"/>
+                    </a:cubicBezTo>
+                    <a:close/>
+                    <a:moveTo>
+                      <a:pt x="106" y="56"/>
+                    </a:moveTo>
+                    <a:cubicBezTo>
+                      <a:pt x="218" y="76"/>
+                      <a:pt x="218" y="76"/>
+                      <a:pt x="218" y="76"/>
+                    </a:cubicBezTo>
+                    <a:cubicBezTo>
+                      <a:pt x="218" y="99"/>
+                      <a:pt x="218" y="99"/>
+                      <a:pt x="218" y="99"/>
+                    </a:cubicBezTo>
+                    <a:cubicBezTo>
+                      <a:pt x="106" y="79"/>
+                      <a:pt x="106" y="79"/>
+                      <a:pt x="106" y="79"/>
+                    </a:cubicBezTo>
+                    <a:lnTo>
+                      <a:pt x="106" y="56"/>
+                    </a:lnTo>
+                    <a:close/>
+                    <a:moveTo>
+                      <a:pt x="106" y="100"/>
+                    </a:moveTo>
+                    <a:cubicBezTo>
+                      <a:pt x="218" y="120"/>
+                      <a:pt x="218" y="120"/>
+                      <a:pt x="218" y="120"/>
+                    </a:cubicBezTo>
+                    <a:cubicBezTo>
+                      <a:pt x="218" y="134"/>
+                      <a:pt x="218" y="134"/>
+                      <a:pt x="218" y="134"/>
+                    </a:cubicBezTo>
+                    <a:cubicBezTo>
+                      <a:pt x="218" y="140"/>
+                      <a:pt x="218" y="140"/>
+                      <a:pt x="218" y="140"/>
+                    </a:cubicBezTo>
+                    <a:cubicBezTo>
+                      <a:pt x="106" y="121"/>
+                      <a:pt x="106" y="121"/>
+                      <a:pt x="106" y="121"/>
+                    </a:cubicBezTo>
+                    <a:lnTo>
+                      <a:pt x="106" y="100"/>
+                    </a:lnTo>
+                    <a:close/>
+                    <a:moveTo>
+                      <a:pt x="162" y="304"/>
+                    </a:moveTo>
+                    <a:cubicBezTo>
+                      <a:pt x="161" y="304"/>
+                      <a:pt x="159" y="305"/>
+                      <a:pt x="158" y="306"/>
+                    </a:cubicBezTo>
+                    <a:cubicBezTo>
+                      <a:pt x="157" y="305"/>
+                      <a:pt x="155" y="304"/>
+                      <a:pt x="154" y="304"/>
+                    </a:cubicBezTo>
+                    <a:cubicBezTo>
+                      <a:pt x="149" y="301"/>
+                      <a:pt x="143" y="299"/>
+                      <a:pt x="137" y="298"/>
+                    </a:cubicBezTo>
+                    <a:cubicBezTo>
+                      <a:pt x="142" y="263"/>
+                      <a:pt x="144" y="203"/>
+                      <a:pt x="145" y="169"/>
+                    </a:cubicBezTo>
+                    <a:cubicBezTo>
+                      <a:pt x="145" y="160"/>
+                      <a:pt x="145" y="152"/>
+                      <a:pt x="145" y="149"/>
+                    </a:cubicBezTo>
+                    <a:cubicBezTo>
+                      <a:pt x="171" y="153"/>
+                      <a:pt x="171" y="153"/>
+                      <a:pt x="171" y="153"/>
+                    </a:cubicBezTo>
+                    <a:cubicBezTo>
+                      <a:pt x="171" y="157"/>
+                      <a:pt x="171" y="163"/>
+                      <a:pt x="171" y="169"/>
+                    </a:cubicBezTo>
+                    <a:cubicBezTo>
+                      <a:pt x="172" y="203"/>
+                      <a:pt x="174" y="263"/>
+                      <a:pt x="179" y="298"/>
+                    </a:cubicBezTo>
+                    <a:cubicBezTo>
+                      <a:pt x="173" y="299"/>
+                      <a:pt x="167" y="301"/>
+                      <a:pt x="162" y="304"/>
+                    </a:cubicBezTo>
+                    <a:close/>
+                    <a:moveTo>
+                      <a:pt x="167" y="334"/>
+                    </a:moveTo>
+                    <a:cubicBezTo>
+                      <a:pt x="167" y="336"/>
+                      <a:pt x="162" y="341"/>
+                      <a:pt x="158" y="341"/>
+                    </a:cubicBezTo>
+                    <a:cubicBezTo>
+                      <a:pt x="154" y="341"/>
+                      <a:pt x="149" y="336"/>
+                      <a:pt x="149" y="334"/>
+                    </a:cubicBezTo>
+                    <a:cubicBezTo>
+                      <a:pt x="149" y="332"/>
+                      <a:pt x="152" y="327"/>
+                      <a:pt x="158" y="324"/>
+                    </a:cubicBezTo>
+                    <a:cubicBezTo>
+                      <a:pt x="165" y="327"/>
+                      <a:pt x="167" y="332"/>
+                      <a:pt x="167" y="334"/>
+                    </a:cubicBezTo>
+                    <a:close/>
+                    <a:moveTo>
+                      <a:pt x="101" y="183"/>
+                    </a:moveTo>
+                    <a:cubicBezTo>
+                      <a:pt x="107" y="180"/>
+                      <a:pt x="107" y="180"/>
+                      <a:pt x="107" y="180"/>
+                    </a:cubicBezTo>
+                    <a:cubicBezTo>
+                      <a:pt x="107" y="142"/>
+                      <a:pt x="107" y="142"/>
+                      <a:pt x="107" y="142"/>
+                    </a:cubicBezTo>
+                    <a:cubicBezTo>
+                      <a:pt x="136" y="147"/>
+                      <a:pt x="136" y="147"/>
+                      <a:pt x="136" y="147"/>
+                    </a:cubicBezTo>
+                    <a:cubicBezTo>
+                      <a:pt x="136" y="152"/>
+                      <a:pt x="136" y="160"/>
+                      <a:pt x="136" y="169"/>
+                    </a:cubicBezTo>
+                    <a:cubicBezTo>
+                      <a:pt x="135" y="206"/>
+                      <a:pt x="132" y="268"/>
+                      <a:pt x="127" y="298"/>
+                    </a:cubicBezTo>
+                    <a:cubicBezTo>
+                      <a:pt x="121" y="298"/>
+                      <a:pt x="114" y="301"/>
+                      <a:pt x="108" y="306"/>
+                    </a:cubicBezTo>
+                    <a:cubicBezTo>
+                      <a:pt x="103" y="311"/>
+                      <a:pt x="99" y="319"/>
+                      <a:pt x="97" y="329"/>
+                    </a:cubicBezTo>
+                    <a:cubicBezTo>
+                      <a:pt x="96" y="337"/>
+                      <a:pt x="98" y="345"/>
+                      <a:pt x="103" y="350"/>
+                    </a:cubicBezTo>
+                    <a:cubicBezTo>
+                      <a:pt x="109" y="355"/>
+                      <a:pt x="118" y="355"/>
+                      <a:pt x="126" y="340"/>
+                    </a:cubicBezTo>
+                    <a:cubicBezTo>
+                      <a:pt x="129" y="334"/>
+                      <a:pt x="132" y="325"/>
+                      <a:pt x="134" y="313"/>
+                    </a:cubicBezTo>
+                    <a:cubicBezTo>
+                      <a:pt x="138" y="314"/>
+                      <a:pt x="142" y="315"/>
+                      <a:pt x="146" y="316"/>
+                    </a:cubicBezTo>
+                    <a:cubicBezTo>
+                      <a:pt x="140" y="323"/>
+                      <a:pt x="140" y="331"/>
+                      <a:pt x="140" y="335"/>
+                    </a:cubicBezTo>
+                    <a:cubicBezTo>
+                      <a:pt x="140" y="346"/>
+                      <a:pt x="149" y="357"/>
+                      <a:pt x="158" y="357"/>
+                    </a:cubicBezTo>
+                    <a:cubicBezTo>
+                      <a:pt x="167" y="357"/>
+                      <a:pt x="176" y="346"/>
+                      <a:pt x="176" y="335"/>
+                    </a:cubicBezTo>
+                    <a:cubicBezTo>
+                      <a:pt x="176" y="331"/>
+                      <a:pt x="176" y="323"/>
+                      <a:pt x="170" y="316"/>
+                    </a:cubicBezTo>
+                    <a:cubicBezTo>
+                      <a:pt x="174" y="315"/>
+                      <a:pt x="178" y="314"/>
+                      <a:pt x="182" y="313"/>
+                    </a:cubicBezTo>
+                    <a:cubicBezTo>
+                      <a:pt x="184" y="325"/>
+                      <a:pt x="187" y="334"/>
+                      <a:pt x="190" y="340"/>
+                    </a:cubicBezTo>
+                    <a:cubicBezTo>
+                      <a:pt x="198" y="355"/>
+                      <a:pt x="208" y="355"/>
+                      <a:pt x="213" y="350"/>
+                    </a:cubicBezTo>
+                    <a:cubicBezTo>
+                      <a:pt x="218" y="345"/>
+                      <a:pt x="220" y="337"/>
+                      <a:pt x="219" y="329"/>
+                    </a:cubicBezTo>
+                    <a:cubicBezTo>
+                      <a:pt x="217" y="319"/>
+                      <a:pt x="213" y="311"/>
+                      <a:pt x="208" y="306"/>
+                    </a:cubicBezTo>
+                    <a:cubicBezTo>
+                      <a:pt x="202" y="301"/>
+                      <a:pt x="196" y="298"/>
+                      <a:pt x="189" y="298"/>
+                    </a:cubicBezTo>
+                    <a:cubicBezTo>
+                      <a:pt x="184" y="268"/>
+                      <a:pt x="182" y="206"/>
+                      <a:pt x="180" y="169"/>
+                    </a:cubicBezTo>
+                    <a:cubicBezTo>
+                      <a:pt x="180" y="164"/>
+                      <a:pt x="180" y="159"/>
+                      <a:pt x="180" y="155"/>
+                    </a:cubicBezTo>
+                    <a:cubicBezTo>
+                      <a:pt x="218" y="161"/>
+                      <a:pt x="218" y="161"/>
+                      <a:pt x="218" y="161"/>
+                    </a:cubicBezTo>
+                    <a:cubicBezTo>
+                      <a:pt x="218" y="179"/>
+                      <a:pt x="218" y="179"/>
+                      <a:pt x="218" y="179"/>
+                    </a:cubicBezTo>
+                    <a:cubicBezTo>
+                      <a:pt x="224" y="181"/>
+                      <a:pt x="224" y="181"/>
+                      <a:pt x="224" y="181"/>
+                    </a:cubicBezTo>
+                    <a:cubicBezTo>
+                      <a:pt x="275" y="205"/>
+                      <a:pt x="307" y="256"/>
+                      <a:pt x="307" y="311"/>
+                    </a:cubicBezTo>
+                    <a:cubicBezTo>
+                      <a:pt x="307" y="390"/>
+                      <a:pt x="243" y="454"/>
+                      <a:pt x="164" y="454"/>
+                    </a:cubicBezTo>
+                    <a:cubicBezTo>
+                      <a:pt x="85" y="454"/>
+                      <a:pt x="21" y="390"/>
+                      <a:pt x="21" y="311"/>
+                    </a:cubicBezTo>
+                    <a:cubicBezTo>
+                      <a:pt x="21" y="256"/>
+                      <a:pt x="52" y="207"/>
+                      <a:pt x="101" y="183"/>
+                    </a:cubicBezTo>
+                    <a:close/>
+                    <a:moveTo>
+                      <a:pt x="124" y="314"/>
+                    </a:moveTo>
+                    <a:cubicBezTo>
+                      <a:pt x="123" y="321"/>
+                      <a:pt x="121" y="326"/>
+                      <a:pt x="119" y="330"/>
+                    </a:cubicBezTo>
+                    <a:cubicBezTo>
+                      <a:pt x="114" y="338"/>
+                      <a:pt x="110" y="339"/>
+                      <a:pt x="108" y="336"/>
+                    </a:cubicBezTo>
+                    <a:cubicBezTo>
+                      <a:pt x="107" y="335"/>
+                      <a:pt x="106" y="334"/>
+                      <a:pt x="106" y="333"/>
+                    </a:cubicBezTo>
+                    <a:cubicBezTo>
+                      <a:pt x="107" y="327"/>
+                      <a:pt x="109" y="323"/>
+                      <a:pt x="113" y="319"/>
+                    </a:cubicBezTo>
+                    <a:cubicBezTo>
+                      <a:pt x="116" y="316"/>
+                      <a:pt x="120" y="315"/>
+                      <a:pt x="124" y="314"/>
+                    </a:cubicBezTo>
+                    <a:close/>
+                    <a:moveTo>
+                      <a:pt x="192" y="314"/>
+                    </a:moveTo>
+                    <a:cubicBezTo>
+                      <a:pt x="196" y="315"/>
+                      <a:pt x="200" y="316"/>
+                      <a:pt x="203" y="319"/>
+                    </a:cubicBezTo>
+                    <a:cubicBezTo>
+                      <a:pt x="207" y="323"/>
+                      <a:pt x="209" y="327"/>
+                      <a:pt x="210" y="333"/>
+                    </a:cubicBezTo>
+                    <a:cubicBezTo>
+                      <a:pt x="210" y="334"/>
+                      <a:pt x="209" y="335"/>
+                      <a:pt x="208" y="336"/>
+                    </a:cubicBezTo>
+                    <a:cubicBezTo>
+                      <a:pt x="206" y="339"/>
+                      <a:pt x="202" y="338"/>
+                      <a:pt x="197" y="330"/>
+                    </a:cubicBezTo>
+                    <a:cubicBezTo>
+                      <a:pt x="195" y="326"/>
+                      <a:pt x="193" y="321"/>
+                      <a:pt x="192" y="314"/>
+                    </a:cubicBezTo>
+                    <a:close/>
+                  </a:path>
+                </a:pathLst>
+              </a:custGeom>
+              <a:solidFill>
+                <a:srgbClr val="3B3B3B"/>
+              </a:solidFill>
+              <a:ln>
+                <a:noFill/>
+              </a:ln>
+              <a:extLst>
+                <a:ext uri="{91240B29-F687-4F45-9708-019B960494DF}">
+                  <a14:hiddenLine xmlns:a14="http://schemas.microsoft.com/office/drawing/2010/main" w="9525">
+                    <a:solidFill>
+                      <a:srgbClr val="000000"/>
+                    </a:solidFill>
+                    <a:round/>
+                  </a14:hiddenLine>
+                </a:ext>
+              </a:extLst>
+            </p:spPr>
+            <p:txBody>
+              <a:bodyPr vert="horz" wrap="square" lIns="121920" tIns="60960" rIns="121920" bIns="60960" numCol="1" anchor="t" anchorCtr="0" compatLnSpc="1"/>
+              <a:lstStyle/>
+              <a:p>
+                <a:endParaRPr lang="zh-CN" altLang="en-US" sz="2400"/>
+              </a:p>
+            </p:txBody>
+          </p:sp>
+          <p:sp>
+            <p:nvSpPr>
+              <p:cNvPr id="122" name="Freeform 275">
+                <a:extLst>
+                  <a:ext uri="{FF2B5EF4-FFF2-40B4-BE49-F238E27FC236}">
+                    <a16:creationId xmlns:a16="http://schemas.microsoft.com/office/drawing/2014/main" id="{2309B5CD-2C24-89EB-023E-4D7F3AFEDA8B}"/>
+                  </a:ext>
+                </a:extLst>
+              </p:cNvPr>
+              <p:cNvSpPr/>
+              <p:nvPr/>
+            </p:nvSpPr>
+            <p:spPr bwMode="auto">
+              <a:xfrm>
+                <a:off x="-2540742" y="2934495"/>
+                <a:ext cx="298450" cy="79375"/>
+              </a:xfrm>
+              <a:custGeom>
+                <a:avLst/>
+                <a:gdLst>
+                  <a:gd name="T0" fmla="*/ 0 w 94"/>
+                  <a:gd name="T1" fmla="*/ 12 h 25"/>
+                  <a:gd name="T2" fmla="*/ 13 w 94"/>
+                  <a:gd name="T3" fmla="*/ 25 h 25"/>
+                  <a:gd name="T4" fmla="*/ 81 w 94"/>
+                  <a:gd name="T5" fmla="*/ 25 h 25"/>
+                  <a:gd name="T6" fmla="*/ 94 w 94"/>
+                  <a:gd name="T7" fmla="*/ 12 h 25"/>
+                  <a:gd name="T8" fmla="*/ 81 w 94"/>
+                  <a:gd name="T9" fmla="*/ 0 h 25"/>
+                  <a:gd name="T10" fmla="*/ 13 w 94"/>
+                  <a:gd name="T11" fmla="*/ 0 h 25"/>
+                  <a:gd name="T12" fmla="*/ 0 w 94"/>
+                  <a:gd name="T13" fmla="*/ 12 h 25"/>
+                </a:gdLst>
+                <a:ahLst/>
+                <a:cxnLst>
+                  <a:cxn ang="0">
+                    <a:pos x="T0" y="T1"/>
+                  </a:cxn>
+                  <a:cxn ang="0">
+                    <a:pos x="T2" y="T3"/>
+                  </a:cxn>
+                  <a:cxn ang="0">
+                    <a:pos x="T4" y="T5"/>
+                  </a:cxn>
+                  <a:cxn ang="0">
+                    <a:pos x="T6" y="T7"/>
+                  </a:cxn>
+                  <a:cxn ang="0">
+                    <a:pos x="T8" y="T9"/>
+                  </a:cxn>
+                  <a:cxn ang="0">
+                    <a:pos x="T10" y="T11"/>
+                  </a:cxn>
+                  <a:cxn ang="0">
+                    <a:pos x="T12" y="T13"/>
+                  </a:cxn>
+                </a:cxnLst>
+                <a:rect l="0" t="0" r="r" b="b"/>
+                <a:pathLst>
+                  <a:path w="94" h="25">
+                    <a:moveTo>
+                      <a:pt x="0" y="12"/>
+                    </a:moveTo>
+                    <a:cubicBezTo>
+                      <a:pt x="0" y="19"/>
+                      <a:pt x="6" y="25"/>
+                      <a:pt x="13" y="25"/>
+                    </a:cubicBezTo>
+                    <a:cubicBezTo>
+                      <a:pt x="81" y="25"/>
+                      <a:pt x="81" y="25"/>
+                      <a:pt x="81" y="25"/>
+                    </a:cubicBezTo>
+                    <a:cubicBezTo>
+                      <a:pt x="88" y="25"/>
+                      <a:pt x="94" y="19"/>
+                      <a:pt x="94" y="12"/>
+                    </a:cubicBezTo>
+                    <a:cubicBezTo>
+                      <a:pt x="94" y="6"/>
+                      <a:pt x="88" y="0"/>
+                      <a:pt x="81" y="0"/>
+                    </a:cubicBezTo>
+                    <a:cubicBezTo>
+                      <a:pt x="13" y="0"/>
+                      <a:pt x="13" y="0"/>
+                      <a:pt x="13" y="0"/>
+                    </a:cubicBezTo>
+                    <a:cubicBezTo>
+                      <a:pt x="6" y="0"/>
+                      <a:pt x="0" y="6"/>
+                      <a:pt x="0" y="12"/>
+                    </a:cubicBezTo>
+                    <a:close/>
+                  </a:path>
+                </a:pathLst>
+              </a:custGeom>
+              <a:solidFill>
+                <a:srgbClr val="3B3B3B"/>
+              </a:solidFill>
+              <a:ln>
+                <a:noFill/>
+              </a:ln>
+              <a:extLst>
+                <a:ext uri="{91240B29-F687-4F45-9708-019B960494DF}">
+                  <a14:hiddenLine xmlns:a14="http://schemas.microsoft.com/office/drawing/2010/main" w="9525">
+                    <a:solidFill>
+                      <a:srgbClr val="000000"/>
+                    </a:solidFill>
+                    <a:round/>
+                  </a14:hiddenLine>
+                </a:ext>
+              </a:extLst>
+            </p:spPr>
+            <p:txBody>
+              <a:bodyPr vert="horz" wrap="square" lIns="121920" tIns="60960" rIns="121920" bIns="60960" numCol="1" anchor="t" anchorCtr="0" compatLnSpc="1"/>
+              <a:lstStyle/>
+              <a:p>
+                <a:endParaRPr lang="zh-CN" altLang="en-US" sz="2400"/>
+              </a:p>
+            </p:txBody>
+          </p:sp>
+          <p:sp>
+            <p:nvSpPr>
+              <p:cNvPr id="123" name="Freeform 276">
+                <a:extLst>
+                  <a:ext uri="{FF2B5EF4-FFF2-40B4-BE49-F238E27FC236}">
+                    <a16:creationId xmlns:a16="http://schemas.microsoft.com/office/drawing/2014/main" id="{95218395-5EA1-AB67-309F-71DF84BC3B94}"/>
+                  </a:ext>
+                </a:extLst>
+              </p:cNvPr>
+              <p:cNvSpPr/>
+              <p:nvPr/>
+            </p:nvSpPr>
+            <p:spPr bwMode="auto">
+              <a:xfrm>
+                <a:off x="-3236068" y="3488532"/>
+                <a:ext cx="79375" cy="292100"/>
+              </a:xfrm>
+              <a:custGeom>
+                <a:avLst/>
+                <a:gdLst>
+                  <a:gd name="T0" fmla="*/ 13 w 25"/>
+                  <a:gd name="T1" fmla="*/ 0 h 92"/>
+                  <a:gd name="T2" fmla="*/ 0 w 25"/>
+                  <a:gd name="T3" fmla="*/ 13 h 92"/>
+                  <a:gd name="T4" fmla="*/ 0 w 25"/>
+                  <a:gd name="T5" fmla="*/ 79 h 92"/>
+                  <a:gd name="T6" fmla="*/ 13 w 25"/>
+                  <a:gd name="T7" fmla="*/ 92 h 92"/>
+                  <a:gd name="T8" fmla="*/ 25 w 25"/>
+                  <a:gd name="T9" fmla="*/ 79 h 92"/>
+                  <a:gd name="T10" fmla="*/ 25 w 25"/>
+                  <a:gd name="T11" fmla="*/ 13 h 92"/>
+                  <a:gd name="T12" fmla="*/ 13 w 25"/>
+                  <a:gd name="T13" fmla="*/ 0 h 92"/>
+                </a:gdLst>
+                <a:ahLst/>
+                <a:cxnLst>
+                  <a:cxn ang="0">
+                    <a:pos x="T0" y="T1"/>
+                  </a:cxn>
+                  <a:cxn ang="0">
+                    <a:pos x="T2" y="T3"/>
+                  </a:cxn>
+                  <a:cxn ang="0">
+                    <a:pos x="T4" y="T5"/>
+                  </a:cxn>
+                  <a:cxn ang="0">
+                    <a:pos x="T6" y="T7"/>
+                  </a:cxn>
+                  <a:cxn ang="0">
+                    <a:pos x="T8" y="T9"/>
+                  </a:cxn>
+                  <a:cxn ang="0">
+                    <a:pos x="T10" y="T11"/>
+                  </a:cxn>
+                  <a:cxn ang="0">
+                    <a:pos x="T12" y="T13"/>
+                  </a:cxn>
+                </a:cxnLst>
+                <a:rect l="0" t="0" r="r" b="b"/>
+                <a:pathLst>
+                  <a:path w="25" h="92">
+                    <a:moveTo>
+                      <a:pt x="13" y="0"/>
+                    </a:moveTo>
+                    <a:cubicBezTo>
+                      <a:pt x="6" y="0"/>
+                      <a:pt x="0" y="6"/>
+                      <a:pt x="0" y="13"/>
+                    </a:cubicBezTo>
+                    <a:cubicBezTo>
+                      <a:pt x="0" y="79"/>
+                      <a:pt x="0" y="79"/>
+                      <a:pt x="0" y="79"/>
+                    </a:cubicBezTo>
+                    <a:cubicBezTo>
+                      <a:pt x="0" y="86"/>
+                      <a:pt x="6" y="92"/>
+                      <a:pt x="13" y="92"/>
+                    </a:cubicBezTo>
+                    <a:cubicBezTo>
+                      <a:pt x="20" y="92"/>
+                      <a:pt x="25" y="86"/>
+                      <a:pt x="25" y="79"/>
+                    </a:cubicBezTo>
+                    <a:cubicBezTo>
+                      <a:pt x="25" y="13"/>
+                      <a:pt x="25" y="13"/>
+                      <a:pt x="25" y="13"/>
+                    </a:cubicBezTo>
+                    <a:cubicBezTo>
+                      <a:pt x="25" y="6"/>
+                      <a:pt x="20" y="0"/>
+                      <a:pt x="13" y="0"/>
+                    </a:cubicBezTo>
+                    <a:close/>
+                  </a:path>
+                </a:pathLst>
+              </a:custGeom>
+              <a:solidFill>
+                <a:srgbClr val="3B3B3B"/>
+              </a:solidFill>
+              <a:ln>
+                <a:noFill/>
+              </a:ln>
+              <a:extLst>
+                <a:ext uri="{91240B29-F687-4F45-9708-019B960494DF}">
+                  <a14:hiddenLine xmlns:a14="http://schemas.microsoft.com/office/drawing/2010/main" w="9525">
+                    <a:solidFill>
+                      <a:srgbClr val="000000"/>
+                    </a:solidFill>
+                    <a:round/>
+                  </a14:hiddenLine>
+                </a:ext>
+              </a:extLst>
+            </p:spPr>
+            <p:txBody>
+              <a:bodyPr vert="horz" wrap="square" lIns="121920" tIns="60960" rIns="121920" bIns="60960" numCol="1" anchor="t" anchorCtr="0" compatLnSpc="1"/>
+              <a:lstStyle/>
+              <a:p>
+                <a:endParaRPr lang="zh-CN" altLang="en-US" sz="2400"/>
+              </a:p>
+            </p:txBody>
+          </p:sp>
+          <p:sp>
+            <p:nvSpPr>
+              <p:cNvPr id="124" name="Freeform 277">
+                <a:extLst>
+                  <a:ext uri="{FF2B5EF4-FFF2-40B4-BE49-F238E27FC236}">
+                    <a16:creationId xmlns:a16="http://schemas.microsoft.com/office/drawing/2014/main" id="{382D01FE-D3B1-855A-57B5-724848B5C763}"/>
+                  </a:ext>
+                </a:extLst>
+              </p:cNvPr>
+              <p:cNvSpPr/>
+              <p:nvPr/>
+            </p:nvSpPr>
+            <p:spPr bwMode="auto">
+              <a:xfrm>
+                <a:off x="-4061568" y="2899570"/>
+                <a:ext cx="298450" cy="76200"/>
+              </a:xfrm>
+              <a:custGeom>
+                <a:avLst/>
+                <a:gdLst>
+                  <a:gd name="T0" fmla="*/ 13 w 94"/>
+                  <a:gd name="T1" fmla="*/ 24 h 24"/>
+                  <a:gd name="T2" fmla="*/ 81 w 94"/>
+                  <a:gd name="T3" fmla="*/ 24 h 24"/>
+                  <a:gd name="T4" fmla="*/ 94 w 94"/>
+                  <a:gd name="T5" fmla="*/ 12 h 24"/>
+                  <a:gd name="T6" fmla="*/ 81 w 94"/>
+                  <a:gd name="T7" fmla="*/ 0 h 24"/>
+                  <a:gd name="T8" fmla="*/ 13 w 94"/>
+                  <a:gd name="T9" fmla="*/ 0 h 24"/>
+                  <a:gd name="T10" fmla="*/ 0 w 94"/>
+                  <a:gd name="T11" fmla="*/ 12 h 24"/>
+                  <a:gd name="T12" fmla="*/ 13 w 94"/>
+                  <a:gd name="T13" fmla="*/ 24 h 24"/>
+                </a:gdLst>
+                <a:ahLst/>
+                <a:cxnLst>
+                  <a:cxn ang="0">
+                    <a:pos x="T0" y="T1"/>
+                  </a:cxn>
+                  <a:cxn ang="0">
+                    <a:pos x="T2" y="T3"/>
+                  </a:cxn>
+                  <a:cxn ang="0">
+                    <a:pos x="T4" y="T5"/>
+                  </a:cxn>
+                  <a:cxn ang="0">
+                    <a:pos x="T6" y="T7"/>
+                  </a:cxn>
+                  <a:cxn ang="0">
+                    <a:pos x="T8" y="T9"/>
+                  </a:cxn>
+                  <a:cxn ang="0">
+                    <a:pos x="T10" y="T11"/>
+                  </a:cxn>
+                  <a:cxn ang="0">
+                    <a:pos x="T12" y="T13"/>
+                  </a:cxn>
+                </a:cxnLst>
+                <a:rect l="0" t="0" r="r" b="b"/>
+                <a:pathLst>
+                  <a:path w="94" h="24">
+                    <a:moveTo>
+                      <a:pt x="13" y="24"/>
+                    </a:moveTo>
+                    <a:cubicBezTo>
+                      <a:pt x="81" y="24"/>
+                      <a:pt x="81" y="24"/>
+                      <a:pt x="81" y="24"/>
+                    </a:cubicBezTo>
+                    <a:cubicBezTo>
+                      <a:pt x="88" y="24"/>
+                      <a:pt x="94" y="19"/>
+                      <a:pt x="94" y="12"/>
+                    </a:cubicBezTo>
+                    <a:cubicBezTo>
+                      <a:pt x="94" y="5"/>
+                      <a:pt x="88" y="0"/>
+                      <a:pt x="81" y="0"/>
+                    </a:cubicBezTo>
+                    <a:cubicBezTo>
+                      <a:pt x="13" y="0"/>
+                      <a:pt x="13" y="0"/>
+                      <a:pt x="13" y="0"/>
+                    </a:cubicBezTo>
+                    <a:cubicBezTo>
+                      <a:pt x="6" y="0"/>
+                      <a:pt x="0" y="5"/>
+                      <a:pt x="0" y="12"/>
+                    </a:cubicBezTo>
+                    <a:cubicBezTo>
+                      <a:pt x="0" y="19"/>
+                      <a:pt x="6" y="24"/>
+                      <a:pt x="13" y="24"/>
+                    </a:cubicBezTo>
+                    <a:close/>
+                  </a:path>
+                </a:pathLst>
+              </a:custGeom>
+              <a:solidFill>
+                <a:srgbClr val="3B3B3B"/>
+              </a:solidFill>
+              <a:ln>
+                <a:noFill/>
+              </a:ln>
+              <a:extLst>
+                <a:ext uri="{91240B29-F687-4F45-9708-019B960494DF}">
+                  <a14:hiddenLine xmlns:a14="http://schemas.microsoft.com/office/drawing/2010/main" w="9525">
+                    <a:solidFill>
+                      <a:srgbClr val="000000"/>
+                    </a:solidFill>
+                    <a:round/>
+                  </a14:hiddenLine>
+                </a:ext>
+              </a:extLst>
+            </p:spPr>
+            <p:txBody>
+              <a:bodyPr vert="horz" wrap="square" lIns="121920" tIns="60960" rIns="121920" bIns="60960" numCol="1" anchor="t" anchorCtr="0" compatLnSpc="1"/>
+              <a:lstStyle/>
+              <a:p>
+                <a:endParaRPr lang="zh-CN" altLang="en-US" sz="2400"/>
+              </a:p>
+            </p:txBody>
+          </p:sp>
+          <p:sp>
+            <p:nvSpPr>
+              <p:cNvPr id="125" name="Freeform 278">
+                <a:extLst>
+                  <a:ext uri="{FF2B5EF4-FFF2-40B4-BE49-F238E27FC236}">
+                    <a16:creationId xmlns:a16="http://schemas.microsoft.com/office/drawing/2014/main" id="{1FF5D95C-8EC6-D8F0-A82C-95B37A6B312B}"/>
+                  </a:ext>
+                </a:extLst>
+              </p:cNvPr>
+              <p:cNvSpPr/>
+              <p:nvPr/>
+            </p:nvSpPr>
+            <p:spPr bwMode="auto">
+              <a:xfrm>
+                <a:off x="-3890118" y="2304257"/>
+                <a:ext cx="266700" cy="212725"/>
+              </a:xfrm>
+              <a:custGeom>
+                <a:avLst/>
+                <a:gdLst>
+                  <a:gd name="T0" fmla="*/ 7 w 84"/>
+                  <a:gd name="T1" fmla="*/ 22 h 67"/>
+                  <a:gd name="T2" fmla="*/ 62 w 84"/>
+                  <a:gd name="T3" fmla="*/ 63 h 67"/>
+                  <a:gd name="T4" fmla="*/ 79 w 84"/>
+                  <a:gd name="T5" fmla="*/ 60 h 67"/>
+                  <a:gd name="T6" fmla="*/ 77 w 84"/>
+                  <a:gd name="T7" fmla="*/ 43 h 67"/>
+                  <a:gd name="T8" fmla="*/ 22 w 84"/>
+                  <a:gd name="T9" fmla="*/ 3 h 67"/>
+                  <a:gd name="T10" fmla="*/ 15 w 84"/>
+                  <a:gd name="T11" fmla="*/ 0 h 67"/>
+                  <a:gd name="T12" fmla="*/ 4 w 84"/>
+                  <a:gd name="T13" fmla="*/ 5 h 67"/>
+                  <a:gd name="T14" fmla="*/ 7 w 84"/>
+                  <a:gd name="T15" fmla="*/ 22 h 67"/>
+                </a:gdLst>
+                <a:ahLst/>
+                <a:cxnLst>
+                  <a:cxn ang="0">
+                    <a:pos x="T0" y="T1"/>
+                  </a:cxn>
+                  <a:cxn ang="0">
+                    <a:pos x="T2" y="T3"/>
+                  </a:cxn>
+                  <a:cxn ang="0">
+                    <a:pos x="T4" y="T5"/>
+                  </a:cxn>
+                  <a:cxn ang="0">
+                    <a:pos x="T6" y="T7"/>
+                  </a:cxn>
+                  <a:cxn ang="0">
+                    <a:pos x="T8" y="T9"/>
+                  </a:cxn>
+                  <a:cxn ang="0">
+                    <a:pos x="T10" y="T11"/>
+                  </a:cxn>
+                  <a:cxn ang="0">
+                    <a:pos x="T12" y="T13"/>
+                  </a:cxn>
+                  <a:cxn ang="0">
+                    <a:pos x="T14" y="T15"/>
+                  </a:cxn>
+                </a:cxnLst>
+                <a:rect l="0" t="0" r="r" b="b"/>
+                <a:pathLst>
+                  <a:path w="84" h="67">
+                    <a:moveTo>
+                      <a:pt x="7" y="22"/>
+                    </a:moveTo>
+                    <a:cubicBezTo>
+                      <a:pt x="62" y="63"/>
+                      <a:pt x="62" y="63"/>
+                      <a:pt x="62" y="63"/>
+                    </a:cubicBezTo>
+                    <a:cubicBezTo>
+                      <a:pt x="67" y="67"/>
+                      <a:pt x="75" y="66"/>
+                      <a:pt x="79" y="60"/>
+                    </a:cubicBezTo>
+                    <a:cubicBezTo>
+                      <a:pt x="84" y="55"/>
+                      <a:pt x="82" y="47"/>
+                      <a:pt x="77" y="43"/>
+                    </a:cubicBezTo>
+                    <a:cubicBezTo>
+                      <a:pt x="22" y="3"/>
+                      <a:pt x="22" y="3"/>
+                      <a:pt x="22" y="3"/>
+                    </a:cubicBezTo>
+                    <a:cubicBezTo>
+                      <a:pt x="20" y="1"/>
+                      <a:pt x="17" y="0"/>
+                      <a:pt x="15" y="0"/>
+                    </a:cubicBezTo>
+                    <a:cubicBezTo>
+                      <a:pt x="11" y="0"/>
+                      <a:pt x="7" y="2"/>
+                      <a:pt x="4" y="5"/>
+                    </a:cubicBezTo>
+                    <a:cubicBezTo>
+                      <a:pt x="0" y="11"/>
+                      <a:pt x="1" y="18"/>
+                      <a:pt x="7" y="22"/>
+                    </a:cubicBezTo>
+                    <a:close/>
+                  </a:path>
+                </a:pathLst>
+              </a:custGeom>
+              <a:solidFill>
+                <a:srgbClr val="3B3B3B"/>
+              </a:solidFill>
+              <a:ln>
+                <a:noFill/>
+              </a:ln>
+              <a:extLst>
+                <a:ext uri="{91240B29-F687-4F45-9708-019B960494DF}">
+                  <a14:hiddenLine xmlns:a14="http://schemas.microsoft.com/office/drawing/2010/main" w="9525">
+                    <a:solidFill>
+                      <a:srgbClr val="000000"/>
+                    </a:solidFill>
+                    <a:round/>
+                  </a14:hiddenLine>
+                </a:ext>
+              </a:extLst>
+            </p:spPr>
+            <p:txBody>
+              <a:bodyPr vert="horz" wrap="square" lIns="121920" tIns="60960" rIns="121920" bIns="60960" numCol="1" anchor="t" anchorCtr="0" compatLnSpc="1"/>
+              <a:lstStyle/>
+              <a:p>
+                <a:endParaRPr lang="zh-CN" altLang="en-US" sz="2400"/>
+              </a:p>
+            </p:txBody>
+          </p:sp>
+          <p:sp>
+            <p:nvSpPr>
+              <p:cNvPr id="126" name="Freeform 279">
+                <a:extLst>
+                  <a:ext uri="{FF2B5EF4-FFF2-40B4-BE49-F238E27FC236}">
+                    <a16:creationId xmlns:a16="http://schemas.microsoft.com/office/drawing/2014/main" id="{8F2F73B6-3F3C-82A1-9B59-DDFD8BE7DDE5}"/>
+                  </a:ext>
+                </a:extLst>
+              </p:cNvPr>
+              <p:cNvSpPr/>
+              <p:nvPr/>
+            </p:nvSpPr>
+            <p:spPr bwMode="auto">
+              <a:xfrm>
+                <a:off x="-2674092" y="2304257"/>
+                <a:ext cx="266700" cy="212725"/>
+              </a:xfrm>
+              <a:custGeom>
+                <a:avLst/>
+                <a:gdLst>
+                  <a:gd name="T0" fmla="*/ 22 w 84"/>
+                  <a:gd name="T1" fmla="*/ 63 h 67"/>
+                  <a:gd name="T2" fmla="*/ 77 w 84"/>
+                  <a:gd name="T3" fmla="*/ 22 h 67"/>
+                  <a:gd name="T4" fmla="*/ 79 w 84"/>
+                  <a:gd name="T5" fmla="*/ 5 h 67"/>
+                  <a:gd name="T6" fmla="*/ 69 w 84"/>
+                  <a:gd name="T7" fmla="*/ 0 h 67"/>
+                  <a:gd name="T8" fmla="*/ 62 w 84"/>
+                  <a:gd name="T9" fmla="*/ 3 h 67"/>
+                  <a:gd name="T10" fmla="*/ 7 w 84"/>
+                  <a:gd name="T11" fmla="*/ 43 h 67"/>
+                  <a:gd name="T12" fmla="*/ 5 w 84"/>
+                  <a:gd name="T13" fmla="*/ 60 h 67"/>
+                  <a:gd name="T14" fmla="*/ 22 w 84"/>
+                  <a:gd name="T15" fmla="*/ 63 h 67"/>
+                </a:gdLst>
+                <a:ahLst/>
+                <a:cxnLst>
+                  <a:cxn ang="0">
+                    <a:pos x="T0" y="T1"/>
+                  </a:cxn>
+                  <a:cxn ang="0">
+                    <a:pos x="T2" y="T3"/>
+                  </a:cxn>
+                  <a:cxn ang="0">
+                    <a:pos x="T4" y="T5"/>
+                  </a:cxn>
+                  <a:cxn ang="0">
+                    <a:pos x="T6" y="T7"/>
+                  </a:cxn>
+                  <a:cxn ang="0">
+                    <a:pos x="T8" y="T9"/>
+                  </a:cxn>
+                  <a:cxn ang="0">
+                    <a:pos x="T10" y="T11"/>
+                  </a:cxn>
+                  <a:cxn ang="0">
+                    <a:pos x="T12" y="T13"/>
+                  </a:cxn>
+                  <a:cxn ang="0">
+                    <a:pos x="T14" y="T15"/>
+                  </a:cxn>
+                </a:cxnLst>
+                <a:rect l="0" t="0" r="r" b="b"/>
+                <a:pathLst>
+                  <a:path w="84" h="67">
+                    <a:moveTo>
+                      <a:pt x="22" y="63"/>
+                    </a:moveTo>
+                    <a:cubicBezTo>
+                      <a:pt x="77" y="22"/>
+                      <a:pt x="77" y="22"/>
+                      <a:pt x="77" y="22"/>
+                    </a:cubicBezTo>
+                    <a:cubicBezTo>
+                      <a:pt x="83" y="18"/>
+                      <a:pt x="84" y="11"/>
+                      <a:pt x="79" y="5"/>
+                    </a:cubicBezTo>
+                    <a:cubicBezTo>
+                      <a:pt x="77" y="2"/>
+                      <a:pt x="73" y="0"/>
+                      <a:pt x="69" y="0"/>
+                    </a:cubicBezTo>
+                    <a:cubicBezTo>
+                      <a:pt x="67" y="0"/>
+                      <a:pt x="64" y="1"/>
+                      <a:pt x="62" y="3"/>
+                    </a:cubicBezTo>
+                    <a:cubicBezTo>
+                      <a:pt x="7" y="43"/>
+                      <a:pt x="7" y="43"/>
+                      <a:pt x="7" y="43"/>
+                    </a:cubicBezTo>
+                    <a:cubicBezTo>
+                      <a:pt x="1" y="47"/>
+                      <a:pt x="0" y="55"/>
+                      <a:pt x="5" y="60"/>
+                    </a:cubicBezTo>
+                    <a:cubicBezTo>
+                      <a:pt x="9" y="66"/>
+                      <a:pt x="17" y="67"/>
+                      <a:pt x="22" y="63"/>
+                    </a:cubicBezTo>
+                    <a:close/>
+                  </a:path>
+                </a:pathLst>
+              </a:custGeom>
+              <a:solidFill>
+                <a:srgbClr val="3B3B3B"/>
+              </a:solidFill>
+              <a:ln>
+                <a:noFill/>
+              </a:ln>
+              <a:extLst>
+                <a:ext uri="{91240B29-F687-4F45-9708-019B960494DF}">
+                  <a14:hiddenLine xmlns:a14="http://schemas.microsoft.com/office/drawing/2010/main" w="9525">
+                    <a:solidFill>
+                      <a:srgbClr val="000000"/>
+                    </a:solidFill>
+                    <a:round/>
+                  </a14:hiddenLine>
+                </a:ext>
+              </a:extLst>
+            </p:spPr>
+            <p:txBody>
+              <a:bodyPr vert="horz" wrap="square" lIns="121920" tIns="60960" rIns="121920" bIns="60960" numCol="1" anchor="t" anchorCtr="0" compatLnSpc="1"/>
+              <a:lstStyle/>
+              <a:p>
+                <a:endParaRPr lang="zh-CN" altLang="en-US" sz="2400"/>
+              </a:p>
+            </p:txBody>
+          </p:sp>
+          <p:sp>
+            <p:nvSpPr>
+              <p:cNvPr id="127" name="Freeform 280">
+                <a:extLst>
+                  <a:ext uri="{FF2B5EF4-FFF2-40B4-BE49-F238E27FC236}">
+                    <a16:creationId xmlns:a16="http://schemas.microsoft.com/office/drawing/2014/main" id="{FA6D8B0D-E630-D728-0840-1DA3D0692847}"/>
+                  </a:ext>
+                </a:extLst>
+              </p:cNvPr>
+              <p:cNvSpPr/>
+              <p:nvPr/>
+            </p:nvSpPr>
+            <p:spPr bwMode="auto">
+              <a:xfrm>
+                <a:off x="-3839318" y="3363120"/>
+                <a:ext cx="244475" cy="233363"/>
+              </a:xfrm>
+              <a:custGeom>
+                <a:avLst/>
+                <a:gdLst>
+                  <a:gd name="T0" fmla="*/ 63 w 77"/>
+                  <a:gd name="T1" fmla="*/ 0 h 73"/>
+                  <a:gd name="T2" fmla="*/ 54 w 77"/>
+                  <a:gd name="T3" fmla="*/ 3 h 73"/>
+                  <a:gd name="T4" fmla="*/ 5 w 77"/>
+                  <a:gd name="T5" fmla="*/ 51 h 73"/>
+                  <a:gd name="T6" fmla="*/ 5 w 77"/>
+                  <a:gd name="T7" fmla="*/ 68 h 73"/>
+                  <a:gd name="T8" fmla="*/ 23 w 77"/>
+                  <a:gd name="T9" fmla="*/ 68 h 73"/>
+                  <a:gd name="T10" fmla="*/ 72 w 77"/>
+                  <a:gd name="T11" fmla="*/ 21 h 73"/>
+                  <a:gd name="T12" fmla="*/ 72 w 77"/>
+                  <a:gd name="T13" fmla="*/ 3 h 73"/>
+                  <a:gd name="T14" fmla="*/ 63 w 77"/>
+                  <a:gd name="T15" fmla="*/ 0 h 73"/>
+                </a:gdLst>
+                <a:ahLst/>
+                <a:cxnLst>
+                  <a:cxn ang="0">
+                    <a:pos x="T0" y="T1"/>
+                  </a:cxn>
+                  <a:cxn ang="0">
+                    <a:pos x="T2" y="T3"/>
+                  </a:cxn>
+                  <a:cxn ang="0">
+                    <a:pos x="T4" y="T5"/>
+                  </a:cxn>
+                  <a:cxn ang="0">
+                    <a:pos x="T6" y="T7"/>
+                  </a:cxn>
+                  <a:cxn ang="0">
+                    <a:pos x="T8" y="T9"/>
+                  </a:cxn>
+                  <a:cxn ang="0">
+                    <a:pos x="T10" y="T11"/>
+                  </a:cxn>
+                  <a:cxn ang="0">
+                    <a:pos x="T12" y="T13"/>
+                  </a:cxn>
+                  <a:cxn ang="0">
+                    <a:pos x="T14" y="T15"/>
+                  </a:cxn>
+                </a:cxnLst>
+                <a:rect l="0" t="0" r="r" b="b"/>
+                <a:pathLst>
+                  <a:path w="77" h="73">
+                    <a:moveTo>
+                      <a:pt x="63" y="0"/>
+                    </a:moveTo>
+                    <a:cubicBezTo>
+                      <a:pt x="60" y="0"/>
+                      <a:pt x="56" y="1"/>
+                      <a:pt x="54" y="3"/>
+                    </a:cubicBezTo>
+                    <a:cubicBezTo>
+                      <a:pt x="5" y="51"/>
+                      <a:pt x="5" y="51"/>
+                      <a:pt x="5" y="51"/>
+                    </a:cubicBezTo>
+                    <a:cubicBezTo>
+                      <a:pt x="0" y="55"/>
+                      <a:pt x="0" y="63"/>
+                      <a:pt x="5" y="68"/>
+                    </a:cubicBezTo>
+                    <a:cubicBezTo>
+                      <a:pt x="10" y="73"/>
+                      <a:pt x="18" y="73"/>
+                      <a:pt x="23" y="68"/>
+                    </a:cubicBezTo>
+                    <a:cubicBezTo>
+                      <a:pt x="72" y="21"/>
+                      <a:pt x="72" y="21"/>
+                      <a:pt x="72" y="21"/>
+                    </a:cubicBezTo>
+                    <a:cubicBezTo>
+                      <a:pt x="77" y="16"/>
+                      <a:pt x="77" y="8"/>
+                      <a:pt x="72" y="3"/>
+                    </a:cubicBezTo>
+                    <a:cubicBezTo>
+                      <a:pt x="69" y="1"/>
+                      <a:pt x="66" y="0"/>
+                      <a:pt x="63" y="0"/>
+                    </a:cubicBezTo>
+                    <a:close/>
+                  </a:path>
+                </a:pathLst>
+              </a:custGeom>
+              <a:solidFill>
+                <a:srgbClr val="3B3B3B"/>
+              </a:solidFill>
+              <a:ln>
+                <a:noFill/>
+              </a:ln>
+              <a:extLst>
+                <a:ext uri="{91240B29-F687-4F45-9708-019B960494DF}">
+                  <a14:hiddenLine xmlns:a14="http://schemas.microsoft.com/office/drawing/2010/main" w="9525">
+                    <a:solidFill>
+                      <a:srgbClr val="000000"/>
+                    </a:solidFill>
+                    <a:round/>
+                  </a14:hiddenLine>
+                </a:ext>
+              </a:extLst>
+            </p:spPr>
+            <p:txBody>
+              <a:bodyPr vert="horz" wrap="square" lIns="121920" tIns="60960" rIns="121920" bIns="60960" numCol="1" anchor="t" anchorCtr="0" compatLnSpc="1"/>
+              <a:lstStyle/>
+              <a:p>
+                <a:endParaRPr lang="zh-CN" altLang="en-US" sz="2400"/>
+              </a:p>
+            </p:txBody>
+          </p:sp>
+          <p:sp>
+            <p:nvSpPr>
+              <p:cNvPr id="128" name="Freeform 281">
+                <a:extLst>
+                  <a:ext uri="{FF2B5EF4-FFF2-40B4-BE49-F238E27FC236}">
+                    <a16:creationId xmlns:a16="http://schemas.microsoft.com/office/drawing/2014/main" id="{FC88CB5B-F918-3D93-8809-71D21B1A3B93}"/>
+                  </a:ext>
+                </a:extLst>
+              </p:cNvPr>
+              <p:cNvSpPr/>
+              <p:nvPr/>
+            </p:nvSpPr>
+            <p:spPr bwMode="auto">
+              <a:xfrm>
+                <a:off x="-2728067" y="3363120"/>
+                <a:ext cx="244475" cy="233363"/>
+              </a:xfrm>
+              <a:custGeom>
+                <a:avLst/>
+                <a:gdLst>
+                  <a:gd name="T0" fmla="*/ 23 w 77"/>
+                  <a:gd name="T1" fmla="*/ 3 h 73"/>
+                  <a:gd name="T2" fmla="*/ 14 w 77"/>
+                  <a:gd name="T3" fmla="*/ 0 h 73"/>
+                  <a:gd name="T4" fmla="*/ 5 w 77"/>
+                  <a:gd name="T5" fmla="*/ 3 h 73"/>
+                  <a:gd name="T6" fmla="*/ 5 w 77"/>
+                  <a:gd name="T7" fmla="*/ 21 h 73"/>
+                  <a:gd name="T8" fmla="*/ 54 w 77"/>
+                  <a:gd name="T9" fmla="*/ 68 h 73"/>
+                  <a:gd name="T10" fmla="*/ 72 w 77"/>
+                  <a:gd name="T11" fmla="*/ 68 h 73"/>
+                  <a:gd name="T12" fmla="*/ 72 w 77"/>
+                  <a:gd name="T13" fmla="*/ 51 h 73"/>
+                  <a:gd name="T14" fmla="*/ 23 w 77"/>
+                  <a:gd name="T15" fmla="*/ 3 h 73"/>
+                </a:gdLst>
+                <a:ahLst/>
+                <a:cxnLst>
+                  <a:cxn ang="0">
+                    <a:pos x="T0" y="T1"/>
+                  </a:cxn>
+                  <a:cxn ang="0">
+                    <a:pos x="T2" y="T3"/>
+                  </a:cxn>
+                  <a:cxn ang="0">
+                    <a:pos x="T4" y="T5"/>
+                  </a:cxn>
+                  <a:cxn ang="0">
+                    <a:pos x="T6" y="T7"/>
+                  </a:cxn>
+                  <a:cxn ang="0">
+                    <a:pos x="T8" y="T9"/>
+                  </a:cxn>
+                  <a:cxn ang="0">
+                    <a:pos x="T10" y="T11"/>
+                  </a:cxn>
+                  <a:cxn ang="0">
+                    <a:pos x="T12" y="T13"/>
+                  </a:cxn>
+                  <a:cxn ang="0">
+                    <a:pos x="T14" y="T15"/>
+                  </a:cxn>
+                </a:cxnLst>
+                <a:rect l="0" t="0" r="r" b="b"/>
+                <a:pathLst>
+                  <a:path w="77" h="73">
+                    <a:moveTo>
+                      <a:pt x="23" y="3"/>
+                    </a:moveTo>
+                    <a:cubicBezTo>
+                      <a:pt x="21" y="1"/>
+                      <a:pt x="17" y="0"/>
+                      <a:pt x="14" y="0"/>
+                    </a:cubicBezTo>
+                    <a:cubicBezTo>
+                      <a:pt x="11" y="0"/>
+                      <a:pt x="8" y="1"/>
+                      <a:pt x="5" y="3"/>
+                    </a:cubicBezTo>
+                    <a:cubicBezTo>
+                      <a:pt x="0" y="8"/>
+                      <a:pt x="0" y="16"/>
+                      <a:pt x="5" y="21"/>
+                    </a:cubicBezTo>
+                    <a:cubicBezTo>
+                      <a:pt x="54" y="68"/>
+                      <a:pt x="54" y="68"/>
+                      <a:pt x="54" y="68"/>
+                    </a:cubicBezTo>
+                    <a:cubicBezTo>
+                      <a:pt x="59" y="73"/>
+                      <a:pt x="67" y="73"/>
+                      <a:pt x="72" y="68"/>
+                    </a:cubicBezTo>
+                    <a:cubicBezTo>
+                      <a:pt x="77" y="63"/>
+                      <a:pt x="77" y="55"/>
+                      <a:pt x="72" y="51"/>
+                    </a:cubicBezTo>
+                    <a:lnTo>
+                      <a:pt x="23" y="3"/>
+                    </a:lnTo>
+                    <a:close/>
+                  </a:path>
+                </a:pathLst>
+              </a:custGeom>
+              <a:solidFill>
+                <a:srgbClr val="3B3B3B"/>
+              </a:solidFill>
+              <a:ln>
+                <a:noFill/>
+              </a:ln>
+              <a:extLst>
+                <a:ext uri="{91240B29-F687-4F45-9708-019B960494DF}">
+                  <a14:hiddenLine xmlns:a14="http://schemas.microsoft.com/office/drawing/2010/main" w="9525">
+                    <a:solidFill>
+                      <a:srgbClr val="000000"/>
+                    </a:solidFill>
+                    <a:round/>
+                  </a14:hiddenLine>
+                </a:ext>
+              </a:extLst>
+            </p:spPr>
+            <p:txBody>
+              <a:bodyPr vert="horz" wrap="square" lIns="121920" tIns="60960" rIns="121920" bIns="60960" numCol="1" anchor="t" anchorCtr="0" compatLnSpc="1"/>
+              <a:lstStyle/>
+              <a:p>
+                <a:endParaRPr lang="zh-CN" altLang="en-US" sz="2400"/>
+              </a:p>
+            </p:txBody>
+          </p:sp>
+        </p:grpSp>
+        <p:cxnSp>
+          <p:nvCxnSpPr>
+            <p:cNvPr id="119" name="直接连接符 21">
+              <a:extLst>
+                <a:ext uri="{FF2B5EF4-FFF2-40B4-BE49-F238E27FC236}">
+                  <a16:creationId xmlns:a16="http://schemas.microsoft.com/office/drawing/2014/main" id="{DC61BFD9-8C17-D6D3-864B-4A00E80B34C6}"/>
+                </a:ext>
+              </a:extLst>
+            </p:cNvPr>
+            <p:cNvCxnSpPr/>
+            <p:nvPr/>
+          </p:nvCxnSpPr>
+          <p:spPr>
+            <a:xfrm flipV="1">
+              <a:off x="2295727" y="2062276"/>
+              <a:ext cx="0" cy="765534"/>
+            </a:xfrm>
+            <a:prstGeom prst="line">
+              <a:avLst/>
+            </a:prstGeom>
+            <a:ln w="12700">
+              <a:solidFill>
+                <a:srgbClr val="3B3B3B"/>
+              </a:solidFill>
+            </a:ln>
+          </p:spPr>
+          <p:style>
+            <a:lnRef idx="1">
+              <a:schemeClr val="accent1"/>
+            </a:lnRef>
+            <a:fillRef idx="0">
+              <a:schemeClr val="accent1"/>
+            </a:fillRef>
+            <a:effectRef idx="0">
+              <a:schemeClr val="accent1"/>
+            </a:effectRef>
+            <a:fontRef idx="minor">
+              <a:schemeClr val="tx1"/>
+            </a:fontRef>
+          </p:style>
+        </p:cxnSp>
+      </p:grpSp>
+      <p:sp>
+        <p:nvSpPr>
+          <p:cNvPr id="2" name="Text Box 147">
+            <a:extLst>
+              <a:ext uri="{FF2B5EF4-FFF2-40B4-BE49-F238E27FC236}">
+                <a16:creationId xmlns:a16="http://schemas.microsoft.com/office/drawing/2014/main" id="{09754C4A-0EF6-664C-A056-CF6CCC6052AA}"/>
+              </a:ext>
+            </a:extLst>
+          </p:cNvPr>
+          <p:cNvSpPr txBox="1">
+            <a:spLocks noChangeArrowheads="1"/>
+          </p:cNvSpPr>
+          <p:nvPr/>
+        </p:nvSpPr>
+        <p:spPr bwMode="auto">
+          <a:xfrm>
+            <a:off x="377018" y="1568444"/>
+            <a:ext cx="6557831" cy="4585871"/>
+          </a:xfrm>
+          <a:prstGeom prst="rect">
+            <a:avLst/>
+          </a:prstGeom>
+          <a:noFill/>
+          <a:ln>
+            <a:noFill/>
+          </a:ln>
+          <a:effectLst/>
+          <a:extLst>
+            <a:ext uri="{909E8E84-426E-40DD-AFC4-6F175D3DCCD1}">
+              <a14:hiddenFill xmlns:a14="http://schemas.microsoft.com/office/drawing/2010/main">
+                <a:solidFill>
+                  <a:schemeClr val="accent1"/>
+                </a:solidFill>
+              </a14:hiddenFill>
+            </a:ext>
+            <a:ext uri="{91240B29-F687-4F45-9708-019B960494DF}">
+              <a14:hiddenLine xmlns:a14="http://schemas.microsoft.com/office/drawing/2010/main" w="9525">
+                <a:solidFill>
+                  <a:schemeClr val="tx1"/>
+                </a:solidFill>
+                <a:miter lim="800000"/>
+                <a:headEnd/>
+                <a:tailEnd/>
+              </a14:hiddenLine>
+            </a:ext>
+            <a:ext uri="{AF507438-7753-43E0-B8FC-AC1667EBCBE1}">
+              <a14:hiddenEffects xmlns:a14="http://schemas.microsoft.com/office/drawing/2010/main">
+                <a:effectLst>
+                  <a:outerShdw dist="35921" dir="2700000" algn="ctr" rotWithShape="0">
+                    <a:schemeClr val="bg2"/>
+                  </a:outerShdw>
+                </a:effectLst>
+              </a14:hiddenEffects>
+            </a:ext>
+          </a:extLst>
+        </p:spPr>
+        <p:txBody>
+          <a:bodyPr wrap="square" lIns="0">
+            <a:spAutoFit/>
+          </a:bodyPr>
+          <a:lstStyle/>
+          <a:p>
+            <a:pPr>
+              <a:spcBef>
+                <a:spcPts val="300"/>
+              </a:spcBef>
+              <a:spcAft>
+                <a:spcPts val="300"/>
+              </a:spcAft>
+            </a:pPr>
+            <a:r>
+              <a:rPr lang="zh-TW" altLang="en-US" sz="2800" b="1" dirty="0">
+                <a:latin typeface="微软雅黑" pitchFamily="34" charset="-122"/>
+                <a:ea typeface="微软雅黑" pitchFamily="34" charset="-122"/>
+              </a:rPr>
+              <a:t>生存模式（位於</a:t>
             </a:r>
             <a:r>
               <a:rPr lang="en-US" altLang="zh-TW" sz="2800" b="1" dirty="0">
-                <a:solidFill>
-                  <a:srgbClr val="FF0000"/>
-                </a:solidFill>
                 <a:latin typeface="微软雅黑" pitchFamily="34" charset="-122"/>
                 <a:ea typeface="微软雅黑" pitchFamily="34" charset="-122"/>
               </a:rPr>
-              <a:t>(</a:t>
+              <a:t>class</a:t>
             </a:r>
             <a:r>
               <a:rPr lang="zh-TW" altLang="en-US" sz="2800" b="1" dirty="0">
-                <a:solidFill>
-                  <a:srgbClr val="FF0000"/>
-                </a:solidFill>
-                <a:latin typeface="微软雅黑" pitchFamily="34" charset="-122"/>
-                <a:ea typeface="微软雅黑" pitchFamily="34" charset="-122"/>
-              </a:rPr>
-              <a:t>配合特色</a:t>
-            </a:r>
-            <a:r>
-              <a:rPr lang="en-US" altLang="zh-TW" sz="2800" b="1" dirty="0">
-                <a:solidFill>
-                  <a:srgbClr val="FF0000"/>
-                </a:solidFill>
-                <a:latin typeface="微软雅黑" pitchFamily="34" charset="-122"/>
-                <a:ea typeface="微软雅黑" pitchFamily="34" charset="-122"/>
-              </a:rPr>
-              <a:t>):</a:t>
-            </a:r>
-            <a:br>
-              <a:rPr lang="en-US" altLang="zh-TW" sz="2800" b="1" dirty="0">
-                <a:solidFill>
-                  <a:srgbClr val="FF0000"/>
-                </a:solidFill>
-                <a:latin typeface="微软雅黑" pitchFamily="34" charset="-122"/>
-                <a:ea typeface="微软雅黑" pitchFamily="34" charset="-122"/>
-              </a:rPr>
-            </a:br>
-            <a:r>
-              <a:rPr lang="en-US" altLang="zh-TW" sz="2800" b="1" dirty="0">
-                <a:solidFill>
-                  <a:srgbClr val="FF0000"/>
-                </a:solidFill>
-                <a:latin typeface="微软雅黑" pitchFamily="34" charset="-122"/>
-                <a:ea typeface="微软雅黑" pitchFamily="34" charset="-122"/>
-              </a:rPr>
-              <a:t>1.</a:t>
-            </a:r>
-            <a:r>
-              <a:rPr lang="zh-TW" altLang="en-US" sz="2800" b="1" dirty="0">
-                <a:solidFill>
-                  <a:srgbClr val="FF0000"/>
-                </a:solidFill>
                 <a:latin typeface="微软雅黑" pitchFamily="34" charset="-122"/>
                 <a:ea typeface="微软雅黑" pitchFamily="34" charset="-122"/>
               </a:rPr>
@@ -35868,71 +40412,235 @@
             </a:r>
             <a:r>
               <a:rPr lang="en-US" altLang="zh-TW" sz="2800" b="1" dirty="0">
-                <a:solidFill>
-                  <a:srgbClr val="FF0000"/>
-                </a:solidFill>
                 <a:latin typeface="微软雅黑" pitchFamily="34" charset="-122"/>
                 <a:ea typeface="微软雅黑" pitchFamily="34" charset="-122"/>
               </a:rPr>
-              <a:t>state machine</a:t>
+              <a:t>Level</a:t>
             </a:r>
-            <a:br>
-              <a:rPr lang="en-US" altLang="zh-TW" sz="2800" b="1" dirty="0">
-                <a:solidFill>
-                  <a:srgbClr val="FF0000"/>
-                </a:solidFill>
+            <a:r>
+              <a:rPr lang="zh-TW" altLang="en-US" sz="2800" b="1" dirty="0">
                 <a:latin typeface="微软雅黑" pitchFamily="34" charset="-122"/>
                 <a:ea typeface="微软雅黑" pitchFamily="34" charset="-122"/>
               </a:rPr>
-            </a:br>
+              <a:t>內）</a:t>
+            </a:r>
+            <a:endParaRPr lang="en-US" altLang="zh-TW" sz="2800" b="1" dirty="0">
+              <a:latin typeface="微软雅黑" pitchFamily="34" charset="-122"/>
+              <a:ea typeface="微软雅黑" pitchFamily="34" charset="-122"/>
+            </a:endParaRPr>
+          </a:p>
+          <a:p>
+            <a:pPr marL="457200" indent="-457200">
+              <a:spcBef>
+                <a:spcPts val="300"/>
+              </a:spcBef>
+              <a:spcAft>
+                <a:spcPts val="300"/>
+              </a:spcAft>
+              <a:buFont typeface="Arial" panose="020B0604020202020204" pitchFamily="34" charset="0"/>
+              <a:buChar char="•"/>
+            </a:pPr>
             <a:r>
               <a:rPr lang="en-US" altLang="zh-TW" sz="2800" b="1" dirty="0">
-                <a:solidFill>
-                  <a:srgbClr val="FF0000"/>
-                </a:solidFill>
                 <a:latin typeface="微软雅黑" pitchFamily="34" charset="-122"/>
                 <a:ea typeface="微软雅黑" pitchFamily="34" charset="-122"/>
               </a:rPr>
-              <a:t>2. NUM_FLAGS  </a:t>
+              <a:t>NUM_FLAGS</a:t>
             </a:r>
             <a:r>
+              <a:rPr lang="zh-TW" altLang="en-US" sz="2800" b="1" dirty="0">
+                <a:latin typeface="微软雅黑" pitchFamily="34" charset="-122"/>
+                <a:ea typeface="微软雅黑" pitchFamily="34" charset="-122"/>
+              </a:rPr>
+              <a:t>：</a:t>
+            </a:r>
+            <a:endParaRPr lang="en-US" altLang="zh-TW" sz="2800" b="1" dirty="0">
+              <a:latin typeface="微软雅黑" pitchFamily="34" charset="-122"/>
+              <a:ea typeface="微软雅黑" pitchFamily="34" charset="-122"/>
+            </a:endParaRPr>
+          </a:p>
+          <a:p>
+            <a:pPr>
+              <a:spcBef>
+                <a:spcPts val="300"/>
+              </a:spcBef>
+              <a:spcAft>
+                <a:spcPts val="300"/>
+              </a:spcAft>
+            </a:pPr>
+            <a:r>
+              <a:rPr lang="zh-TW" altLang="en-US" sz="2800" dirty="0">
+                <a:latin typeface="微软雅黑" pitchFamily="34" charset="-122"/>
+                <a:ea typeface="微软雅黑" pitchFamily="34" charset="-122"/>
+              </a:rPr>
+              <a:t>設定需克服的旗幟數量</a:t>
+            </a:r>
+            <a:endParaRPr lang="en-US" altLang="zh-TW" sz="2800" dirty="0">
+              <a:latin typeface="微软雅黑" pitchFamily="34" charset="-122"/>
+              <a:ea typeface="微软雅黑" pitchFamily="34" charset="-122"/>
+            </a:endParaRPr>
+          </a:p>
+          <a:p>
+            <a:pPr marL="457200" indent="-457200">
+              <a:spcBef>
+                <a:spcPts val="300"/>
+              </a:spcBef>
+              <a:spcAft>
+                <a:spcPts val="300"/>
+              </a:spcAft>
+              <a:buFont typeface="Arial" panose="020B0604020202020204" pitchFamily="34" charset="0"/>
+              <a:buChar char="•"/>
+            </a:pPr>
+            <a:r>
               <a:rPr lang="en-US" altLang="zh-TW" sz="2800" b="1" dirty="0" err="1">
-                <a:solidFill>
-                  <a:srgbClr val="FF0000"/>
-                </a:solidFill>
                 <a:latin typeface="微软雅黑" pitchFamily="34" charset="-122"/>
                 <a:ea typeface="微软雅黑" pitchFamily="34" charset="-122"/>
               </a:rPr>
               <a:t>survival_rounds</a:t>
             </a:r>
-            <a:br>
-              <a:rPr lang="en-US" altLang="zh-TW" sz="2800" b="1" dirty="0">
-                <a:solidFill>
-                  <a:srgbClr val="FF0000"/>
-                </a:solidFill>
+            <a:r>
+              <a:rPr lang="zh-TW" altLang="en-US" sz="2800" b="1" dirty="0">
                 <a:latin typeface="微软雅黑" pitchFamily="34" charset="-122"/>
                 <a:ea typeface="微软雅黑" pitchFamily="34" charset="-122"/>
               </a:rPr>
-            </a:br>
+              <a:t>：</a:t>
+            </a:r>
+            <a:endParaRPr lang="en-US" altLang="zh-TW" sz="2800" b="1" dirty="0">
+              <a:latin typeface="微软雅黑" pitchFamily="34" charset="-122"/>
+              <a:ea typeface="微软雅黑" pitchFamily="34" charset="-122"/>
+            </a:endParaRPr>
+          </a:p>
+          <a:p>
+            <a:pPr>
+              <a:spcBef>
+                <a:spcPts val="300"/>
+              </a:spcBef>
+              <a:spcAft>
+                <a:spcPts val="300"/>
+              </a:spcAft>
+            </a:pPr>
             <a:r>
-              <a:rPr lang="en-US" altLang="zh-TW" sz="2800" b="1" dirty="0">
-                <a:solidFill>
-                  <a:srgbClr val="FF0000"/>
-                </a:solidFill>
+              <a:rPr lang="zh-TW" altLang="en-US" sz="2800" dirty="0">
                 <a:latin typeface="微软雅黑" pitchFamily="34" charset="-122"/>
                 <a:ea typeface="微软雅黑" pitchFamily="34" charset="-122"/>
               </a:rPr>
-              <a:t>3.</a:t>
+              <a:t>記錄已克服的旗幟數，用於動態調整難度</a:t>
+            </a:r>
+            <a:endParaRPr lang="en-US" altLang="zh-TW" sz="2800" dirty="0">
+              <a:latin typeface="微软雅黑" pitchFamily="34" charset="-122"/>
+              <a:ea typeface="微软雅黑" pitchFamily="34" charset="-122"/>
+            </a:endParaRPr>
+          </a:p>
+          <a:p>
+            <a:pPr marL="457200" indent="-457200">
+              <a:spcBef>
+                <a:spcPts val="300"/>
+              </a:spcBef>
+              <a:spcAft>
+                <a:spcPts val="300"/>
+              </a:spcAft>
+              <a:buFont typeface="Arial" panose="020B0604020202020204" pitchFamily="34" charset="0"/>
+              <a:buChar char="•"/>
+            </a:pPr>
+            <a:r>
+              <a:rPr lang="en-US" altLang="zh-TW" sz="2800" b="1" dirty="0" err="1">
+                <a:latin typeface="微软雅黑" pitchFamily="34" charset="-122"/>
+                <a:ea typeface="微软雅黑" pitchFamily="34" charset="-122"/>
+              </a:rPr>
+              <a:t>refreshWave</a:t>
+            </a:r>
+            <a:r>
+              <a:rPr lang="en-US" altLang="zh-TW" sz="2800" b="1" dirty="0">
+                <a:latin typeface="微软雅黑" pitchFamily="34" charset="-122"/>
+                <a:ea typeface="微软雅黑" pitchFamily="34" charset="-122"/>
+              </a:rPr>
+              <a:t>()</a:t>
             </a:r>
             <a:r>
               <a:rPr lang="zh-TW" altLang="en-US" sz="2800" b="1" dirty="0">
-                <a:solidFill>
-                  <a:srgbClr val="FF0000"/>
-                </a:solidFill>
                 <a:latin typeface="微软雅黑" pitchFamily="34" charset="-122"/>
                 <a:ea typeface="微软雅黑" pitchFamily="34" charset="-122"/>
               </a:rPr>
-              <a:t> 待補</a:t>
+              <a:t>：</a:t>
+            </a:r>
+            <a:endParaRPr lang="en-US" altLang="zh-TW" sz="2800" b="1" dirty="0">
+              <a:latin typeface="微软雅黑" pitchFamily="34" charset="-122"/>
+              <a:ea typeface="微软雅黑" pitchFamily="34" charset="-122"/>
+            </a:endParaRPr>
+          </a:p>
+          <a:p>
+            <a:pPr>
+              <a:spcBef>
+                <a:spcPts val="300"/>
+              </a:spcBef>
+              <a:spcAft>
+                <a:spcPts val="300"/>
+              </a:spcAft>
+            </a:pPr>
+            <a:r>
+              <a:rPr lang="zh-TW" altLang="en-US" sz="2800" dirty="0">
+                <a:latin typeface="微软雅黑" pitchFamily="34" charset="-122"/>
+                <a:ea typeface="微软雅黑" pitchFamily="34" charset="-122"/>
+              </a:rPr>
+              <a:t>重置殭屍波次以迎接新挑戰</a:t>
+            </a:r>
+            <a:endParaRPr lang="en-US" altLang="zh-TW" sz="2800" dirty="0">
+              <a:latin typeface="微软雅黑" pitchFamily="34" charset="-122"/>
+              <a:ea typeface="微软雅黑" pitchFamily="34" charset="-122"/>
+            </a:endParaRPr>
+          </a:p>
+          <a:p>
+            <a:pPr marL="457200" indent="-457200">
+              <a:spcBef>
+                <a:spcPts val="300"/>
+              </a:spcBef>
+              <a:spcAft>
+                <a:spcPts val="300"/>
+              </a:spcAft>
+              <a:buFont typeface="Arial" panose="020B0604020202020204" pitchFamily="34" charset="0"/>
+              <a:buChar char="•"/>
+            </a:pPr>
+            <a:r>
+              <a:rPr lang="en-US" altLang="zh-TW" sz="2800" b="1" dirty="0" err="1">
+                <a:latin typeface="微软雅黑" pitchFamily="34" charset="-122"/>
+                <a:ea typeface="微软雅黑" pitchFamily="34" charset="-122"/>
+              </a:rPr>
+              <a:t>createWave</a:t>
+            </a:r>
+            <a:r>
+              <a:rPr lang="en-US" altLang="zh-TW" sz="2800" b="1" dirty="0">
+                <a:latin typeface="微软雅黑" pitchFamily="34" charset="-122"/>
+                <a:ea typeface="微软雅黑" pitchFamily="34" charset="-122"/>
+              </a:rPr>
+              <a:t>()</a:t>
+            </a:r>
+            <a:r>
+              <a:rPr lang="zh-TW" altLang="en-US" sz="2800" b="1" dirty="0">
+                <a:latin typeface="微软雅黑" pitchFamily="34" charset="-122"/>
+                <a:ea typeface="微软雅黑" pitchFamily="34" charset="-122"/>
+              </a:rPr>
+              <a:t>：</a:t>
+            </a:r>
+            <a:endParaRPr lang="en-US" altLang="zh-TW" sz="2800" b="1" dirty="0">
+              <a:latin typeface="微软雅黑" pitchFamily="34" charset="-122"/>
+              <a:ea typeface="微软雅黑" pitchFamily="34" charset="-122"/>
+            </a:endParaRPr>
+          </a:p>
+          <a:p>
+            <a:pPr>
+              <a:spcBef>
+                <a:spcPts val="300"/>
+              </a:spcBef>
+              <a:spcAft>
+                <a:spcPts val="300"/>
+              </a:spcAft>
+            </a:pPr>
+            <a:r>
+              <a:rPr lang="zh-TW" altLang="en-US" sz="2800" dirty="0">
+                <a:latin typeface="微软雅黑" pitchFamily="34" charset="-122"/>
+                <a:ea typeface="微软雅黑" pitchFamily="34" charset="-122"/>
+              </a:rPr>
+              <a:t>根據遊戲進度生成殭屍波次</a:t>
             </a:r>
             <a:endParaRPr lang="zh-CN" altLang="en-US" sz="2800" b="1" dirty="0">
               <a:solidFill>
@@ -35947,7 +40655,7 @@
     </p:spTree>
     <p:extLst>
       <p:ext uri="{BB962C8B-B14F-4D97-AF65-F5344CB8AC3E}">
-        <p14:creationId xmlns:p14="http://schemas.microsoft.com/office/powerpoint/2010/main" val="3003070720"/>
+        <p14:creationId xmlns:p14="http://schemas.microsoft.com/office/powerpoint/2010/main" val="3231168633"/>
       </p:ext>
     </p:extLst>
   </p:cSld>
@@ -35957,7 +40665,7 @@
 </p:sld>
 </file>
 
-<file path=ppt/slides/slide8.xml><?xml version="1.0" encoding="utf-8"?>
+<file path=ppt/slides/slide9.xml><?xml version="1.0" encoding="utf-8"?>
 <p:sld xmlns:a="http://schemas.openxmlformats.org/drawingml/2006/main" xmlns:r="http://schemas.openxmlformats.org/officeDocument/2006/relationships" xmlns:p="http://schemas.openxmlformats.org/presentationml/2006/main">
   <p:cSld>
     <p:spTree>
@@ -38279,2198 +42987,6 @@
 </p:sld>
 </file>
 
-<file path=ppt/slides/slide9.xml><?xml version="1.0" encoding="utf-8"?>
-<p:sld xmlns:a="http://schemas.openxmlformats.org/drawingml/2006/main" xmlns:r="http://schemas.openxmlformats.org/officeDocument/2006/relationships" xmlns:p="http://schemas.openxmlformats.org/presentationml/2006/main">
-  <p:cSld>
-    <p:spTree>
-      <p:nvGrpSpPr>
-        <p:cNvPr id="1" name="">
-          <a:extLst>
-            <a:ext uri="{FF2B5EF4-FFF2-40B4-BE49-F238E27FC236}">
-              <a16:creationId xmlns:a16="http://schemas.microsoft.com/office/drawing/2014/main" id="{8EE59AC2-F835-EFE9-9C05-4179F4156773}"/>
-            </a:ext>
-          </a:extLst>
-        </p:cNvPr>
-        <p:cNvGrpSpPr/>
-        <p:nvPr/>
-      </p:nvGrpSpPr>
-      <p:grpSpPr>
-        <a:xfrm>
-          <a:off x="0" y="0"/>
-          <a:ext cx="0" cy="0"/>
-          <a:chOff x="0" y="0"/>
-          <a:chExt cx="0" cy="0"/>
-        </a:xfrm>
-      </p:grpSpPr>
-      <p:sp>
-        <p:nvSpPr>
-          <p:cNvPr id="116" name="Text Box 42">
-            <a:extLst>
-              <a:ext uri="{FF2B5EF4-FFF2-40B4-BE49-F238E27FC236}">
-                <a16:creationId xmlns:a16="http://schemas.microsoft.com/office/drawing/2014/main" id="{65177D64-0286-C59C-86F2-2362D1463D36}"/>
-              </a:ext>
-            </a:extLst>
-          </p:cNvPr>
-          <p:cNvSpPr txBox="1">
-            <a:spLocks noChangeArrowheads="1"/>
-          </p:cNvSpPr>
-          <p:nvPr/>
-        </p:nvSpPr>
-        <p:spPr bwMode="auto">
-          <a:xfrm>
-            <a:off x="1071354" y="353246"/>
-            <a:ext cx="1303562" cy="584775"/>
-          </a:xfrm>
-          <a:prstGeom prst="rect">
-            <a:avLst/>
-          </a:prstGeom>
-          <a:noFill/>
-          <a:ln>
-            <a:noFill/>
-          </a:ln>
-          <a:effectLst/>
-          <a:extLst>
-            <a:ext uri="{909E8E84-426E-40DD-AFC4-6F175D3DCCD1}">
-              <a14:hiddenFill xmlns:a14="http://schemas.microsoft.com/office/drawing/2010/main">
-                <a:solidFill>
-                  <a:schemeClr val="accent1"/>
-                </a:solidFill>
-              </a14:hiddenFill>
-            </a:ext>
-            <a:ext uri="{91240B29-F687-4F45-9708-019B960494DF}">
-              <a14:hiddenLine xmlns:a14="http://schemas.microsoft.com/office/drawing/2010/main" w="9525">
-                <a:solidFill>
-                  <a:srgbClr val="000000"/>
-                </a:solidFill>
-                <a:miter lim="800000"/>
-                <a:headEnd/>
-                <a:tailEnd/>
-              </a14:hiddenLine>
-            </a:ext>
-            <a:ext uri="{AF507438-7753-43E0-B8FC-AC1667EBCBE1}">
-              <a14:hiddenEffects xmlns:a14="http://schemas.microsoft.com/office/drawing/2010/main">
-                <a:effectLst>
-                  <a:outerShdw dist="35921" dir="2700000" algn="ctr" rotWithShape="0">
-                    <a:schemeClr val="bg2"/>
-                  </a:outerShdw>
-                </a:effectLst>
-              </a14:hiddenEffects>
-            </a:ext>
-          </a:extLst>
-        </p:spPr>
-        <p:txBody>
-          <a:bodyPr wrap="none">
-            <a:spAutoFit/>
-          </a:bodyPr>
-          <a:lstStyle/>
-          <a:p>
-            <a:pPr>
-              <a:buFont typeface="Arial" charset="0"/>
-              <a:buNone/>
-            </a:pPr>
-            <a:r>
-              <a:rPr lang="en-US" altLang="zh-TW" sz="3200" b="1" dirty="0">
-                <a:solidFill>
-                  <a:srgbClr val="594D7B"/>
-                </a:solidFill>
-                <a:ea typeface="微软雅黑" pitchFamily="34" charset="-122"/>
-              </a:rPr>
-              <a:t>Demo</a:t>
-            </a:r>
-            <a:endParaRPr lang="en-US" altLang="zh-CN" sz="3200" b="1" dirty="0">
-              <a:solidFill>
-                <a:srgbClr val="594D7B"/>
-              </a:solidFill>
-              <a:ea typeface="微软雅黑" pitchFamily="34" charset="-122"/>
-            </a:endParaRPr>
-          </a:p>
-        </p:txBody>
-      </p:sp>
-      <p:grpSp>
-        <p:nvGrpSpPr>
-          <p:cNvPr id="117" name="组合 19">
-            <a:extLst>
-              <a:ext uri="{FF2B5EF4-FFF2-40B4-BE49-F238E27FC236}">
-                <a16:creationId xmlns:a16="http://schemas.microsoft.com/office/drawing/2014/main" id="{D3F78863-8235-DE85-C6FD-A511CB44F700}"/>
-              </a:ext>
-            </a:extLst>
-          </p:cNvPr>
-          <p:cNvGrpSpPr/>
-          <p:nvPr/>
-        </p:nvGrpSpPr>
-        <p:grpSpPr>
-          <a:xfrm>
-            <a:off x="377018" y="-11911"/>
-            <a:ext cx="629517" cy="1073043"/>
-            <a:chOff x="1775252" y="2062276"/>
-            <a:chExt cx="1045160" cy="1781528"/>
-          </a:xfrm>
-        </p:grpSpPr>
-        <p:grpSp>
-          <p:nvGrpSpPr>
-            <p:cNvPr id="118" name="组合 20">
-              <a:extLst>
-                <a:ext uri="{FF2B5EF4-FFF2-40B4-BE49-F238E27FC236}">
-                  <a16:creationId xmlns:a16="http://schemas.microsoft.com/office/drawing/2014/main" id="{9DF3ECB0-B4C0-8A2A-6F78-0D2085C83E1B}"/>
-                </a:ext>
-              </a:extLst>
-            </p:cNvPr>
-            <p:cNvGrpSpPr/>
-            <p:nvPr/>
-          </p:nvGrpSpPr>
-          <p:grpSpPr>
-            <a:xfrm>
-              <a:off x="1775252" y="2763988"/>
-              <a:ext cx="1045160" cy="1079816"/>
-              <a:chOff x="-4061568" y="1901032"/>
-              <a:chExt cx="1819276" cy="1879600"/>
-            </a:xfrm>
-          </p:grpSpPr>
-          <p:sp>
-            <p:nvSpPr>
-              <p:cNvPr id="120" name="Freeform 273">
-                <a:extLst>
-                  <a:ext uri="{FF2B5EF4-FFF2-40B4-BE49-F238E27FC236}">
-                    <a16:creationId xmlns:a16="http://schemas.microsoft.com/office/drawing/2014/main" id="{C4B4710E-B382-F244-03D8-83ADF9F4D807}"/>
-                  </a:ext>
-                </a:extLst>
-              </p:cNvPr>
-              <p:cNvSpPr/>
-              <p:nvPr/>
-            </p:nvSpPr>
-            <p:spPr bwMode="auto">
-              <a:xfrm>
-                <a:off x="-3661518" y="1901032"/>
-                <a:ext cx="1041400" cy="1509713"/>
-              </a:xfrm>
-              <a:custGeom>
-                <a:avLst/>
-                <a:gdLst>
-                  <a:gd name="T0" fmla="*/ 301 w 328"/>
-                  <a:gd name="T1" fmla="*/ 222 h 475"/>
-                  <a:gd name="T2" fmla="*/ 240 w 328"/>
-                  <a:gd name="T3" fmla="*/ 166 h 475"/>
-                  <a:gd name="T4" fmla="*/ 239 w 328"/>
-                  <a:gd name="T5" fmla="*/ 37 h 475"/>
-                  <a:gd name="T6" fmla="*/ 237 w 328"/>
-                  <a:gd name="T7" fmla="*/ 30 h 475"/>
-                  <a:gd name="T8" fmla="*/ 165 w 328"/>
-                  <a:gd name="T9" fmla="*/ 0 h 475"/>
-                  <a:gd name="T10" fmla="*/ 88 w 328"/>
-                  <a:gd name="T11" fmla="*/ 30 h 475"/>
-                  <a:gd name="T12" fmla="*/ 85 w 328"/>
-                  <a:gd name="T13" fmla="*/ 37 h 475"/>
-                  <a:gd name="T14" fmla="*/ 85 w 328"/>
-                  <a:gd name="T15" fmla="*/ 168 h 475"/>
-                  <a:gd name="T16" fmla="*/ 26 w 328"/>
-                  <a:gd name="T17" fmla="*/ 223 h 475"/>
-                  <a:gd name="T18" fmla="*/ 0 w 328"/>
-                  <a:gd name="T19" fmla="*/ 311 h 475"/>
-                  <a:gd name="T20" fmla="*/ 164 w 328"/>
-                  <a:gd name="T21" fmla="*/ 475 h 475"/>
-                  <a:gd name="T22" fmla="*/ 328 w 328"/>
-                  <a:gd name="T23" fmla="*/ 311 h 475"/>
-                  <a:gd name="T24" fmla="*/ 301 w 328"/>
-                  <a:gd name="T25" fmla="*/ 222 h 475"/>
-                </a:gdLst>
-                <a:ahLst/>
-                <a:cxnLst>
-                  <a:cxn ang="0">
-                    <a:pos x="T0" y="T1"/>
-                  </a:cxn>
-                  <a:cxn ang="0">
-                    <a:pos x="T2" y="T3"/>
-                  </a:cxn>
-                  <a:cxn ang="0">
-                    <a:pos x="T4" y="T5"/>
-                  </a:cxn>
-                  <a:cxn ang="0">
-                    <a:pos x="T6" y="T7"/>
-                  </a:cxn>
-                  <a:cxn ang="0">
-                    <a:pos x="T8" y="T9"/>
-                  </a:cxn>
-                  <a:cxn ang="0">
-                    <a:pos x="T10" y="T11"/>
-                  </a:cxn>
-                  <a:cxn ang="0">
-                    <a:pos x="T12" y="T13"/>
-                  </a:cxn>
-                  <a:cxn ang="0">
-                    <a:pos x="T14" y="T15"/>
-                  </a:cxn>
-                  <a:cxn ang="0">
-                    <a:pos x="T16" y="T17"/>
-                  </a:cxn>
-                  <a:cxn ang="0">
-                    <a:pos x="T18" y="T19"/>
-                  </a:cxn>
-                  <a:cxn ang="0">
-                    <a:pos x="T20" y="T21"/>
-                  </a:cxn>
-                  <a:cxn ang="0">
-                    <a:pos x="T22" y="T23"/>
-                  </a:cxn>
-                  <a:cxn ang="0">
-                    <a:pos x="T24" y="T25"/>
-                  </a:cxn>
-                </a:cxnLst>
-                <a:rect l="0" t="0" r="r" b="b"/>
-                <a:pathLst>
-                  <a:path w="328" h="475">
-                    <a:moveTo>
-                      <a:pt x="301" y="222"/>
-                    </a:moveTo>
-                    <a:cubicBezTo>
-                      <a:pt x="286" y="198"/>
-                      <a:pt x="265" y="179"/>
-                      <a:pt x="240" y="166"/>
-                    </a:cubicBezTo>
-                    <a:cubicBezTo>
-                      <a:pt x="239" y="165"/>
-                      <a:pt x="239" y="37"/>
-                      <a:pt x="239" y="37"/>
-                    </a:cubicBezTo>
-                    <a:cubicBezTo>
-                      <a:pt x="239" y="35"/>
-                      <a:pt x="238" y="32"/>
-                      <a:pt x="237" y="30"/>
-                    </a:cubicBezTo>
-                    <a:cubicBezTo>
-                      <a:pt x="236" y="29"/>
-                      <a:pt x="210" y="0"/>
-                      <a:pt x="165" y="0"/>
-                    </a:cubicBezTo>
-                    <a:cubicBezTo>
-                      <a:pt x="121" y="0"/>
-                      <a:pt x="90" y="28"/>
-                      <a:pt x="88" y="30"/>
-                    </a:cubicBezTo>
-                    <a:cubicBezTo>
-                      <a:pt x="86" y="32"/>
-                      <a:pt x="85" y="34"/>
-                      <a:pt x="85" y="37"/>
-                    </a:cubicBezTo>
-                    <a:cubicBezTo>
-                      <a:pt x="85" y="37"/>
-                      <a:pt x="85" y="166"/>
-                      <a:pt x="85" y="168"/>
-                    </a:cubicBezTo>
-                    <a:cubicBezTo>
-                      <a:pt x="61" y="181"/>
-                      <a:pt x="40" y="200"/>
-                      <a:pt x="26" y="223"/>
-                    </a:cubicBezTo>
-                    <a:cubicBezTo>
-                      <a:pt x="9" y="250"/>
-                      <a:pt x="0" y="280"/>
-                      <a:pt x="0" y="311"/>
-                    </a:cubicBezTo>
-                    <a:cubicBezTo>
-                      <a:pt x="0" y="402"/>
-                      <a:pt x="73" y="475"/>
-                      <a:pt x="164" y="475"/>
-                    </a:cubicBezTo>
-                    <a:cubicBezTo>
-                      <a:pt x="254" y="475"/>
-                      <a:pt x="328" y="402"/>
-                      <a:pt x="328" y="311"/>
-                    </a:cubicBezTo>
-                    <a:cubicBezTo>
-                      <a:pt x="328" y="279"/>
-                      <a:pt x="318" y="249"/>
-                      <a:pt x="301" y="222"/>
-                    </a:cubicBezTo>
-                    <a:close/>
-                  </a:path>
-                </a:pathLst>
-              </a:custGeom>
-              <a:solidFill>
-                <a:srgbClr val="594D7B"/>
-              </a:solidFill>
-              <a:ln>
-                <a:noFill/>
-              </a:ln>
-              <a:extLst>
-                <a:ext uri="{91240B29-F687-4F45-9708-019B960494DF}">
-                  <a14:hiddenLine xmlns:a14="http://schemas.microsoft.com/office/drawing/2010/main" w="9525">
-                    <a:solidFill>
-                      <a:srgbClr val="000000"/>
-                    </a:solidFill>
-                    <a:round/>
-                  </a14:hiddenLine>
-                </a:ext>
-              </a:extLst>
-            </p:spPr>
-            <p:txBody>
-              <a:bodyPr vert="horz" wrap="square" lIns="121920" tIns="60960" rIns="121920" bIns="60960" numCol="1" anchor="t" anchorCtr="0" compatLnSpc="1"/>
-              <a:lstStyle/>
-              <a:p>
-                <a:endParaRPr lang="zh-CN" altLang="en-US" sz="2400"/>
-              </a:p>
-            </p:txBody>
-          </p:sp>
-          <p:sp>
-            <p:nvSpPr>
-              <p:cNvPr id="121" name="Freeform 274">
-                <a:extLst>
-                  <a:ext uri="{FF2B5EF4-FFF2-40B4-BE49-F238E27FC236}">
-                    <a16:creationId xmlns:a16="http://schemas.microsoft.com/office/drawing/2014/main" id="{486555E3-2B55-A5E5-D36C-B262D733E535}"/>
-                  </a:ext>
-                </a:extLst>
-              </p:cNvPr>
-              <p:cNvSpPr>
-                <a:spLocks noEditPoints="1"/>
-              </p:cNvSpPr>
-              <p:nvPr/>
-            </p:nvSpPr>
-            <p:spPr bwMode="auto">
-              <a:xfrm>
-                <a:off x="-3664693" y="1901032"/>
-                <a:ext cx="1041400" cy="1509713"/>
-              </a:xfrm>
-              <a:custGeom>
-                <a:avLst/>
-                <a:gdLst>
-                  <a:gd name="T0" fmla="*/ 328 w 328"/>
-                  <a:gd name="T1" fmla="*/ 311 h 475"/>
-                  <a:gd name="T2" fmla="*/ 240 w 328"/>
-                  <a:gd name="T3" fmla="*/ 166 h 475"/>
-                  <a:gd name="T4" fmla="*/ 237 w 328"/>
-                  <a:gd name="T5" fmla="*/ 30 h 475"/>
-                  <a:gd name="T6" fmla="*/ 88 w 328"/>
-                  <a:gd name="T7" fmla="*/ 30 h 475"/>
-                  <a:gd name="T8" fmla="*/ 85 w 328"/>
-                  <a:gd name="T9" fmla="*/ 168 h 475"/>
-                  <a:gd name="T10" fmla="*/ 0 w 328"/>
-                  <a:gd name="T11" fmla="*/ 311 h 475"/>
-                  <a:gd name="T12" fmla="*/ 106 w 328"/>
-                  <a:gd name="T13" fmla="*/ 56 h 475"/>
-                  <a:gd name="T14" fmla="*/ 218 w 328"/>
-                  <a:gd name="T15" fmla="*/ 99 h 475"/>
-                  <a:gd name="T16" fmla="*/ 106 w 328"/>
-                  <a:gd name="T17" fmla="*/ 56 h 475"/>
-                  <a:gd name="T18" fmla="*/ 218 w 328"/>
-                  <a:gd name="T19" fmla="*/ 120 h 475"/>
-                  <a:gd name="T20" fmla="*/ 218 w 328"/>
-                  <a:gd name="T21" fmla="*/ 140 h 475"/>
-                  <a:gd name="T22" fmla="*/ 106 w 328"/>
-                  <a:gd name="T23" fmla="*/ 100 h 475"/>
-                  <a:gd name="T24" fmla="*/ 158 w 328"/>
-                  <a:gd name="T25" fmla="*/ 306 h 475"/>
-                  <a:gd name="T26" fmla="*/ 137 w 328"/>
-                  <a:gd name="T27" fmla="*/ 298 h 475"/>
-                  <a:gd name="T28" fmla="*/ 145 w 328"/>
-                  <a:gd name="T29" fmla="*/ 149 h 475"/>
-                  <a:gd name="T30" fmla="*/ 171 w 328"/>
-                  <a:gd name="T31" fmla="*/ 169 h 475"/>
-                  <a:gd name="T32" fmla="*/ 162 w 328"/>
-                  <a:gd name="T33" fmla="*/ 304 h 475"/>
-                  <a:gd name="T34" fmla="*/ 158 w 328"/>
-                  <a:gd name="T35" fmla="*/ 341 h 475"/>
-                  <a:gd name="T36" fmla="*/ 158 w 328"/>
-                  <a:gd name="T37" fmla="*/ 324 h 475"/>
-                  <a:gd name="T38" fmla="*/ 101 w 328"/>
-                  <a:gd name="T39" fmla="*/ 183 h 475"/>
-                  <a:gd name="T40" fmla="*/ 107 w 328"/>
-                  <a:gd name="T41" fmla="*/ 142 h 475"/>
-                  <a:gd name="T42" fmla="*/ 136 w 328"/>
-                  <a:gd name="T43" fmla="*/ 169 h 475"/>
-                  <a:gd name="T44" fmla="*/ 108 w 328"/>
-                  <a:gd name="T45" fmla="*/ 306 h 475"/>
-                  <a:gd name="T46" fmla="*/ 103 w 328"/>
-                  <a:gd name="T47" fmla="*/ 350 h 475"/>
-                  <a:gd name="T48" fmla="*/ 134 w 328"/>
-                  <a:gd name="T49" fmla="*/ 313 h 475"/>
-                  <a:gd name="T50" fmla="*/ 140 w 328"/>
-                  <a:gd name="T51" fmla="*/ 335 h 475"/>
-                  <a:gd name="T52" fmla="*/ 176 w 328"/>
-                  <a:gd name="T53" fmla="*/ 335 h 475"/>
-                  <a:gd name="T54" fmla="*/ 182 w 328"/>
-                  <a:gd name="T55" fmla="*/ 313 h 475"/>
-                  <a:gd name="T56" fmla="*/ 213 w 328"/>
-                  <a:gd name="T57" fmla="*/ 350 h 475"/>
-                  <a:gd name="T58" fmla="*/ 208 w 328"/>
-                  <a:gd name="T59" fmla="*/ 306 h 475"/>
-                  <a:gd name="T60" fmla="*/ 180 w 328"/>
-                  <a:gd name="T61" fmla="*/ 169 h 475"/>
-                  <a:gd name="T62" fmla="*/ 218 w 328"/>
-                  <a:gd name="T63" fmla="*/ 161 h 475"/>
-                  <a:gd name="T64" fmla="*/ 224 w 328"/>
-                  <a:gd name="T65" fmla="*/ 181 h 475"/>
-                  <a:gd name="T66" fmla="*/ 164 w 328"/>
-                  <a:gd name="T67" fmla="*/ 454 h 475"/>
-                  <a:gd name="T68" fmla="*/ 101 w 328"/>
-                  <a:gd name="T69" fmla="*/ 183 h 475"/>
-                  <a:gd name="T70" fmla="*/ 119 w 328"/>
-                  <a:gd name="T71" fmla="*/ 330 h 475"/>
-                  <a:gd name="T72" fmla="*/ 106 w 328"/>
-                  <a:gd name="T73" fmla="*/ 333 h 475"/>
-                  <a:gd name="T74" fmla="*/ 124 w 328"/>
-                  <a:gd name="T75" fmla="*/ 314 h 475"/>
-                  <a:gd name="T76" fmla="*/ 203 w 328"/>
-                  <a:gd name="T77" fmla="*/ 319 h 475"/>
-                  <a:gd name="T78" fmla="*/ 208 w 328"/>
-                  <a:gd name="T79" fmla="*/ 336 h 475"/>
-                  <a:gd name="T80" fmla="*/ 192 w 328"/>
-                  <a:gd name="T81" fmla="*/ 314 h 475"/>
-                </a:gdLst>
-                <a:ahLst/>
-                <a:cxnLst>
-                  <a:cxn ang="0">
-                    <a:pos x="T0" y="T1"/>
-                  </a:cxn>
-                  <a:cxn ang="0">
-                    <a:pos x="T2" y="T3"/>
-                  </a:cxn>
-                  <a:cxn ang="0">
-                    <a:pos x="T4" y="T5"/>
-                  </a:cxn>
-                  <a:cxn ang="0">
-                    <a:pos x="T6" y="T7"/>
-                  </a:cxn>
-                  <a:cxn ang="0">
-                    <a:pos x="T8" y="T9"/>
-                  </a:cxn>
-                  <a:cxn ang="0">
-                    <a:pos x="T10" y="T11"/>
-                  </a:cxn>
-                  <a:cxn ang="0">
-                    <a:pos x="T12" y="T13"/>
-                  </a:cxn>
-                  <a:cxn ang="0">
-                    <a:pos x="T14" y="T15"/>
-                  </a:cxn>
-                  <a:cxn ang="0">
-                    <a:pos x="T16" y="T17"/>
-                  </a:cxn>
-                  <a:cxn ang="0">
-                    <a:pos x="T18" y="T19"/>
-                  </a:cxn>
-                  <a:cxn ang="0">
-                    <a:pos x="T20" y="T21"/>
-                  </a:cxn>
-                  <a:cxn ang="0">
-                    <a:pos x="T22" y="T23"/>
-                  </a:cxn>
-                  <a:cxn ang="0">
-                    <a:pos x="T24" y="T25"/>
-                  </a:cxn>
-                  <a:cxn ang="0">
-                    <a:pos x="T26" y="T27"/>
-                  </a:cxn>
-                  <a:cxn ang="0">
-                    <a:pos x="T28" y="T29"/>
-                  </a:cxn>
-                  <a:cxn ang="0">
-                    <a:pos x="T30" y="T31"/>
-                  </a:cxn>
-                  <a:cxn ang="0">
-                    <a:pos x="T32" y="T33"/>
-                  </a:cxn>
-                  <a:cxn ang="0">
-                    <a:pos x="T34" y="T35"/>
-                  </a:cxn>
-                  <a:cxn ang="0">
-                    <a:pos x="T36" y="T37"/>
-                  </a:cxn>
-                  <a:cxn ang="0">
-                    <a:pos x="T38" y="T39"/>
-                  </a:cxn>
-                  <a:cxn ang="0">
-                    <a:pos x="T40" y="T41"/>
-                  </a:cxn>
-                  <a:cxn ang="0">
-                    <a:pos x="T42" y="T43"/>
-                  </a:cxn>
-                  <a:cxn ang="0">
-                    <a:pos x="T44" y="T45"/>
-                  </a:cxn>
-                  <a:cxn ang="0">
-                    <a:pos x="T46" y="T47"/>
-                  </a:cxn>
-                  <a:cxn ang="0">
-                    <a:pos x="T48" y="T49"/>
-                  </a:cxn>
-                  <a:cxn ang="0">
-                    <a:pos x="T50" y="T51"/>
-                  </a:cxn>
-                  <a:cxn ang="0">
-                    <a:pos x="T52" y="T53"/>
-                  </a:cxn>
-                  <a:cxn ang="0">
-                    <a:pos x="T54" y="T55"/>
-                  </a:cxn>
-                  <a:cxn ang="0">
-                    <a:pos x="T56" y="T57"/>
-                  </a:cxn>
-                  <a:cxn ang="0">
-                    <a:pos x="T58" y="T59"/>
-                  </a:cxn>
-                  <a:cxn ang="0">
-                    <a:pos x="T60" y="T61"/>
-                  </a:cxn>
-                  <a:cxn ang="0">
-                    <a:pos x="T62" y="T63"/>
-                  </a:cxn>
-                  <a:cxn ang="0">
-                    <a:pos x="T64" y="T65"/>
-                  </a:cxn>
-                  <a:cxn ang="0">
-                    <a:pos x="T66" y="T67"/>
-                  </a:cxn>
-                  <a:cxn ang="0">
-                    <a:pos x="T68" y="T69"/>
-                  </a:cxn>
-                  <a:cxn ang="0">
-                    <a:pos x="T70" y="T71"/>
-                  </a:cxn>
-                  <a:cxn ang="0">
-                    <a:pos x="T72" y="T73"/>
-                  </a:cxn>
-                  <a:cxn ang="0">
-                    <a:pos x="T74" y="T75"/>
-                  </a:cxn>
-                  <a:cxn ang="0">
-                    <a:pos x="T76" y="T77"/>
-                  </a:cxn>
-                  <a:cxn ang="0">
-                    <a:pos x="T78" y="T79"/>
-                  </a:cxn>
-                  <a:cxn ang="0">
-                    <a:pos x="T80" y="T81"/>
-                  </a:cxn>
-                </a:cxnLst>
-                <a:rect l="0" t="0" r="r" b="b"/>
-                <a:pathLst>
-                  <a:path w="328" h="475">
-                    <a:moveTo>
-                      <a:pt x="164" y="475"/>
-                    </a:moveTo>
-                    <a:cubicBezTo>
-                      <a:pt x="254" y="475"/>
-                      <a:pt x="328" y="402"/>
-                      <a:pt x="328" y="311"/>
-                    </a:cubicBezTo>
-                    <a:cubicBezTo>
-                      <a:pt x="328" y="279"/>
-                      <a:pt x="319" y="249"/>
-                      <a:pt x="301" y="222"/>
-                    </a:cubicBezTo>
-                    <a:cubicBezTo>
-                      <a:pt x="286" y="198"/>
-                      <a:pt x="265" y="179"/>
-                      <a:pt x="240" y="166"/>
-                    </a:cubicBezTo>
-                    <a:cubicBezTo>
-                      <a:pt x="239" y="165"/>
-                      <a:pt x="239" y="37"/>
-                      <a:pt x="239" y="37"/>
-                    </a:cubicBezTo>
-                    <a:cubicBezTo>
-                      <a:pt x="239" y="35"/>
-                      <a:pt x="239" y="32"/>
-                      <a:pt x="237" y="30"/>
-                    </a:cubicBezTo>
-                    <a:cubicBezTo>
-                      <a:pt x="236" y="29"/>
-                      <a:pt x="210" y="0"/>
-                      <a:pt x="165" y="0"/>
-                    </a:cubicBezTo>
-                    <a:cubicBezTo>
-                      <a:pt x="121" y="0"/>
-                      <a:pt x="90" y="28"/>
-                      <a:pt x="88" y="30"/>
-                    </a:cubicBezTo>
-                    <a:cubicBezTo>
-                      <a:pt x="86" y="32"/>
-                      <a:pt x="85" y="34"/>
-                      <a:pt x="85" y="37"/>
-                    </a:cubicBezTo>
-                    <a:cubicBezTo>
-                      <a:pt x="85" y="37"/>
-                      <a:pt x="85" y="166"/>
-                      <a:pt x="85" y="168"/>
-                    </a:cubicBezTo>
-                    <a:cubicBezTo>
-                      <a:pt x="61" y="181"/>
-                      <a:pt x="40" y="200"/>
-                      <a:pt x="26" y="223"/>
-                    </a:cubicBezTo>
-                    <a:cubicBezTo>
-                      <a:pt x="9" y="250"/>
-                      <a:pt x="0" y="280"/>
-                      <a:pt x="0" y="311"/>
-                    </a:cubicBezTo>
-                    <a:cubicBezTo>
-                      <a:pt x="0" y="402"/>
-                      <a:pt x="74" y="475"/>
-                      <a:pt x="164" y="475"/>
-                    </a:cubicBezTo>
-                    <a:close/>
-                    <a:moveTo>
-                      <a:pt x="106" y="56"/>
-                    </a:moveTo>
-                    <a:cubicBezTo>
-                      <a:pt x="218" y="76"/>
-                      <a:pt x="218" y="76"/>
-                      <a:pt x="218" y="76"/>
-                    </a:cubicBezTo>
-                    <a:cubicBezTo>
-                      <a:pt x="218" y="99"/>
-                      <a:pt x="218" y="99"/>
-                      <a:pt x="218" y="99"/>
-                    </a:cubicBezTo>
-                    <a:cubicBezTo>
-                      <a:pt x="106" y="79"/>
-                      <a:pt x="106" y="79"/>
-                      <a:pt x="106" y="79"/>
-                    </a:cubicBezTo>
-                    <a:lnTo>
-                      <a:pt x="106" y="56"/>
-                    </a:lnTo>
-                    <a:close/>
-                    <a:moveTo>
-                      <a:pt x="106" y="100"/>
-                    </a:moveTo>
-                    <a:cubicBezTo>
-                      <a:pt x="218" y="120"/>
-                      <a:pt x="218" y="120"/>
-                      <a:pt x="218" y="120"/>
-                    </a:cubicBezTo>
-                    <a:cubicBezTo>
-                      <a:pt x="218" y="134"/>
-                      <a:pt x="218" y="134"/>
-                      <a:pt x="218" y="134"/>
-                    </a:cubicBezTo>
-                    <a:cubicBezTo>
-                      <a:pt x="218" y="140"/>
-                      <a:pt x="218" y="140"/>
-                      <a:pt x="218" y="140"/>
-                    </a:cubicBezTo>
-                    <a:cubicBezTo>
-                      <a:pt x="106" y="121"/>
-                      <a:pt x="106" y="121"/>
-                      <a:pt x="106" y="121"/>
-                    </a:cubicBezTo>
-                    <a:lnTo>
-                      <a:pt x="106" y="100"/>
-                    </a:lnTo>
-                    <a:close/>
-                    <a:moveTo>
-                      <a:pt x="162" y="304"/>
-                    </a:moveTo>
-                    <a:cubicBezTo>
-                      <a:pt x="161" y="304"/>
-                      <a:pt x="159" y="305"/>
-                      <a:pt x="158" y="306"/>
-                    </a:cubicBezTo>
-                    <a:cubicBezTo>
-                      <a:pt x="157" y="305"/>
-                      <a:pt x="155" y="304"/>
-                      <a:pt x="154" y="304"/>
-                    </a:cubicBezTo>
-                    <a:cubicBezTo>
-                      <a:pt x="149" y="301"/>
-                      <a:pt x="143" y="299"/>
-                      <a:pt x="137" y="298"/>
-                    </a:cubicBezTo>
-                    <a:cubicBezTo>
-                      <a:pt x="142" y="263"/>
-                      <a:pt x="144" y="203"/>
-                      <a:pt x="145" y="169"/>
-                    </a:cubicBezTo>
-                    <a:cubicBezTo>
-                      <a:pt x="145" y="160"/>
-                      <a:pt x="145" y="152"/>
-                      <a:pt x="145" y="149"/>
-                    </a:cubicBezTo>
-                    <a:cubicBezTo>
-                      <a:pt x="171" y="153"/>
-                      <a:pt x="171" y="153"/>
-                      <a:pt x="171" y="153"/>
-                    </a:cubicBezTo>
-                    <a:cubicBezTo>
-                      <a:pt x="171" y="157"/>
-                      <a:pt x="171" y="163"/>
-                      <a:pt x="171" y="169"/>
-                    </a:cubicBezTo>
-                    <a:cubicBezTo>
-                      <a:pt x="172" y="203"/>
-                      <a:pt x="174" y="263"/>
-                      <a:pt x="179" y="298"/>
-                    </a:cubicBezTo>
-                    <a:cubicBezTo>
-                      <a:pt x="173" y="299"/>
-                      <a:pt x="167" y="301"/>
-                      <a:pt x="162" y="304"/>
-                    </a:cubicBezTo>
-                    <a:close/>
-                    <a:moveTo>
-                      <a:pt x="167" y="334"/>
-                    </a:moveTo>
-                    <a:cubicBezTo>
-                      <a:pt x="167" y="336"/>
-                      <a:pt x="162" y="341"/>
-                      <a:pt x="158" y="341"/>
-                    </a:cubicBezTo>
-                    <a:cubicBezTo>
-                      <a:pt x="154" y="341"/>
-                      <a:pt x="149" y="336"/>
-                      <a:pt x="149" y="334"/>
-                    </a:cubicBezTo>
-                    <a:cubicBezTo>
-                      <a:pt x="149" y="332"/>
-                      <a:pt x="152" y="327"/>
-                      <a:pt x="158" y="324"/>
-                    </a:cubicBezTo>
-                    <a:cubicBezTo>
-                      <a:pt x="165" y="327"/>
-                      <a:pt x="167" y="332"/>
-                      <a:pt x="167" y="334"/>
-                    </a:cubicBezTo>
-                    <a:close/>
-                    <a:moveTo>
-                      <a:pt x="101" y="183"/>
-                    </a:moveTo>
-                    <a:cubicBezTo>
-                      <a:pt x="107" y="180"/>
-                      <a:pt x="107" y="180"/>
-                      <a:pt x="107" y="180"/>
-                    </a:cubicBezTo>
-                    <a:cubicBezTo>
-                      <a:pt x="107" y="142"/>
-                      <a:pt x="107" y="142"/>
-                      <a:pt x="107" y="142"/>
-                    </a:cubicBezTo>
-                    <a:cubicBezTo>
-                      <a:pt x="136" y="147"/>
-                      <a:pt x="136" y="147"/>
-                      <a:pt x="136" y="147"/>
-                    </a:cubicBezTo>
-                    <a:cubicBezTo>
-                      <a:pt x="136" y="152"/>
-                      <a:pt x="136" y="160"/>
-                      <a:pt x="136" y="169"/>
-                    </a:cubicBezTo>
-                    <a:cubicBezTo>
-                      <a:pt x="135" y="206"/>
-                      <a:pt x="132" y="268"/>
-                      <a:pt x="127" y="298"/>
-                    </a:cubicBezTo>
-                    <a:cubicBezTo>
-                      <a:pt x="121" y="298"/>
-                      <a:pt x="114" y="301"/>
-                      <a:pt x="108" y="306"/>
-                    </a:cubicBezTo>
-                    <a:cubicBezTo>
-                      <a:pt x="103" y="311"/>
-                      <a:pt x="99" y="319"/>
-                      <a:pt x="97" y="329"/>
-                    </a:cubicBezTo>
-                    <a:cubicBezTo>
-                      <a:pt x="96" y="337"/>
-                      <a:pt x="98" y="345"/>
-                      <a:pt x="103" y="350"/>
-                    </a:cubicBezTo>
-                    <a:cubicBezTo>
-                      <a:pt x="109" y="355"/>
-                      <a:pt x="118" y="355"/>
-                      <a:pt x="126" y="340"/>
-                    </a:cubicBezTo>
-                    <a:cubicBezTo>
-                      <a:pt x="129" y="334"/>
-                      <a:pt x="132" y="325"/>
-                      <a:pt x="134" y="313"/>
-                    </a:cubicBezTo>
-                    <a:cubicBezTo>
-                      <a:pt x="138" y="314"/>
-                      <a:pt x="142" y="315"/>
-                      <a:pt x="146" y="316"/>
-                    </a:cubicBezTo>
-                    <a:cubicBezTo>
-                      <a:pt x="140" y="323"/>
-                      <a:pt x="140" y="331"/>
-                      <a:pt x="140" y="335"/>
-                    </a:cubicBezTo>
-                    <a:cubicBezTo>
-                      <a:pt x="140" y="346"/>
-                      <a:pt x="149" y="357"/>
-                      <a:pt x="158" y="357"/>
-                    </a:cubicBezTo>
-                    <a:cubicBezTo>
-                      <a:pt x="167" y="357"/>
-                      <a:pt x="176" y="346"/>
-                      <a:pt x="176" y="335"/>
-                    </a:cubicBezTo>
-                    <a:cubicBezTo>
-                      <a:pt x="176" y="331"/>
-                      <a:pt x="176" y="323"/>
-                      <a:pt x="170" y="316"/>
-                    </a:cubicBezTo>
-                    <a:cubicBezTo>
-                      <a:pt x="174" y="315"/>
-                      <a:pt x="178" y="314"/>
-                      <a:pt x="182" y="313"/>
-                    </a:cubicBezTo>
-                    <a:cubicBezTo>
-                      <a:pt x="184" y="325"/>
-                      <a:pt x="187" y="334"/>
-                      <a:pt x="190" y="340"/>
-                    </a:cubicBezTo>
-                    <a:cubicBezTo>
-                      <a:pt x="198" y="355"/>
-                      <a:pt x="208" y="355"/>
-                      <a:pt x="213" y="350"/>
-                    </a:cubicBezTo>
-                    <a:cubicBezTo>
-                      <a:pt x="218" y="345"/>
-                      <a:pt x="220" y="337"/>
-                      <a:pt x="219" y="329"/>
-                    </a:cubicBezTo>
-                    <a:cubicBezTo>
-                      <a:pt x="217" y="319"/>
-                      <a:pt x="213" y="311"/>
-                      <a:pt x="208" y="306"/>
-                    </a:cubicBezTo>
-                    <a:cubicBezTo>
-                      <a:pt x="202" y="301"/>
-                      <a:pt x="196" y="298"/>
-                      <a:pt x="189" y="298"/>
-                    </a:cubicBezTo>
-                    <a:cubicBezTo>
-                      <a:pt x="184" y="268"/>
-                      <a:pt x="182" y="206"/>
-                      <a:pt x="180" y="169"/>
-                    </a:cubicBezTo>
-                    <a:cubicBezTo>
-                      <a:pt x="180" y="164"/>
-                      <a:pt x="180" y="159"/>
-                      <a:pt x="180" y="155"/>
-                    </a:cubicBezTo>
-                    <a:cubicBezTo>
-                      <a:pt x="218" y="161"/>
-                      <a:pt x="218" y="161"/>
-                      <a:pt x="218" y="161"/>
-                    </a:cubicBezTo>
-                    <a:cubicBezTo>
-                      <a:pt x="218" y="179"/>
-                      <a:pt x="218" y="179"/>
-                      <a:pt x="218" y="179"/>
-                    </a:cubicBezTo>
-                    <a:cubicBezTo>
-                      <a:pt x="224" y="181"/>
-                      <a:pt x="224" y="181"/>
-                      <a:pt x="224" y="181"/>
-                    </a:cubicBezTo>
-                    <a:cubicBezTo>
-                      <a:pt x="275" y="205"/>
-                      <a:pt x="307" y="256"/>
-                      <a:pt x="307" y="311"/>
-                    </a:cubicBezTo>
-                    <a:cubicBezTo>
-                      <a:pt x="307" y="390"/>
-                      <a:pt x="243" y="454"/>
-                      <a:pt x="164" y="454"/>
-                    </a:cubicBezTo>
-                    <a:cubicBezTo>
-                      <a:pt x="85" y="454"/>
-                      <a:pt x="21" y="390"/>
-                      <a:pt x="21" y="311"/>
-                    </a:cubicBezTo>
-                    <a:cubicBezTo>
-                      <a:pt x="21" y="256"/>
-                      <a:pt x="52" y="207"/>
-                      <a:pt x="101" y="183"/>
-                    </a:cubicBezTo>
-                    <a:close/>
-                    <a:moveTo>
-                      <a:pt x="124" y="314"/>
-                    </a:moveTo>
-                    <a:cubicBezTo>
-                      <a:pt x="123" y="321"/>
-                      <a:pt x="121" y="326"/>
-                      <a:pt x="119" y="330"/>
-                    </a:cubicBezTo>
-                    <a:cubicBezTo>
-                      <a:pt x="114" y="338"/>
-                      <a:pt x="110" y="339"/>
-                      <a:pt x="108" y="336"/>
-                    </a:cubicBezTo>
-                    <a:cubicBezTo>
-                      <a:pt x="107" y="335"/>
-                      <a:pt x="106" y="334"/>
-                      <a:pt x="106" y="333"/>
-                    </a:cubicBezTo>
-                    <a:cubicBezTo>
-                      <a:pt x="107" y="327"/>
-                      <a:pt x="109" y="323"/>
-                      <a:pt x="113" y="319"/>
-                    </a:cubicBezTo>
-                    <a:cubicBezTo>
-                      <a:pt x="116" y="316"/>
-                      <a:pt x="120" y="315"/>
-                      <a:pt x="124" y="314"/>
-                    </a:cubicBezTo>
-                    <a:close/>
-                    <a:moveTo>
-                      <a:pt x="192" y="314"/>
-                    </a:moveTo>
-                    <a:cubicBezTo>
-                      <a:pt x="196" y="315"/>
-                      <a:pt x="200" y="316"/>
-                      <a:pt x="203" y="319"/>
-                    </a:cubicBezTo>
-                    <a:cubicBezTo>
-                      <a:pt x="207" y="323"/>
-                      <a:pt x="209" y="327"/>
-                      <a:pt x="210" y="333"/>
-                    </a:cubicBezTo>
-                    <a:cubicBezTo>
-                      <a:pt x="210" y="334"/>
-                      <a:pt x="209" y="335"/>
-                      <a:pt x="208" y="336"/>
-                    </a:cubicBezTo>
-                    <a:cubicBezTo>
-                      <a:pt x="206" y="339"/>
-                      <a:pt x="202" y="338"/>
-                      <a:pt x="197" y="330"/>
-                    </a:cubicBezTo>
-                    <a:cubicBezTo>
-                      <a:pt x="195" y="326"/>
-                      <a:pt x="193" y="321"/>
-                      <a:pt x="192" y="314"/>
-                    </a:cubicBezTo>
-                    <a:close/>
-                  </a:path>
-                </a:pathLst>
-              </a:custGeom>
-              <a:solidFill>
-                <a:srgbClr val="3B3B3B"/>
-              </a:solidFill>
-              <a:ln>
-                <a:noFill/>
-              </a:ln>
-              <a:extLst>
-                <a:ext uri="{91240B29-F687-4F45-9708-019B960494DF}">
-                  <a14:hiddenLine xmlns:a14="http://schemas.microsoft.com/office/drawing/2010/main" w="9525">
-                    <a:solidFill>
-                      <a:srgbClr val="000000"/>
-                    </a:solidFill>
-                    <a:round/>
-                  </a14:hiddenLine>
-                </a:ext>
-              </a:extLst>
-            </p:spPr>
-            <p:txBody>
-              <a:bodyPr vert="horz" wrap="square" lIns="121920" tIns="60960" rIns="121920" bIns="60960" numCol="1" anchor="t" anchorCtr="0" compatLnSpc="1"/>
-              <a:lstStyle/>
-              <a:p>
-                <a:endParaRPr lang="zh-CN" altLang="en-US" sz="2400"/>
-              </a:p>
-            </p:txBody>
-          </p:sp>
-          <p:sp>
-            <p:nvSpPr>
-              <p:cNvPr id="122" name="Freeform 275">
-                <a:extLst>
-                  <a:ext uri="{FF2B5EF4-FFF2-40B4-BE49-F238E27FC236}">
-                    <a16:creationId xmlns:a16="http://schemas.microsoft.com/office/drawing/2014/main" id="{67347CB8-0AC1-D7A8-838C-B67B91087450}"/>
-                  </a:ext>
-                </a:extLst>
-              </p:cNvPr>
-              <p:cNvSpPr/>
-              <p:nvPr/>
-            </p:nvSpPr>
-            <p:spPr bwMode="auto">
-              <a:xfrm>
-                <a:off x="-2540742" y="2934495"/>
-                <a:ext cx="298450" cy="79375"/>
-              </a:xfrm>
-              <a:custGeom>
-                <a:avLst/>
-                <a:gdLst>
-                  <a:gd name="T0" fmla="*/ 0 w 94"/>
-                  <a:gd name="T1" fmla="*/ 12 h 25"/>
-                  <a:gd name="T2" fmla="*/ 13 w 94"/>
-                  <a:gd name="T3" fmla="*/ 25 h 25"/>
-                  <a:gd name="T4" fmla="*/ 81 w 94"/>
-                  <a:gd name="T5" fmla="*/ 25 h 25"/>
-                  <a:gd name="T6" fmla="*/ 94 w 94"/>
-                  <a:gd name="T7" fmla="*/ 12 h 25"/>
-                  <a:gd name="T8" fmla="*/ 81 w 94"/>
-                  <a:gd name="T9" fmla="*/ 0 h 25"/>
-                  <a:gd name="T10" fmla="*/ 13 w 94"/>
-                  <a:gd name="T11" fmla="*/ 0 h 25"/>
-                  <a:gd name="T12" fmla="*/ 0 w 94"/>
-                  <a:gd name="T13" fmla="*/ 12 h 25"/>
-                </a:gdLst>
-                <a:ahLst/>
-                <a:cxnLst>
-                  <a:cxn ang="0">
-                    <a:pos x="T0" y="T1"/>
-                  </a:cxn>
-                  <a:cxn ang="0">
-                    <a:pos x="T2" y="T3"/>
-                  </a:cxn>
-                  <a:cxn ang="0">
-                    <a:pos x="T4" y="T5"/>
-                  </a:cxn>
-                  <a:cxn ang="0">
-                    <a:pos x="T6" y="T7"/>
-                  </a:cxn>
-                  <a:cxn ang="0">
-                    <a:pos x="T8" y="T9"/>
-                  </a:cxn>
-                  <a:cxn ang="0">
-                    <a:pos x="T10" y="T11"/>
-                  </a:cxn>
-                  <a:cxn ang="0">
-                    <a:pos x="T12" y="T13"/>
-                  </a:cxn>
-                </a:cxnLst>
-                <a:rect l="0" t="0" r="r" b="b"/>
-                <a:pathLst>
-                  <a:path w="94" h="25">
-                    <a:moveTo>
-                      <a:pt x="0" y="12"/>
-                    </a:moveTo>
-                    <a:cubicBezTo>
-                      <a:pt x="0" y="19"/>
-                      <a:pt x="6" y="25"/>
-                      <a:pt x="13" y="25"/>
-                    </a:cubicBezTo>
-                    <a:cubicBezTo>
-                      <a:pt x="81" y="25"/>
-                      <a:pt x="81" y="25"/>
-                      <a:pt x="81" y="25"/>
-                    </a:cubicBezTo>
-                    <a:cubicBezTo>
-                      <a:pt x="88" y="25"/>
-                      <a:pt x="94" y="19"/>
-                      <a:pt x="94" y="12"/>
-                    </a:cubicBezTo>
-                    <a:cubicBezTo>
-                      <a:pt x="94" y="6"/>
-                      <a:pt x="88" y="0"/>
-                      <a:pt x="81" y="0"/>
-                    </a:cubicBezTo>
-                    <a:cubicBezTo>
-                      <a:pt x="13" y="0"/>
-                      <a:pt x="13" y="0"/>
-                      <a:pt x="13" y="0"/>
-                    </a:cubicBezTo>
-                    <a:cubicBezTo>
-                      <a:pt x="6" y="0"/>
-                      <a:pt x="0" y="6"/>
-                      <a:pt x="0" y="12"/>
-                    </a:cubicBezTo>
-                    <a:close/>
-                  </a:path>
-                </a:pathLst>
-              </a:custGeom>
-              <a:solidFill>
-                <a:srgbClr val="3B3B3B"/>
-              </a:solidFill>
-              <a:ln>
-                <a:noFill/>
-              </a:ln>
-              <a:extLst>
-                <a:ext uri="{91240B29-F687-4F45-9708-019B960494DF}">
-                  <a14:hiddenLine xmlns:a14="http://schemas.microsoft.com/office/drawing/2010/main" w="9525">
-                    <a:solidFill>
-                      <a:srgbClr val="000000"/>
-                    </a:solidFill>
-                    <a:round/>
-                  </a14:hiddenLine>
-                </a:ext>
-              </a:extLst>
-            </p:spPr>
-            <p:txBody>
-              <a:bodyPr vert="horz" wrap="square" lIns="121920" tIns="60960" rIns="121920" bIns="60960" numCol="1" anchor="t" anchorCtr="0" compatLnSpc="1"/>
-              <a:lstStyle/>
-              <a:p>
-                <a:endParaRPr lang="zh-CN" altLang="en-US" sz="2400"/>
-              </a:p>
-            </p:txBody>
-          </p:sp>
-          <p:sp>
-            <p:nvSpPr>
-              <p:cNvPr id="123" name="Freeform 276">
-                <a:extLst>
-                  <a:ext uri="{FF2B5EF4-FFF2-40B4-BE49-F238E27FC236}">
-                    <a16:creationId xmlns:a16="http://schemas.microsoft.com/office/drawing/2014/main" id="{8351C17F-B819-D45C-77F7-EB10A45FA73D}"/>
-                  </a:ext>
-                </a:extLst>
-              </p:cNvPr>
-              <p:cNvSpPr/>
-              <p:nvPr/>
-            </p:nvSpPr>
-            <p:spPr bwMode="auto">
-              <a:xfrm>
-                <a:off x="-3236068" y="3488532"/>
-                <a:ext cx="79375" cy="292100"/>
-              </a:xfrm>
-              <a:custGeom>
-                <a:avLst/>
-                <a:gdLst>
-                  <a:gd name="T0" fmla="*/ 13 w 25"/>
-                  <a:gd name="T1" fmla="*/ 0 h 92"/>
-                  <a:gd name="T2" fmla="*/ 0 w 25"/>
-                  <a:gd name="T3" fmla="*/ 13 h 92"/>
-                  <a:gd name="T4" fmla="*/ 0 w 25"/>
-                  <a:gd name="T5" fmla="*/ 79 h 92"/>
-                  <a:gd name="T6" fmla="*/ 13 w 25"/>
-                  <a:gd name="T7" fmla="*/ 92 h 92"/>
-                  <a:gd name="T8" fmla="*/ 25 w 25"/>
-                  <a:gd name="T9" fmla="*/ 79 h 92"/>
-                  <a:gd name="T10" fmla="*/ 25 w 25"/>
-                  <a:gd name="T11" fmla="*/ 13 h 92"/>
-                  <a:gd name="T12" fmla="*/ 13 w 25"/>
-                  <a:gd name="T13" fmla="*/ 0 h 92"/>
-                </a:gdLst>
-                <a:ahLst/>
-                <a:cxnLst>
-                  <a:cxn ang="0">
-                    <a:pos x="T0" y="T1"/>
-                  </a:cxn>
-                  <a:cxn ang="0">
-                    <a:pos x="T2" y="T3"/>
-                  </a:cxn>
-                  <a:cxn ang="0">
-                    <a:pos x="T4" y="T5"/>
-                  </a:cxn>
-                  <a:cxn ang="0">
-                    <a:pos x="T6" y="T7"/>
-                  </a:cxn>
-                  <a:cxn ang="0">
-                    <a:pos x="T8" y="T9"/>
-                  </a:cxn>
-                  <a:cxn ang="0">
-                    <a:pos x="T10" y="T11"/>
-                  </a:cxn>
-                  <a:cxn ang="0">
-                    <a:pos x="T12" y="T13"/>
-                  </a:cxn>
-                </a:cxnLst>
-                <a:rect l="0" t="0" r="r" b="b"/>
-                <a:pathLst>
-                  <a:path w="25" h="92">
-                    <a:moveTo>
-                      <a:pt x="13" y="0"/>
-                    </a:moveTo>
-                    <a:cubicBezTo>
-                      <a:pt x="6" y="0"/>
-                      <a:pt x="0" y="6"/>
-                      <a:pt x="0" y="13"/>
-                    </a:cubicBezTo>
-                    <a:cubicBezTo>
-                      <a:pt x="0" y="79"/>
-                      <a:pt x="0" y="79"/>
-                      <a:pt x="0" y="79"/>
-                    </a:cubicBezTo>
-                    <a:cubicBezTo>
-                      <a:pt x="0" y="86"/>
-                      <a:pt x="6" y="92"/>
-                      <a:pt x="13" y="92"/>
-                    </a:cubicBezTo>
-                    <a:cubicBezTo>
-                      <a:pt x="20" y="92"/>
-                      <a:pt x="25" y="86"/>
-                      <a:pt x="25" y="79"/>
-                    </a:cubicBezTo>
-                    <a:cubicBezTo>
-                      <a:pt x="25" y="13"/>
-                      <a:pt x="25" y="13"/>
-                      <a:pt x="25" y="13"/>
-                    </a:cubicBezTo>
-                    <a:cubicBezTo>
-                      <a:pt x="25" y="6"/>
-                      <a:pt x="20" y="0"/>
-                      <a:pt x="13" y="0"/>
-                    </a:cubicBezTo>
-                    <a:close/>
-                  </a:path>
-                </a:pathLst>
-              </a:custGeom>
-              <a:solidFill>
-                <a:srgbClr val="3B3B3B"/>
-              </a:solidFill>
-              <a:ln>
-                <a:noFill/>
-              </a:ln>
-              <a:extLst>
-                <a:ext uri="{91240B29-F687-4F45-9708-019B960494DF}">
-                  <a14:hiddenLine xmlns:a14="http://schemas.microsoft.com/office/drawing/2010/main" w="9525">
-                    <a:solidFill>
-                      <a:srgbClr val="000000"/>
-                    </a:solidFill>
-                    <a:round/>
-                  </a14:hiddenLine>
-                </a:ext>
-              </a:extLst>
-            </p:spPr>
-            <p:txBody>
-              <a:bodyPr vert="horz" wrap="square" lIns="121920" tIns="60960" rIns="121920" bIns="60960" numCol="1" anchor="t" anchorCtr="0" compatLnSpc="1"/>
-              <a:lstStyle/>
-              <a:p>
-                <a:endParaRPr lang="zh-CN" altLang="en-US" sz="2400"/>
-              </a:p>
-            </p:txBody>
-          </p:sp>
-          <p:sp>
-            <p:nvSpPr>
-              <p:cNvPr id="124" name="Freeform 277">
-                <a:extLst>
-                  <a:ext uri="{FF2B5EF4-FFF2-40B4-BE49-F238E27FC236}">
-                    <a16:creationId xmlns:a16="http://schemas.microsoft.com/office/drawing/2014/main" id="{0B21F9C2-BC45-18B0-3913-D1A9EFAF83F8}"/>
-                  </a:ext>
-                </a:extLst>
-              </p:cNvPr>
-              <p:cNvSpPr/>
-              <p:nvPr/>
-            </p:nvSpPr>
-            <p:spPr bwMode="auto">
-              <a:xfrm>
-                <a:off x="-4061568" y="2899570"/>
-                <a:ext cx="298450" cy="76200"/>
-              </a:xfrm>
-              <a:custGeom>
-                <a:avLst/>
-                <a:gdLst>
-                  <a:gd name="T0" fmla="*/ 13 w 94"/>
-                  <a:gd name="T1" fmla="*/ 24 h 24"/>
-                  <a:gd name="T2" fmla="*/ 81 w 94"/>
-                  <a:gd name="T3" fmla="*/ 24 h 24"/>
-                  <a:gd name="T4" fmla="*/ 94 w 94"/>
-                  <a:gd name="T5" fmla="*/ 12 h 24"/>
-                  <a:gd name="T6" fmla="*/ 81 w 94"/>
-                  <a:gd name="T7" fmla="*/ 0 h 24"/>
-                  <a:gd name="T8" fmla="*/ 13 w 94"/>
-                  <a:gd name="T9" fmla="*/ 0 h 24"/>
-                  <a:gd name="T10" fmla="*/ 0 w 94"/>
-                  <a:gd name="T11" fmla="*/ 12 h 24"/>
-                  <a:gd name="T12" fmla="*/ 13 w 94"/>
-                  <a:gd name="T13" fmla="*/ 24 h 24"/>
-                </a:gdLst>
-                <a:ahLst/>
-                <a:cxnLst>
-                  <a:cxn ang="0">
-                    <a:pos x="T0" y="T1"/>
-                  </a:cxn>
-                  <a:cxn ang="0">
-                    <a:pos x="T2" y="T3"/>
-                  </a:cxn>
-                  <a:cxn ang="0">
-                    <a:pos x="T4" y="T5"/>
-                  </a:cxn>
-                  <a:cxn ang="0">
-                    <a:pos x="T6" y="T7"/>
-                  </a:cxn>
-                  <a:cxn ang="0">
-                    <a:pos x="T8" y="T9"/>
-                  </a:cxn>
-                  <a:cxn ang="0">
-                    <a:pos x="T10" y="T11"/>
-                  </a:cxn>
-                  <a:cxn ang="0">
-                    <a:pos x="T12" y="T13"/>
-                  </a:cxn>
-                </a:cxnLst>
-                <a:rect l="0" t="0" r="r" b="b"/>
-                <a:pathLst>
-                  <a:path w="94" h="24">
-                    <a:moveTo>
-                      <a:pt x="13" y="24"/>
-                    </a:moveTo>
-                    <a:cubicBezTo>
-                      <a:pt x="81" y="24"/>
-                      <a:pt x="81" y="24"/>
-                      <a:pt x="81" y="24"/>
-                    </a:cubicBezTo>
-                    <a:cubicBezTo>
-                      <a:pt x="88" y="24"/>
-                      <a:pt x="94" y="19"/>
-                      <a:pt x="94" y="12"/>
-                    </a:cubicBezTo>
-                    <a:cubicBezTo>
-                      <a:pt x="94" y="5"/>
-                      <a:pt x="88" y="0"/>
-                      <a:pt x="81" y="0"/>
-                    </a:cubicBezTo>
-                    <a:cubicBezTo>
-                      <a:pt x="13" y="0"/>
-                      <a:pt x="13" y="0"/>
-                      <a:pt x="13" y="0"/>
-                    </a:cubicBezTo>
-                    <a:cubicBezTo>
-                      <a:pt x="6" y="0"/>
-                      <a:pt x="0" y="5"/>
-                      <a:pt x="0" y="12"/>
-                    </a:cubicBezTo>
-                    <a:cubicBezTo>
-                      <a:pt x="0" y="19"/>
-                      <a:pt x="6" y="24"/>
-                      <a:pt x="13" y="24"/>
-                    </a:cubicBezTo>
-                    <a:close/>
-                  </a:path>
-                </a:pathLst>
-              </a:custGeom>
-              <a:solidFill>
-                <a:srgbClr val="3B3B3B"/>
-              </a:solidFill>
-              <a:ln>
-                <a:noFill/>
-              </a:ln>
-              <a:extLst>
-                <a:ext uri="{91240B29-F687-4F45-9708-019B960494DF}">
-                  <a14:hiddenLine xmlns:a14="http://schemas.microsoft.com/office/drawing/2010/main" w="9525">
-                    <a:solidFill>
-                      <a:srgbClr val="000000"/>
-                    </a:solidFill>
-                    <a:round/>
-                  </a14:hiddenLine>
-                </a:ext>
-              </a:extLst>
-            </p:spPr>
-            <p:txBody>
-              <a:bodyPr vert="horz" wrap="square" lIns="121920" tIns="60960" rIns="121920" bIns="60960" numCol="1" anchor="t" anchorCtr="0" compatLnSpc="1"/>
-              <a:lstStyle/>
-              <a:p>
-                <a:endParaRPr lang="zh-CN" altLang="en-US" sz="2400"/>
-              </a:p>
-            </p:txBody>
-          </p:sp>
-          <p:sp>
-            <p:nvSpPr>
-              <p:cNvPr id="125" name="Freeform 278">
-                <a:extLst>
-                  <a:ext uri="{FF2B5EF4-FFF2-40B4-BE49-F238E27FC236}">
-                    <a16:creationId xmlns:a16="http://schemas.microsoft.com/office/drawing/2014/main" id="{C8C1A224-EE12-76B7-68C4-328927A278FB}"/>
-                  </a:ext>
-                </a:extLst>
-              </p:cNvPr>
-              <p:cNvSpPr/>
-              <p:nvPr/>
-            </p:nvSpPr>
-            <p:spPr bwMode="auto">
-              <a:xfrm>
-                <a:off x="-3890118" y="2304257"/>
-                <a:ext cx="266700" cy="212725"/>
-              </a:xfrm>
-              <a:custGeom>
-                <a:avLst/>
-                <a:gdLst>
-                  <a:gd name="T0" fmla="*/ 7 w 84"/>
-                  <a:gd name="T1" fmla="*/ 22 h 67"/>
-                  <a:gd name="T2" fmla="*/ 62 w 84"/>
-                  <a:gd name="T3" fmla="*/ 63 h 67"/>
-                  <a:gd name="T4" fmla="*/ 79 w 84"/>
-                  <a:gd name="T5" fmla="*/ 60 h 67"/>
-                  <a:gd name="T6" fmla="*/ 77 w 84"/>
-                  <a:gd name="T7" fmla="*/ 43 h 67"/>
-                  <a:gd name="T8" fmla="*/ 22 w 84"/>
-                  <a:gd name="T9" fmla="*/ 3 h 67"/>
-                  <a:gd name="T10" fmla="*/ 15 w 84"/>
-                  <a:gd name="T11" fmla="*/ 0 h 67"/>
-                  <a:gd name="T12" fmla="*/ 4 w 84"/>
-                  <a:gd name="T13" fmla="*/ 5 h 67"/>
-                  <a:gd name="T14" fmla="*/ 7 w 84"/>
-                  <a:gd name="T15" fmla="*/ 22 h 67"/>
-                </a:gdLst>
-                <a:ahLst/>
-                <a:cxnLst>
-                  <a:cxn ang="0">
-                    <a:pos x="T0" y="T1"/>
-                  </a:cxn>
-                  <a:cxn ang="0">
-                    <a:pos x="T2" y="T3"/>
-                  </a:cxn>
-                  <a:cxn ang="0">
-                    <a:pos x="T4" y="T5"/>
-                  </a:cxn>
-                  <a:cxn ang="0">
-                    <a:pos x="T6" y="T7"/>
-                  </a:cxn>
-                  <a:cxn ang="0">
-                    <a:pos x="T8" y="T9"/>
-                  </a:cxn>
-                  <a:cxn ang="0">
-                    <a:pos x="T10" y="T11"/>
-                  </a:cxn>
-                  <a:cxn ang="0">
-                    <a:pos x="T12" y="T13"/>
-                  </a:cxn>
-                  <a:cxn ang="0">
-                    <a:pos x="T14" y="T15"/>
-                  </a:cxn>
-                </a:cxnLst>
-                <a:rect l="0" t="0" r="r" b="b"/>
-                <a:pathLst>
-                  <a:path w="84" h="67">
-                    <a:moveTo>
-                      <a:pt x="7" y="22"/>
-                    </a:moveTo>
-                    <a:cubicBezTo>
-                      <a:pt x="62" y="63"/>
-                      <a:pt x="62" y="63"/>
-                      <a:pt x="62" y="63"/>
-                    </a:cubicBezTo>
-                    <a:cubicBezTo>
-                      <a:pt x="67" y="67"/>
-                      <a:pt x="75" y="66"/>
-                      <a:pt x="79" y="60"/>
-                    </a:cubicBezTo>
-                    <a:cubicBezTo>
-                      <a:pt x="84" y="55"/>
-                      <a:pt x="82" y="47"/>
-                      <a:pt x="77" y="43"/>
-                    </a:cubicBezTo>
-                    <a:cubicBezTo>
-                      <a:pt x="22" y="3"/>
-                      <a:pt x="22" y="3"/>
-                      <a:pt x="22" y="3"/>
-                    </a:cubicBezTo>
-                    <a:cubicBezTo>
-                      <a:pt x="20" y="1"/>
-                      <a:pt x="17" y="0"/>
-                      <a:pt x="15" y="0"/>
-                    </a:cubicBezTo>
-                    <a:cubicBezTo>
-                      <a:pt x="11" y="0"/>
-                      <a:pt x="7" y="2"/>
-                      <a:pt x="4" y="5"/>
-                    </a:cubicBezTo>
-                    <a:cubicBezTo>
-                      <a:pt x="0" y="11"/>
-                      <a:pt x="1" y="18"/>
-                      <a:pt x="7" y="22"/>
-                    </a:cubicBezTo>
-                    <a:close/>
-                  </a:path>
-                </a:pathLst>
-              </a:custGeom>
-              <a:solidFill>
-                <a:srgbClr val="3B3B3B"/>
-              </a:solidFill>
-              <a:ln>
-                <a:noFill/>
-              </a:ln>
-              <a:extLst>
-                <a:ext uri="{91240B29-F687-4F45-9708-019B960494DF}">
-                  <a14:hiddenLine xmlns:a14="http://schemas.microsoft.com/office/drawing/2010/main" w="9525">
-                    <a:solidFill>
-                      <a:srgbClr val="000000"/>
-                    </a:solidFill>
-                    <a:round/>
-                  </a14:hiddenLine>
-                </a:ext>
-              </a:extLst>
-            </p:spPr>
-            <p:txBody>
-              <a:bodyPr vert="horz" wrap="square" lIns="121920" tIns="60960" rIns="121920" bIns="60960" numCol="1" anchor="t" anchorCtr="0" compatLnSpc="1"/>
-              <a:lstStyle/>
-              <a:p>
-                <a:endParaRPr lang="zh-CN" altLang="en-US" sz="2400"/>
-              </a:p>
-            </p:txBody>
-          </p:sp>
-          <p:sp>
-            <p:nvSpPr>
-              <p:cNvPr id="126" name="Freeform 279">
-                <a:extLst>
-                  <a:ext uri="{FF2B5EF4-FFF2-40B4-BE49-F238E27FC236}">
-                    <a16:creationId xmlns:a16="http://schemas.microsoft.com/office/drawing/2014/main" id="{DF3A60F7-D23C-D8DC-B9B4-20A06D60B62D}"/>
-                  </a:ext>
-                </a:extLst>
-              </p:cNvPr>
-              <p:cNvSpPr/>
-              <p:nvPr/>
-            </p:nvSpPr>
-            <p:spPr bwMode="auto">
-              <a:xfrm>
-                <a:off x="-2674092" y="2304257"/>
-                <a:ext cx="266700" cy="212725"/>
-              </a:xfrm>
-              <a:custGeom>
-                <a:avLst/>
-                <a:gdLst>
-                  <a:gd name="T0" fmla="*/ 22 w 84"/>
-                  <a:gd name="T1" fmla="*/ 63 h 67"/>
-                  <a:gd name="T2" fmla="*/ 77 w 84"/>
-                  <a:gd name="T3" fmla="*/ 22 h 67"/>
-                  <a:gd name="T4" fmla="*/ 79 w 84"/>
-                  <a:gd name="T5" fmla="*/ 5 h 67"/>
-                  <a:gd name="T6" fmla="*/ 69 w 84"/>
-                  <a:gd name="T7" fmla="*/ 0 h 67"/>
-                  <a:gd name="T8" fmla="*/ 62 w 84"/>
-                  <a:gd name="T9" fmla="*/ 3 h 67"/>
-                  <a:gd name="T10" fmla="*/ 7 w 84"/>
-                  <a:gd name="T11" fmla="*/ 43 h 67"/>
-                  <a:gd name="T12" fmla="*/ 5 w 84"/>
-                  <a:gd name="T13" fmla="*/ 60 h 67"/>
-                  <a:gd name="T14" fmla="*/ 22 w 84"/>
-                  <a:gd name="T15" fmla="*/ 63 h 67"/>
-                </a:gdLst>
-                <a:ahLst/>
-                <a:cxnLst>
-                  <a:cxn ang="0">
-                    <a:pos x="T0" y="T1"/>
-                  </a:cxn>
-                  <a:cxn ang="0">
-                    <a:pos x="T2" y="T3"/>
-                  </a:cxn>
-                  <a:cxn ang="0">
-                    <a:pos x="T4" y="T5"/>
-                  </a:cxn>
-                  <a:cxn ang="0">
-                    <a:pos x="T6" y="T7"/>
-                  </a:cxn>
-                  <a:cxn ang="0">
-                    <a:pos x="T8" y="T9"/>
-                  </a:cxn>
-                  <a:cxn ang="0">
-                    <a:pos x="T10" y="T11"/>
-                  </a:cxn>
-                  <a:cxn ang="0">
-                    <a:pos x="T12" y="T13"/>
-                  </a:cxn>
-                  <a:cxn ang="0">
-                    <a:pos x="T14" y="T15"/>
-                  </a:cxn>
-                </a:cxnLst>
-                <a:rect l="0" t="0" r="r" b="b"/>
-                <a:pathLst>
-                  <a:path w="84" h="67">
-                    <a:moveTo>
-                      <a:pt x="22" y="63"/>
-                    </a:moveTo>
-                    <a:cubicBezTo>
-                      <a:pt x="77" y="22"/>
-                      <a:pt x="77" y="22"/>
-                      <a:pt x="77" y="22"/>
-                    </a:cubicBezTo>
-                    <a:cubicBezTo>
-                      <a:pt x="83" y="18"/>
-                      <a:pt x="84" y="11"/>
-                      <a:pt x="79" y="5"/>
-                    </a:cubicBezTo>
-                    <a:cubicBezTo>
-                      <a:pt x="77" y="2"/>
-                      <a:pt x="73" y="0"/>
-                      <a:pt x="69" y="0"/>
-                    </a:cubicBezTo>
-                    <a:cubicBezTo>
-                      <a:pt x="67" y="0"/>
-                      <a:pt x="64" y="1"/>
-                      <a:pt x="62" y="3"/>
-                    </a:cubicBezTo>
-                    <a:cubicBezTo>
-                      <a:pt x="7" y="43"/>
-                      <a:pt x="7" y="43"/>
-                      <a:pt x="7" y="43"/>
-                    </a:cubicBezTo>
-                    <a:cubicBezTo>
-                      <a:pt x="1" y="47"/>
-                      <a:pt x="0" y="55"/>
-                      <a:pt x="5" y="60"/>
-                    </a:cubicBezTo>
-                    <a:cubicBezTo>
-                      <a:pt x="9" y="66"/>
-                      <a:pt x="17" y="67"/>
-                      <a:pt x="22" y="63"/>
-                    </a:cubicBezTo>
-                    <a:close/>
-                  </a:path>
-                </a:pathLst>
-              </a:custGeom>
-              <a:solidFill>
-                <a:srgbClr val="3B3B3B"/>
-              </a:solidFill>
-              <a:ln>
-                <a:noFill/>
-              </a:ln>
-              <a:extLst>
-                <a:ext uri="{91240B29-F687-4F45-9708-019B960494DF}">
-                  <a14:hiddenLine xmlns:a14="http://schemas.microsoft.com/office/drawing/2010/main" w="9525">
-                    <a:solidFill>
-                      <a:srgbClr val="000000"/>
-                    </a:solidFill>
-                    <a:round/>
-                  </a14:hiddenLine>
-                </a:ext>
-              </a:extLst>
-            </p:spPr>
-            <p:txBody>
-              <a:bodyPr vert="horz" wrap="square" lIns="121920" tIns="60960" rIns="121920" bIns="60960" numCol="1" anchor="t" anchorCtr="0" compatLnSpc="1"/>
-              <a:lstStyle/>
-              <a:p>
-                <a:endParaRPr lang="zh-CN" altLang="en-US" sz="2400"/>
-              </a:p>
-            </p:txBody>
-          </p:sp>
-          <p:sp>
-            <p:nvSpPr>
-              <p:cNvPr id="127" name="Freeform 280">
-                <a:extLst>
-                  <a:ext uri="{FF2B5EF4-FFF2-40B4-BE49-F238E27FC236}">
-                    <a16:creationId xmlns:a16="http://schemas.microsoft.com/office/drawing/2014/main" id="{44D1069E-9DB6-E907-B62C-E48DE857FEA3}"/>
-                  </a:ext>
-                </a:extLst>
-              </p:cNvPr>
-              <p:cNvSpPr/>
-              <p:nvPr/>
-            </p:nvSpPr>
-            <p:spPr bwMode="auto">
-              <a:xfrm>
-                <a:off x="-3839318" y="3363120"/>
-                <a:ext cx="244475" cy="233363"/>
-              </a:xfrm>
-              <a:custGeom>
-                <a:avLst/>
-                <a:gdLst>
-                  <a:gd name="T0" fmla="*/ 63 w 77"/>
-                  <a:gd name="T1" fmla="*/ 0 h 73"/>
-                  <a:gd name="T2" fmla="*/ 54 w 77"/>
-                  <a:gd name="T3" fmla="*/ 3 h 73"/>
-                  <a:gd name="T4" fmla="*/ 5 w 77"/>
-                  <a:gd name="T5" fmla="*/ 51 h 73"/>
-                  <a:gd name="T6" fmla="*/ 5 w 77"/>
-                  <a:gd name="T7" fmla="*/ 68 h 73"/>
-                  <a:gd name="T8" fmla="*/ 23 w 77"/>
-                  <a:gd name="T9" fmla="*/ 68 h 73"/>
-                  <a:gd name="T10" fmla="*/ 72 w 77"/>
-                  <a:gd name="T11" fmla="*/ 21 h 73"/>
-                  <a:gd name="T12" fmla="*/ 72 w 77"/>
-                  <a:gd name="T13" fmla="*/ 3 h 73"/>
-                  <a:gd name="T14" fmla="*/ 63 w 77"/>
-                  <a:gd name="T15" fmla="*/ 0 h 73"/>
-                </a:gdLst>
-                <a:ahLst/>
-                <a:cxnLst>
-                  <a:cxn ang="0">
-                    <a:pos x="T0" y="T1"/>
-                  </a:cxn>
-                  <a:cxn ang="0">
-                    <a:pos x="T2" y="T3"/>
-                  </a:cxn>
-                  <a:cxn ang="0">
-                    <a:pos x="T4" y="T5"/>
-                  </a:cxn>
-                  <a:cxn ang="0">
-                    <a:pos x="T6" y="T7"/>
-                  </a:cxn>
-                  <a:cxn ang="0">
-                    <a:pos x="T8" y="T9"/>
-                  </a:cxn>
-                  <a:cxn ang="0">
-                    <a:pos x="T10" y="T11"/>
-                  </a:cxn>
-                  <a:cxn ang="0">
-                    <a:pos x="T12" y="T13"/>
-                  </a:cxn>
-                  <a:cxn ang="0">
-                    <a:pos x="T14" y="T15"/>
-                  </a:cxn>
-                </a:cxnLst>
-                <a:rect l="0" t="0" r="r" b="b"/>
-                <a:pathLst>
-                  <a:path w="77" h="73">
-                    <a:moveTo>
-                      <a:pt x="63" y="0"/>
-                    </a:moveTo>
-                    <a:cubicBezTo>
-                      <a:pt x="60" y="0"/>
-                      <a:pt x="56" y="1"/>
-                      <a:pt x="54" y="3"/>
-                    </a:cubicBezTo>
-                    <a:cubicBezTo>
-                      <a:pt x="5" y="51"/>
-                      <a:pt x="5" y="51"/>
-                      <a:pt x="5" y="51"/>
-                    </a:cubicBezTo>
-                    <a:cubicBezTo>
-                      <a:pt x="0" y="55"/>
-                      <a:pt x="0" y="63"/>
-                      <a:pt x="5" y="68"/>
-                    </a:cubicBezTo>
-                    <a:cubicBezTo>
-                      <a:pt x="10" y="73"/>
-                      <a:pt x="18" y="73"/>
-                      <a:pt x="23" y="68"/>
-                    </a:cubicBezTo>
-                    <a:cubicBezTo>
-                      <a:pt x="72" y="21"/>
-                      <a:pt x="72" y="21"/>
-                      <a:pt x="72" y="21"/>
-                    </a:cubicBezTo>
-                    <a:cubicBezTo>
-                      <a:pt x="77" y="16"/>
-                      <a:pt x="77" y="8"/>
-                      <a:pt x="72" y="3"/>
-                    </a:cubicBezTo>
-                    <a:cubicBezTo>
-                      <a:pt x="69" y="1"/>
-                      <a:pt x="66" y="0"/>
-                      <a:pt x="63" y="0"/>
-                    </a:cubicBezTo>
-                    <a:close/>
-                  </a:path>
-                </a:pathLst>
-              </a:custGeom>
-              <a:solidFill>
-                <a:srgbClr val="3B3B3B"/>
-              </a:solidFill>
-              <a:ln>
-                <a:noFill/>
-              </a:ln>
-              <a:extLst>
-                <a:ext uri="{91240B29-F687-4F45-9708-019B960494DF}">
-                  <a14:hiddenLine xmlns:a14="http://schemas.microsoft.com/office/drawing/2010/main" w="9525">
-                    <a:solidFill>
-                      <a:srgbClr val="000000"/>
-                    </a:solidFill>
-                    <a:round/>
-                  </a14:hiddenLine>
-                </a:ext>
-              </a:extLst>
-            </p:spPr>
-            <p:txBody>
-              <a:bodyPr vert="horz" wrap="square" lIns="121920" tIns="60960" rIns="121920" bIns="60960" numCol="1" anchor="t" anchorCtr="0" compatLnSpc="1"/>
-              <a:lstStyle/>
-              <a:p>
-                <a:endParaRPr lang="zh-CN" altLang="en-US" sz="2400"/>
-              </a:p>
-            </p:txBody>
-          </p:sp>
-          <p:sp>
-            <p:nvSpPr>
-              <p:cNvPr id="128" name="Freeform 281">
-                <a:extLst>
-                  <a:ext uri="{FF2B5EF4-FFF2-40B4-BE49-F238E27FC236}">
-                    <a16:creationId xmlns:a16="http://schemas.microsoft.com/office/drawing/2014/main" id="{D2CDEF36-F3D7-E8C7-4506-92938718B335}"/>
-                  </a:ext>
-                </a:extLst>
-              </p:cNvPr>
-              <p:cNvSpPr/>
-              <p:nvPr/>
-            </p:nvSpPr>
-            <p:spPr bwMode="auto">
-              <a:xfrm>
-                <a:off x="-2728067" y="3363120"/>
-                <a:ext cx="244475" cy="233363"/>
-              </a:xfrm>
-              <a:custGeom>
-                <a:avLst/>
-                <a:gdLst>
-                  <a:gd name="T0" fmla="*/ 23 w 77"/>
-                  <a:gd name="T1" fmla="*/ 3 h 73"/>
-                  <a:gd name="T2" fmla="*/ 14 w 77"/>
-                  <a:gd name="T3" fmla="*/ 0 h 73"/>
-                  <a:gd name="T4" fmla="*/ 5 w 77"/>
-                  <a:gd name="T5" fmla="*/ 3 h 73"/>
-                  <a:gd name="T6" fmla="*/ 5 w 77"/>
-                  <a:gd name="T7" fmla="*/ 21 h 73"/>
-                  <a:gd name="T8" fmla="*/ 54 w 77"/>
-                  <a:gd name="T9" fmla="*/ 68 h 73"/>
-                  <a:gd name="T10" fmla="*/ 72 w 77"/>
-                  <a:gd name="T11" fmla="*/ 68 h 73"/>
-                  <a:gd name="T12" fmla="*/ 72 w 77"/>
-                  <a:gd name="T13" fmla="*/ 51 h 73"/>
-                  <a:gd name="T14" fmla="*/ 23 w 77"/>
-                  <a:gd name="T15" fmla="*/ 3 h 73"/>
-                </a:gdLst>
-                <a:ahLst/>
-                <a:cxnLst>
-                  <a:cxn ang="0">
-                    <a:pos x="T0" y="T1"/>
-                  </a:cxn>
-                  <a:cxn ang="0">
-                    <a:pos x="T2" y="T3"/>
-                  </a:cxn>
-                  <a:cxn ang="0">
-                    <a:pos x="T4" y="T5"/>
-                  </a:cxn>
-                  <a:cxn ang="0">
-                    <a:pos x="T6" y="T7"/>
-                  </a:cxn>
-                  <a:cxn ang="0">
-                    <a:pos x="T8" y="T9"/>
-                  </a:cxn>
-                  <a:cxn ang="0">
-                    <a:pos x="T10" y="T11"/>
-                  </a:cxn>
-                  <a:cxn ang="0">
-                    <a:pos x="T12" y="T13"/>
-                  </a:cxn>
-                  <a:cxn ang="0">
-                    <a:pos x="T14" y="T15"/>
-                  </a:cxn>
-                </a:cxnLst>
-                <a:rect l="0" t="0" r="r" b="b"/>
-                <a:pathLst>
-                  <a:path w="77" h="73">
-                    <a:moveTo>
-                      <a:pt x="23" y="3"/>
-                    </a:moveTo>
-                    <a:cubicBezTo>
-                      <a:pt x="21" y="1"/>
-                      <a:pt x="17" y="0"/>
-                      <a:pt x="14" y="0"/>
-                    </a:cubicBezTo>
-                    <a:cubicBezTo>
-                      <a:pt x="11" y="0"/>
-                      <a:pt x="8" y="1"/>
-                      <a:pt x="5" y="3"/>
-                    </a:cubicBezTo>
-                    <a:cubicBezTo>
-                      <a:pt x="0" y="8"/>
-                      <a:pt x="0" y="16"/>
-                      <a:pt x="5" y="21"/>
-                    </a:cubicBezTo>
-                    <a:cubicBezTo>
-                      <a:pt x="54" y="68"/>
-                      <a:pt x="54" y="68"/>
-                      <a:pt x="54" y="68"/>
-                    </a:cubicBezTo>
-                    <a:cubicBezTo>
-                      <a:pt x="59" y="73"/>
-                      <a:pt x="67" y="73"/>
-                      <a:pt x="72" y="68"/>
-                    </a:cubicBezTo>
-                    <a:cubicBezTo>
-                      <a:pt x="77" y="63"/>
-                      <a:pt x="77" y="55"/>
-                      <a:pt x="72" y="51"/>
-                    </a:cubicBezTo>
-                    <a:lnTo>
-                      <a:pt x="23" y="3"/>
-                    </a:lnTo>
-                    <a:close/>
-                  </a:path>
-                </a:pathLst>
-              </a:custGeom>
-              <a:solidFill>
-                <a:srgbClr val="3B3B3B"/>
-              </a:solidFill>
-              <a:ln>
-                <a:noFill/>
-              </a:ln>
-              <a:extLst>
-                <a:ext uri="{91240B29-F687-4F45-9708-019B960494DF}">
-                  <a14:hiddenLine xmlns:a14="http://schemas.microsoft.com/office/drawing/2010/main" w="9525">
-                    <a:solidFill>
-                      <a:srgbClr val="000000"/>
-                    </a:solidFill>
-                    <a:round/>
-                  </a14:hiddenLine>
-                </a:ext>
-              </a:extLst>
-            </p:spPr>
-            <p:txBody>
-              <a:bodyPr vert="horz" wrap="square" lIns="121920" tIns="60960" rIns="121920" bIns="60960" numCol="1" anchor="t" anchorCtr="0" compatLnSpc="1"/>
-              <a:lstStyle/>
-              <a:p>
-                <a:endParaRPr lang="zh-CN" altLang="en-US" sz="2400"/>
-              </a:p>
-            </p:txBody>
-          </p:sp>
-        </p:grpSp>
-        <p:cxnSp>
-          <p:nvCxnSpPr>
-            <p:cNvPr id="119" name="直接连接符 21">
-              <a:extLst>
-                <a:ext uri="{FF2B5EF4-FFF2-40B4-BE49-F238E27FC236}">
-                  <a16:creationId xmlns:a16="http://schemas.microsoft.com/office/drawing/2014/main" id="{4123B0FC-7727-5FD8-2ED9-E30EB229471C}"/>
-                </a:ext>
-              </a:extLst>
-            </p:cNvPr>
-            <p:cNvCxnSpPr/>
-            <p:nvPr/>
-          </p:nvCxnSpPr>
-          <p:spPr>
-            <a:xfrm flipV="1">
-              <a:off x="2295727" y="2062276"/>
-              <a:ext cx="0" cy="765534"/>
-            </a:xfrm>
-            <a:prstGeom prst="line">
-              <a:avLst/>
-            </a:prstGeom>
-            <a:ln w="12700">
-              <a:solidFill>
-                <a:srgbClr val="3B3B3B"/>
-              </a:solidFill>
-            </a:ln>
-          </p:spPr>
-          <p:style>
-            <a:lnRef idx="1">
-              <a:schemeClr val="accent1"/>
-            </a:lnRef>
-            <a:fillRef idx="0">
-              <a:schemeClr val="accent1"/>
-            </a:fillRef>
-            <a:effectRef idx="0">
-              <a:schemeClr val="accent1"/>
-            </a:effectRef>
-            <a:fontRef idx="minor">
-              <a:schemeClr val="tx1"/>
-            </a:fontRef>
-          </p:style>
-        </p:cxnSp>
-      </p:grpSp>
-      <p:sp>
-        <p:nvSpPr>
-          <p:cNvPr id="10" name="Text Box 147">
-            <a:extLst>
-              <a:ext uri="{FF2B5EF4-FFF2-40B4-BE49-F238E27FC236}">
-                <a16:creationId xmlns:a16="http://schemas.microsoft.com/office/drawing/2014/main" id="{DABA80DA-8EA4-83FB-00CC-5412C7138341}"/>
-              </a:ext>
-            </a:extLst>
-          </p:cNvPr>
-          <p:cNvSpPr txBox="1">
-            <a:spLocks noChangeArrowheads="1"/>
-          </p:cNvSpPr>
-          <p:nvPr/>
-        </p:nvSpPr>
-        <p:spPr bwMode="auto">
-          <a:xfrm>
-            <a:off x="428653" y="1355793"/>
-            <a:ext cx="8387734" cy="523220"/>
-          </a:xfrm>
-          <a:prstGeom prst="rect">
-            <a:avLst/>
-          </a:prstGeom>
-          <a:noFill/>
-          <a:ln>
-            <a:noFill/>
-          </a:ln>
-          <a:effectLst/>
-          <a:extLst>
-            <a:ext uri="{909E8E84-426E-40DD-AFC4-6F175D3DCCD1}">
-              <a14:hiddenFill xmlns:a14="http://schemas.microsoft.com/office/drawing/2010/main">
-                <a:solidFill>
-                  <a:schemeClr val="accent1"/>
-                </a:solidFill>
-              </a14:hiddenFill>
-            </a:ext>
-            <a:ext uri="{91240B29-F687-4F45-9708-019B960494DF}">
-              <a14:hiddenLine xmlns:a14="http://schemas.microsoft.com/office/drawing/2010/main" w="9525">
-                <a:solidFill>
-                  <a:schemeClr val="tx1"/>
-                </a:solidFill>
-                <a:miter lim="800000"/>
-                <a:headEnd/>
-                <a:tailEnd/>
-              </a14:hiddenLine>
-            </a:ext>
-            <a:ext uri="{AF507438-7753-43E0-B8FC-AC1667EBCBE1}">
-              <a14:hiddenEffects xmlns:a14="http://schemas.microsoft.com/office/drawing/2010/main">
-                <a:effectLst>
-                  <a:outerShdw dist="35921" dir="2700000" algn="ctr" rotWithShape="0">
-                    <a:schemeClr val="bg2"/>
-                  </a:outerShdw>
-                </a:effectLst>
-              </a14:hiddenEffects>
-            </a:ext>
-          </a:extLst>
-        </p:spPr>
-        <p:txBody>
-          <a:bodyPr wrap="square" lIns="0">
-            <a:spAutoFit/>
-          </a:bodyPr>
-          <a:lstStyle/>
-          <a:p>
-            <a:pPr algn="ctr"/>
-            <a:r>
-              <a:rPr lang="zh-TW" altLang="en-US" sz="2800" b="1" dirty="0">
-                <a:solidFill>
-                  <a:srgbClr val="3B3B3B"/>
-                </a:solidFill>
-                <a:latin typeface="微软雅黑" pitchFamily="34" charset="-122"/>
-                <a:ea typeface="微软雅黑" pitchFamily="34" charset="-122"/>
-              </a:rPr>
-              <a:t>運行環境</a:t>
-            </a:r>
-            <a:r>
-              <a:rPr lang="en-US" altLang="zh-TW" sz="2800" b="1" dirty="0">
-                <a:solidFill>
-                  <a:srgbClr val="3B3B3B"/>
-                </a:solidFill>
-                <a:latin typeface="微软雅黑" pitchFamily="34" charset="-122"/>
-                <a:ea typeface="微软雅黑" pitchFamily="34" charset="-122"/>
-              </a:rPr>
-              <a:t>:</a:t>
-            </a:r>
-            <a:r>
-              <a:rPr lang="zh-TW" altLang="en-US" sz="2800" b="1">
-                <a:solidFill>
-                  <a:srgbClr val="3B3B3B"/>
-                </a:solidFill>
-                <a:latin typeface="微软雅黑" pitchFamily="34" charset="-122"/>
-                <a:ea typeface="微软雅黑" pitchFamily="34" charset="-122"/>
-              </a:rPr>
-              <a:t> </a:t>
-            </a:r>
-            <a:r>
-              <a:rPr lang="en-US" altLang="zh-TW" sz="2800" b="1">
-                <a:solidFill>
-                  <a:srgbClr val="3B3B3B"/>
-                </a:solidFill>
-                <a:latin typeface="微软雅黑" pitchFamily="34" charset="-122"/>
-                <a:ea typeface="微软雅黑" pitchFamily="34" charset="-122"/>
-              </a:rPr>
-              <a:t>Ubuntu </a:t>
-            </a:r>
-            <a:r>
-              <a:rPr lang="en-US" altLang="zh-TW" sz="2800" b="1" dirty="0">
-                <a:solidFill>
-                  <a:srgbClr val="3B3B3B"/>
-                </a:solidFill>
-                <a:latin typeface="微软雅黑" pitchFamily="34" charset="-122"/>
-                <a:ea typeface="微软雅黑" pitchFamily="34" charset="-122"/>
-              </a:rPr>
-              <a:t>22.04 + Python</a:t>
-            </a:r>
-            <a:r>
-              <a:rPr lang="zh-TW" altLang="en-US" sz="2800" b="1" dirty="0">
-                <a:solidFill>
-                  <a:srgbClr val="3B3B3B"/>
-                </a:solidFill>
-                <a:latin typeface="微软雅黑" pitchFamily="34" charset="-122"/>
-                <a:ea typeface="微软雅黑" pitchFamily="34" charset="-122"/>
-              </a:rPr>
-              <a:t> </a:t>
-            </a:r>
-            <a:r>
-              <a:rPr lang="en-US" altLang="zh-TW" sz="2800" b="1" dirty="0">
-                <a:solidFill>
-                  <a:srgbClr val="3B3B3B"/>
-                </a:solidFill>
-                <a:latin typeface="微软雅黑" pitchFamily="34" charset="-122"/>
-                <a:ea typeface="微软雅黑" pitchFamily="34" charset="-122"/>
-              </a:rPr>
-              <a:t>+</a:t>
-            </a:r>
-            <a:r>
-              <a:rPr lang="zh-TW" altLang="en-US" sz="2800" b="1" dirty="0">
-                <a:solidFill>
-                  <a:srgbClr val="3B3B3B"/>
-                </a:solidFill>
-                <a:latin typeface="微软雅黑" pitchFamily="34" charset="-122"/>
-                <a:ea typeface="微软雅黑" pitchFamily="34" charset="-122"/>
-              </a:rPr>
-              <a:t> </a:t>
-            </a:r>
-            <a:r>
-              <a:rPr lang="en-US" altLang="zh-TW" sz="2800" b="1" dirty="0" err="1">
-                <a:solidFill>
-                  <a:srgbClr val="3B3B3B"/>
-                </a:solidFill>
-                <a:latin typeface="微软雅黑" pitchFamily="34" charset="-122"/>
-                <a:ea typeface="微软雅黑" pitchFamily="34" charset="-122"/>
-              </a:rPr>
-              <a:t>Pygame</a:t>
-            </a:r>
-            <a:endParaRPr lang="zh-CN" altLang="en-US" sz="2800" b="1" dirty="0">
-              <a:solidFill>
-                <a:srgbClr val="3B3B3B"/>
-              </a:solidFill>
-              <a:latin typeface="微软雅黑" pitchFamily="34" charset="-122"/>
-              <a:ea typeface="微软雅黑" pitchFamily="34" charset="-122"/>
-            </a:endParaRPr>
-          </a:p>
-        </p:txBody>
-      </p:sp>
-      <p:sp>
-        <p:nvSpPr>
-          <p:cNvPr id="2" name="Text Box 147">
-            <a:extLst>
-              <a:ext uri="{FF2B5EF4-FFF2-40B4-BE49-F238E27FC236}">
-                <a16:creationId xmlns:a16="http://schemas.microsoft.com/office/drawing/2014/main" id="{A34350BB-9871-98BF-C537-8F26DE3B747C}"/>
-              </a:ext>
-            </a:extLst>
-          </p:cNvPr>
-          <p:cNvSpPr txBox="1">
-            <a:spLocks noChangeArrowheads="1"/>
-          </p:cNvSpPr>
-          <p:nvPr/>
-        </p:nvSpPr>
-        <p:spPr bwMode="auto">
-          <a:xfrm>
-            <a:off x="923039" y="4083870"/>
-            <a:ext cx="8387734" cy="523220"/>
-          </a:xfrm>
-          <a:prstGeom prst="rect">
-            <a:avLst/>
-          </a:prstGeom>
-          <a:noFill/>
-          <a:ln>
-            <a:noFill/>
-          </a:ln>
-          <a:effectLst/>
-          <a:extLst>
-            <a:ext uri="{909E8E84-426E-40DD-AFC4-6F175D3DCCD1}">
-              <a14:hiddenFill xmlns:a14="http://schemas.microsoft.com/office/drawing/2010/main">
-                <a:solidFill>
-                  <a:schemeClr val="accent1"/>
-                </a:solidFill>
-              </a14:hiddenFill>
-            </a:ext>
-            <a:ext uri="{91240B29-F687-4F45-9708-019B960494DF}">
-              <a14:hiddenLine xmlns:a14="http://schemas.microsoft.com/office/drawing/2010/main" w="9525">
-                <a:solidFill>
-                  <a:schemeClr val="tx1"/>
-                </a:solidFill>
-                <a:miter lim="800000"/>
-                <a:headEnd/>
-                <a:tailEnd/>
-              </a14:hiddenLine>
-            </a:ext>
-            <a:ext uri="{AF507438-7753-43E0-B8FC-AC1667EBCBE1}">
-              <a14:hiddenEffects xmlns:a14="http://schemas.microsoft.com/office/drawing/2010/main">
-                <a:effectLst>
-                  <a:outerShdw dist="35921" dir="2700000" algn="ctr" rotWithShape="0">
-                    <a:schemeClr val="bg2"/>
-                  </a:outerShdw>
-                </a:effectLst>
-              </a14:hiddenEffects>
-            </a:ext>
-          </a:extLst>
-        </p:spPr>
-        <p:txBody>
-          <a:bodyPr wrap="square" lIns="0">
-            <a:spAutoFit/>
-          </a:bodyPr>
-          <a:lstStyle/>
-          <a:p>
-            <a:pPr algn="ctr"/>
-            <a:r>
-              <a:rPr lang="en-US" altLang="zh-TW" sz="2800" b="1" dirty="0">
-                <a:solidFill>
-                  <a:srgbClr val="FF0000"/>
-                </a:solidFill>
-                <a:latin typeface="微软雅黑" pitchFamily="34" charset="-122"/>
-                <a:ea typeface="微软雅黑" pitchFamily="34" charset="-122"/>
-              </a:rPr>
-              <a:t>DEMO video and its link</a:t>
-            </a:r>
-          </a:p>
-        </p:txBody>
-      </p:sp>
-    </p:spTree>
-    <p:extLst>
-      <p:ext uri="{BB962C8B-B14F-4D97-AF65-F5344CB8AC3E}">
-        <p14:creationId xmlns:p14="http://schemas.microsoft.com/office/powerpoint/2010/main" val="2385248815"/>
-      </p:ext>
-    </p:extLst>
-  </p:cSld>
-  <p:clrMapOvr>
-    <a:masterClrMapping/>
-  </p:clrMapOvr>
-</p:sld>
-</file>
-
 <file path=ppt/theme/theme1.xml><?xml version="1.0" encoding="utf-8"?>
 <a:theme xmlns:a="http://schemas.openxmlformats.org/drawingml/2006/main" name="Office 佈景主題">
   <a:themeElements>

--- a/oop final project.pptx
+++ b/oop final project.pptx
@@ -3704,88 +3704,6 @@
           </a:prstGeom>
         </p:spPr>
       </p:pic>
-      <p:sp>
-        <p:nvSpPr>
-          <p:cNvPr id="3" name="Text Box 147">
-            <a:extLst>
-              <a:ext uri="{FF2B5EF4-FFF2-40B4-BE49-F238E27FC236}">
-                <a16:creationId xmlns:a16="http://schemas.microsoft.com/office/drawing/2014/main" id="{40C62C35-D661-6EC3-EA29-6A723BC38F20}"/>
-              </a:ext>
-            </a:extLst>
-          </p:cNvPr>
-          <p:cNvSpPr txBox="1">
-            <a:spLocks noChangeArrowheads="1"/>
-          </p:cNvSpPr>
-          <p:nvPr/>
-        </p:nvSpPr>
-        <p:spPr bwMode="auto">
-          <a:xfrm>
-            <a:off x="5988065" y="676420"/>
-            <a:ext cx="4237858" cy="954107"/>
-          </a:xfrm>
-          <a:prstGeom prst="rect">
-            <a:avLst/>
-          </a:prstGeom>
-          <a:noFill/>
-          <a:ln>
-            <a:noFill/>
-          </a:ln>
-          <a:effectLst/>
-          <a:extLst>
-            <a:ext uri="{909E8E84-426E-40DD-AFC4-6F175D3DCCD1}">
-              <a14:hiddenFill xmlns:a14="http://schemas.microsoft.com/office/drawing/2010/main">
-                <a:solidFill>
-                  <a:schemeClr val="accent1"/>
-                </a:solidFill>
-              </a14:hiddenFill>
-            </a:ext>
-            <a:ext uri="{91240B29-F687-4F45-9708-019B960494DF}">
-              <a14:hiddenLine xmlns:a14="http://schemas.microsoft.com/office/drawing/2010/main" w="9525">
-                <a:solidFill>
-                  <a:schemeClr val="tx1"/>
-                </a:solidFill>
-                <a:miter lim="800000"/>
-                <a:headEnd/>
-                <a:tailEnd/>
-              </a14:hiddenLine>
-            </a:ext>
-            <a:ext uri="{AF507438-7753-43E0-B8FC-AC1667EBCBE1}">
-              <a14:hiddenEffects xmlns:a14="http://schemas.microsoft.com/office/drawing/2010/main">
-                <a:effectLst>
-                  <a:outerShdw dist="35921" dir="2700000" algn="ctr" rotWithShape="0">
-                    <a:schemeClr val="bg2"/>
-                  </a:outerShdw>
-                </a:effectLst>
-              </a14:hiddenEffects>
-            </a:ext>
-          </a:extLst>
-        </p:spPr>
-        <p:txBody>
-          <a:bodyPr wrap="square" lIns="0">
-            <a:spAutoFit/>
-          </a:bodyPr>
-          <a:lstStyle/>
-          <a:p>
-            <a:r>
-              <a:rPr lang="zh-TW" altLang="en-US" sz="2800" b="1" dirty="0">
-                <a:solidFill>
-                  <a:srgbClr val="FF0000"/>
-                </a:solidFill>
-                <a:latin typeface="微软雅黑" pitchFamily="34" charset="-122"/>
-                <a:ea typeface="微软雅黑" pitchFamily="34" charset="-122"/>
-              </a:rPr>
-              <a:t>總感覺這模板有點簡陋，看要不要換一個</a:t>
-            </a:r>
-            <a:endParaRPr lang="zh-CN" altLang="en-US" sz="2800" b="1" dirty="0">
-              <a:solidFill>
-                <a:srgbClr val="FF0000"/>
-              </a:solidFill>
-              <a:latin typeface="微软雅黑" pitchFamily="34" charset="-122"/>
-              <a:ea typeface="微软雅黑" pitchFamily="34" charset="-122"/>
-            </a:endParaRPr>
-          </a:p>
-        </p:txBody>
-      </p:sp>
     </p:spTree>
   </p:cSld>
   <p:clrMapOvr>
@@ -7858,8 +7776,8 @@
         </p:nvSpPr>
         <p:spPr bwMode="auto">
           <a:xfrm>
-            <a:off x="281876" y="1558217"/>
-            <a:ext cx="513282" cy="523220"/>
+            <a:off x="377018" y="1458757"/>
+            <a:ext cx="1970567" cy="523220"/>
           </a:xfrm>
           <a:prstGeom prst="rect">
             <a:avLst/>
@@ -7899,7 +7817,7 @@
           </a:extLst>
         </p:spPr>
         <p:txBody>
-          <a:bodyPr wrap="none">
+          <a:bodyPr wrap="square">
             <a:spAutoFit/>
           </a:bodyPr>
           <a:lstStyle/>
@@ -7912,7 +7830,7 @@
                 </a:solidFill>
                 <a:latin typeface="Impact" pitchFamily="34" charset="0"/>
               </a:rPr>
-              <a:t>01</a:t>
+              <a:t>PROBLEM 01</a:t>
             </a:r>
           </a:p>
         </p:txBody>
@@ -7933,7 +7851,7 @@
         </p:nvSpPr>
         <p:spPr bwMode="auto">
           <a:xfrm>
-            <a:off x="949406" y="1411782"/>
+            <a:off x="600742" y="1995161"/>
             <a:ext cx="9847327" cy="3894208"/>
           </a:xfrm>
           <a:prstGeom prst="rect">
@@ -10172,8 +10090,8 @@
         </p:nvSpPr>
         <p:spPr bwMode="auto">
           <a:xfrm>
-            <a:off x="175640" y="1773485"/>
-            <a:ext cx="556563" cy="523220"/>
+            <a:off x="401304" y="1990385"/>
+            <a:ext cx="2321096" cy="523220"/>
           </a:xfrm>
           <a:prstGeom prst="rect">
             <a:avLst/>
@@ -10213,7 +10131,7 @@
           </a:extLst>
         </p:spPr>
         <p:txBody>
-          <a:bodyPr wrap="none">
+          <a:bodyPr wrap="square">
             <a:spAutoFit/>
           </a:bodyPr>
           <a:lstStyle/>
@@ -10225,7 +10143,7 @@
                 </a:solidFill>
                 <a:latin typeface="Impact" pitchFamily="34" charset="0"/>
               </a:rPr>
-              <a:t>02</a:t>
+              <a:t>PROBLEM  02</a:t>
             </a:r>
           </a:p>
         </p:txBody>
@@ -10246,7 +10164,7 @@
         </p:nvSpPr>
         <p:spPr bwMode="auto">
           <a:xfrm>
-            <a:off x="732203" y="1654822"/>
+            <a:off x="453922" y="2594214"/>
             <a:ext cx="11185465" cy="2601546"/>
           </a:xfrm>
           <a:prstGeom prst="rect">
@@ -10416,82 +10334,6 @@
               <a:latin typeface="微软雅黑" pitchFamily="34" charset="-122"/>
               <a:ea typeface="微软雅黑" pitchFamily="34" charset="-122"/>
             </a:endParaRPr>
-          </a:p>
-        </p:txBody>
-      </p:sp>
-      <p:sp>
-        <p:nvSpPr>
-          <p:cNvPr id="2" name="Text Box 147">
-            <a:extLst>
-              <a:ext uri="{FF2B5EF4-FFF2-40B4-BE49-F238E27FC236}">
-                <a16:creationId xmlns:a16="http://schemas.microsoft.com/office/drawing/2014/main" id="{506E5E53-D850-724D-692F-5D2266682277}"/>
-              </a:ext>
-            </a:extLst>
-          </p:cNvPr>
-          <p:cNvSpPr txBox="1">
-            <a:spLocks noChangeArrowheads="1"/>
-          </p:cNvSpPr>
-          <p:nvPr/>
-        </p:nvSpPr>
-        <p:spPr bwMode="auto">
-          <a:xfrm>
-            <a:off x="1103445" y="5115378"/>
-            <a:ext cx="8387734" cy="523220"/>
-          </a:xfrm>
-          <a:prstGeom prst="rect">
-            <a:avLst/>
-          </a:prstGeom>
-          <a:noFill/>
-          <a:ln>
-            <a:noFill/>
-          </a:ln>
-          <a:effectLst/>
-          <a:extLst>
-            <a:ext uri="{909E8E84-426E-40DD-AFC4-6F175D3DCCD1}">
-              <a14:hiddenFill xmlns:a14="http://schemas.microsoft.com/office/drawing/2010/main">
-                <a:solidFill>
-                  <a:schemeClr val="accent1"/>
-                </a:solidFill>
-              </a14:hiddenFill>
-            </a:ext>
-            <a:ext uri="{91240B29-F687-4F45-9708-019B960494DF}">
-              <a14:hiddenLine xmlns:a14="http://schemas.microsoft.com/office/drawing/2010/main" w="9525">
-                <a:solidFill>
-                  <a:schemeClr val="tx1"/>
-                </a:solidFill>
-                <a:miter lim="800000"/>
-                <a:headEnd/>
-                <a:tailEnd/>
-              </a14:hiddenLine>
-            </a:ext>
-            <a:ext uri="{AF507438-7753-43E0-B8FC-AC1667EBCBE1}">
-              <a14:hiddenEffects xmlns:a14="http://schemas.microsoft.com/office/drawing/2010/main">
-                <a:effectLst>
-                  <a:outerShdw dist="35921" dir="2700000" algn="ctr" rotWithShape="0">
-                    <a:schemeClr val="bg2"/>
-                  </a:outerShdw>
-                </a:effectLst>
-              </a14:hiddenEffects>
-            </a:ext>
-          </a:extLst>
-        </p:spPr>
-        <p:txBody>
-          <a:bodyPr wrap="square" lIns="0">
-            <a:spAutoFit/>
-          </a:bodyPr>
-          <a:lstStyle/>
-          <a:p>
-            <a:pPr algn="ctr"/>
-            <a:r>
-              <a:rPr lang="en-US" altLang="zh-TW" sz="2800" b="1" dirty="0">
-                <a:solidFill>
-                  <a:srgbClr val="FF0000"/>
-                </a:solidFill>
-                <a:latin typeface="微软雅黑" pitchFamily="34" charset="-122"/>
-                <a:ea typeface="微软雅黑" pitchFamily="34" charset="-122"/>
-              </a:rPr>
-              <a:t>Add at least two more encountered problems</a:t>
-            </a:r>
           </a:p>
         </p:txBody>
       </p:sp>
@@ -29197,8 +29039,8 @@
         </p:nvSpPr>
         <p:spPr bwMode="auto">
           <a:xfrm>
-            <a:off x="377018" y="1225928"/>
-            <a:ext cx="11635825" cy="5177187"/>
+            <a:off x="662663" y="1355793"/>
+            <a:ext cx="11635825" cy="5170646"/>
           </a:xfrm>
           <a:prstGeom prst="rect">
             <a:avLst/>
@@ -29244,14 +29086,11 @@
           <a:lstStyle/>
           <a:p>
             <a:pPr marL="457200" indent="-457200">
-              <a:lnSpc>
-                <a:spcPct val="150000"/>
-              </a:lnSpc>
               <a:spcBef>
-                <a:spcPts val="400"/>
+                <a:spcPts val="600"/>
               </a:spcBef>
               <a:spcAft>
-                <a:spcPts val="400"/>
+                <a:spcPts val="600"/>
               </a:spcAft>
               <a:buFont typeface="Wingdings" panose="05000000000000000000" pitchFamily="2" charset="2"/>
               <a:buChar char="l"/>
@@ -29276,14 +29115,11 @@
           </a:p>
           <a:p>
             <a:pPr>
-              <a:lnSpc>
-                <a:spcPct val="150000"/>
-              </a:lnSpc>
               <a:spcBef>
-                <a:spcPts val="400"/>
+                <a:spcPts val="600"/>
               </a:spcBef>
               <a:spcAft>
-                <a:spcPts val="400"/>
+                <a:spcPts val="600"/>
               </a:spcAft>
             </a:pPr>
             <a:r>
@@ -29316,14 +29152,11 @@
           </a:p>
           <a:p>
             <a:pPr marL="457200" indent="-457200">
-              <a:lnSpc>
-                <a:spcPct val="150000"/>
-              </a:lnSpc>
               <a:spcBef>
-                <a:spcPts val="400"/>
+                <a:spcPts val="600"/>
               </a:spcBef>
               <a:spcAft>
-                <a:spcPts val="400"/>
+                <a:spcPts val="600"/>
               </a:spcAft>
               <a:buFont typeface="Wingdings" panose="05000000000000000000" pitchFamily="2" charset="2"/>
               <a:buChar char="l"/>
@@ -29348,14 +29181,11 @@
           </a:p>
           <a:p>
             <a:pPr>
-              <a:lnSpc>
-                <a:spcPct val="150000"/>
-              </a:lnSpc>
               <a:spcBef>
-                <a:spcPts val="400"/>
+                <a:spcPts val="600"/>
               </a:spcBef>
               <a:spcAft>
-                <a:spcPts val="400"/>
+                <a:spcPts val="600"/>
               </a:spcAft>
             </a:pPr>
             <a:r>
@@ -29388,14 +29218,11 @@
           </a:p>
           <a:p>
             <a:pPr marL="457200" indent="-457200">
-              <a:lnSpc>
-                <a:spcPct val="150000"/>
-              </a:lnSpc>
               <a:spcBef>
-                <a:spcPts val="400"/>
+                <a:spcPts val="600"/>
               </a:spcBef>
               <a:spcAft>
-                <a:spcPts val="400"/>
+                <a:spcPts val="600"/>
               </a:spcAft>
               <a:buFont typeface="Wingdings" panose="05000000000000000000" pitchFamily="2" charset="2"/>
               <a:buChar char="l"/>
@@ -29440,14 +29267,11 @@
           </a:p>
           <a:p>
             <a:pPr>
-              <a:lnSpc>
-                <a:spcPct val="150000"/>
-              </a:lnSpc>
               <a:spcBef>
-                <a:spcPts val="400"/>
+                <a:spcPts val="600"/>
               </a:spcBef>
               <a:spcAft>
-                <a:spcPts val="400"/>
+                <a:spcPts val="600"/>
               </a:spcAft>
             </a:pPr>
             <a:r>
@@ -29480,14 +29304,11 @@
           </a:p>
           <a:p>
             <a:pPr marL="457200" indent="-457200">
-              <a:lnSpc>
-                <a:spcPct val="150000"/>
-              </a:lnSpc>
               <a:spcBef>
-                <a:spcPts val="400"/>
+                <a:spcPts val="600"/>
               </a:spcBef>
               <a:spcAft>
-                <a:spcPts val="400"/>
+                <a:spcPts val="600"/>
               </a:spcAft>
               <a:buFont typeface="Wingdings" panose="05000000000000000000" pitchFamily="2" charset="2"/>
               <a:buChar char="l"/>
@@ -29522,14 +29343,11 @@
           </a:p>
           <a:p>
             <a:pPr>
-              <a:lnSpc>
-                <a:spcPct val="150000"/>
-              </a:lnSpc>
               <a:spcBef>
-                <a:spcPts val="400"/>
+                <a:spcPts val="600"/>
               </a:spcBef>
               <a:spcAft>
-                <a:spcPts val="400"/>
+                <a:spcPts val="600"/>
               </a:spcAft>
             </a:pPr>
             <a:r>
@@ -29551,6 +29369,79 @@
                 <a:ea typeface="微软雅黑" pitchFamily="34" charset="-122"/>
               </a:rPr>
               <a:t>打造幽默且創意的角色設計，提升視覺吸引力</a:t>
+            </a:r>
+            <a:endParaRPr lang="en-US" altLang="zh-TW" sz="2400" dirty="0">
+              <a:solidFill>
+                <a:srgbClr val="3B3B3B"/>
+              </a:solidFill>
+              <a:latin typeface="微软雅黑" pitchFamily="34" charset="-122"/>
+              <a:ea typeface="微软雅黑" pitchFamily="34" charset="-122"/>
+            </a:endParaRPr>
+          </a:p>
+          <a:p>
+            <a:pPr marL="342900" indent="-342900">
+              <a:spcBef>
+                <a:spcPts val="600"/>
+              </a:spcBef>
+              <a:spcAft>
+                <a:spcPts val="600"/>
+              </a:spcAft>
+              <a:buFont typeface="Wingdings" panose="05000000000000000000" pitchFamily="2" charset="2"/>
+              <a:buChar char="l"/>
+            </a:pPr>
+            <a:r>
+              <a:rPr lang="zh-TW" altLang="en-US" sz="2400" b="1" dirty="0">
+                <a:latin typeface="微软雅黑" pitchFamily="34" charset="-122"/>
+                <a:ea typeface="微软雅黑" pitchFamily="34" charset="-122"/>
+              </a:rPr>
+              <a:t> 線上遊玩功能</a:t>
+            </a:r>
+            <a:r>
+              <a:rPr lang="en-US" altLang="zh-TW" sz="2400" b="1" dirty="0">
+                <a:latin typeface="微软雅黑" pitchFamily="34" charset="-122"/>
+                <a:ea typeface="微软雅黑" pitchFamily="34" charset="-122"/>
+              </a:rPr>
+              <a:t>:</a:t>
+            </a:r>
+          </a:p>
+          <a:p>
+            <a:pPr>
+              <a:spcBef>
+                <a:spcPts val="600"/>
+              </a:spcBef>
+              <a:spcAft>
+                <a:spcPts val="600"/>
+              </a:spcAft>
+            </a:pPr>
+            <a:r>
+              <a:rPr lang="zh-TW" altLang="en-US" sz="2400" dirty="0">
+                <a:solidFill>
+                  <a:srgbClr val="3B3B3B"/>
+                </a:solidFill>
+                <a:latin typeface="微软雅黑" pitchFamily="34" charset="-122"/>
+                <a:ea typeface="微软雅黑" pitchFamily="34" charset="-122"/>
+              </a:rPr>
+              <a:t>    我們有把遊戲放到</a:t>
+            </a:r>
+            <a:r>
+              <a:rPr lang="en-US" altLang="zh-TW" sz="2400" dirty="0" err="1">
+                <a:solidFill>
+                  <a:srgbClr val="3B3B3B"/>
+                </a:solidFill>
+                <a:latin typeface="微软雅黑" pitchFamily="34" charset="-122"/>
+                <a:ea typeface="微软雅黑" pitchFamily="34" charset="-122"/>
+              </a:rPr>
+              <a:t>Replit</a:t>
+            </a:r>
+            <a:r>
+              <a:rPr lang="zh-TW" altLang="en-US" sz="2400" dirty="0">
+                <a:solidFill>
+                  <a:srgbClr val="3B3B3B"/>
+                </a:solidFill>
+                <a:latin typeface="微软雅黑" pitchFamily="34" charset="-122"/>
+                <a:ea typeface="微软雅黑" pitchFamily="34" charset="-122"/>
+              </a:rPr>
+              <a:t>上，有空的人可以去玩</a:t>
             </a:r>
             <a:endParaRPr lang="en-US" altLang="zh-TW" sz="2400" dirty="0">
               <a:solidFill>
@@ -40335,8 +40226,8 @@
         </p:nvSpPr>
         <p:spPr bwMode="auto">
           <a:xfrm>
-            <a:off x="377018" y="1568444"/>
-            <a:ext cx="6557831" cy="4585871"/>
+            <a:off x="538517" y="1603885"/>
+            <a:ext cx="6557831" cy="5093702"/>
           </a:xfrm>
           <a:prstGeom prst="rect">
             <a:avLst/>
@@ -40390,44 +40281,12 @@
               </a:spcAft>
             </a:pPr>
             <a:r>
-              <a:rPr lang="zh-TW" altLang="en-US" sz="2800" b="1" dirty="0">
-                <a:latin typeface="微软雅黑" pitchFamily="34" charset="-122"/>
-                <a:ea typeface="微软雅黑" pitchFamily="34" charset="-122"/>
-              </a:rPr>
-              <a:t>生存模式（位於</a:t>
-            </a:r>
-            <a:r>
               <a:rPr lang="en-US" altLang="zh-TW" sz="2800" b="1" dirty="0">
                 <a:latin typeface="微软雅黑" pitchFamily="34" charset="-122"/>
                 <a:ea typeface="微软雅黑" pitchFamily="34" charset="-122"/>
               </a:rPr>
-              <a:t>class</a:t>
+              <a:t>Survival Mode</a:t>
             </a:r>
-            <a:r>
-              <a:rPr lang="zh-TW" altLang="en-US" sz="2800" b="1" dirty="0">
-                <a:latin typeface="微软雅黑" pitchFamily="34" charset="-122"/>
-                <a:ea typeface="微软雅黑" pitchFamily="34" charset="-122"/>
-              </a:rPr>
-              <a:t> </a:t>
-            </a:r>
-            <a:r>
-              <a:rPr lang="en-US" altLang="zh-TW" sz="2800" b="1" dirty="0">
-                <a:latin typeface="微软雅黑" pitchFamily="34" charset="-122"/>
-                <a:ea typeface="微软雅黑" pitchFamily="34" charset="-122"/>
-              </a:rPr>
-              <a:t>Level</a:t>
-            </a:r>
-            <a:r>
-              <a:rPr lang="zh-TW" altLang="en-US" sz="2800" b="1" dirty="0">
-                <a:latin typeface="微软雅黑" pitchFamily="34" charset="-122"/>
-                <a:ea typeface="微软雅黑" pitchFamily="34" charset="-122"/>
-              </a:rPr>
-              <a:t>內）</a:t>
-            </a:r>
-            <a:endParaRPr lang="en-US" altLang="zh-TW" sz="2800" b="1" dirty="0">
-              <a:latin typeface="微软雅黑" pitchFamily="34" charset="-122"/>
-              <a:ea typeface="微软雅黑" pitchFamily="34" charset="-122"/>
-            </a:endParaRPr>
           </a:p>
           <a:p>
             <a:pPr marL="457200" indent="-457200">
@@ -40474,57 +40333,6 @@
                 <a:ea typeface="微软雅黑" pitchFamily="34" charset="-122"/>
               </a:rPr>
               <a:t>設定需克服的旗幟數量</a:t>
-            </a:r>
-            <a:endParaRPr lang="en-US" altLang="zh-TW" sz="2800" dirty="0">
-              <a:latin typeface="微软雅黑" pitchFamily="34" charset="-122"/>
-              <a:ea typeface="微软雅黑" pitchFamily="34" charset="-122"/>
-            </a:endParaRPr>
-          </a:p>
-          <a:p>
-            <a:pPr marL="457200" indent="-457200">
-              <a:spcBef>
-                <a:spcPts val="300"/>
-              </a:spcBef>
-              <a:spcAft>
-                <a:spcPts val="300"/>
-              </a:spcAft>
-              <a:buFont typeface="Arial" panose="020B0604020202020204" pitchFamily="34" charset="0"/>
-              <a:buChar char="•"/>
-            </a:pPr>
-            <a:r>
-              <a:rPr lang="en-US" altLang="zh-TW" sz="2800" b="1" dirty="0" err="1">
-                <a:latin typeface="微软雅黑" pitchFamily="34" charset="-122"/>
-                <a:ea typeface="微软雅黑" pitchFamily="34" charset="-122"/>
-              </a:rPr>
-              <a:t>survival_rounds</a:t>
-            </a:r>
-            <a:r>
-              <a:rPr lang="zh-TW" altLang="en-US" sz="2800" b="1" dirty="0">
-                <a:latin typeface="微软雅黑" pitchFamily="34" charset="-122"/>
-                <a:ea typeface="微软雅黑" pitchFamily="34" charset="-122"/>
-              </a:rPr>
-              <a:t>：</a:t>
-            </a:r>
-            <a:endParaRPr lang="en-US" altLang="zh-TW" sz="2800" b="1" dirty="0">
-              <a:latin typeface="微软雅黑" pitchFamily="34" charset="-122"/>
-              <a:ea typeface="微软雅黑" pitchFamily="34" charset="-122"/>
-            </a:endParaRPr>
-          </a:p>
-          <a:p>
-            <a:pPr>
-              <a:spcBef>
-                <a:spcPts val="300"/>
-              </a:spcBef>
-              <a:spcAft>
-                <a:spcPts val="300"/>
-              </a:spcAft>
-            </a:pPr>
-            <a:r>
-              <a:rPr lang="zh-TW" altLang="en-US" sz="2800" dirty="0">
-                <a:latin typeface="微软雅黑" pitchFamily="34" charset="-122"/>
-                <a:ea typeface="微软雅黑" pitchFamily="34" charset="-122"/>
-              </a:rPr>
-              <a:t>記錄已克服的旗幟數，用於動態調整難度</a:t>
             </a:r>
             <a:endParaRPr lang="en-US" altLang="zh-TW" sz="2800" dirty="0">
               <a:latin typeface="微软雅黑" pitchFamily="34" charset="-122"/>
@@ -40642,6 +40450,71 @@
               </a:rPr>
               <a:t>根據遊戲進度生成殭屍波次</a:t>
             </a:r>
+            <a:endParaRPr lang="en-US" altLang="zh-TW" sz="2800" dirty="0">
+              <a:latin typeface="微软雅黑" pitchFamily="34" charset="-122"/>
+              <a:ea typeface="微软雅黑" pitchFamily="34" charset="-122"/>
+            </a:endParaRPr>
+          </a:p>
+          <a:p>
+            <a:pPr marL="457200" indent="-457200">
+              <a:spcBef>
+                <a:spcPts val="300"/>
+              </a:spcBef>
+              <a:spcAft>
+                <a:spcPts val="300"/>
+              </a:spcAft>
+              <a:buFont typeface="Arial" panose="020B0604020202020204" pitchFamily="34" charset="0"/>
+              <a:buChar char="•"/>
+            </a:pPr>
+            <a:r>
+              <a:rPr lang="en-US" altLang="zh-TW" sz="2800" b="1" dirty="0" err="1">
+                <a:latin typeface="微软雅黑" pitchFamily="34" charset="-122"/>
+                <a:ea typeface="微软雅黑" pitchFamily="34" charset="-122"/>
+              </a:rPr>
+              <a:t>survival_rounds</a:t>
+            </a:r>
+            <a:r>
+              <a:rPr lang="zh-TW" altLang="en-US" sz="2800" b="1" dirty="0">
+                <a:latin typeface="微软雅黑" pitchFamily="34" charset="-122"/>
+                <a:ea typeface="微软雅黑" pitchFamily="34" charset="-122"/>
+              </a:rPr>
+              <a:t>：</a:t>
+            </a:r>
+            <a:endParaRPr lang="en-US" altLang="zh-TW" sz="2800" b="1" dirty="0">
+              <a:latin typeface="微软雅黑" pitchFamily="34" charset="-122"/>
+              <a:ea typeface="微软雅黑" pitchFamily="34" charset="-122"/>
+            </a:endParaRPr>
+          </a:p>
+          <a:p>
+            <a:pPr>
+              <a:spcBef>
+                <a:spcPts val="300"/>
+              </a:spcBef>
+              <a:spcAft>
+                <a:spcPts val="300"/>
+              </a:spcAft>
+            </a:pPr>
+            <a:r>
+              <a:rPr lang="zh-TW" altLang="en-US" sz="2800" dirty="0">
+                <a:latin typeface="微软雅黑" pitchFamily="34" charset="-122"/>
+                <a:ea typeface="微软雅黑" pitchFamily="34" charset="-122"/>
+              </a:rPr>
+              <a:t>記錄已克服的旗幟數，用於動態調整難度</a:t>
+            </a:r>
+            <a:endParaRPr lang="en-US" altLang="zh-TW" sz="2800" dirty="0">
+              <a:latin typeface="微软雅黑" pitchFamily="34" charset="-122"/>
+              <a:ea typeface="微软雅黑" pitchFamily="34" charset="-122"/>
+            </a:endParaRPr>
+          </a:p>
+          <a:p>
+            <a:pPr>
+              <a:spcBef>
+                <a:spcPts val="300"/>
+              </a:spcBef>
+              <a:spcAft>
+                <a:spcPts val="300"/>
+              </a:spcAft>
+            </a:pPr>
             <a:endParaRPr lang="zh-CN" altLang="en-US" sz="2800" b="1" dirty="0">
               <a:solidFill>
                 <a:srgbClr val="FF0000"/>
@@ -40652,6 +40525,66 @@
           </a:p>
         </p:txBody>
       </p:sp>
+      <p:pic>
+        <p:nvPicPr>
+          <p:cNvPr id="5" name="圖片 4">
+            <a:extLst>
+              <a:ext uri="{FF2B5EF4-FFF2-40B4-BE49-F238E27FC236}">
+                <a16:creationId xmlns:a16="http://schemas.microsoft.com/office/drawing/2014/main" id="{98230E5C-67B7-A429-5F1A-68EF47A90A55}"/>
+              </a:ext>
+            </a:extLst>
+          </p:cNvPr>
+          <p:cNvPicPr>
+            <a:picLocks noChangeAspect="1"/>
+          </p:cNvPicPr>
+          <p:nvPr/>
+        </p:nvPicPr>
+        <p:blipFill>
+          <a:blip r:embed="rId2"/>
+          <a:stretch>
+            <a:fillRect/>
+          </a:stretch>
+        </p:blipFill>
+        <p:spPr>
+          <a:xfrm>
+            <a:off x="5057263" y="290560"/>
+            <a:ext cx="6757719" cy="2518738"/>
+          </a:xfrm>
+          <a:prstGeom prst="rect">
+            <a:avLst/>
+          </a:prstGeom>
+        </p:spPr>
+      </p:pic>
+      <p:pic>
+        <p:nvPicPr>
+          <p:cNvPr id="7" name="圖片 6">
+            <a:extLst>
+              <a:ext uri="{FF2B5EF4-FFF2-40B4-BE49-F238E27FC236}">
+                <a16:creationId xmlns:a16="http://schemas.microsoft.com/office/drawing/2014/main" id="{F8DBE8F0-DC82-1067-1FCE-AD96C7FBD898}"/>
+              </a:ext>
+            </a:extLst>
+          </p:cNvPr>
+          <p:cNvPicPr>
+            <a:picLocks noChangeAspect="1"/>
+          </p:cNvPicPr>
+          <p:nvPr/>
+        </p:nvPicPr>
+        <p:blipFill>
+          <a:blip r:embed="rId3"/>
+          <a:stretch>
+            <a:fillRect/>
+          </a:stretch>
+        </p:blipFill>
+        <p:spPr>
+          <a:xfrm>
+            <a:off x="5095652" y="2967461"/>
+            <a:ext cx="6557831" cy="2558054"/>
+          </a:xfrm>
+          <a:prstGeom prst="rect">
+            <a:avLst/>
+          </a:prstGeom>
+        </p:spPr>
+      </p:pic>
     </p:spTree>
     <p:extLst>
       <p:ext uri="{BB962C8B-B14F-4D97-AF65-F5344CB8AC3E}">

--- a/oop final project.pptx
+++ b/oop final project.pptx
@@ -12288,7 +12288,7 @@
                 <a:latin typeface="微软雅黑" pitchFamily="34" charset="-122"/>
                 <a:ea typeface="微软雅黑" pitchFamily="34" charset="-122"/>
               </a:rPr>
-              <a:t> 角色修改、口頭報告</a:t>
+              <a:t> 角色美術修改、口頭報告</a:t>
             </a:r>
             <a:endParaRPr lang="en-US" altLang="zh-TW" sz="2800" b="1" dirty="0">
               <a:solidFill>
@@ -29039,7 +29039,7 @@
         </p:nvSpPr>
         <p:spPr bwMode="auto">
           <a:xfrm>
-            <a:off x="662663" y="1355793"/>
+            <a:off x="480289" y="1355793"/>
             <a:ext cx="11635825" cy="5170646"/>
           </a:xfrm>
           <a:prstGeom prst="rect">
@@ -29314,16 +29314,6 @@
               <a:buChar char="l"/>
             </a:pPr>
             <a:r>
-              <a:rPr lang="en-US" altLang="zh-TW" sz="2400" b="1" dirty="0">
-                <a:solidFill>
-                  <a:srgbClr val="3B3B3B"/>
-                </a:solidFill>
-                <a:latin typeface="微软雅黑" pitchFamily="34" charset="-122"/>
-                <a:ea typeface="微软雅黑" pitchFamily="34" charset="-122"/>
-              </a:rPr>
-              <a:t>Kuso</a:t>
-            </a:r>
-            <a:r>
               <a:rPr lang="zh-TW" altLang="en-US" sz="2400" b="1" dirty="0">
                 <a:solidFill>
                   <a:srgbClr val="3B3B3B"/>
@@ -29331,7 +29321,7 @@
                 <a:latin typeface="微软雅黑" pitchFamily="34" charset="-122"/>
                 <a:ea typeface="微软雅黑" pitchFamily="34" charset="-122"/>
               </a:rPr>
-              <a:t>（角色美術）：</a:t>
+              <a:t>角色美術：</a:t>
             </a:r>
             <a:endParaRPr lang="en-US" altLang="zh-TW" sz="2400" b="1" dirty="0">
               <a:solidFill>
@@ -38249,7 +38239,7 @@
         </p:blipFill>
         <p:spPr>
           <a:xfrm>
-            <a:off x="5523149" y="2179270"/>
+            <a:off x="5586944" y="2235977"/>
             <a:ext cx="6257727" cy="2499459"/>
           </a:xfrm>
           <a:prstGeom prst="rect">
@@ -40547,8 +40537,8 @@
         </p:blipFill>
         <p:spPr>
           <a:xfrm>
-            <a:off x="5057263" y="290560"/>
-            <a:ext cx="6757719" cy="2518738"/>
+            <a:off x="5996572" y="782079"/>
+            <a:ext cx="5532765" cy="2062173"/>
           </a:xfrm>
           <a:prstGeom prst="rect">
             <a:avLst/>
@@ -40577,8 +40567,8 @@
         </p:blipFill>
         <p:spPr>
           <a:xfrm>
-            <a:off x="5095652" y="2967461"/>
-            <a:ext cx="6557831" cy="2558054"/>
+            <a:off x="6002964" y="3160806"/>
+            <a:ext cx="5532765" cy="2158200"/>
           </a:xfrm>
           <a:prstGeom prst="rect">
             <a:avLst/>

--- a/oop final project.pptx
+++ b/oop final project.pptx
@@ -38031,7 +38031,7 @@
                 <a:latin typeface="微软雅黑" pitchFamily="34" charset="-122"/>
                 <a:ea typeface="微软雅黑" pitchFamily="34" charset="-122"/>
               </a:rPr>
-              <a:t>    管理遊戲狀態與玩法機制</a:t>
+              <a:t>    遊戲機制</a:t>
             </a:r>
             <a:endParaRPr lang="en-US" altLang="zh-TW" sz="2800" dirty="0">
               <a:latin typeface="微软雅黑" pitchFamily="34" charset="-122"/>
@@ -38089,7 +38089,7 @@
                 <a:latin typeface="微软雅黑" pitchFamily="34" charset="-122"/>
                 <a:ea typeface="微软雅黑" pitchFamily="34" charset="-122"/>
               </a:rPr>
-              <a:t>    顯示遊戲結束或完成畫面</a:t>
+              <a:t>    顯示遊戲時間及輸入姓名紀錄</a:t>
             </a:r>
             <a:endParaRPr lang="en-US" altLang="zh-TW" sz="2800" dirty="0">
               <a:latin typeface="微软雅黑" pitchFamily="34" charset="-122"/>
@@ -38154,7 +38154,7 @@
                 <a:latin typeface="微软雅黑" pitchFamily="34" charset="-122"/>
                 <a:ea typeface="微软雅黑" pitchFamily="34" charset="-122"/>
               </a:rPr>
-              <a:t>記錄並顯示遊戲分數與歷史紀錄</a:t>
+              <a:t>顯示歷史前五遊戲紀錄</a:t>
             </a:r>
             <a:endParaRPr lang="en-US" altLang="zh-TW" sz="2800" dirty="0">
               <a:latin typeface="微软雅黑" pitchFamily="34" charset="-122"/>
@@ -38239,7 +38239,7 @@
         </p:blipFill>
         <p:spPr>
           <a:xfrm>
-            <a:off x="5586944" y="2235977"/>
+            <a:off x="5794279" y="2230661"/>
             <a:ext cx="6257727" cy="2499459"/>
           </a:xfrm>
           <a:prstGeom prst="rect">
